--- a/TP_Geometrie_RobotDelta2D/Figures.pptx
+++ b/TP_Geometrie_RobotDelta2D/Figures.pptx
@@ -8,6 +8,8 @@
     <p:sldId id="256" r:id="rId2"/>
     <p:sldId id="257" r:id="rId3"/>
     <p:sldId id="258" r:id="rId4"/>
+    <p:sldId id="259" r:id="rId5"/>
+    <p:sldId id="260" r:id="rId6"/>
   </p:sldIdLst>
   <p:sldSz cx="12192000" cy="6858000"/>
   <p:notesSz cx="6858000" cy="9144000"/>
@@ -114,7 +116,7 @@
             <a:srgbClr val="A4A3A4"/>
           </p15:clr>
         </p15:guide>
-        <p15:guide id="2" pos="3840" userDrawn="1">
+        <p15:guide id="2" pos="3931" userDrawn="1">
           <p15:clr>
             <a:srgbClr val="A4A3A4"/>
           </p15:clr>
@@ -4892,6 +4894,7 @@
             </a:extLst>
           </p:cNvPr>
           <p:cNvCxnSpPr>
+            <a:cxnSpLocks/>
             <a:stCxn id="5" idx="4"/>
           </p:cNvCxnSpPr>
           <p:nvPr/>
@@ -4899,7 +4902,7 @@
         <p:spPr>
           <a:xfrm>
             <a:off x="1868914" y="4968857"/>
-            <a:ext cx="0" cy="593743"/>
+            <a:ext cx="0" cy="932566"/>
           </a:xfrm>
           <a:prstGeom prst="line">
             <a:avLst/>
@@ -5012,10 +5015,7271 @@
           </a:fontRef>
         </p:style>
       </p:cxnSp>
+      <mc:AlternateContent xmlns:mc="http://schemas.openxmlformats.org/markup-compatibility/2006">
+        <mc:Choice xmlns:a14="http://schemas.microsoft.com/office/drawing/2010/main" Requires="a14">
+          <p:sp>
+            <p:nvSpPr>
+              <p:cNvPr id="2" name="ZoneTexte 1">
+                <a:extLst>
+                  <a:ext uri="{FF2B5EF4-FFF2-40B4-BE49-F238E27FC236}">
+                    <a16:creationId xmlns:a16="http://schemas.microsoft.com/office/drawing/2014/main" id="{8CA554D7-994C-FF28-7EEF-A491BDEF314F}"/>
+                  </a:ext>
+                </a:extLst>
+              </p:cNvPr>
+              <p:cNvSpPr txBox="1"/>
+              <p:nvPr/>
+            </p:nvSpPr>
+            <p:spPr>
+              <a:xfrm>
+                <a:off x="3380234" y="347338"/>
+                <a:ext cx="272510" cy="369332"/>
+              </a:xfrm>
+              <a:prstGeom prst="rect">
+                <a:avLst/>
+              </a:prstGeom>
+              <a:noFill/>
+            </p:spPr>
+            <p:txBody>
+              <a:bodyPr wrap="none" lIns="0" tIns="0" rIns="0" bIns="0" rtlCol="0">
+                <a:spAutoFit/>
+              </a:bodyPr>
+              <a:lstStyle/>
+              <a:p>
+                <a14:m>
+                  <m:oMathPara xmlns:m="http://schemas.openxmlformats.org/officeDocument/2006/math">
+                    <m:oMathParaPr>
+                      <m:jc m:val="centerGroup"/>
+                    </m:oMathParaPr>
+                    <m:oMath xmlns:m="http://schemas.openxmlformats.org/officeDocument/2006/math">
+                      <m:r>
+                        <a:rPr lang="fr-FR" sz="2400" b="1" i="1" smtClean="0">
+                          <a:latin typeface="Cambria Math" panose="02040503050406030204" pitchFamily="18" charset="0"/>
+                        </a:rPr>
+                        <m:t>𝑨</m:t>
+                      </m:r>
+                    </m:oMath>
+                  </m:oMathPara>
+                </a14:m>
+                <a:endParaRPr lang="fr-FR" sz="2400" b="1" dirty="0"/>
+              </a:p>
+            </p:txBody>
+          </p:sp>
+        </mc:Choice>
+        <mc:Fallback>
+          <p:sp>
+            <p:nvSpPr>
+              <p:cNvPr id="2" name="ZoneTexte 1">
+                <a:extLst>
+                  <a:ext uri="{FF2B5EF4-FFF2-40B4-BE49-F238E27FC236}">
+                    <a16:creationId xmlns:a16="http://schemas.microsoft.com/office/drawing/2014/main" id="{8CA554D7-994C-FF28-7EEF-A491BDEF314F}"/>
+                  </a:ext>
+                </a:extLst>
+              </p:cNvPr>
+              <p:cNvSpPr txBox="1">
+                <a:spLocks noRot="1" noChangeAspect="1" noMove="1" noResize="1" noEditPoints="1" noAdjustHandles="1" noChangeArrowheads="1" noChangeShapeType="1" noTextEdit="1"/>
+              </p:cNvSpPr>
+              <p:nvPr/>
+            </p:nvSpPr>
+            <p:spPr>
+              <a:xfrm>
+                <a:off x="3380234" y="347338"/>
+                <a:ext cx="272510" cy="369332"/>
+              </a:xfrm>
+              <a:prstGeom prst="rect">
+                <a:avLst/>
+              </a:prstGeom>
+              <a:blipFill>
+                <a:blip r:embed="rId2"/>
+                <a:stretch>
+                  <a:fillRect l="-27273" r="-27273" b="-4918"/>
+                </a:stretch>
+              </a:blipFill>
+            </p:spPr>
+            <p:txBody>
+              <a:bodyPr/>
+              <a:lstStyle/>
+              <a:p>
+                <a:r>
+                  <a:rPr lang="fr-FR">
+                    <a:noFill/>
+                  </a:rPr>
+                  <a:t> </a:t>
+                </a:r>
+              </a:p>
+            </p:txBody>
+          </p:sp>
+        </mc:Fallback>
+      </mc:AlternateContent>
+      <mc:AlternateContent xmlns:mc="http://schemas.openxmlformats.org/markup-compatibility/2006">
+        <mc:Choice xmlns:a14="http://schemas.microsoft.com/office/drawing/2010/main" Requires="a14">
+          <p:sp>
+            <p:nvSpPr>
+              <p:cNvPr id="27" name="ZoneTexte 26">
+                <a:extLst>
+                  <a:ext uri="{FF2B5EF4-FFF2-40B4-BE49-F238E27FC236}">
+                    <a16:creationId xmlns:a16="http://schemas.microsoft.com/office/drawing/2014/main" id="{C0513434-C08C-389C-DD37-C3EA65097A74}"/>
+                  </a:ext>
+                </a:extLst>
+              </p:cNvPr>
+              <p:cNvSpPr txBox="1"/>
+              <p:nvPr/>
+            </p:nvSpPr>
+            <p:spPr>
+              <a:xfrm>
+                <a:off x="2012798" y="347338"/>
+                <a:ext cx="291747" cy="369332"/>
+              </a:xfrm>
+              <a:prstGeom prst="rect">
+                <a:avLst/>
+              </a:prstGeom>
+              <a:noFill/>
+            </p:spPr>
+            <p:txBody>
+              <a:bodyPr wrap="none" lIns="0" tIns="0" rIns="0" bIns="0" rtlCol="0">
+                <a:spAutoFit/>
+              </a:bodyPr>
+              <a:lstStyle/>
+              <a:p>
+                <a14:m>
+                  <m:oMathPara xmlns:m="http://schemas.openxmlformats.org/officeDocument/2006/math">
+                    <m:oMathParaPr>
+                      <m:jc m:val="centerGroup"/>
+                    </m:oMathParaPr>
+                    <m:oMath xmlns:m="http://schemas.openxmlformats.org/officeDocument/2006/math">
+                      <m:r>
+                        <a:rPr lang="fr-FR" sz="2400" b="1" i="1" smtClean="0">
+                          <a:latin typeface="Cambria Math" panose="02040503050406030204" pitchFamily="18" charset="0"/>
+                        </a:rPr>
+                        <m:t>𝑩</m:t>
+                      </m:r>
+                    </m:oMath>
+                  </m:oMathPara>
+                </a14:m>
+                <a:endParaRPr lang="fr-FR" sz="2400" b="1" dirty="0"/>
+              </a:p>
+            </p:txBody>
+          </p:sp>
+        </mc:Choice>
+        <mc:Fallback>
+          <p:sp>
+            <p:nvSpPr>
+              <p:cNvPr id="27" name="ZoneTexte 26">
+                <a:extLst>
+                  <a:ext uri="{FF2B5EF4-FFF2-40B4-BE49-F238E27FC236}">
+                    <a16:creationId xmlns:a16="http://schemas.microsoft.com/office/drawing/2014/main" id="{C0513434-C08C-389C-DD37-C3EA65097A74}"/>
+                  </a:ext>
+                </a:extLst>
+              </p:cNvPr>
+              <p:cNvSpPr txBox="1">
+                <a:spLocks noRot="1" noChangeAspect="1" noMove="1" noResize="1" noEditPoints="1" noAdjustHandles="1" noChangeArrowheads="1" noChangeShapeType="1" noTextEdit="1"/>
+              </p:cNvSpPr>
+              <p:nvPr/>
+            </p:nvSpPr>
+            <p:spPr>
+              <a:xfrm>
+                <a:off x="2012798" y="347338"/>
+                <a:ext cx="291747" cy="369332"/>
+              </a:xfrm>
+              <a:prstGeom prst="rect">
+                <a:avLst/>
+              </a:prstGeom>
+              <a:blipFill>
+                <a:blip r:embed="rId3"/>
+                <a:stretch>
+                  <a:fillRect l="-22917" r="-25000" b="-4918"/>
+                </a:stretch>
+              </a:blipFill>
+            </p:spPr>
+            <p:txBody>
+              <a:bodyPr/>
+              <a:lstStyle/>
+              <a:p>
+                <a:r>
+                  <a:rPr lang="fr-FR">
+                    <a:noFill/>
+                  </a:rPr>
+                  <a:t> </a:t>
+                </a:r>
+              </a:p>
+            </p:txBody>
+          </p:sp>
+        </mc:Fallback>
+      </mc:AlternateContent>
+      <mc:AlternateContent xmlns:mc="http://schemas.openxmlformats.org/markup-compatibility/2006">
+        <mc:Choice xmlns:a14="http://schemas.microsoft.com/office/drawing/2010/main" Requires="a14">
+          <p:sp>
+            <p:nvSpPr>
+              <p:cNvPr id="29" name="ZoneTexte 28">
+                <a:extLst>
+                  <a:ext uri="{FF2B5EF4-FFF2-40B4-BE49-F238E27FC236}">
+                    <a16:creationId xmlns:a16="http://schemas.microsoft.com/office/drawing/2014/main" id="{6A3DC537-A923-FE3F-DE71-ABF87A1DA6B1}"/>
+                  </a:ext>
+                </a:extLst>
+              </p:cNvPr>
+              <p:cNvSpPr txBox="1"/>
+              <p:nvPr/>
+            </p:nvSpPr>
+            <p:spPr>
+              <a:xfrm>
+                <a:off x="4141543" y="-21994"/>
+                <a:ext cx="261290" cy="369332"/>
+              </a:xfrm>
+              <a:prstGeom prst="rect">
+                <a:avLst/>
+              </a:prstGeom>
+              <a:noFill/>
+            </p:spPr>
+            <p:txBody>
+              <a:bodyPr wrap="none" lIns="0" tIns="0" rIns="0" bIns="0" rtlCol="0">
+                <a:spAutoFit/>
+              </a:bodyPr>
+              <a:lstStyle/>
+              <a:p>
+                <a14:m>
+                  <m:oMathPara xmlns:m="http://schemas.openxmlformats.org/officeDocument/2006/math">
+                    <m:oMathParaPr>
+                      <m:jc m:val="centerGroup"/>
+                    </m:oMathParaPr>
+                    <m:oMath xmlns:m="http://schemas.openxmlformats.org/officeDocument/2006/math">
+                      <m:r>
+                        <a:rPr lang="fr-FR" sz="2400" b="1" i="1" smtClean="0">
+                          <a:latin typeface="Cambria Math" panose="02040503050406030204" pitchFamily="18" charset="0"/>
+                        </a:rPr>
+                        <m:t>𝑪</m:t>
+                      </m:r>
+                    </m:oMath>
+                  </m:oMathPara>
+                </a14:m>
+                <a:endParaRPr lang="fr-FR" sz="2400" b="1" dirty="0"/>
+              </a:p>
+            </p:txBody>
+          </p:sp>
+        </mc:Choice>
+        <mc:Fallback>
+          <p:sp>
+            <p:nvSpPr>
+              <p:cNvPr id="29" name="ZoneTexte 28">
+                <a:extLst>
+                  <a:ext uri="{FF2B5EF4-FFF2-40B4-BE49-F238E27FC236}">
+                    <a16:creationId xmlns:a16="http://schemas.microsoft.com/office/drawing/2014/main" id="{6A3DC537-A923-FE3F-DE71-ABF87A1DA6B1}"/>
+                  </a:ext>
+                </a:extLst>
+              </p:cNvPr>
+              <p:cNvSpPr txBox="1">
+                <a:spLocks noRot="1" noChangeAspect="1" noMove="1" noResize="1" noEditPoints="1" noAdjustHandles="1" noChangeArrowheads="1" noChangeShapeType="1" noTextEdit="1"/>
+              </p:cNvSpPr>
+              <p:nvPr/>
+            </p:nvSpPr>
+            <p:spPr>
+              <a:xfrm>
+                <a:off x="4141543" y="-21994"/>
+                <a:ext cx="261290" cy="369332"/>
+              </a:xfrm>
+              <a:prstGeom prst="rect">
+                <a:avLst/>
+              </a:prstGeom>
+              <a:blipFill>
+                <a:blip r:embed="rId4"/>
+                <a:stretch>
+                  <a:fillRect l="-25581" r="-27907" b="-6557"/>
+                </a:stretch>
+              </a:blipFill>
+            </p:spPr>
+            <p:txBody>
+              <a:bodyPr/>
+              <a:lstStyle/>
+              <a:p>
+                <a:r>
+                  <a:rPr lang="fr-FR">
+                    <a:noFill/>
+                  </a:rPr>
+                  <a:t> </a:t>
+                </a:r>
+              </a:p>
+            </p:txBody>
+          </p:sp>
+        </mc:Fallback>
+      </mc:AlternateContent>
+      <mc:AlternateContent xmlns:mc="http://schemas.openxmlformats.org/markup-compatibility/2006">
+        <mc:Choice xmlns:a14="http://schemas.microsoft.com/office/drawing/2010/main" Requires="a14">
+          <p:sp>
+            <p:nvSpPr>
+              <p:cNvPr id="30" name="ZoneTexte 29">
+                <a:extLst>
+                  <a:ext uri="{FF2B5EF4-FFF2-40B4-BE49-F238E27FC236}">
+                    <a16:creationId xmlns:a16="http://schemas.microsoft.com/office/drawing/2014/main" id="{8C7F42E5-7973-1E69-0845-08BB3FD5F09D}"/>
+                  </a:ext>
+                </a:extLst>
+              </p:cNvPr>
+              <p:cNvSpPr txBox="1"/>
+              <p:nvPr/>
+            </p:nvSpPr>
+            <p:spPr>
+              <a:xfrm>
+                <a:off x="266478" y="1516762"/>
+                <a:ext cx="270908" cy="369332"/>
+              </a:xfrm>
+              <a:prstGeom prst="rect">
+                <a:avLst/>
+              </a:prstGeom>
+              <a:noFill/>
+            </p:spPr>
+            <p:txBody>
+              <a:bodyPr wrap="none" lIns="0" tIns="0" rIns="0" bIns="0" rtlCol="0">
+                <a:spAutoFit/>
+              </a:bodyPr>
+              <a:lstStyle/>
+              <a:p>
+                <a14:m>
+                  <m:oMathPara xmlns:m="http://schemas.openxmlformats.org/officeDocument/2006/math">
+                    <m:oMathParaPr>
+                      <m:jc m:val="centerGroup"/>
+                    </m:oMathParaPr>
+                    <m:oMath xmlns:m="http://schemas.openxmlformats.org/officeDocument/2006/math">
+                      <m:r>
+                        <a:rPr lang="fr-FR" sz="2400" b="1" i="1" smtClean="0">
+                          <a:latin typeface="Cambria Math" panose="02040503050406030204" pitchFamily="18" charset="0"/>
+                        </a:rPr>
+                        <m:t>𝑬</m:t>
+                      </m:r>
+                    </m:oMath>
+                  </m:oMathPara>
+                </a14:m>
+                <a:endParaRPr lang="fr-FR" sz="2400" b="1" dirty="0"/>
+              </a:p>
+            </p:txBody>
+          </p:sp>
+        </mc:Choice>
+        <mc:Fallback>
+          <p:sp>
+            <p:nvSpPr>
+              <p:cNvPr id="30" name="ZoneTexte 29">
+                <a:extLst>
+                  <a:ext uri="{FF2B5EF4-FFF2-40B4-BE49-F238E27FC236}">
+                    <a16:creationId xmlns:a16="http://schemas.microsoft.com/office/drawing/2014/main" id="{8C7F42E5-7973-1E69-0845-08BB3FD5F09D}"/>
+                  </a:ext>
+                </a:extLst>
+              </p:cNvPr>
+              <p:cNvSpPr txBox="1">
+                <a:spLocks noRot="1" noChangeAspect="1" noMove="1" noResize="1" noEditPoints="1" noAdjustHandles="1" noChangeArrowheads="1" noChangeShapeType="1" noTextEdit="1"/>
+              </p:cNvSpPr>
+              <p:nvPr/>
+            </p:nvSpPr>
+            <p:spPr>
+              <a:xfrm>
+                <a:off x="266478" y="1516762"/>
+                <a:ext cx="270908" cy="369332"/>
+              </a:xfrm>
+              <a:prstGeom prst="rect">
+                <a:avLst/>
+              </a:prstGeom>
+              <a:blipFill>
+                <a:blip r:embed="rId5"/>
+                <a:stretch>
+                  <a:fillRect l="-27273" r="-27273" b="-6667"/>
+                </a:stretch>
+              </a:blipFill>
+            </p:spPr>
+            <p:txBody>
+              <a:bodyPr/>
+              <a:lstStyle/>
+              <a:p>
+                <a:r>
+                  <a:rPr lang="fr-FR">
+                    <a:noFill/>
+                  </a:rPr>
+                  <a:t> </a:t>
+                </a:r>
+              </a:p>
+            </p:txBody>
+          </p:sp>
+        </mc:Fallback>
+      </mc:AlternateContent>
+      <mc:AlternateContent xmlns:mc="http://schemas.openxmlformats.org/markup-compatibility/2006">
+        <mc:Choice xmlns:a14="http://schemas.microsoft.com/office/drawing/2010/main" Requires="a14">
+          <p:sp>
+            <p:nvSpPr>
+              <p:cNvPr id="32" name="ZoneTexte 31">
+                <a:extLst>
+                  <a:ext uri="{FF2B5EF4-FFF2-40B4-BE49-F238E27FC236}">
+                    <a16:creationId xmlns:a16="http://schemas.microsoft.com/office/drawing/2014/main" id="{202EB73A-FDBD-DD45-A2F7-33C2E7C11A4B}"/>
+                  </a:ext>
+                </a:extLst>
+              </p:cNvPr>
+              <p:cNvSpPr txBox="1"/>
+              <p:nvPr/>
+            </p:nvSpPr>
+            <p:spPr>
+              <a:xfrm>
+                <a:off x="5153326" y="2183325"/>
+                <a:ext cx="299762" cy="369332"/>
+              </a:xfrm>
+              <a:prstGeom prst="rect">
+                <a:avLst/>
+              </a:prstGeom>
+              <a:noFill/>
+            </p:spPr>
+            <p:txBody>
+              <a:bodyPr wrap="none" lIns="0" tIns="0" rIns="0" bIns="0" rtlCol="0">
+                <a:spAutoFit/>
+              </a:bodyPr>
+              <a:lstStyle/>
+              <a:p>
+                <a14:m>
+                  <m:oMathPara xmlns:m="http://schemas.openxmlformats.org/officeDocument/2006/math">
+                    <m:oMathParaPr>
+                      <m:jc m:val="centerGroup"/>
+                    </m:oMathParaPr>
+                    <m:oMath xmlns:m="http://schemas.openxmlformats.org/officeDocument/2006/math">
+                      <m:r>
+                        <a:rPr lang="fr-FR" sz="2400" b="1" i="1" smtClean="0">
+                          <a:latin typeface="Cambria Math" panose="02040503050406030204" pitchFamily="18" charset="0"/>
+                        </a:rPr>
+                        <m:t>𝑫</m:t>
+                      </m:r>
+                    </m:oMath>
+                  </m:oMathPara>
+                </a14:m>
+                <a:endParaRPr lang="fr-FR" sz="2400" b="1" dirty="0"/>
+              </a:p>
+            </p:txBody>
+          </p:sp>
+        </mc:Choice>
+        <mc:Fallback>
+          <p:sp>
+            <p:nvSpPr>
+              <p:cNvPr id="32" name="ZoneTexte 31">
+                <a:extLst>
+                  <a:ext uri="{FF2B5EF4-FFF2-40B4-BE49-F238E27FC236}">
+                    <a16:creationId xmlns:a16="http://schemas.microsoft.com/office/drawing/2014/main" id="{202EB73A-FDBD-DD45-A2F7-33C2E7C11A4B}"/>
+                  </a:ext>
+                </a:extLst>
+              </p:cNvPr>
+              <p:cNvSpPr txBox="1">
+                <a:spLocks noRot="1" noChangeAspect="1" noMove="1" noResize="1" noEditPoints="1" noAdjustHandles="1" noChangeArrowheads="1" noChangeShapeType="1" noTextEdit="1"/>
+              </p:cNvSpPr>
+              <p:nvPr/>
+            </p:nvSpPr>
+            <p:spPr>
+              <a:xfrm>
+                <a:off x="5153326" y="2183325"/>
+                <a:ext cx="299762" cy="369332"/>
+              </a:xfrm>
+              <a:prstGeom prst="rect">
+                <a:avLst/>
+              </a:prstGeom>
+              <a:blipFill>
+                <a:blip r:embed="rId6"/>
+                <a:stretch>
+                  <a:fillRect l="-22000" r="-24000" b="-6557"/>
+                </a:stretch>
+              </a:blipFill>
+            </p:spPr>
+            <p:txBody>
+              <a:bodyPr/>
+              <a:lstStyle/>
+              <a:p>
+                <a:r>
+                  <a:rPr lang="fr-FR">
+                    <a:noFill/>
+                  </a:rPr>
+                  <a:t> </a:t>
+                </a:r>
+              </a:p>
+            </p:txBody>
+          </p:sp>
+        </mc:Fallback>
+      </mc:AlternateContent>
+      <mc:AlternateContent xmlns:mc="http://schemas.openxmlformats.org/markup-compatibility/2006">
+        <mc:Choice xmlns:a14="http://schemas.microsoft.com/office/drawing/2010/main" Requires="a14">
+          <p:sp>
+            <p:nvSpPr>
+              <p:cNvPr id="33" name="ZoneTexte 32">
+                <a:extLst>
+                  <a:ext uri="{FF2B5EF4-FFF2-40B4-BE49-F238E27FC236}">
+                    <a16:creationId xmlns:a16="http://schemas.microsoft.com/office/drawing/2014/main" id="{D1C45037-FA5B-11B8-20A4-6313A781E58A}"/>
+                  </a:ext>
+                </a:extLst>
+              </p:cNvPr>
+              <p:cNvSpPr txBox="1"/>
+              <p:nvPr/>
+            </p:nvSpPr>
+            <p:spPr>
+              <a:xfrm>
+                <a:off x="3759301" y="1842778"/>
+                <a:ext cx="203582" cy="369332"/>
+              </a:xfrm>
+              <a:prstGeom prst="rect">
+                <a:avLst/>
+              </a:prstGeom>
+              <a:noFill/>
+            </p:spPr>
+            <p:txBody>
+              <a:bodyPr wrap="none" lIns="0" tIns="0" rIns="0" bIns="0" rtlCol="0">
+                <a:spAutoFit/>
+              </a:bodyPr>
+              <a:lstStyle/>
+              <a:p>
+                <a14:m>
+                  <m:oMathPara xmlns:m="http://schemas.openxmlformats.org/officeDocument/2006/math">
+                    <m:oMathParaPr>
+                      <m:jc m:val="centerGroup"/>
+                    </m:oMathParaPr>
+                    <m:oMath xmlns:m="http://schemas.openxmlformats.org/officeDocument/2006/math">
+                      <m:r>
+                        <a:rPr lang="fr-FR" sz="2400" b="1" i="1" smtClean="0">
+                          <a:latin typeface="Cambria Math" panose="02040503050406030204" pitchFamily="18" charset="0"/>
+                        </a:rPr>
+                        <m:t>𝑰</m:t>
+                      </m:r>
+                    </m:oMath>
+                  </m:oMathPara>
+                </a14:m>
+                <a:endParaRPr lang="fr-FR" sz="2400" b="1" dirty="0"/>
+              </a:p>
+            </p:txBody>
+          </p:sp>
+        </mc:Choice>
+        <mc:Fallback>
+          <p:sp>
+            <p:nvSpPr>
+              <p:cNvPr id="33" name="ZoneTexte 32">
+                <a:extLst>
+                  <a:ext uri="{FF2B5EF4-FFF2-40B4-BE49-F238E27FC236}">
+                    <a16:creationId xmlns:a16="http://schemas.microsoft.com/office/drawing/2014/main" id="{D1C45037-FA5B-11B8-20A4-6313A781E58A}"/>
+                  </a:ext>
+                </a:extLst>
+              </p:cNvPr>
+              <p:cNvSpPr txBox="1">
+                <a:spLocks noRot="1" noChangeAspect="1" noMove="1" noResize="1" noEditPoints="1" noAdjustHandles="1" noChangeArrowheads="1" noChangeShapeType="1" noTextEdit="1"/>
+              </p:cNvSpPr>
+              <p:nvPr/>
+            </p:nvSpPr>
+            <p:spPr>
+              <a:xfrm>
+                <a:off x="3759301" y="1842778"/>
+                <a:ext cx="203582" cy="369332"/>
+              </a:xfrm>
+              <a:prstGeom prst="rect">
+                <a:avLst/>
+              </a:prstGeom>
+              <a:blipFill>
+                <a:blip r:embed="rId7"/>
+                <a:stretch>
+                  <a:fillRect l="-36364" r="-36364" b="-6557"/>
+                </a:stretch>
+              </a:blipFill>
+            </p:spPr>
+            <p:txBody>
+              <a:bodyPr/>
+              <a:lstStyle/>
+              <a:p>
+                <a:r>
+                  <a:rPr lang="fr-FR">
+                    <a:noFill/>
+                  </a:rPr>
+                  <a:t> </a:t>
+                </a:r>
+              </a:p>
+            </p:txBody>
+          </p:sp>
+        </mc:Fallback>
+      </mc:AlternateContent>
+      <mc:AlternateContent xmlns:mc="http://schemas.openxmlformats.org/markup-compatibility/2006">
+        <mc:Choice xmlns:a14="http://schemas.microsoft.com/office/drawing/2010/main" Requires="a14">
+          <p:sp>
+            <p:nvSpPr>
+              <p:cNvPr id="34" name="ZoneTexte 33">
+                <a:extLst>
+                  <a:ext uri="{FF2B5EF4-FFF2-40B4-BE49-F238E27FC236}">
+                    <a16:creationId xmlns:a16="http://schemas.microsoft.com/office/drawing/2014/main" id="{A6055C4B-7B3F-FAE6-0EB8-3109515A3F92}"/>
+                  </a:ext>
+                </a:extLst>
+              </p:cNvPr>
+              <p:cNvSpPr txBox="1"/>
+              <p:nvPr/>
+            </p:nvSpPr>
+            <p:spPr>
+              <a:xfrm>
+                <a:off x="1393795" y="5562600"/>
+                <a:ext cx="280525" cy="369332"/>
+              </a:xfrm>
+              <a:prstGeom prst="rect">
+                <a:avLst/>
+              </a:prstGeom>
+              <a:noFill/>
+            </p:spPr>
+            <p:txBody>
+              <a:bodyPr wrap="none" lIns="0" tIns="0" rIns="0" bIns="0" rtlCol="0">
+                <a:spAutoFit/>
+              </a:bodyPr>
+              <a:lstStyle/>
+              <a:p>
+                <a14:m>
+                  <m:oMathPara xmlns:m="http://schemas.openxmlformats.org/officeDocument/2006/math">
+                    <m:oMathParaPr>
+                      <m:jc m:val="centerGroup"/>
+                    </m:oMathParaPr>
+                    <m:oMath xmlns:m="http://schemas.openxmlformats.org/officeDocument/2006/math">
+                      <m:r>
+                        <a:rPr lang="fr-FR" sz="2400" b="1" i="1" smtClean="0">
+                          <a:latin typeface="Cambria Math" panose="02040503050406030204" pitchFamily="18" charset="0"/>
+                        </a:rPr>
+                        <m:t>𝑷</m:t>
+                      </m:r>
+                    </m:oMath>
+                  </m:oMathPara>
+                </a14:m>
+                <a:endParaRPr lang="fr-FR" sz="2400" b="1" dirty="0"/>
+              </a:p>
+            </p:txBody>
+          </p:sp>
+        </mc:Choice>
+        <mc:Fallback>
+          <p:sp>
+            <p:nvSpPr>
+              <p:cNvPr id="34" name="ZoneTexte 33">
+                <a:extLst>
+                  <a:ext uri="{FF2B5EF4-FFF2-40B4-BE49-F238E27FC236}">
+                    <a16:creationId xmlns:a16="http://schemas.microsoft.com/office/drawing/2014/main" id="{A6055C4B-7B3F-FAE6-0EB8-3109515A3F92}"/>
+                  </a:ext>
+                </a:extLst>
+              </p:cNvPr>
+              <p:cNvSpPr txBox="1">
+                <a:spLocks noRot="1" noChangeAspect="1" noMove="1" noResize="1" noEditPoints="1" noAdjustHandles="1" noChangeArrowheads="1" noChangeShapeType="1" noTextEdit="1"/>
+              </p:cNvSpPr>
+              <p:nvPr/>
+            </p:nvSpPr>
+            <p:spPr>
+              <a:xfrm>
+                <a:off x="1393795" y="5562600"/>
+                <a:ext cx="280525" cy="369332"/>
+              </a:xfrm>
+              <a:prstGeom prst="rect">
+                <a:avLst/>
+              </a:prstGeom>
+              <a:blipFill>
+                <a:blip r:embed="rId8"/>
+                <a:stretch>
+                  <a:fillRect l="-26087" r="-23913" b="-6667"/>
+                </a:stretch>
+              </a:blipFill>
+            </p:spPr>
+            <p:txBody>
+              <a:bodyPr/>
+              <a:lstStyle/>
+              <a:p>
+                <a:r>
+                  <a:rPr lang="fr-FR">
+                    <a:noFill/>
+                  </a:rPr>
+                  <a:t> </a:t>
+                </a:r>
+              </a:p>
+            </p:txBody>
+          </p:sp>
+        </mc:Fallback>
+      </mc:AlternateContent>
+      <mc:AlternateContent xmlns:mc="http://schemas.openxmlformats.org/markup-compatibility/2006">
+        <mc:Choice xmlns:a14="http://schemas.microsoft.com/office/drawing/2010/main" Requires="a14">
+          <p:sp>
+            <p:nvSpPr>
+              <p:cNvPr id="35" name="ZoneTexte 34">
+                <a:extLst>
+                  <a:ext uri="{FF2B5EF4-FFF2-40B4-BE49-F238E27FC236}">
+                    <a16:creationId xmlns:a16="http://schemas.microsoft.com/office/drawing/2014/main" id="{162B20DE-C534-347C-FE77-9A024E038C4C}"/>
+                  </a:ext>
+                </a:extLst>
+              </p:cNvPr>
+              <p:cNvSpPr txBox="1"/>
+              <p:nvPr/>
+            </p:nvSpPr>
+            <p:spPr>
+              <a:xfrm>
+                <a:off x="2720216" y="4968857"/>
+                <a:ext cx="266098" cy="369332"/>
+              </a:xfrm>
+              <a:prstGeom prst="rect">
+                <a:avLst/>
+              </a:prstGeom>
+              <a:noFill/>
+            </p:spPr>
+            <p:txBody>
+              <a:bodyPr wrap="none" lIns="0" tIns="0" rIns="0" bIns="0" rtlCol="0">
+                <a:spAutoFit/>
+              </a:bodyPr>
+              <a:lstStyle/>
+              <a:p>
+                <a14:m>
+                  <m:oMathPara xmlns:m="http://schemas.openxmlformats.org/officeDocument/2006/math">
+                    <m:oMathParaPr>
+                      <m:jc m:val="centerGroup"/>
+                    </m:oMathParaPr>
+                    <m:oMath xmlns:m="http://schemas.openxmlformats.org/officeDocument/2006/math">
+                      <m:r>
+                        <a:rPr lang="fr-FR" sz="2400" b="1" i="1" smtClean="0">
+                          <a:latin typeface="Cambria Math" panose="02040503050406030204" pitchFamily="18" charset="0"/>
+                        </a:rPr>
+                        <m:t>𝑭</m:t>
+                      </m:r>
+                    </m:oMath>
+                  </m:oMathPara>
+                </a14:m>
+                <a:endParaRPr lang="fr-FR" sz="2400" b="1" dirty="0"/>
+              </a:p>
+            </p:txBody>
+          </p:sp>
+        </mc:Choice>
+        <mc:Fallback>
+          <p:sp>
+            <p:nvSpPr>
+              <p:cNvPr id="35" name="ZoneTexte 34">
+                <a:extLst>
+                  <a:ext uri="{FF2B5EF4-FFF2-40B4-BE49-F238E27FC236}">
+                    <a16:creationId xmlns:a16="http://schemas.microsoft.com/office/drawing/2014/main" id="{162B20DE-C534-347C-FE77-9A024E038C4C}"/>
+                  </a:ext>
+                </a:extLst>
+              </p:cNvPr>
+              <p:cNvSpPr txBox="1">
+                <a:spLocks noRot="1" noChangeAspect="1" noMove="1" noResize="1" noEditPoints="1" noAdjustHandles="1" noChangeArrowheads="1" noChangeShapeType="1" noTextEdit="1"/>
+              </p:cNvSpPr>
+              <p:nvPr/>
+            </p:nvSpPr>
+            <p:spPr>
+              <a:xfrm>
+                <a:off x="2720216" y="4968857"/>
+                <a:ext cx="266098" cy="369332"/>
+              </a:xfrm>
+              <a:prstGeom prst="rect">
+                <a:avLst/>
+              </a:prstGeom>
+              <a:blipFill>
+                <a:blip r:embed="rId9"/>
+                <a:stretch>
+                  <a:fillRect l="-25000" r="-27273" b="-6557"/>
+                </a:stretch>
+              </a:blipFill>
+            </p:spPr>
+            <p:txBody>
+              <a:bodyPr/>
+              <a:lstStyle/>
+              <a:p>
+                <a:r>
+                  <a:rPr lang="fr-FR">
+                    <a:noFill/>
+                  </a:rPr>
+                  <a:t> </a:t>
+                </a:r>
+              </a:p>
+            </p:txBody>
+          </p:sp>
+        </mc:Fallback>
+      </mc:AlternateContent>
+      <mc:AlternateContent xmlns:mc="http://schemas.openxmlformats.org/markup-compatibility/2006">
+        <mc:Choice xmlns:a14="http://schemas.microsoft.com/office/drawing/2010/main" Requires="a14">
+          <p:sp>
+            <p:nvSpPr>
+              <p:cNvPr id="37" name="ZoneTexte 36">
+                <a:extLst>
+                  <a:ext uri="{FF2B5EF4-FFF2-40B4-BE49-F238E27FC236}">
+                    <a16:creationId xmlns:a16="http://schemas.microsoft.com/office/drawing/2014/main" id="{4D5F5C7B-C68F-6AA2-360D-020147E26F66}"/>
+                  </a:ext>
+                </a:extLst>
+              </p:cNvPr>
+              <p:cNvSpPr txBox="1"/>
+              <p:nvPr/>
+            </p:nvSpPr>
+            <p:spPr>
+              <a:xfrm>
+                <a:off x="5487159" y="1563177"/>
+                <a:ext cx="198772" cy="369332"/>
+              </a:xfrm>
+              <a:prstGeom prst="rect">
+                <a:avLst/>
+              </a:prstGeom>
+              <a:noFill/>
+            </p:spPr>
+            <p:txBody>
+              <a:bodyPr wrap="none" lIns="0" tIns="0" rIns="0" bIns="0" rtlCol="0">
+                <a:spAutoFit/>
+              </a:bodyPr>
+              <a:lstStyle/>
+              <a:p>
+                <a14:m>
+                  <m:oMathPara xmlns:m="http://schemas.openxmlformats.org/officeDocument/2006/math">
+                    <m:oMathParaPr>
+                      <m:jc m:val="centerGroup"/>
+                    </m:oMathParaPr>
+                    <m:oMath xmlns:m="http://schemas.openxmlformats.org/officeDocument/2006/math">
+                      <m:r>
+                        <a:rPr lang="fr-FR" sz="2400" b="1" i="1" smtClean="0">
+                          <a:latin typeface="Cambria Math" panose="02040503050406030204" pitchFamily="18" charset="0"/>
+                        </a:rPr>
+                        <m:t>𝑱</m:t>
+                      </m:r>
+                    </m:oMath>
+                  </m:oMathPara>
+                </a14:m>
+                <a:endParaRPr lang="fr-FR" sz="2400" b="1" dirty="0"/>
+              </a:p>
+            </p:txBody>
+          </p:sp>
+        </mc:Choice>
+        <mc:Fallback>
+          <p:sp>
+            <p:nvSpPr>
+              <p:cNvPr id="37" name="ZoneTexte 36">
+                <a:extLst>
+                  <a:ext uri="{FF2B5EF4-FFF2-40B4-BE49-F238E27FC236}">
+                    <a16:creationId xmlns:a16="http://schemas.microsoft.com/office/drawing/2014/main" id="{4D5F5C7B-C68F-6AA2-360D-020147E26F66}"/>
+                  </a:ext>
+                </a:extLst>
+              </p:cNvPr>
+              <p:cNvSpPr txBox="1">
+                <a:spLocks noRot="1" noChangeAspect="1" noMove="1" noResize="1" noEditPoints="1" noAdjustHandles="1" noChangeArrowheads="1" noChangeShapeType="1" noTextEdit="1"/>
+              </p:cNvSpPr>
+              <p:nvPr/>
+            </p:nvSpPr>
+            <p:spPr>
+              <a:xfrm>
+                <a:off x="5487159" y="1563177"/>
+                <a:ext cx="198772" cy="369332"/>
+              </a:xfrm>
+              <a:prstGeom prst="rect">
+                <a:avLst/>
+              </a:prstGeom>
+              <a:blipFill>
+                <a:blip r:embed="rId10"/>
+                <a:stretch>
+                  <a:fillRect l="-48485" r="-48485" b="-27869"/>
+                </a:stretch>
+              </a:blipFill>
+            </p:spPr>
+            <p:txBody>
+              <a:bodyPr/>
+              <a:lstStyle/>
+              <a:p>
+                <a:r>
+                  <a:rPr lang="fr-FR">
+                    <a:noFill/>
+                  </a:rPr>
+                  <a:t> </a:t>
+                </a:r>
+              </a:p>
+            </p:txBody>
+          </p:sp>
+        </mc:Fallback>
+      </mc:AlternateContent>
+      <mc:AlternateContent xmlns:mc="http://schemas.openxmlformats.org/markup-compatibility/2006">
+        <mc:Choice xmlns:a14="http://schemas.microsoft.com/office/drawing/2010/main" Requires="a14">
+          <p:sp>
+            <p:nvSpPr>
+              <p:cNvPr id="38" name="ZoneTexte 37">
+                <a:extLst>
+                  <a:ext uri="{FF2B5EF4-FFF2-40B4-BE49-F238E27FC236}">
+                    <a16:creationId xmlns:a16="http://schemas.microsoft.com/office/drawing/2014/main" id="{14179FFE-3DF5-5CD8-CDC7-3DA1E5FA91C5}"/>
+                  </a:ext>
+                </a:extLst>
+              </p:cNvPr>
+              <p:cNvSpPr txBox="1"/>
+              <p:nvPr/>
+            </p:nvSpPr>
+            <p:spPr>
+              <a:xfrm>
+                <a:off x="1382947" y="4723034"/>
+                <a:ext cx="310983" cy="369332"/>
+              </a:xfrm>
+              <a:prstGeom prst="rect">
+                <a:avLst/>
+              </a:prstGeom>
+              <a:noFill/>
+            </p:spPr>
+            <p:txBody>
+              <a:bodyPr wrap="none" lIns="0" tIns="0" rIns="0" bIns="0" rtlCol="0">
+                <a:spAutoFit/>
+              </a:bodyPr>
+              <a:lstStyle/>
+              <a:p>
+                <a14:m>
+                  <m:oMathPara xmlns:m="http://schemas.openxmlformats.org/officeDocument/2006/math">
+                    <m:oMathParaPr>
+                      <m:jc m:val="centerGroup"/>
+                    </m:oMathParaPr>
+                    <m:oMath xmlns:m="http://schemas.openxmlformats.org/officeDocument/2006/math">
+                      <m:r>
+                        <a:rPr lang="fr-FR" sz="2400" b="1" i="1" smtClean="0">
+                          <a:latin typeface="Cambria Math" panose="02040503050406030204" pitchFamily="18" charset="0"/>
+                        </a:rPr>
+                        <m:t>𝑯</m:t>
+                      </m:r>
+                    </m:oMath>
+                  </m:oMathPara>
+                </a14:m>
+                <a:endParaRPr lang="fr-FR" sz="2400" b="1" dirty="0"/>
+              </a:p>
+            </p:txBody>
+          </p:sp>
+        </mc:Choice>
+        <mc:Fallback>
+          <p:sp>
+            <p:nvSpPr>
+              <p:cNvPr id="38" name="ZoneTexte 37">
+                <a:extLst>
+                  <a:ext uri="{FF2B5EF4-FFF2-40B4-BE49-F238E27FC236}">
+                    <a16:creationId xmlns:a16="http://schemas.microsoft.com/office/drawing/2014/main" id="{14179FFE-3DF5-5CD8-CDC7-3DA1E5FA91C5}"/>
+                  </a:ext>
+                </a:extLst>
+              </p:cNvPr>
+              <p:cNvSpPr txBox="1">
+                <a:spLocks noRot="1" noChangeAspect="1" noMove="1" noResize="1" noEditPoints="1" noAdjustHandles="1" noChangeArrowheads="1" noChangeShapeType="1" noTextEdit="1"/>
+              </p:cNvSpPr>
+              <p:nvPr/>
+            </p:nvSpPr>
+            <p:spPr>
+              <a:xfrm>
+                <a:off x="1382947" y="4723034"/>
+                <a:ext cx="310983" cy="369332"/>
+              </a:xfrm>
+              <a:prstGeom prst="rect">
+                <a:avLst/>
+              </a:prstGeom>
+              <a:blipFill>
+                <a:blip r:embed="rId11"/>
+                <a:stretch>
+                  <a:fillRect l="-23529" r="-21569" b="-6667"/>
+                </a:stretch>
+              </a:blipFill>
+            </p:spPr>
+            <p:txBody>
+              <a:bodyPr/>
+              <a:lstStyle/>
+              <a:p>
+                <a:r>
+                  <a:rPr lang="fr-FR">
+                    <a:noFill/>
+                  </a:rPr>
+                  <a:t> </a:t>
+                </a:r>
+              </a:p>
+            </p:txBody>
+          </p:sp>
+        </mc:Fallback>
+      </mc:AlternateContent>
     </p:spTree>
     <p:extLst>
       <p:ext uri="{BB962C8B-B14F-4D97-AF65-F5344CB8AC3E}">
         <p14:creationId xmlns:p14="http://schemas.microsoft.com/office/powerpoint/2010/main" val="3587569987"/>
+      </p:ext>
+    </p:extLst>
+  </p:cSld>
+  <p:clrMapOvr>
+    <a:masterClrMapping/>
+  </p:clrMapOvr>
+</p:sld>
+</file>
+
+<file path=ppt/slides/slide4.xml><?xml version="1.0" encoding="utf-8"?>
+<p:sld xmlns:a="http://schemas.openxmlformats.org/drawingml/2006/main" xmlns:r="http://schemas.openxmlformats.org/officeDocument/2006/relationships" xmlns:p="http://schemas.openxmlformats.org/presentationml/2006/main">
+  <p:cSld>
+    <p:spTree>
+      <p:nvGrpSpPr>
+        <p:cNvPr id="1" name=""/>
+        <p:cNvGrpSpPr/>
+        <p:nvPr/>
+      </p:nvGrpSpPr>
+      <p:grpSpPr>
+        <a:xfrm>
+          <a:off x="0" y="0"/>
+          <a:ext cx="0" cy="0"/>
+          <a:chOff x="0" y="0"/>
+          <a:chExt cx="0" cy="0"/>
+        </a:xfrm>
+      </p:grpSpPr>
+      <p:cxnSp>
+        <p:nvCxnSpPr>
+          <p:cNvPr id="90" name="Connecteur droit 89">
+            <a:extLst>
+              <a:ext uri="{FF2B5EF4-FFF2-40B4-BE49-F238E27FC236}">
+                <a16:creationId xmlns:a16="http://schemas.microsoft.com/office/drawing/2014/main" id="{DAF5B8B5-A158-3AA2-BB74-B10B26371B80}"/>
+              </a:ext>
+            </a:extLst>
+          </p:cNvPr>
+          <p:cNvCxnSpPr>
+            <a:cxnSpLocks/>
+          </p:cNvCxnSpPr>
+          <p:nvPr/>
+        </p:nvCxnSpPr>
+        <p:spPr>
+          <a:xfrm flipV="1">
+            <a:off x="7843430" y="4649118"/>
+            <a:ext cx="0" cy="1136835"/>
+          </a:xfrm>
+          <a:prstGeom prst="line">
+            <a:avLst/>
+          </a:prstGeom>
+          <a:noFill/>
+          <a:ln w="12700">
+            <a:solidFill>
+              <a:srgbClr val="0070C0"/>
+            </a:solidFill>
+            <a:tailEnd type="stealth" w="med" len="lg"/>
+          </a:ln>
+        </p:spPr>
+        <p:style>
+          <a:lnRef idx="2">
+            <a:schemeClr val="accent1">
+              <a:shade val="50000"/>
+            </a:schemeClr>
+          </a:lnRef>
+          <a:fillRef idx="1">
+            <a:schemeClr val="accent1"/>
+          </a:fillRef>
+          <a:effectRef idx="0">
+            <a:schemeClr val="accent1"/>
+          </a:effectRef>
+          <a:fontRef idx="minor">
+            <a:schemeClr val="lt1"/>
+          </a:fontRef>
+        </p:style>
+      </p:cxnSp>
+      <p:cxnSp>
+        <p:nvCxnSpPr>
+          <p:cNvPr id="83" name="Connecteur droit 82">
+            <a:extLst>
+              <a:ext uri="{FF2B5EF4-FFF2-40B4-BE49-F238E27FC236}">
+                <a16:creationId xmlns:a16="http://schemas.microsoft.com/office/drawing/2014/main" id="{24114789-C496-1583-355F-02A1C3917C79}"/>
+              </a:ext>
+            </a:extLst>
+          </p:cNvPr>
+          <p:cNvCxnSpPr>
+            <a:cxnSpLocks/>
+          </p:cNvCxnSpPr>
+          <p:nvPr/>
+        </p:nvCxnSpPr>
+        <p:spPr>
+          <a:xfrm>
+            <a:off x="8210177" y="5079087"/>
+            <a:ext cx="573862" cy="979198"/>
+          </a:xfrm>
+          <a:prstGeom prst="line">
+            <a:avLst/>
+          </a:prstGeom>
+          <a:noFill/>
+          <a:ln w="12700">
+            <a:solidFill>
+              <a:schemeClr val="accent6"/>
+            </a:solidFill>
+            <a:tailEnd type="stealth" w="med" len="lg"/>
+          </a:ln>
+        </p:spPr>
+        <p:style>
+          <a:lnRef idx="2">
+            <a:schemeClr val="accent1">
+              <a:shade val="50000"/>
+            </a:schemeClr>
+          </a:lnRef>
+          <a:fillRef idx="1">
+            <a:schemeClr val="accent1"/>
+          </a:fillRef>
+          <a:effectRef idx="0">
+            <a:schemeClr val="accent1"/>
+          </a:effectRef>
+          <a:fontRef idx="minor">
+            <a:schemeClr val="lt1"/>
+          </a:fontRef>
+        </p:style>
+      </p:cxnSp>
+      <p:cxnSp>
+        <p:nvCxnSpPr>
+          <p:cNvPr id="79" name="Connecteur droit 78">
+            <a:extLst>
+              <a:ext uri="{FF2B5EF4-FFF2-40B4-BE49-F238E27FC236}">
+                <a16:creationId xmlns:a16="http://schemas.microsoft.com/office/drawing/2014/main" id="{A470202A-48EF-E649-AA5A-2A5CD46ED5E1}"/>
+              </a:ext>
+            </a:extLst>
+          </p:cNvPr>
+          <p:cNvCxnSpPr>
+            <a:cxnSpLocks/>
+          </p:cNvCxnSpPr>
+          <p:nvPr/>
+        </p:nvCxnSpPr>
+        <p:spPr>
+          <a:xfrm flipH="1">
+            <a:off x="6138494" y="1942030"/>
+            <a:ext cx="896634" cy="582173"/>
+          </a:xfrm>
+          <a:prstGeom prst="line">
+            <a:avLst/>
+          </a:prstGeom>
+          <a:noFill/>
+          <a:ln w="12700">
+            <a:solidFill>
+              <a:schemeClr val="tx1">
+                <a:lumMod val="50000"/>
+                <a:lumOff val="50000"/>
+              </a:schemeClr>
+            </a:solidFill>
+            <a:tailEnd type="stealth" w="med" len="lg"/>
+          </a:ln>
+        </p:spPr>
+        <p:style>
+          <a:lnRef idx="2">
+            <a:schemeClr val="accent1">
+              <a:shade val="50000"/>
+            </a:schemeClr>
+          </a:lnRef>
+          <a:fillRef idx="1">
+            <a:schemeClr val="accent1"/>
+          </a:fillRef>
+          <a:effectRef idx="0">
+            <a:schemeClr val="accent1"/>
+          </a:effectRef>
+          <a:fontRef idx="minor">
+            <a:schemeClr val="lt1"/>
+          </a:fontRef>
+        </p:style>
+      </p:cxnSp>
+      <p:sp>
+        <p:nvSpPr>
+          <p:cNvPr id="66" name="Forme libre : forme 65">
+            <a:extLst>
+              <a:ext uri="{FF2B5EF4-FFF2-40B4-BE49-F238E27FC236}">
+                <a16:creationId xmlns:a16="http://schemas.microsoft.com/office/drawing/2014/main" id="{1980C8AE-F24F-2B8D-007A-F3980AE65FA6}"/>
+              </a:ext>
+            </a:extLst>
+          </p:cNvPr>
+          <p:cNvSpPr/>
+          <p:nvPr/>
+        </p:nvSpPr>
+        <p:spPr>
+          <a:xfrm>
+            <a:off x="8329306" y="662353"/>
+            <a:ext cx="1010042" cy="236004"/>
+          </a:xfrm>
+          <a:custGeom>
+            <a:avLst/>
+            <a:gdLst>
+              <a:gd name="connsiteX0" fmla="*/ 50995 w 1010042"/>
+              <a:gd name="connsiteY0" fmla="*/ 236004 h 236004"/>
+              <a:gd name="connsiteX1" fmla="*/ 44120 w 1010042"/>
+              <a:gd name="connsiteY1" fmla="*/ 15998 h 236004"/>
+              <a:gd name="connsiteX2" fmla="*/ 525383 w 1010042"/>
+              <a:gd name="connsiteY2" fmla="*/ 98501 h 236004"/>
+              <a:gd name="connsiteX3" fmla="*/ 965395 w 1010042"/>
+              <a:gd name="connsiteY3" fmla="*/ 2248 h 236004"/>
+              <a:gd name="connsiteX4" fmla="*/ 972270 w 1010042"/>
+              <a:gd name="connsiteY4" fmla="*/ 215379 h 236004"/>
+            </a:gdLst>
+            <a:ahLst/>
+            <a:cxnLst>
+              <a:cxn ang="0">
+                <a:pos x="connsiteX0" y="connsiteY0"/>
+              </a:cxn>
+              <a:cxn ang="0">
+                <a:pos x="connsiteX1" y="connsiteY1"/>
+              </a:cxn>
+              <a:cxn ang="0">
+                <a:pos x="connsiteX2" y="connsiteY2"/>
+              </a:cxn>
+              <a:cxn ang="0">
+                <a:pos x="connsiteX3" y="connsiteY3"/>
+              </a:cxn>
+              <a:cxn ang="0">
+                <a:pos x="connsiteX4" y="connsiteY4"/>
+              </a:cxn>
+            </a:cxnLst>
+            <a:rect l="l" t="t" r="r" b="b"/>
+            <a:pathLst>
+              <a:path w="1010042" h="236004">
+                <a:moveTo>
+                  <a:pt x="50995" y="236004"/>
+                </a:moveTo>
+                <a:cubicBezTo>
+                  <a:pt x="8025" y="137459"/>
+                  <a:pt x="-34945" y="38915"/>
+                  <a:pt x="44120" y="15998"/>
+                </a:cubicBezTo>
+                <a:cubicBezTo>
+                  <a:pt x="123185" y="-6919"/>
+                  <a:pt x="371837" y="100793"/>
+                  <a:pt x="525383" y="98501"/>
+                </a:cubicBezTo>
+                <a:cubicBezTo>
+                  <a:pt x="678929" y="96209"/>
+                  <a:pt x="890914" y="-17232"/>
+                  <a:pt x="965395" y="2248"/>
+                </a:cubicBezTo>
+                <a:cubicBezTo>
+                  <a:pt x="1039876" y="21728"/>
+                  <a:pt x="1006073" y="118553"/>
+                  <a:pt x="972270" y="215379"/>
+                </a:cubicBezTo>
+              </a:path>
+            </a:pathLst>
+          </a:custGeom>
+          <a:solidFill>
+            <a:schemeClr val="accent3">
+              <a:lumMod val="40000"/>
+              <a:lumOff val="60000"/>
+            </a:schemeClr>
+          </a:solidFill>
+          <a:ln>
+            <a:solidFill>
+              <a:schemeClr val="tx1"/>
+            </a:solidFill>
+          </a:ln>
+        </p:spPr>
+        <p:style>
+          <a:lnRef idx="2">
+            <a:schemeClr val="accent1">
+              <a:shade val="50000"/>
+            </a:schemeClr>
+          </a:lnRef>
+          <a:fillRef idx="1">
+            <a:schemeClr val="accent1"/>
+          </a:fillRef>
+          <a:effectRef idx="0">
+            <a:schemeClr val="accent1"/>
+          </a:effectRef>
+          <a:fontRef idx="minor">
+            <a:schemeClr val="lt1"/>
+          </a:fontRef>
+        </p:style>
+        <p:txBody>
+          <a:bodyPr rtlCol="0" anchor="ctr"/>
+          <a:lstStyle/>
+          <a:p>
+            <a:pPr algn="ctr"/>
+            <a:endParaRPr lang="fr-FR"/>
+          </a:p>
+        </p:txBody>
+      </p:sp>
+      <p:cxnSp>
+        <p:nvCxnSpPr>
+          <p:cNvPr id="54" name="Connecteur droit 53">
+            <a:extLst>
+              <a:ext uri="{FF2B5EF4-FFF2-40B4-BE49-F238E27FC236}">
+                <a16:creationId xmlns:a16="http://schemas.microsoft.com/office/drawing/2014/main" id="{BCEA644E-A428-5805-DEDB-226C3777D3D7}"/>
+              </a:ext>
+            </a:extLst>
+          </p:cNvPr>
+          <p:cNvCxnSpPr>
+            <a:cxnSpLocks/>
+            <a:stCxn id="6" idx="3"/>
+            <a:endCxn id="9" idx="7"/>
+          </p:cNvCxnSpPr>
+          <p:nvPr/>
+        </p:nvCxnSpPr>
+        <p:spPr>
+          <a:xfrm flipV="1">
+            <a:off x="10773219" y="1823068"/>
+            <a:ext cx="644047" cy="915584"/>
+          </a:xfrm>
+          <a:prstGeom prst="line">
+            <a:avLst/>
+          </a:prstGeom>
+          <a:noFill/>
+          <a:ln w="28575">
+            <a:solidFill>
+              <a:srgbClr val="FF0000"/>
+            </a:solidFill>
+          </a:ln>
+        </p:spPr>
+        <p:style>
+          <a:lnRef idx="2">
+            <a:schemeClr val="accent1">
+              <a:shade val="50000"/>
+            </a:schemeClr>
+          </a:lnRef>
+          <a:fillRef idx="1">
+            <a:schemeClr val="accent1"/>
+          </a:fillRef>
+          <a:effectRef idx="0">
+            <a:schemeClr val="accent1"/>
+          </a:effectRef>
+          <a:fontRef idx="minor">
+            <a:schemeClr val="lt1"/>
+          </a:fontRef>
+        </p:style>
+      </p:cxnSp>
+      <p:cxnSp>
+        <p:nvCxnSpPr>
+          <p:cNvPr id="45" name="Connecteur droit 44">
+            <a:extLst>
+              <a:ext uri="{FF2B5EF4-FFF2-40B4-BE49-F238E27FC236}">
+                <a16:creationId xmlns:a16="http://schemas.microsoft.com/office/drawing/2014/main" id="{F96D9C5A-4774-4538-5269-033208CCFC94}"/>
+              </a:ext>
+            </a:extLst>
+          </p:cNvPr>
+          <p:cNvCxnSpPr>
+            <a:cxnSpLocks/>
+            <a:endCxn id="6" idx="5"/>
+          </p:cNvCxnSpPr>
+          <p:nvPr/>
+        </p:nvCxnSpPr>
+        <p:spPr>
+          <a:xfrm>
+            <a:off x="10337060" y="2316263"/>
+            <a:ext cx="639805" cy="422389"/>
+          </a:xfrm>
+          <a:prstGeom prst="line">
+            <a:avLst/>
+          </a:prstGeom>
+          <a:noFill/>
+          <a:ln w="28575">
+            <a:solidFill>
+              <a:srgbClr val="FF0000"/>
+            </a:solidFill>
+          </a:ln>
+        </p:spPr>
+        <p:style>
+          <a:lnRef idx="2">
+            <a:schemeClr val="accent1">
+              <a:shade val="50000"/>
+            </a:schemeClr>
+          </a:lnRef>
+          <a:fillRef idx="1">
+            <a:schemeClr val="accent1"/>
+          </a:fillRef>
+          <a:effectRef idx="0">
+            <a:schemeClr val="accent1"/>
+          </a:effectRef>
+          <a:fontRef idx="minor">
+            <a:schemeClr val="lt1"/>
+          </a:fontRef>
+        </p:style>
+      </p:cxnSp>
+      <p:cxnSp>
+        <p:nvCxnSpPr>
+          <p:cNvPr id="42" name="Connecteur droit 41">
+            <a:extLst>
+              <a:ext uri="{FF2B5EF4-FFF2-40B4-BE49-F238E27FC236}">
+                <a16:creationId xmlns:a16="http://schemas.microsoft.com/office/drawing/2014/main" id="{509DADC3-8990-3BDF-0FD2-75CA59AE7C4E}"/>
+              </a:ext>
+            </a:extLst>
+          </p:cNvPr>
+          <p:cNvCxnSpPr>
+            <a:cxnSpLocks/>
+            <a:stCxn id="12" idx="5"/>
+            <a:endCxn id="9" idx="1"/>
+          </p:cNvCxnSpPr>
+          <p:nvPr/>
+        </p:nvCxnSpPr>
+        <p:spPr>
+          <a:xfrm>
+            <a:off x="10073351" y="638919"/>
+            <a:ext cx="1140269" cy="1184149"/>
+          </a:xfrm>
+          <a:prstGeom prst="line">
+            <a:avLst/>
+          </a:prstGeom>
+          <a:noFill/>
+          <a:ln w="28575">
+            <a:solidFill>
+              <a:schemeClr val="accent2"/>
+            </a:solidFill>
+          </a:ln>
+        </p:spPr>
+        <p:style>
+          <a:lnRef idx="2">
+            <a:schemeClr val="accent1">
+              <a:shade val="50000"/>
+            </a:schemeClr>
+          </a:lnRef>
+          <a:fillRef idx="1">
+            <a:schemeClr val="accent1"/>
+          </a:fillRef>
+          <a:effectRef idx="0">
+            <a:schemeClr val="accent1"/>
+          </a:effectRef>
+          <a:fontRef idx="minor">
+            <a:schemeClr val="lt1"/>
+          </a:fontRef>
+        </p:style>
+      </p:cxnSp>
+      <p:cxnSp>
+        <p:nvCxnSpPr>
+          <p:cNvPr id="39" name="Connecteur droit 38">
+            <a:extLst>
+              <a:ext uri="{FF2B5EF4-FFF2-40B4-BE49-F238E27FC236}">
+                <a16:creationId xmlns:a16="http://schemas.microsoft.com/office/drawing/2014/main" id="{38B74692-0A57-8444-A2B2-64F553A4BD27}"/>
+              </a:ext>
+            </a:extLst>
+          </p:cNvPr>
+          <p:cNvCxnSpPr>
+            <a:cxnSpLocks/>
+            <a:stCxn id="11" idx="3"/>
+            <a:endCxn id="5" idx="7"/>
+          </p:cNvCxnSpPr>
+          <p:nvPr/>
+        </p:nvCxnSpPr>
+        <p:spPr>
+          <a:xfrm flipH="1">
+            <a:off x="7944722" y="2358862"/>
+            <a:ext cx="2212983" cy="2581886"/>
+          </a:xfrm>
+          <a:prstGeom prst="line">
+            <a:avLst/>
+          </a:prstGeom>
+          <a:noFill/>
+          <a:ln w="28575">
+            <a:solidFill>
+              <a:schemeClr val="accent2"/>
+            </a:solidFill>
+          </a:ln>
+        </p:spPr>
+        <p:style>
+          <a:lnRef idx="2">
+            <a:schemeClr val="accent1">
+              <a:shade val="50000"/>
+            </a:schemeClr>
+          </a:lnRef>
+          <a:fillRef idx="1">
+            <a:schemeClr val="accent1"/>
+          </a:fillRef>
+          <a:effectRef idx="0">
+            <a:schemeClr val="accent1"/>
+          </a:effectRef>
+          <a:fontRef idx="minor">
+            <a:schemeClr val="lt1"/>
+          </a:fontRef>
+        </p:style>
+      </p:cxnSp>
+      <p:cxnSp>
+        <p:nvCxnSpPr>
+          <p:cNvPr id="25" name="Connecteur droit 24">
+            <a:extLst>
+              <a:ext uri="{FF2B5EF4-FFF2-40B4-BE49-F238E27FC236}">
+                <a16:creationId xmlns:a16="http://schemas.microsoft.com/office/drawing/2014/main" id="{525A74B9-C3A1-643D-4386-3B4A653D809B}"/>
+              </a:ext>
+            </a:extLst>
+          </p:cNvPr>
+          <p:cNvCxnSpPr>
+            <a:cxnSpLocks/>
+            <a:stCxn id="13" idx="1"/>
+            <a:endCxn id="6" idx="5"/>
+          </p:cNvCxnSpPr>
+          <p:nvPr/>
+        </p:nvCxnSpPr>
+        <p:spPr>
+          <a:xfrm>
+            <a:off x="9444220" y="1174291"/>
+            <a:ext cx="1532645" cy="1564361"/>
+          </a:xfrm>
+          <a:prstGeom prst="line">
+            <a:avLst/>
+          </a:prstGeom>
+          <a:noFill/>
+          <a:ln w="28575">
+            <a:solidFill>
+              <a:schemeClr val="tx1">
+                <a:lumMod val="50000"/>
+                <a:lumOff val="50000"/>
+              </a:schemeClr>
+            </a:solidFill>
+          </a:ln>
+        </p:spPr>
+        <p:style>
+          <a:lnRef idx="2">
+            <a:schemeClr val="accent1">
+              <a:shade val="50000"/>
+            </a:schemeClr>
+          </a:lnRef>
+          <a:fillRef idx="1">
+            <a:schemeClr val="accent1"/>
+          </a:fillRef>
+          <a:effectRef idx="0">
+            <a:schemeClr val="accent1"/>
+          </a:effectRef>
+          <a:fontRef idx="minor">
+            <a:schemeClr val="lt1"/>
+          </a:fontRef>
+        </p:style>
+      </p:cxnSp>
+      <p:sp>
+        <p:nvSpPr>
+          <p:cNvPr id="5" name="Ellipse 4">
+            <a:extLst>
+              <a:ext uri="{FF2B5EF4-FFF2-40B4-BE49-F238E27FC236}">
+                <a16:creationId xmlns:a16="http://schemas.microsoft.com/office/drawing/2014/main" id="{A34C8A65-4155-872B-941D-02C0452FD76C}"/>
+              </a:ext>
+            </a:extLst>
+          </p:cNvPr>
+          <p:cNvSpPr/>
+          <p:nvPr/>
+        </p:nvSpPr>
+        <p:spPr>
+          <a:xfrm>
+            <a:off x="7698899" y="4898571"/>
+            <a:ext cx="288000" cy="288000"/>
+          </a:xfrm>
+          <a:prstGeom prst="ellipse">
+            <a:avLst/>
+          </a:prstGeom>
+          <a:solidFill>
+            <a:schemeClr val="bg1"/>
+          </a:solidFill>
+          <a:ln w="28575">
+            <a:solidFill>
+              <a:schemeClr val="tx1"/>
+            </a:solidFill>
+          </a:ln>
+        </p:spPr>
+        <p:style>
+          <a:lnRef idx="2">
+            <a:schemeClr val="accent1">
+              <a:shade val="50000"/>
+            </a:schemeClr>
+          </a:lnRef>
+          <a:fillRef idx="1">
+            <a:schemeClr val="accent1"/>
+          </a:fillRef>
+          <a:effectRef idx="0">
+            <a:schemeClr val="accent1"/>
+          </a:effectRef>
+          <a:fontRef idx="minor">
+            <a:schemeClr val="lt1"/>
+          </a:fontRef>
+        </p:style>
+        <p:txBody>
+          <a:bodyPr rtlCol="0" anchor="ctr"/>
+          <a:lstStyle/>
+          <a:p>
+            <a:pPr algn="ctr"/>
+            <a:endParaRPr lang="fr-FR"/>
+          </a:p>
+        </p:txBody>
+      </p:sp>
+      <p:sp>
+        <p:nvSpPr>
+          <p:cNvPr id="6" name="Ellipse 5">
+            <a:extLst>
+              <a:ext uri="{FF2B5EF4-FFF2-40B4-BE49-F238E27FC236}">
+                <a16:creationId xmlns:a16="http://schemas.microsoft.com/office/drawing/2014/main" id="{9FCA2EF8-D9BC-9093-0D4F-E44A1F037CC4}"/>
+              </a:ext>
+            </a:extLst>
+          </p:cNvPr>
+          <p:cNvSpPr/>
+          <p:nvPr/>
+        </p:nvSpPr>
+        <p:spPr>
+          <a:xfrm>
+            <a:off x="10731042" y="2492829"/>
+            <a:ext cx="288000" cy="288000"/>
+          </a:xfrm>
+          <a:prstGeom prst="ellipse">
+            <a:avLst/>
+          </a:prstGeom>
+          <a:solidFill>
+            <a:schemeClr val="bg1"/>
+          </a:solidFill>
+          <a:ln w="28575">
+            <a:solidFill>
+              <a:schemeClr val="accent6"/>
+            </a:solidFill>
+          </a:ln>
+        </p:spPr>
+        <p:style>
+          <a:lnRef idx="2">
+            <a:schemeClr val="accent1">
+              <a:shade val="50000"/>
+            </a:schemeClr>
+          </a:lnRef>
+          <a:fillRef idx="1">
+            <a:schemeClr val="accent1"/>
+          </a:fillRef>
+          <a:effectRef idx="0">
+            <a:schemeClr val="accent1"/>
+          </a:effectRef>
+          <a:fontRef idx="minor">
+            <a:schemeClr val="lt1"/>
+          </a:fontRef>
+        </p:style>
+        <p:txBody>
+          <a:bodyPr rtlCol="0" anchor="ctr"/>
+          <a:lstStyle/>
+          <a:p>
+            <a:pPr algn="ctr"/>
+            <a:endParaRPr lang="fr-FR"/>
+          </a:p>
+        </p:txBody>
+      </p:sp>
+      <p:sp>
+        <p:nvSpPr>
+          <p:cNvPr id="9" name="Ellipse 8">
+            <a:extLst>
+              <a:ext uri="{FF2B5EF4-FFF2-40B4-BE49-F238E27FC236}">
+                <a16:creationId xmlns:a16="http://schemas.microsoft.com/office/drawing/2014/main" id="{7362A4E9-0ED1-0704-5BE0-D427F862F9B4}"/>
+              </a:ext>
+            </a:extLst>
+          </p:cNvPr>
+          <p:cNvSpPr/>
+          <p:nvPr/>
+        </p:nvSpPr>
+        <p:spPr>
+          <a:xfrm>
+            <a:off x="11171443" y="1780891"/>
+            <a:ext cx="288000" cy="288000"/>
+          </a:xfrm>
+          <a:prstGeom prst="ellipse">
+            <a:avLst/>
+          </a:prstGeom>
+          <a:solidFill>
+            <a:schemeClr val="bg1"/>
+          </a:solidFill>
+          <a:ln w="28575">
+            <a:solidFill>
+              <a:schemeClr val="tx1"/>
+            </a:solidFill>
+          </a:ln>
+        </p:spPr>
+        <p:style>
+          <a:lnRef idx="2">
+            <a:schemeClr val="accent1">
+              <a:shade val="50000"/>
+            </a:schemeClr>
+          </a:lnRef>
+          <a:fillRef idx="1">
+            <a:schemeClr val="accent1"/>
+          </a:fillRef>
+          <a:effectRef idx="0">
+            <a:schemeClr val="accent1"/>
+          </a:effectRef>
+          <a:fontRef idx="minor">
+            <a:schemeClr val="lt1"/>
+          </a:fontRef>
+        </p:style>
+        <p:txBody>
+          <a:bodyPr rtlCol="0" anchor="ctr"/>
+          <a:lstStyle/>
+          <a:p>
+            <a:pPr algn="ctr"/>
+            <a:endParaRPr lang="fr-FR"/>
+          </a:p>
+        </p:txBody>
+      </p:sp>
+      <p:sp>
+        <p:nvSpPr>
+          <p:cNvPr id="11" name="Ellipse 10">
+            <a:extLst>
+              <a:ext uri="{FF2B5EF4-FFF2-40B4-BE49-F238E27FC236}">
+                <a16:creationId xmlns:a16="http://schemas.microsoft.com/office/drawing/2014/main" id="{7A145B58-88A7-9F63-000D-F11E65862B86}"/>
+              </a:ext>
+            </a:extLst>
+          </p:cNvPr>
+          <p:cNvSpPr/>
+          <p:nvPr/>
+        </p:nvSpPr>
+        <p:spPr>
+          <a:xfrm>
+            <a:off x="10115528" y="2113039"/>
+            <a:ext cx="288000" cy="288000"/>
+          </a:xfrm>
+          <a:prstGeom prst="ellipse">
+            <a:avLst/>
+          </a:prstGeom>
+          <a:solidFill>
+            <a:schemeClr val="bg1"/>
+          </a:solidFill>
+          <a:ln w="28575">
+            <a:solidFill>
+              <a:schemeClr val="tx1"/>
+            </a:solidFill>
+          </a:ln>
+        </p:spPr>
+        <p:style>
+          <a:lnRef idx="2">
+            <a:schemeClr val="accent1">
+              <a:shade val="50000"/>
+            </a:schemeClr>
+          </a:lnRef>
+          <a:fillRef idx="1">
+            <a:schemeClr val="accent1"/>
+          </a:fillRef>
+          <a:effectRef idx="0">
+            <a:schemeClr val="accent1"/>
+          </a:effectRef>
+          <a:fontRef idx="minor">
+            <a:schemeClr val="lt1"/>
+          </a:fontRef>
+        </p:style>
+        <p:txBody>
+          <a:bodyPr rtlCol="0" anchor="ctr"/>
+          <a:lstStyle/>
+          <a:p>
+            <a:pPr algn="ctr"/>
+            <a:endParaRPr lang="fr-FR"/>
+          </a:p>
+        </p:txBody>
+      </p:sp>
+      <p:sp>
+        <p:nvSpPr>
+          <p:cNvPr id="12" name="Ellipse 11">
+            <a:extLst>
+              <a:ext uri="{FF2B5EF4-FFF2-40B4-BE49-F238E27FC236}">
+                <a16:creationId xmlns:a16="http://schemas.microsoft.com/office/drawing/2014/main" id="{B9EE8F0B-E30F-F2A6-70DD-6D4392BD23FB}"/>
+              </a:ext>
+            </a:extLst>
+          </p:cNvPr>
+          <p:cNvSpPr/>
+          <p:nvPr/>
+        </p:nvSpPr>
+        <p:spPr>
+          <a:xfrm>
+            <a:off x="9827528" y="393096"/>
+            <a:ext cx="288000" cy="288000"/>
+          </a:xfrm>
+          <a:prstGeom prst="ellipse">
+            <a:avLst/>
+          </a:prstGeom>
+          <a:solidFill>
+            <a:schemeClr val="bg1"/>
+          </a:solidFill>
+          <a:ln w="28575">
+            <a:solidFill>
+              <a:schemeClr val="tx1"/>
+            </a:solidFill>
+          </a:ln>
+        </p:spPr>
+        <p:style>
+          <a:lnRef idx="2">
+            <a:schemeClr val="accent1">
+              <a:shade val="50000"/>
+            </a:schemeClr>
+          </a:lnRef>
+          <a:fillRef idx="1">
+            <a:schemeClr val="accent1"/>
+          </a:fillRef>
+          <a:effectRef idx="0">
+            <a:schemeClr val="accent1"/>
+          </a:effectRef>
+          <a:fontRef idx="minor">
+            <a:schemeClr val="lt1"/>
+          </a:fontRef>
+        </p:style>
+        <p:txBody>
+          <a:bodyPr rtlCol="0" anchor="ctr"/>
+          <a:lstStyle/>
+          <a:p>
+            <a:pPr algn="ctr"/>
+            <a:endParaRPr lang="fr-FR"/>
+          </a:p>
+        </p:txBody>
+      </p:sp>
+      <p:sp>
+        <p:nvSpPr>
+          <p:cNvPr id="13" name="Ellipse 12">
+            <a:extLst>
+              <a:ext uri="{FF2B5EF4-FFF2-40B4-BE49-F238E27FC236}">
+                <a16:creationId xmlns:a16="http://schemas.microsoft.com/office/drawing/2014/main" id="{FAAA6DFA-5329-473D-77D0-3D7DFA06131C}"/>
+              </a:ext>
+            </a:extLst>
+          </p:cNvPr>
+          <p:cNvSpPr/>
+          <p:nvPr/>
+        </p:nvSpPr>
+        <p:spPr>
+          <a:xfrm>
+            <a:off x="9402043" y="1132114"/>
+            <a:ext cx="288000" cy="288000"/>
+          </a:xfrm>
+          <a:prstGeom prst="ellipse">
+            <a:avLst/>
+          </a:prstGeom>
+          <a:solidFill>
+            <a:schemeClr val="bg1"/>
+          </a:solidFill>
+          <a:ln w="28575">
+            <a:solidFill>
+              <a:schemeClr val="tx1"/>
+            </a:solidFill>
+          </a:ln>
+        </p:spPr>
+        <p:style>
+          <a:lnRef idx="2">
+            <a:schemeClr val="accent1">
+              <a:shade val="50000"/>
+            </a:schemeClr>
+          </a:lnRef>
+          <a:fillRef idx="1">
+            <a:schemeClr val="accent1"/>
+          </a:fillRef>
+          <a:effectRef idx="0">
+            <a:schemeClr val="accent1"/>
+          </a:effectRef>
+          <a:fontRef idx="minor">
+            <a:schemeClr val="lt1"/>
+          </a:fontRef>
+        </p:style>
+        <p:txBody>
+          <a:bodyPr rtlCol="0" anchor="ctr"/>
+          <a:lstStyle/>
+          <a:p>
+            <a:pPr algn="ctr"/>
+            <a:endParaRPr lang="fr-FR"/>
+          </a:p>
+        </p:txBody>
+      </p:sp>
+      <p:cxnSp>
+        <p:nvCxnSpPr>
+          <p:cNvPr id="17" name="Connecteur droit 16">
+            <a:extLst>
+              <a:ext uri="{FF2B5EF4-FFF2-40B4-BE49-F238E27FC236}">
+                <a16:creationId xmlns:a16="http://schemas.microsoft.com/office/drawing/2014/main" id="{B1C8E0AC-4B51-7B90-A36E-8CD4D5BDC5AB}"/>
+              </a:ext>
+            </a:extLst>
+          </p:cNvPr>
+          <p:cNvCxnSpPr>
+            <a:stCxn id="4" idx="7"/>
+            <a:endCxn id="10" idx="3"/>
+          </p:cNvCxnSpPr>
+          <p:nvPr/>
+        </p:nvCxnSpPr>
+        <p:spPr>
+          <a:xfrm flipH="1">
+            <a:off x="6434792" y="1174291"/>
+            <a:ext cx="1798873" cy="1160649"/>
+          </a:xfrm>
+          <a:prstGeom prst="line">
+            <a:avLst/>
+          </a:prstGeom>
+          <a:noFill/>
+          <a:ln w="28575">
+            <a:solidFill>
+              <a:schemeClr val="tx1">
+                <a:lumMod val="50000"/>
+                <a:lumOff val="50000"/>
+              </a:schemeClr>
+            </a:solidFill>
+          </a:ln>
+        </p:spPr>
+        <p:style>
+          <a:lnRef idx="2">
+            <a:schemeClr val="accent1">
+              <a:shade val="50000"/>
+            </a:schemeClr>
+          </a:lnRef>
+          <a:fillRef idx="1">
+            <a:schemeClr val="accent1"/>
+          </a:fillRef>
+          <a:effectRef idx="0">
+            <a:schemeClr val="accent1"/>
+          </a:effectRef>
+          <a:fontRef idx="minor">
+            <a:schemeClr val="lt1"/>
+          </a:fontRef>
+        </p:style>
+      </p:cxnSp>
+      <p:sp>
+        <p:nvSpPr>
+          <p:cNvPr id="4" name="Ellipse 3">
+            <a:extLst>
+              <a:ext uri="{FF2B5EF4-FFF2-40B4-BE49-F238E27FC236}">
+                <a16:creationId xmlns:a16="http://schemas.microsoft.com/office/drawing/2014/main" id="{87446B15-FE0B-65F8-08D4-3AB2BFFEEE59}"/>
+              </a:ext>
+            </a:extLst>
+          </p:cNvPr>
+          <p:cNvSpPr/>
+          <p:nvPr/>
+        </p:nvSpPr>
+        <p:spPr>
+          <a:xfrm>
+            <a:off x="7987842" y="1132114"/>
+            <a:ext cx="288000" cy="288000"/>
+          </a:xfrm>
+          <a:prstGeom prst="ellipse">
+            <a:avLst/>
+          </a:prstGeom>
+          <a:solidFill>
+            <a:schemeClr val="bg1"/>
+          </a:solidFill>
+          <a:ln w="28575">
+            <a:solidFill>
+              <a:schemeClr val="tx1"/>
+            </a:solidFill>
+          </a:ln>
+        </p:spPr>
+        <p:style>
+          <a:lnRef idx="2">
+            <a:schemeClr val="accent1">
+              <a:shade val="50000"/>
+            </a:schemeClr>
+          </a:lnRef>
+          <a:fillRef idx="1">
+            <a:schemeClr val="accent1"/>
+          </a:fillRef>
+          <a:effectRef idx="0">
+            <a:schemeClr val="accent1"/>
+          </a:effectRef>
+          <a:fontRef idx="minor">
+            <a:schemeClr val="lt1"/>
+          </a:fontRef>
+        </p:style>
+        <p:txBody>
+          <a:bodyPr rtlCol="0" anchor="ctr"/>
+          <a:lstStyle/>
+          <a:p>
+            <a:pPr algn="ctr"/>
+            <a:endParaRPr lang="fr-FR"/>
+          </a:p>
+        </p:txBody>
+      </p:sp>
+      <p:sp>
+        <p:nvSpPr>
+          <p:cNvPr id="10" name="Ellipse 9">
+            <a:extLst>
+              <a:ext uri="{FF2B5EF4-FFF2-40B4-BE49-F238E27FC236}">
+                <a16:creationId xmlns:a16="http://schemas.microsoft.com/office/drawing/2014/main" id="{D964997B-CD04-60CC-B795-03E3862A9F00}"/>
+              </a:ext>
+            </a:extLst>
+          </p:cNvPr>
+          <p:cNvSpPr/>
+          <p:nvPr/>
+        </p:nvSpPr>
+        <p:spPr>
+          <a:xfrm>
+            <a:off x="6392615" y="2089117"/>
+            <a:ext cx="288000" cy="288000"/>
+          </a:xfrm>
+          <a:prstGeom prst="ellipse">
+            <a:avLst/>
+          </a:prstGeom>
+          <a:solidFill>
+            <a:schemeClr val="bg1"/>
+          </a:solidFill>
+          <a:ln w="28575">
+            <a:solidFill>
+              <a:schemeClr val="accent6"/>
+            </a:solidFill>
+          </a:ln>
+        </p:spPr>
+        <p:style>
+          <a:lnRef idx="2">
+            <a:schemeClr val="accent1">
+              <a:shade val="50000"/>
+            </a:schemeClr>
+          </a:lnRef>
+          <a:fillRef idx="1">
+            <a:schemeClr val="accent1"/>
+          </a:fillRef>
+          <a:effectRef idx="0">
+            <a:schemeClr val="accent1"/>
+          </a:effectRef>
+          <a:fontRef idx="minor">
+            <a:schemeClr val="lt1"/>
+          </a:fontRef>
+        </p:style>
+        <p:txBody>
+          <a:bodyPr rtlCol="0" anchor="ctr"/>
+          <a:lstStyle/>
+          <a:p>
+            <a:pPr algn="ctr"/>
+            <a:endParaRPr lang="fr-FR"/>
+          </a:p>
+        </p:txBody>
+      </p:sp>
+      <p:cxnSp>
+        <p:nvCxnSpPr>
+          <p:cNvPr id="18" name="Connecteur droit 17">
+            <a:extLst>
+              <a:ext uri="{FF2B5EF4-FFF2-40B4-BE49-F238E27FC236}">
+                <a16:creationId xmlns:a16="http://schemas.microsoft.com/office/drawing/2014/main" id="{BDD56816-5342-495C-27EB-129A2603A5F5}"/>
+              </a:ext>
+            </a:extLst>
+          </p:cNvPr>
+          <p:cNvCxnSpPr>
+            <a:cxnSpLocks/>
+            <a:stCxn id="4" idx="0"/>
+          </p:cNvCxnSpPr>
+          <p:nvPr/>
+        </p:nvCxnSpPr>
+        <p:spPr>
+          <a:xfrm flipV="1">
+            <a:off x="8131842" y="892628"/>
+            <a:ext cx="0" cy="239486"/>
+          </a:xfrm>
+          <a:prstGeom prst="line">
+            <a:avLst/>
+          </a:prstGeom>
+          <a:noFill/>
+          <a:ln w="28575">
+            <a:solidFill>
+              <a:schemeClr val="tx1"/>
+            </a:solidFill>
+          </a:ln>
+        </p:spPr>
+        <p:style>
+          <a:lnRef idx="2">
+            <a:schemeClr val="accent1">
+              <a:shade val="50000"/>
+            </a:schemeClr>
+          </a:lnRef>
+          <a:fillRef idx="1">
+            <a:schemeClr val="accent1"/>
+          </a:fillRef>
+          <a:effectRef idx="0">
+            <a:schemeClr val="accent1"/>
+          </a:effectRef>
+          <a:fontRef idx="minor">
+            <a:schemeClr val="lt1"/>
+          </a:fontRef>
+        </p:style>
+      </p:cxnSp>
+      <p:cxnSp>
+        <p:nvCxnSpPr>
+          <p:cNvPr id="21" name="Connecteur droit 20">
+            <a:extLst>
+              <a:ext uri="{FF2B5EF4-FFF2-40B4-BE49-F238E27FC236}">
+                <a16:creationId xmlns:a16="http://schemas.microsoft.com/office/drawing/2014/main" id="{C3229C4D-5D98-90A2-F453-65E15534F23D}"/>
+              </a:ext>
+            </a:extLst>
+          </p:cNvPr>
+          <p:cNvCxnSpPr>
+            <a:cxnSpLocks/>
+          </p:cNvCxnSpPr>
+          <p:nvPr/>
+        </p:nvCxnSpPr>
+        <p:spPr>
+          <a:xfrm flipV="1">
+            <a:off x="9536521" y="892628"/>
+            <a:ext cx="0" cy="239486"/>
+          </a:xfrm>
+          <a:prstGeom prst="line">
+            <a:avLst/>
+          </a:prstGeom>
+          <a:noFill/>
+          <a:ln w="28575">
+            <a:solidFill>
+              <a:schemeClr val="tx1"/>
+            </a:solidFill>
+          </a:ln>
+        </p:spPr>
+        <p:style>
+          <a:lnRef idx="2">
+            <a:schemeClr val="accent1">
+              <a:shade val="50000"/>
+            </a:schemeClr>
+          </a:lnRef>
+          <a:fillRef idx="1">
+            <a:schemeClr val="accent1"/>
+          </a:fillRef>
+          <a:effectRef idx="0">
+            <a:schemeClr val="accent1"/>
+          </a:effectRef>
+          <a:fontRef idx="minor">
+            <a:schemeClr val="lt1"/>
+          </a:fontRef>
+        </p:style>
+      </p:cxnSp>
+      <p:cxnSp>
+        <p:nvCxnSpPr>
+          <p:cNvPr id="22" name="Connecteur droit 21">
+            <a:extLst>
+              <a:ext uri="{FF2B5EF4-FFF2-40B4-BE49-F238E27FC236}">
+                <a16:creationId xmlns:a16="http://schemas.microsoft.com/office/drawing/2014/main" id="{E9A98DD3-5BF8-06D3-95DC-94A41729C81B}"/>
+              </a:ext>
+            </a:extLst>
+          </p:cNvPr>
+          <p:cNvCxnSpPr>
+            <a:cxnSpLocks/>
+          </p:cNvCxnSpPr>
+          <p:nvPr/>
+        </p:nvCxnSpPr>
+        <p:spPr>
+          <a:xfrm flipH="1">
+            <a:off x="8131842" y="892628"/>
+            <a:ext cx="1414201" cy="0"/>
+          </a:xfrm>
+          <a:prstGeom prst="line">
+            <a:avLst/>
+          </a:prstGeom>
+          <a:noFill/>
+          <a:ln w="28575">
+            <a:solidFill>
+              <a:schemeClr val="tx1"/>
+            </a:solidFill>
+          </a:ln>
+        </p:spPr>
+        <p:style>
+          <a:lnRef idx="2">
+            <a:schemeClr val="accent1">
+              <a:shade val="50000"/>
+            </a:schemeClr>
+          </a:lnRef>
+          <a:fillRef idx="1">
+            <a:schemeClr val="accent1"/>
+          </a:fillRef>
+          <a:effectRef idx="0">
+            <a:schemeClr val="accent1"/>
+          </a:effectRef>
+          <a:fontRef idx="minor">
+            <a:schemeClr val="lt1"/>
+          </a:fontRef>
+        </p:style>
+      </p:cxnSp>
+      <p:cxnSp>
+        <p:nvCxnSpPr>
+          <p:cNvPr id="28" name="Connecteur droit 27">
+            <a:extLst>
+              <a:ext uri="{FF2B5EF4-FFF2-40B4-BE49-F238E27FC236}">
+                <a16:creationId xmlns:a16="http://schemas.microsoft.com/office/drawing/2014/main" id="{3DC56052-FB7E-BB24-55AF-CC14AFD20A41}"/>
+              </a:ext>
+            </a:extLst>
+          </p:cNvPr>
+          <p:cNvCxnSpPr>
+            <a:cxnSpLocks/>
+            <a:stCxn id="15" idx="1"/>
+            <a:endCxn id="10" idx="4"/>
+          </p:cNvCxnSpPr>
+          <p:nvPr/>
+        </p:nvCxnSpPr>
+        <p:spPr>
+          <a:xfrm flipH="1" flipV="1">
+            <a:off x="6536615" y="2377117"/>
+            <a:ext cx="1781404" cy="2872459"/>
+          </a:xfrm>
+          <a:prstGeom prst="line">
+            <a:avLst/>
+          </a:prstGeom>
+          <a:noFill/>
+          <a:ln w="28575">
+            <a:solidFill>
+              <a:schemeClr val="accent6"/>
+            </a:solidFill>
+          </a:ln>
+        </p:spPr>
+        <p:style>
+          <a:lnRef idx="2">
+            <a:schemeClr val="accent1">
+              <a:shade val="50000"/>
+            </a:schemeClr>
+          </a:lnRef>
+          <a:fillRef idx="1">
+            <a:schemeClr val="accent1"/>
+          </a:fillRef>
+          <a:effectRef idx="0">
+            <a:schemeClr val="accent1"/>
+          </a:effectRef>
+          <a:fontRef idx="minor">
+            <a:schemeClr val="lt1"/>
+          </a:fontRef>
+        </p:style>
+      </p:cxnSp>
+      <p:cxnSp>
+        <p:nvCxnSpPr>
+          <p:cNvPr id="36" name="Connecteur droit 35">
+            <a:extLst>
+              <a:ext uri="{FF2B5EF4-FFF2-40B4-BE49-F238E27FC236}">
+                <a16:creationId xmlns:a16="http://schemas.microsoft.com/office/drawing/2014/main" id="{50E3A948-D98B-9C16-B6C5-9ACB9985EE7A}"/>
+              </a:ext>
+            </a:extLst>
+          </p:cNvPr>
+          <p:cNvCxnSpPr>
+            <a:cxnSpLocks/>
+            <a:stCxn id="6" idx="3"/>
+            <a:endCxn id="15" idx="7"/>
+          </p:cNvCxnSpPr>
+          <p:nvPr/>
+        </p:nvCxnSpPr>
+        <p:spPr>
+          <a:xfrm flipH="1">
+            <a:off x="8521665" y="2738652"/>
+            <a:ext cx="2251554" cy="2510924"/>
+          </a:xfrm>
+          <a:prstGeom prst="line">
+            <a:avLst/>
+          </a:prstGeom>
+          <a:noFill/>
+          <a:ln w="28575">
+            <a:solidFill>
+              <a:schemeClr val="accent6"/>
+            </a:solidFill>
+          </a:ln>
+        </p:spPr>
+        <p:style>
+          <a:lnRef idx="2">
+            <a:schemeClr val="accent1">
+              <a:shade val="50000"/>
+            </a:schemeClr>
+          </a:lnRef>
+          <a:fillRef idx="1">
+            <a:schemeClr val="accent1"/>
+          </a:fillRef>
+          <a:effectRef idx="0">
+            <a:schemeClr val="accent1"/>
+          </a:effectRef>
+          <a:fontRef idx="minor">
+            <a:schemeClr val="lt1"/>
+          </a:fontRef>
+        </p:style>
+      </p:cxnSp>
+      <p:cxnSp>
+        <p:nvCxnSpPr>
+          <p:cNvPr id="59" name="Connecteur droit 58">
+            <a:extLst>
+              <a:ext uri="{FF2B5EF4-FFF2-40B4-BE49-F238E27FC236}">
+                <a16:creationId xmlns:a16="http://schemas.microsoft.com/office/drawing/2014/main" id="{4CBE8E10-861F-2F90-F93F-60B6F19BF1C8}"/>
+              </a:ext>
+            </a:extLst>
+          </p:cNvPr>
+          <p:cNvCxnSpPr>
+            <a:cxnSpLocks/>
+            <a:stCxn id="5" idx="4"/>
+          </p:cNvCxnSpPr>
+          <p:nvPr/>
+        </p:nvCxnSpPr>
+        <p:spPr>
+          <a:xfrm>
+            <a:off x="7842899" y="5186571"/>
+            <a:ext cx="0" cy="932566"/>
+          </a:xfrm>
+          <a:prstGeom prst="line">
+            <a:avLst/>
+          </a:prstGeom>
+          <a:ln w="38100">
+            <a:solidFill>
+              <a:srgbClr val="0070C0"/>
+            </a:solidFill>
+          </a:ln>
+        </p:spPr>
+        <p:style>
+          <a:lnRef idx="1">
+            <a:schemeClr val="accent1"/>
+          </a:lnRef>
+          <a:fillRef idx="0">
+            <a:schemeClr val="accent1"/>
+          </a:fillRef>
+          <a:effectRef idx="0">
+            <a:schemeClr val="accent1"/>
+          </a:effectRef>
+          <a:fontRef idx="minor">
+            <a:schemeClr val="tx1"/>
+          </a:fontRef>
+        </p:style>
+      </p:cxnSp>
+      <p:cxnSp>
+        <p:nvCxnSpPr>
+          <p:cNvPr id="60" name="Connecteur droit 59">
+            <a:extLst>
+              <a:ext uri="{FF2B5EF4-FFF2-40B4-BE49-F238E27FC236}">
+                <a16:creationId xmlns:a16="http://schemas.microsoft.com/office/drawing/2014/main" id="{2FD75DF8-9F6F-4B42-5F21-9C16BCA7BA39}"/>
+              </a:ext>
+            </a:extLst>
+          </p:cNvPr>
+          <p:cNvCxnSpPr>
+            <a:cxnSpLocks/>
+          </p:cNvCxnSpPr>
+          <p:nvPr/>
+        </p:nvCxnSpPr>
+        <p:spPr>
+          <a:xfrm flipH="1">
+            <a:off x="7842899" y="5780314"/>
+            <a:ext cx="576943" cy="0"/>
+          </a:xfrm>
+          <a:prstGeom prst="line">
+            <a:avLst/>
+          </a:prstGeom>
+          <a:ln w="38100">
+            <a:solidFill>
+              <a:srgbClr val="0070C0"/>
+            </a:solidFill>
+          </a:ln>
+        </p:spPr>
+        <p:style>
+          <a:lnRef idx="1">
+            <a:schemeClr val="accent1"/>
+          </a:lnRef>
+          <a:fillRef idx="0">
+            <a:schemeClr val="accent1"/>
+          </a:fillRef>
+          <a:effectRef idx="0">
+            <a:schemeClr val="accent1"/>
+          </a:effectRef>
+          <a:fontRef idx="minor">
+            <a:schemeClr val="tx1"/>
+          </a:fontRef>
+        </p:style>
+      </p:cxnSp>
+      <p:cxnSp>
+        <p:nvCxnSpPr>
+          <p:cNvPr id="63" name="Connecteur droit 62">
+            <a:extLst>
+              <a:ext uri="{FF2B5EF4-FFF2-40B4-BE49-F238E27FC236}">
+                <a16:creationId xmlns:a16="http://schemas.microsoft.com/office/drawing/2014/main" id="{3E4A79CA-24D1-42DD-E1CB-30449F54FC94}"/>
+              </a:ext>
+            </a:extLst>
+          </p:cNvPr>
+          <p:cNvCxnSpPr>
+            <a:cxnSpLocks/>
+            <a:endCxn id="15" idx="4"/>
+          </p:cNvCxnSpPr>
+          <p:nvPr/>
+        </p:nvCxnSpPr>
+        <p:spPr>
+          <a:xfrm flipV="1">
+            <a:off x="8419842" y="5495399"/>
+            <a:ext cx="0" cy="284915"/>
+          </a:xfrm>
+          <a:prstGeom prst="line">
+            <a:avLst/>
+          </a:prstGeom>
+          <a:ln w="38100">
+            <a:solidFill>
+              <a:srgbClr val="0070C0"/>
+            </a:solidFill>
+          </a:ln>
+        </p:spPr>
+        <p:style>
+          <a:lnRef idx="1">
+            <a:schemeClr val="accent1"/>
+          </a:lnRef>
+          <a:fillRef idx="0">
+            <a:schemeClr val="accent1"/>
+          </a:fillRef>
+          <a:effectRef idx="0">
+            <a:schemeClr val="accent1"/>
+          </a:effectRef>
+          <a:fontRef idx="minor">
+            <a:schemeClr val="tx1"/>
+          </a:fontRef>
+        </p:style>
+      </p:cxnSp>
+      <mc:AlternateContent xmlns:mc="http://schemas.openxmlformats.org/markup-compatibility/2006">
+        <mc:Choice xmlns:a14="http://schemas.microsoft.com/office/drawing/2010/main" Requires="a14">
+          <p:sp>
+            <p:nvSpPr>
+              <p:cNvPr id="27" name="ZoneTexte 26">
+                <a:extLst>
+                  <a:ext uri="{FF2B5EF4-FFF2-40B4-BE49-F238E27FC236}">
+                    <a16:creationId xmlns:a16="http://schemas.microsoft.com/office/drawing/2014/main" id="{C0513434-C08C-389C-DD37-C3EA65097A74}"/>
+                  </a:ext>
+                </a:extLst>
+              </p:cNvPr>
+              <p:cNvSpPr txBox="1"/>
+              <p:nvPr/>
+            </p:nvSpPr>
+            <p:spPr>
+              <a:xfrm>
+                <a:off x="7648305" y="1065523"/>
+                <a:ext cx="291747" cy="369332"/>
+              </a:xfrm>
+              <a:prstGeom prst="rect">
+                <a:avLst/>
+              </a:prstGeom>
+              <a:noFill/>
+            </p:spPr>
+            <p:txBody>
+              <a:bodyPr wrap="none" lIns="0" tIns="0" rIns="0" bIns="0" rtlCol="0">
+                <a:spAutoFit/>
+              </a:bodyPr>
+              <a:lstStyle/>
+              <a:p>
+                <a14:m>
+                  <m:oMathPara xmlns:m="http://schemas.openxmlformats.org/officeDocument/2006/math">
+                    <m:oMathParaPr>
+                      <m:jc m:val="centerGroup"/>
+                    </m:oMathParaPr>
+                    <m:oMath xmlns:m="http://schemas.openxmlformats.org/officeDocument/2006/math">
+                      <m:r>
+                        <a:rPr lang="fr-FR" sz="2400" b="1" i="1" smtClean="0">
+                          <a:latin typeface="Cambria Math" panose="02040503050406030204" pitchFamily="18" charset="0"/>
+                        </a:rPr>
+                        <m:t>𝑩</m:t>
+                      </m:r>
+                    </m:oMath>
+                  </m:oMathPara>
+                </a14:m>
+                <a:endParaRPr lang="fr-FR" sz="2400" b="1" dirty="0"/>
+              </a:p>
+            </p:txBody>
+          </p:sp>
+        </mc:Choice>
+        <mc:Fallback>
+          <p:sp>
+            <p:nvSpPr>
+              <p:cNvPr id="27" name="ZoneTexte 26">
+                <a:extLst>
+                  <a:ext uri="{FF2B5EF4-FFF2-40B4-BE49-F238E27FC236}">
+                    <a16:creationId xmlns:a16="http://schemas.microsoft.com/office/drawing/2014/main" id="{C0513434-C08C-389C-DD37-C3EA65097A74}"/>
+                  </a:ext>
+                </a:extLst>
+              </p:cNvPr>
+              <p:cNvSpPr txBox="1">
+                <a:spLocks noRot="1" noChangeAspect="1" noMove="1" noResize="1" noEditPoints="1" noAdjustHandles="1" noChangeArrowheads="1" noChangeShapeType="1" noTextEdit="1"/>
+              </p:cNvSpPr>
+              <p:nvPr/>
+            </p:nvSpPr>
+            <p:spPr>
+              <a:xfrm>
+                <a:off x="7648305" y="1065523"/>
+                <a:ext cx="291747" cy="369332"/>
+              </a:xfrm>
+              <a:prstGeom prst="rect">
+                <a:avLst/>
+              </a:prstGeom>
+              <a:blipFill>
+                <a:blip r:embed="rId2"/>
+                <a:stretch>
+                  <a:fillRect l="-25000" r="-22917" b="-6667"/>
+                </a:stretch>
+              </a:blipFill>
+            </p:spPr>
+            <p:txBody>
+              <a:bodyPr/>
+              <a:lstStyle/>
+              <a:p>
+                <a:r>
+                  <a:rPr lang="fr-FR">
+                    <a:noFill/>
+                  </a:rPr>
+                  <a:t> </a:t>
+                </a:r>
+              </a:p>
+            </p:txBody>
+          </p:sp>
+        </mc:Fallback>
+      </mc:AlternateContent>
+      <mc:AlternateContent xmlns:mc="http://schemas.openxmlformats.org/markup-compatibility/2006">
+        <mc:Choice xmlns:a14="http://schemas.microsoft.com/office/drawing/2010/main" Requires="a14">
+          <p:sp>
+            <p:nvSpPr>
+              <p:cNvPr id="29" name="ZoneTexte 28">
+                <a:extLst>
+                  <a:ext uri="{FF2B5EF4-FFF2-40B4-BE49-F238E27FC236}">
+                    <a16:creationId xmlns:a16="http://schemas.microsoft.com/office/drawing/2014/main" id="{6A3DC537-A923-FE3F-DE71-ABF87A1DA6B1}"/>
+                  </a:ext>
+                </a:extLst>
+              </p:cNvPr>
+              <p:cNvSpPr txBox="1"/>
+              <p:nvPr/>
+            </p:nvSpPr>
+            <p:spPr>
+              <a:xfrm>
+                <a:off x="10115528" y="195720"/>
+                <a:ext cx="261290" cy="369332"/>
+              </a:xfrm>
+              <a:prstGeom prst="rect">
+                <a:avLst/>
+              </a:prstGeom>
+              <a:noFill/>
+            </p:spPr>
+            <p:txBody>
+              <a:bodyPr wrap="none" lIns="0" tIns="0" rIns="0" bIns="0" rtlCol="0">
+                <a:spAutoFit/>
+              </a:bodyPr>
+              <a:lstStyle/>
+              <a:p>
+                <a14:m>
+                  <m:oMathPara xmlns:m="http://schemas.openxmlformats.org/officeDocument/2006/math">
+                    <m:oMathParaPr>
+                      <m:jc m:val="centerGroup"/>
+                    </m:oMathParaPr>
+                    <m:oMath xmlns:m="http://schemas.openxmlformats.org/officeDocument/2006/math">
+                      <m:r>
+                        <a:rPr lang="fr-FR" sz="2400" b="1" i="1" smtClean="0">
+                          <a:latin typeface="Cambria Math" panose="02040503050406030204" pitchFamily="18" charset="0"/>
+                        </a:rPr>
+                        <m:t>𝑪</m:t>
+                      </m:r>
+                    </m:oMath>
+                  </m:oMathPara>
+                </a14:m>
+                <a:endParaRPr lang="fr-FR" sz="2400" b="1" dirty="0"/>
+              </a:p>
+            </p:txBody>
+          </p:sp>
+        </mc:Choice>
+        <mc:Fallback>
+          <p:sp>
+            <p:nvSpPr>
+              <p:cNvPr id="29" name="ZoneTexte 28">
+                <a:extLst>
+                  <a:ext uri="{FF2B5EF4-FFF2-40B4-BE49-F238E27FC236}">
+                    <a16:creationId xmlns:a16="http://schemas.microsoft.com/office/drawing/2014/main" id="{6A3DC537-A923-FE3F-DE71-ABF87A1DA6B1}"/>
+                  </a:ext>
+                </a:extLst>
+              </p:cNvPr>
+              <p:cNvSpPr txBox="1">
+                <a:spLocks noRot="1" noChangeAspect="1" noMove="1" noResize="1" noEditPoints="1" noAdjustHandles="1" noChangeArrowheads="1" noChangeShapeType="1" noTextEdit="1"/>
+              </p:cNvSpPr>
+              <p:nvPr/>
+            </p:nvSpPr>
+            <p:spPr>
+              <a:xfrm>
+                <a:off x="10115528" y="195720"/>
+                <a:ext cx="261290" cy="369332"/>
+              </a:xfrm>
+              <a:prstGeom prst="rect">
+                <a:avLst/>
+              </a:prstGeom>
+              <a:blipFill>
+                <a:blip r:embed="rId3"/>
+                <a:stretch>
+                  <a:fillRect l="-25581" r="-27907" b="-6557"/>
+                </a:stretch>
+              </a:blipFill>
+            </p:spPr>
+            <p:txBody>
+              <a:bodyPr/>
+              <a:lstStyle/>
+              <a:p>
+                <a:r>
+                  <a:rPr lang="fr-FR">
+                    <a:noFill/>
+                  </a:rPr>
+                  <a:t> </a:t>
+                </a:r>
+              </a:p>
+            </p:txBody>
+          </p:sp>
+        </mc:Fallback>
+      </mc:AlternateContent>
+      <mc:AlternateContent xmlns:mc="http://schemas.openxmlformats.org/markup-compatibility/2006">
+        <mc:Choice xmlns:a14="http://schemas.microsoft.com/office/drawing/2010/main" Requires="a14">
+          <p:sp>
+            <p:nvSpPr>
+              <p:cNvPr id="30" name="ZoneTexte 29">
+                <a:extLst>
+                  <a:ext uri="{FF2B5EF4-FFF2-40B4-BE49-F238E27FC236}">
+                    <a16:creationId xmlns:a16="http://schemas.microsoft.com/office/drawing/2014/main" id="{8C7F42E5-7973-1E69-0845-08BB3FD5F09D}"/>
+                  </a:ext>
+                </a:extLst>
+              </p:cNvPr>
+              <p:cNvSpPr txBox="1"/>
+              <p:nvPr/>
+            </p:nvSpPr>
+            <p:spPr>
+              <a:xfrm>
+                <a:off x="6240463" y="1734476"/>
+                <a:ext cx="270908" cy="369332"/>
+              </a:xfrm>
+              <a:prstGeom prst="rect">
+                <a:avLst/>
+              </a:prstGeom>
+              <a:noFill/>
+            </p:spPr>
+            <p:txBody>
+              <a:bodyPr wrap="none" lIns="0" tIns="0" rIns="0" bIns="0" rtlCol="0">
+                <a:spAutoFit/>
+              </a:bodyPr>
+              <a:lstStyle/>
+              <a:p>
+                <a14:m>
+                  <m:oMathPara xmlns:m="http://schemas.openxmlformats.org/officeDocument/2006/math">
+                    <m:oMathParaPr>
+                      <m:jc m:val="centerGroup"/>
+                    </m:oMathParaPr>
+                    <m:oMath xmlns:m="http://schemas.openxmlformats.org/officeDocument/2006/math">
+                      <m:r>
+                        <a:rPr lang="fr-FR" sz="2400" b="1" i="1" smtClean="0">
+                          <a:latin typeface="Cambria Math" panose="02040503050406030204" pitchFamily="18" charset="0"/>
+                        </a:rPr>
+                        <m:t>𝑬</m:t>
+                      </m:r>
+                    </m:oMath>
+                  </m:oMathPara>
+                </a14:m>
+                <a:endParaRPr lang="fr-FR" sz="2400" b="1" dirty="0"/>
+              </a:p>
+            </p:txBody>
+          </p:sp>
+        </mc:Choice>
+        <mc:Fallback>
+          <p:sp>
+            <p:nvSpPr>
+              <p:cNvPr id="30" name="ZoneTexte 29">
+                <a:extLst>
+                  <a:ext uri="{FF2B5EF4-FFF2-40B4-BE49-F238E27FC236}">
+                    <a16:creationId xmlns:a16="http://schemas.microsoft.com/office/drawing/2014/main" id="{8C7F42E5-7973-1E69-0845-08BB3FD5F09D}"/>
+                  </a:ext>
+                </a:extLst>
+              </p:cNvPr>
+              <p:cNvSpPr txBox="1">
+                <a:spLocks noRot="1" noChangeAspect="1" noMove="1" noResize="1" noEditPoints="1" noAdjustHandles="1" noChangeArrowheads="1" noChangeShapeType="1" noTextEdit="1"/>
+              </p:cNvSpPr>
+              <p:nvPr/>
+            </p:nvSpPr>
+            <p:spPr>
+              <a:xfrm>
+                <a:off x="6240463" y="1734476"/>
+                <a:ext cx="270908" cy="369332"/>
+              </a:xfrm>
+              <a:prstGeom prst="rect">
+                <a:avLst/>
+              </a:prstGeom>
+              <a:blipFill>
+                <a:blip r:embed="rId4"/>
+                <a:stretch>
+                  <a:fillRect l="-27273" r="-27273" b="-6667"/>
+                </a:stretch>
+              </a:blipFill>
+            </p:spPr>
+            <p:txBody>
+              <a:bodyPr/>
+              <a:lstStyle/>
+              <a:p>
+                <a:r>
+                  <a:rPr lang="fr-FR">
+                    <a:noFill/>
+                  </a:rPr>
+                  <a:t> </a:t>
+                </a:r>
+              </a:p>
+            </p:txBody>
+          </p:sp>
+        </mc:Fallback>
+      </mc:AlternateContent>
+      <mc:AlternateContent xmlns:mc="http://schemas.openxmlformats.org/markup-compatibility/2006">
+        <mc:Choice xmlns:a14="http://schemas.microsoft.com/office/drawing/2010/main" Requires="a14">
+          <p:sp>
+            <p:nvSpPr>
+              <p:cNvPr id="32" name="ZoneTexte 31">
+                <a:extLst>
+                  <a:ext uri="{FF2B5EF4-FFF2-40B4-BE49-F238E27FC236}">
+                    <a16:creationId xmlns:a16="http://schemas.microsoft.com/office/drawing/2014/main" id="{202EB73A-FDBD-DD45-A2F7-33C2E7C11A4B}"/>
+                  </a:ext>
+                </a:extLst>
+              </p:cNvPr>
+              <p:cNvSpPr txBox="1"/>
+              <p:nvPr/>
+            </p:nvSpPr>
+            <p:spPr>
+              <a:xfrm>
+                <a:off x="11127311" y="2401039"/>
+                <a:ext cx="299762" cy="369332"/>
+              </a:xfrm>
+              <a:prstGeom prst="rect">
+                <a:avLst/>
+              </a:prstGeom>
+              <a:noFill/>
+            </p:spPr>
+            <p:txBody>
+              <a:bodyPr wrap="none" lIns="0" tIns="0" rIns="0" bIns="0" rtlCol="0">
+                <a:spAutoFit/>
+              </a:bodyPr>
+              <a:lstStyle/>
+              <a:p>
+                <a14:m>
+                  <m:oMathPara xmlns:m="http://schemas.openxmlformats.org/officeDocument/2006/math">
+                    <m:oMathParaPr>
+                      <m:jc m:val="centerGroup"/>
+                    </m:oMathParaPr>
+                    <m:oMath xmlns:m="http://schemas.openxmlformats.org/officeDocument/2006/math">
+                      <m:r>
+                        <a:rPr lang="fr-FR" sz="2400" b="1" i="1" smtClean="0">
+                          <a:latin typeface="Cambria Math" panose="02040503050406030204" pitchFamily="18" charset="0"/>
+                        </a:rPr>
+                        <m:t>𝑫</m:t>
+                      </m:r>
+                    </m:oMath>
+                  </m:oMathPara>
+                </a14:m>
+                <a:endParaRPr lang="fr-FR" sz="2400" b="1" dirty="0"/>
+              </a:p>
+            </p:txBody>
+          </p:sp>
+        </mc:Choice>
+        <mc:Fallback>
+          <p:sp>
+            <p:nvSpPr>
+              <p:cNvPr id="32" name="ZoneTexte 31">
+                <a:extLst>
+                  <a:ext uri="{FF2B5EF4-FFF2-40B4-BE49-F238E27FC236}">
+                    <a16:creationId xmlns:a16="http://schemas.microsoft.com/office/drawing/2014/main" id="{202EB73A-FDBD-DD45-A2F7-33C2E7C11A4B}"/>
+                  </a:ext>
+                </a:extLst>
+              </p:cNvPr>
+              <p:cNvSpPr txBox="1">
+                <a:spLocks noRot="1" noChangeAspect="1" noMove="1" noResize="1" noEditPoints="1" noAdjustHandles="1" noChangeArrowheads="1" noChangeShapeType="1" noTextEdit="1"/>
+              </p:cNvSpPr>
+              <p:nvPr/>
+            </p:nvSpPr>
+            <p:spPr>
+              <a:xfrm>
+                <a:off x="11127311" y="2401039"/>
+                <a:ext cx="299762" cy="369332"/>
+              </a:xfrm>
+              <a:prstGeom prst="rect">
+                <a:avLst/>
+              </a:prstGeom>
+              <a:blipFill>
+                <a:blip r:embed="rId5"/>
+                <a:stretch>
+                  <a:fillRect l="-22000" r="-24000" b="-6667"/>
+                </a:stretch>
+              </a:blipFill>
+            </p:spPr>
+            <p:txBody>
+              <a:bodyPr/>
+              <a:lstStyle/>
+              <a:p>
+                <a:r>
+                  <a:rPr lang="fr-FR">
+                    <a:noFill/>
+                  </a:rPr>
+                  <a:t> </a:t>
+                </a:r>
+              </a:p>
+            </p:txBody>
+          </p:sp>
+        </mc:Fallback>
+      </mc:AlternateContent>
+      <mc:AlternateContent xmlns:mc="http://schemas.openxmlformats.org/markup-compatibility/2006">
+        <mc:Choice xmlns:a14="http://schemas.microsoft.com/office/drawing/2010/main" Requires="a14">
+          <p:sp>
+            <p:nvSpPr>
+              <p:cNvPr id="33" name="ZoneTexte 32">
+                <a:extLst>
+                  <a:ext uri="{FF2B5EF4-FFF2-40B4-BE49-F238E27FC236}">
+                    <a16:creationId xmlns:a16="http://schemas.microsoft.com/office/drawing/2014/main" id="{D1C45037-FA5B-11B8-20A4-6313A781E58A}"/>
+                  </a:ext>
+                </a:extLst>
+              </p:cNvPr>
+              <p:cNvSpPr txBox="1"/>
+              <p:nvPr/>
+            </p:nvSpPr>
+            <p:spPr>
+              <a:xfrm>
+                <a:off x="9733286" y="2060492"/>
+                <a:ext cx="203582" cy="369332"/>
+              </a:xfrm>
+              <a:prstGeom prst="rect">
+                <a:avLst/>
+              </a:prstGeom>
+              <a:noFill/>
+            </p:spPr>
+            <p:txBody>
+              <a:bodyPr wrap="none" lIns="0" tIns="0" rIns="0" bIns="0" rtlCol="0">
+                <a:spAutoFit/>
+              </a:bodyPr>
+              <a:lstStyle/>
+              <a:p>
+                <a14:m>
+                  <m:oMathPara xmlns:m="http://schemas.openxmlformats.org/officeDocument/2006/math">
+                    <m:oMathParaPr>
+                      <m:jc m:val="centerGroup"/>
+                    </m:oMathParaPr>
+                    <m:oMath xmlns:m="http://schemas.openxmlformats.org/officeDocument/2006/math">
+                      <m:r>
+                        <a:rPr lang="fr-FR" sz="2400" b="1" i="1" smtClean="0">
+                          <a:latin typeface="Cambria Math" panose="02040503050406030204" pitchFamily="18" charset="0"/>
+                        </a:rPr>
+                        <m:t>𝑰</m:t>
+                      </m:r>
+                    </m:oMath>
+                  </m:oMathPara>
+                </a14:m>
+                <a:endParaRPr lang="fr-FR" sz="2400" b="1" dirty="0"/>
+              </a:p>
+            </p:txBody>
+          </p:sp>
+        </mc:Choice>
+        <mc:Fallback>
+          <p:sp>
+            <p:nvSpPr>
+              <p:cNvPr id="33" name="ZoneTexte 32">
+                <a:extLst>
+                  <a:ext uri="{FF2B5EF4-FFF2-40B4-BE49-F238E27FC236}">
+                    <a16:creationId xmlns:a16="http://schemas.microsoft.com/office/drawing/2014/main" id="{D1C45037-FA5B-11B8-20A4-6313A781E58A}"/>
+                  </a:ext>
+                </a:extLst>
+              </p:cNvPr>
+              <p:cNvSpPr txBox="1">
+                <a:spLocks noRot="1" noChangeAspect="1" noMove="1" noResize="1" noEditPoints="1" noAdjustHandles="1" noChangeArrowheads="1" noChangeShapeType="1" noTextEdit="1"/>
+              </p:cNvSpPr>
+              <p:nvPr/>
+            </p:nvSpPr>
+            <p:spPr>
+              <a:xfrm>
+                <a:off x="9733286" y="2060492"/>
+                <a:ext cx="203582" cy="369332"/>
+              </a:xfrm>
+              <a:prstGeom prst="rect">
+                <a:avLst/>
+              </a:prstGeom>
+              <a:blipFill>
+                <a:blip r:embed="rId6"/>
+                <a:stretch>
+                  <a:fillRect l="-36364" r="-36364" b="-6557"/>
+                </a:stretch>
+              </a:blipFill>
+            </p:spPr>
+            <p:txBody>
+              <a:bodyPr/>
+              <a:lstStyle/>
+              <a:p>
+                <a:r>
+                  <a:rPr lang="fr-FR">
+                    <a:noFill/>
+                  </a:rPr>
+                  <a:t> </a:t>
+                </a:r>
+              </a:p>
+            </p:txBody>
+          </p:sp>
+        </mc:Fallback>
+      </mc:AlternateContent>
+      <mc:AlternateContent xmlns:mc="http://schemas.openxmlformats.org/markup-compatibility/2006">
+        <mc:Choice xmlns:a14="http://schemas.microsoft.com/office/drawing/2010/main" Requires="a14">
+          <p:sp>
+            <p:nvSpPr>
+              <p:cNvPr id="34" name="ZoneTexte 33">
+                <a:extLst>
+                  <a:ext uri="{FF2B5EF4-FFF2-40B4-BE49-F238E27FC236}">
+                    <a16:creationId xmlns:a16="http://schemas.microsoft.com/office/drawing/2014/main" id="{A6055C4B-7B3F-FAE6-0EB8-3109515A3F92}"/>
+                  </a:ext>
+                </a:extLst>
+              </p:cNvPr>
+              <p:cNvSpPr txBox="1"/>
+              <p:nvPr/>
+            </p:nvSpPr>
+            <p:spPr>
+              <a:xfrm>
+                <a:off x="7367780" y="5780314"/>
+                <a:ext cx="280525" cy="369332"/>
+              </a:xfrm>
+              <a:prstGeom prst="rect">
+                <a:avLst/>
+              </a:prstGeom>
+              <a:noFill/>
+            </p:spPr>
+            <p:txBody>
+              <a:bodyPr wrap="none" lIns="0" tIns="0" rIns="0" bIns="0" rtlCol="0">
+                <a:spAutoFit/>
+              </a:bodyPr>
+              <a:lstStyle/>
+              <a:p>
+                <a14:m>
+                  <m:oMathPara xmlns:m="http://schemas.openxmlformats.org/officeDocument/2006/math">
+                    <m:oMathParaPr>
+                      <m:jc m:val="centerGroup"/>
+                    </m:oMathParaPr>
+                    <m:oMath xmlns:m="http://schemas.openxmlformats.org/officeDocument/2006/math">
+                      <m:r>
+                        <a:rPr lang="fr-FR" sz="2400" b="1" i="1" smtClean="0">
+                          <a:latin typeface="Cambria Math" panose="02040503050406030204" pitchFamily="18" charset="0"/>
+                        </a:rPr>
+                        <m:t>𝑷</m:t>
+                      </m:r>
+                    </m:oMath>
+                  </m:oMathPara>
+                </a14:m>
+                <a:endParaRPr lang="fr-FR" sz="2400" b="1" dirty="0"/>
+              </a:p>
+            </p:txBody>
+          </p:sp>
+        </mc:Choice>
+        <mc:Fallback>
+          <p:sp>
+            <p:nvSpPr>
+              <p:cNvPr id="34" name="ZoneTexte 33">
+                <a:extLst>
+                  <a:ext uri="{FF2B5EF4-FFF2-40B4-BE49-F238E27FC236}">
+                    <a16:creationId xmlns:a16="http://schemas.microsoft.com/office/drawing/2014/main" id="{A6055C4B-7B3F-FAE6-0EB8-3109515A3F92}"/>
+                  </a:ext>
+                </a:extLst>
+              </p:cNvPr>
+              <p:cNvSpPr txBox="1">
+                <a:spLocks noRot="1" noChangeAspect="1" noMove="1" noResize="1" noEditPoints="1" noAdjustHandles="1" noChangeArrowheads="1" noChangeShapeType="1" noTextEdit="1"/>
+              </p:cNvSpPr>
+              <p:nvPr/>
+            </p:nvSpPr>
+            <p:spPr>
+              <a:xfrm>
+                <a:off x="7367780" y="5780314"/>
+                <a:ext cx="280525" cy="369332"/>
+              </a:xfrm>
+              <a:prstGeom prst="rect">
+                <a:avLst/>
+              </a:prstGeom>
+              <a:blipFill>
+                <a:blip r:embed="rId7"/>
+                <a:stretch>
+                  <a:fillRect l="-26087" r="-23913" b="-6557"/>
+                </a:stretch>
+              </a:blipFill>
+            </p:spPr>
+            <p:txBody>
+              <a:bodyPr/>
+              <a:lstStyle/>
+              <a:p>
+                <a:r>
+                  <a:rPr lang="fr-FR">
+                    <a:noFill/>
+                  </a:rPr>
+                  <a:t> </a:t>
+                </a:r>
+              </a:p>
+            </p:txBody>
+          </p:sp>
+        </mc:Fallback>
+      </mc:AlternateContent>
+      <mc:AlternateContent xmlns:mc="http://schemas.openxmlformats.org/markup-compatibility/2006">
+        <mc:Choice xmlns:a14="http://schemas.microsoft.com/office/drawing/2010/main" Requires="a14">
+          <p:sp>
+            <p:nvSpPr>
+              <p:cNvPr id="35" name="ZoneTexte 34">
+                <a:extLst>
+                  <a:ext uri="{FF2B5EF4-FFF2-40B4-BE49-F238E27FC236}">
+                    <a16:creationId xmlns:a16="http://schemas.microsoft.com/office/drawing/2014/main" id="{162B20DE-C534-347C-FE77-9A024E038C4C}"/>
+                  </a:ext>
+                </a:extLst>
+              </p:cNvPr>
+              <p:cNvSpPr txBox="1"/>
+              <p:nvPr/>
+            </p:nvSpPr>
+            <p:spPr>
+              <a:xfrm>
+                <a:off x="8694201" y="5186571"/>
+                <a:ext cx="266098" cy="369332"/>
+              </a:xfrm>
+              <a:prstGeom prst="rect">
+                <a:avLst/>
+              </a:prstGeom>
+              <a:noFill/>
+            </p:spPr>
+            <p:txBody>
+              <a:bodyPr wrap="none" lIns="0" tIns="0" rIns="0" bIns="0" rtlCol="0">
+                <a:spAutoFit/>
+              </a:bodyPr>
+              <a:lstStyle/>
+              <a:p>
+                <a14:m>
+                  <m:oMathPara xmlns:m="http://schemas.openxmlformats.org/officeDocument/2006/math">
+                    <m:oMathParaPr>
+                      <m:jc m:val="centerGroup"/>
+                    </m:oMathParaPr>
+                    <m:oMath xmlns:m="http://schemas.openxmlformats.org/officeDocument/2006/math">
+                      <m:r>
+                        <a:rPr lang="fr-FR" sz="2400" b="1" i="1" smtClean="0">
+                          <a:latin typeface="Cambria Math" panose="02040503050406030204" pitchFamily="18" charset="0"/>
+                        </a:rPr>
+                        <m:t>𝑭</m:t>
+                      </m:r>
+                    </m:oMath>
+                  </m:oMathPara>
+                </a14:m>
+                <a:endParaRPr lang="fr-FR" sz="2400" b="1" dirty="0"/>
+              </a:p>
+            </p:txBody>
+          </p:sp>
+        </mc:Choice>
+        <mc:Fallback>
+          <p:sp>
+            <p:nvSpPr>
+              <p:cNvPr id="35" name="ZoneTexte 34">
+                <a:extLst>
+                  <a:ext uri="{FF2B5EF4-FFF2-40B4-BE49-F238E27FC236}">
+                    <a16:creationId xmlns:a16="http://schemas.microsoft.com/office/drawing/2014/main" id="{162B20DE-C534-347C-FE77-9A024E038C4C}"/>
+                  </a:ext>
+                </a:extLst>
+              </p:cNvPr>
+              <p:cNvSpPr txBox="1">
+                <a:spLocks noRot="1" noChangeAspect="1" noMove="1" noResize="1" noEditPoints="1" noAdjustHandles="1" noChangeArrowheads="1" noChangeShapeType="1" noTextEdit="1"/>
+              </p:cNvSpPr>
+              <p:nvPr/>
+            </p:nvSpPr>
+            <p:spPr>
+              <a:xfrm>
+                <a:off x="8694201" y="5186571"/>
+                <a:ext cx="266098" cy="369332"/>
+              </a:xfrm>
+              <a:prstGeom prst="rect">
+                <a:avLst/>
+              </a:prstGeom>
+              <a:blipFill>
+                <a:blip r:embed="rId8"/>
+                <a:stretch>
+                  <a:fillRect l="-25000" r="-27273" b="-6667"/>
+                </a:stretch>
+              </a:blipFill>
+            </p:spPr>
+            <p:txBody>
+              <a:bodyPr/>
+              <a:lstStyle/>
+              <a:p>
+                <a:r>
+                  <a:rPr lang="fr-FR">
+                    <a:noFill/>
+                  </a:rPr>
+                  <a:t> </a:t>
+                </a:r>
+              </a:p>
+            </p:txBody>
+          </p:sp>
+        </mc:Fallback>
+      </mc:AlternateContent>
+      <mc:AlternateContent xmlns:mc="http://schemas.openxmlformats.org/markup-compatibility/2006">
+        <mc:Choice xmlns:a14="http://schemas.microsoft.com/office/drawing/2010/main" Requires="a14">
+          <p:sp>
+            <p:nvSpPr>
+              <p:cNvPr id="37" name="ZoneTexte 36">
+                <a:extLst>
+                  <a:ext uri="{FF2B5EF4-FFF2-40B4-BE49-F238E27FC236}">
+                    <a16:creationId xmlns:a16="http://schemas.microsoft.com/office/drawing/2014/main" id="{4D5F5C7B-C68F-6AA2-360D-020147E26F66}"/>
+                  </a:ext>
+                </a:extLst>
+              </p:cNvPr>
+              <p:cNvSpPr txBox="1"/>
+              <p:nvPr/>
+            </p:nvSpPr>
+            <p:spPr>
+              <a:xfrm>
+                <a:off x="11461144" y="1780891"/>
+                <a:ext cx="198772" cy="369332"/>
+              </a:xfrm>
+              <a:prstGeom prst="rect">
+                <a:avLst/>
+              </a:prstGeom>
+              <a:noFill/>
+            </p:spPr>
+            <p:txBody>
+              <a:bodyPr wrap="none" lIns="0" tIns="0" rIns="0" bIns="0" rtlCol="0">
+                <a:spAutoFit/>
+              </a:bodyPr>
+              <a:lstStyle/>
+              <a:p>
+                <a14:m>
+                  <m:oMathPara xmlns:m="http://schemas.openxmlformats.org/officeDocument/2006/math">
+                    <m:oMathParaPr>
+                      <m:jc m:val="centerGroup"/>
+                    </m:oMathParaPr>
+                    <m:oMath xmlns:m="http://schemas.openxmlformats.org/officeDocument/2006/math">
+                      <m:r>
+                        <a:rPr lang="fr-FR" sz="2400" b="1" i="1" smtClean="0">
+                          <a:latin typeface="Cambria Math" panose="02040503050406030204" pitchFamily="18" charset="0"/>
+                        </a:rPr>
+                        <m:t>𝑱</m:t>
+                      </m:r>
+                    </m:oMath>
+                  </m:oMathPara>
+                </a14:m>
+                <a:endParaRPr lang="fr-FR" sz="2400" b="1" dirty="0"/>
+              </a:p>
+            </p:txBody>
+          </p:sp>
+        </mc:Choice>
+        <mc:Fallback>
+          <p:sp>
+            <p:nvSpPr>
+              <p:cNvPr id="37" name="ZoneTexte 36">
+                <a:extLst>
+                  <a:ext uri="{FF2B5EF4-FFF2-40B4-BE49-F238E27FC236}">
+                    <a16:creationId xmlns:a16="http://schemas.microsoft.com/office/drawing/2014/main" id="{4D5F5C7B-C68F-6AA2-360D-020147E26F66}"/>
+                  </a:ext>
+                </a:extLst>
+              </p:cNvPr>
+              <p:cNvSpPr txBox="1">
+                <a:spLocks noRot="1" noChangeAspect="1" noMove="1" noResize="1" noEditPoints="1" noAdjustHandles="1" noChangeArrowheads="1" noChangeShapeType="1" noTextEdit="1"/>
+              </p:cNvSpPr>
+              <p:nvPr/>
+            </p:nvSpPr>
+            <p:spPr>
+              <a:xfrm>
+                <a:off x="11461144" y="1780891"/>
+                <a:ext cx="198772" cy="369332"/>
+              </a:xfrm>
+              <a:prstGeom prst="rect">
+                <a:avLst/>
+              </a:prstGeom>
+              <a:blipFill>
+                <a:blip r:embed="rId9"/>
+                <a:stretch>
+                  <a:fillRect l="-48485" r="-48485" b="-27869"/>
+                </a:stretch>
+              </a:blipFill>
+            </p:spPr>
+            <p:txBody>
+              <a:bodyPr/>
+              <a:lstStyle/>
+              <a:p>
+                <a:r>
+                  <a:rPr lang="fr-FR">
+                    <a:noFill/>
+                  </a:rPr>
+                  <a:t> </a:t>
+                </a:r>
+              </a:p>
+            </p:txBody>
+          </p:sp>
+        </mc:Fallback>
+      </mc:AlternateContent>
+      <mc:AlternateContent xmlns:mc="http://schemas.openxmlformats.org/markup-compatibility/2006">
+        <mc:Choice xmlns:a14="http://schemas.microsoft.com/office/drawing/2010/main" Requires="a14">
+          <p:sp>
+            <p:nvSpPr>
+              <p:cNvPr id="38" name="ZoneTexte 37">
+                <a:extLst>
+                  <a:ext uri="{FF2B5EF4-FFF2-40B4-BE49-F238E27FC236}">
+                    <a16:creationId xmlns:a16="http://schemas.microsoft.com/office/drawing/2014/main" id="{14179FFE-3DF5-5CD8-CDC7-3DA1E5FA91C5}"/>
+                  </a:ext>
+                </a:extLst>
+              </p:cNvPr>
+              <p:cNvSpPr txBox="1"/>
+              <p:nvPr/>
+            </p:nvSpPr>
+            <p:spPr>
+              <a:xfrm>
+                <a:off x="7356932" y="4940748"/>
+                <a:ext cx="310983" cy="369332"/>
+              </a:xfrm>
+              <a:prstGeom prst="rect">
+                <a:avLst/>
+              </a:prstGeom>
+              <a:noFill/>
+            </p:spPr>
+            <p:txBody>
+              <a:bodyPr wrap="none" lIns="0" tIns="0" rIns="0" bIns="0" rtlCol="0">
+                <a:spAutoFit/>
+              </a:bodyPr>
+              <a:lstStyle/>
+              <a:p>
+                <a14:m>
+                  <m:oMathPara xmlns:m="http://schemas.openxmlformats.org/officeDocument/2006/math">
+                    <m:oMathParaPr>
+                      <m:jc m:val="centerGroup"/>
+                    </m:oMathParaPr>
+                    <m:oMath xmlns:m="http://schemas.openxmlformats.org/officeDocument/2006/math">
+                      <m:r>
+                        <a:rPr lang="fr-FR" sz="2400" b="1" i="1" smtClean="0">
+                          <a:latin typeface="Cambria Math" panose="02040503050406030204" pitchFamily="18" charset="0"/>
+                        </a:rPr>
+                        <m:t>𝑯</m:t>
+                      </m:r>
+                    </m:oMath>
+                  </m:oMathPara>
+                </a14:m>
+                <a:endParaRPr lang="fr-FR" sz="2400" b="1" dirty="0"/>
+              </a:p>
+            </p:txBody>
+          </p:sp>
+        </mc:Choice>
+        <mc:Fallback>
+          <p:sp>
+            <p:nvSpPr>
+              <p:cNvPr id="38" name="ZoneTexte 37">
+                <a:extLst>
+                  <a:ext uri="{FF2B5EF4-FFF2-40B4-BE49-F238E27FC236}">
+                    <a16:creationId xmlns:a16="http://schemas.microsoft.com/office/drawing/2014/main" id="{14179FFE-3DF5-5CD8-CDC7-3DA1E5FA91C5}"/>
+                  </a:ext>
+                </a:extLst>
+              </p:cNvPr>
+              <p:cNvSpPr txBox="1">
+                <a:spLocks noRot="1" noChangeAspect="1" noMove="1" noResize="1" noEditPoints="1" noAdjustHandles="1" noChangeArrowheads="1" noChangeShapeType="1" noTextEdit="1"/>
+              </p:cNvSpPr>
+              <p:nvPr/>
+            </p:nvSpPr>
+            <p:spPr>
+              <a:xfrm>
+                <a:off x="7356932" y="4940748"/>
+                <a:ext cx="310983" cy="369332"/>
+              </a:xfrm>
+              <a:prstGeom prst="rect">
+                <a:avLst/>
+              </a:prstGeom>
+              <a:blipFill>
+                <a:blip r:embed="rId10"/>
+                <a:stretch>
+                  <a:fillRect l="-23529" r="-21569" b="-6557"/>
+                </a:stretch>
+              </a:blipFill>
+            </p:spPr>
+            <p:txBody>
+              <a:bodyPr/>
+              <a:lstStyle/>
+              <a:p>
+                <a:r>
+                  <a:rPr lang="fr-FR">
+                    <a:noFill/>
+                  </a:rPr>
+                  <a:t> </a:t>
+                </a:r>
+              </a:p>
+            </p:txBody>
+          </p:sp>
+        </mc:Fallback>
+      </mc:AlternateContent>
+      <p:cxnSp>
+        <p:nvCxnSpPr>
+          <p:cNvPr id="40" name="Connecteur droit 39">
+            <a:extLst>
+              <a:ext uri="{FF2B5EF4-FFF2-40B4-BE49-F238E27FC236}">
+                <a16:creationId xmlns:a16="http://schemas.microsoft.com/office/drawing/2014/main" id="{1131DBAF-34B6-7BDE-B40F-6F92E0BB3A33}"/>
+              </a:ext>
+            </a:extLst>
+          </p:cNvPr>
+          <p:cNvCxnSpPr>
+            <a:cxnSpLocks/>
+            <a:stCxn id="12" idx="3"/>
+          </p:cNvCxnSpPr>
+          <p:nvPr/>
+        </p:nvCxnSpPr>
+        <p:spPr>
+          <a:xfrm flipH="1">
+            <a:off x="9536521" y="638919"/>
+            <a:ext cx="333184" cy="259438"/>
+          </a:xfrm>
+          <a:prstGeom prst="line">
+            <a:avLst/>
+          </a:prstGeom>
+          <a:noFill/>
+          <a:ln w="28575">
+            <a:solidFill>
+              <a:schemeClr val="tx1"/>
+            </a:solidFill>
+          </a:ln>
+        </p:spPr>
+        <p:style>
+          <a:lnRef idx="2">
+            <a:schemeClr val="accent1">
+              <a:shade val="50000"/>
+            </a:schemeClr>
+          </a:lnRef>
+          <a:fillRef idx="1">
+            <a:schemeClr val="accent1"/>
+          </a:fillRef>
+          <a:effectRef idx="0">
+            <a:schemeClr val="accent1"/>
+          </a:effectRef>
+          <a:fontRef idx="minor">
+            <a:schemeClr val="lt1"/>
+          </a:fontRef>
+        </p:style>
+      </p:cxnSp>
+      <mc:AlternateContent xmlns:mc="http://schemas.openxmlformats.org/markup-compatibility/2006">
+        <mc:Choice xmlns:a14="http://schemas.microsoft.com/office/drawing/2010/main" Requires="a14">
+          <p:sp>
+            <p:nvSpPr>
+              <p:cNvPr id="41" name="ZoneTexte 40">
+                <a:extLst>
+                  <a:ext uri="{FF2B5EF4-FFF2-40B4-BE49-F238E27FC236}">
+                    <a16:creationId xmlns:a16="http://schemas.microsoft.com/office/drawing/2014/main" id="{5A7FF5ED-107C-30C5-12FB-4BBABC4EB40D}"/>
+                  </a:ext>
+                </a:extLst>
+              </p:cNvPr>
+              <p:cNvSpPr txBox="1"/>
+              <p:nvPr/>
+            </p:nvSpPr>
+            <p:spPr>
+              <a:xfrm>
+                <a:off x="9757434" y="1060886"/>
+                <a:ext cx="272510" cy="369332"/>
+              </a:xfrm>
+              <a:prstGeom prst="rect">
+                <a:avLst/>
+              </a:prstGeom>
+              <a:noFill/>
+            </p:spPr>
+            <p:txBody>
+              <a:bodyPr wrap="none" lIns="0" tIns="0" rIns="0" bIns="0" rtlCol="0">
+                <a:spAutoFit/>
+              </a:bodyPr>
+              <a:lstStyle/>
+              <a:p>
+                <a14:m>
+                  <m:oMathPara xmlns:m="http://schemas.openxmlformats.org/officeDocument/2006/math">
+                    <m:oMathParaPr>
+                      <m:jc m:val="centerGroup"/>
+                    </m:oMathParaPr>
+                    <m:oMath xmlns:m="http://schemas.openxmlformats.org/officeDocument/2006/math">
+                      <m:r>
+                        <a:rPr lang="fr-FR" sz="2400" b="1" i="1" smtClean="0">
+                          <a:latin typeface="Cambria Math" panose="02040503050406030204" pitchFamily="18" charset="0"/>
+                        </a:rPr>
+                        <m:t>𝑨</m:t>
+                      </m:r>
+                    </m:oMath>
+                  </m:oMathPara>
+                </a14:m>
+                <a:endParaRPr lang="fr-FR" sz="2400" b="1" dirty="0"/>
+              </a:p>
+            </p:txBody>
+          </p:sp>
+        </mc:Choice>
+        <mc:Fallback>
+          <p:sp>
+            <p:nvSpPr>
+              <p:cNvPr id="41" name="ZoneTexte 40">
+                <a:extLst>
+                  <a:ext uri="{FF2B5EF4-FFF2-40B4-BE49-F238E27FC236}">
+                    <a16:creationId xmlns:a16="http://schemas.microsoft.com/office/drawing/2014/main" id="{5A7FF5ED-107C-30C5-12FB-4BBABC4EB40D}"/>
+                  </a:ext>
+                </a:extLst>
+              </p:cNvPr>
+              <p:cNvSpPr txBox="1">
+                <a:spLocks noRot="1" noChangeAspect="1" noMove="1" noResize="1" noEditPoints="1" noAdjustHandles="1" noChangeArrowheads="1" noChangeShapeType="1" noTextEdit="1"/>
+              </p:cNvSpPr>
+              <p:nvPr/>
+            </p:nvSpPr>
+            <p:spPr>
+              <a:xfrm>
+                <a:off x="9757434" y="1060886"/>
+                <a:ext cx="272510" cy="369332"/>
+              </a:xfrm>
+              <a:prstGeom prst="rect">
+                <a:avLst/>
+              </a:prstGeom>
+              <a:blipFill>
+                <a:blip r:embed="rId11"/>
+                <a:stretch>
+                  <a:fillRect l="-27273" r="-27273" b="-6557"/>
+                </a:stretch>
+              </a:blipFill>
+            </p:spPr>
+            <p:txBody>
+              <a:bodyPr/>
+              <a:lstStyle/>
+              <a:p>
+                <a:r>
+                  <a:rPr lang="fr-FR">
+                    <a:noFill/>
+                  </a:rPr>
+                  <a:t> </a:t>
+                </a:r>
+              </a:p>
+            </p:txBody>
+          </p:sp>
+        </mc:Fallback>
+      </mc:AlternateContent>
+      <p:sp>
+        <p:nvSpPr>
+          <p:cNvPr id="44" name="Ellipse 43">
+            <a:extLst>
+              <a:ext uri="{FF2B5EF4-FFF2-40B4-BE49-F238E27FC236}">
+                <a16:creationId xmlns:a16="http://schemas.microsoft.com/office/drawing/2014/main" id="{32959BAC-AB9C-3B7D-1F43-24171A2A8B61}"/>
+              </a:ext>
+            </a:extLst>
+          </p:cNvPr>
+          <p:cNvSpPr/>
+          <p:nvPr/>
+        </p:nvSpPr>
+        <p:spPr>
+          <a:xfrm>
+            <a:off x="9593889" y="1646463"/>
+            <a:ext cx="327089" cy="327089"/>
+          </a:xfrm>
+          <a:prstGeom prst="ellipse">
+            <a:avLst/>
+          </a:prstGeom>
+          <a:noFill/>
+          <a:ln w="28575">
+            <a:solidFill>
+              <a:schemeClr val="tx1">
+                <a:lumMod val="65000"/>
+                <a:lumOff val="35000"/>
+              </a:schemeClr>
+            </a:solidFill>
+          </a:ln>
+        </p:spPr>
+        <p:style>
+          <a:lnRef idx="2">
+            <a:schemeClr val="accent1">
+              <a:shade val="50000"/>
+            </a:schemeClr>
+          </a:lnRef>
+          <a:fillRef idx="1">
+            <a:schemeClr val="accent1"/>
+          </a:fillRef>
+          <a:effectRef idx="0">
+            <a:schemeClr val="accent1"/>
+          </a:effectRef>
+          <a:fontRef idx="minor">
+            <a:schemeClr val="lt1"/>
+          </a:fontRef>
+        </p:style>
+        <p:txBody>
+          <a:bodyPr rtlCol="0" anchor="ctr"/>
+          <a:lstStyle/>
+          <a:p>
+            <a:pPr algn="ctr"/>
+            <a:r>
+              <a:rPr lang="fr-FR" b="1" dirty="0">
+                <a:solidFill>
+                  <a:schemeClr val="tx1">
+                    <a:lumMod val="75000"/>
+                    <a:lumOff val="25000"/>
+                  </a:schemeClr>
+                </a:solidFill>
+              </a:rPr>
+              <a:t>1</a:t>
+            </a:r>
+          </a:p>
+        </p:txBody>
+      </p:sp>
+      <p:sp>
+        <p:nvSpPr>
+          <p:cNvPr id="46" name="Ellipse 45">
+            <a:extLst>
+              <a:ext uri="{FF2B5EF4-FFF2-40B4-BE49-F238E27FC236}">
+                <a16:creationId xmlns:a16="http://schemas.microsoft.com/office/drawing/2014/main" id="{351148AE-5F6C-79F9-7B7B-B6D14E0C6134}"/>
+              </a:ext>
+            </a:extLst>
+          </p:cNvPr>
+          <p:cNvSpPr/>
+          <p:nvPr/>
+        </p:nvSpPr>
+        <p:spPr>
+          <a:xfrm>
+            <a:off x="7047216" y="1407387"/>
+            <a:ext cx="327089" cy="327089"/>
+          </a:xfrm>
+          <a:prstGeom prst="ellipse">
+            <a:avLst/>
+          </a:prstGeom>
+          <a:noFill/>
+          <a:ln w="28575">
+            <a:solidFill>
+              <a:schemeClr val="tx1">
+                <a:lumMod val="65000"/>
+                <a:lumOff val="35000"/>
+              </a:schemeClr>
+            </a:solidFill>
+          </a:ln>
+        </p:spPr>
+        <p:style>
+          <a:lnRef idx="2">
+            <a:schemeClr val="accent1">
+              <a:shade val="50000"/>
+            </a:schemeClr>
+          </a:lnRef>
+          <a:fillRef idx="1">
+            <a:schemeClr val="accent1"/>
+          </a:fillRef>
+          <a:effectRef idx="0">
+            <a:schemeClr val="accent1"/>
+          </a:effectRef>
+          <a:fontRef idx="minor">
+            <a:schemeClr val="lt1"/>
+          </a:fontRef>
+        </p:style>
+        <p:txBody>
+          <a:bodyPr lIns="0" tIns="0" rIns="0" bIns="0" rtlCol="0" anchor="ctr"/>
+          <a:lstStyle/>
+          <a:p>
+            <a:pPr algn="ctr"/>
+            <a:r>
+              <a:rPr lang="fr-FR" b="1" dirty="0">
+                <a:solidFill>
+                  <a:schemeClr val="tx1">
+                    <a:lumMod val="75000"/>
+                    <a:lumOff val="25000"/>
+                  </a:schemeClr>
+                </a:solidFill>
+              </a:rPr>
+              <a:t>1’</a:t>
+            </a:r>
+          </a:p>
+        </p:txBody>
+      </p:sp>
+      <p:sp>
+        <p:nvSpPr>
+          <p:cNvPr id="47" name="Ellipse 46">
+            <a:extLst>
+              <a:ext uri="{FF2B5EF4-FFF2-40B4-BE49-F238E27FC236}">
+                <a16:creationId xmlns:a16="http://schemas.microsoft.com/office/drawing/2014/main" id="{4F003326-60A4-D73D-EC82-F5CB54277CAB}"/>
+              </a:ext>
+            </a:extLst>
+          </p:cNvPr>
+          <p:cNvSpPr/>
+          <p:nvPr/>
+        </p:nvSpPr>
+        <p:spPr>
+          <a:xfrm>
+            <a:off x="8954056" y="318491"/>
+            <a:ext cx="327089" cy="327089"/>
+          </a:xfrm>
+          <a:prstGeom prst="ellipse">
+            <a:avLst/>
+          </a:prstGeom>
+          <a:noFill/>
+          <a:ln w="28575">
+            <a:solidFill>
+              <a:schemeClr val="tx1"/>
+            </a:solidFill>
+          </a:ln>
+        </p:spPr>
+        <p:style>
+          <a:lnRef idx="2">
+            <a:schemeClr val="accent1">
+              <a:shade val="50000"/>
+            </a:schemeClr>
+          </a:lnRef>
+          <a:fillRef idx="1">
+            <a:schemeClr val="accent1"/>
+          </a:fillRef>
+          <a:effectRef idx="0">
+            <a:schemeClr val="accent1"/>
+          </a:effectRef>
+          <a:fontRef idx="minor">
+            <a:schemeClr val="lt1"/>
+          </a:fontRef>
+        </p:style>
+        <p:txBody>
+          <a:bodyPr rtlCol="0" anchor="ctr"/>
+          <a:lstStyle/>
+          <a:p>
+            <a:pPr algn="ctr"/>
+            <a:r>
+              <a:rPr lang="fr-FR" b="1" dirty="0">
+                <a:solidFill>
+                  <a:schemeClr val="tx1"/>
+                </a:solidFill>
+              </a:rPr>
+              <a:t>0</a:t>
+            </a:r>
+          </a:p>
+        </p:txBody>
+      </p:sp>
+      <p:sp>
+        <p:nvSpPr>
+          <p:cNvPr id="48" name="Ellipse 47">
+            <a:extLst>
+              <a:ext uri="{FF2B5EF4-FFF2-40B4-BE49-F238E27FC236}">
+                <a16:creationId xmlns:a16="http://schemas.microsoft.com/office/drawing/2014/main" id="{751D236F-B4AA-0800-9FFE-3B8397DFCA8A}"/>
+              </a:ext>
+            </a:extLst>
+          </p:cNvPr>
+          <p:cNvSpPr/>
+          <p:nvPr/>
+        </p:nvSpPr>
+        <p:spPr>
+          <a:xfrm>
+            <a:off x="10403953" y="3320856"/>
+            <a:ext cx="327089" cy="327089"/>
+          </a:xfrm>
+          <a:prstGeom prst="ellipse">
+            <a:avLst/>
+          </a:prstGeom>
+          <a:noFill/>
+          <a:ln w="28575">
+            <a:solidFill>
+              <a:schemeClr val="accent6"/>
+            </a:solidFill>
+          </a:ln>
+        </p:spPr>
+        <p:style>
+          <a:lnRef idx="2">
+            <a:schemeClr val="accent1">
+              <a:shade val="50000"/>
+            </a:schemeClr>
+          </a:lnRef>
+          <a:fillRef idx="1">
+            <a:schemeClr val="accent1"/>
+          </a:fillRef>
+          <a:effectRef idx="0">
+            <a:schemeClr val="accent1"/>
+          </a:effectRef>
+          <a:fontRef idx="minor">
+            <a:schemeClr val="lt1"/>
+          </a:fontRef>
+        </p:style>
+        <p:txBody>
+          <a:bodyPr rtlCol="0" anchor="ctr"/>
+          <a:lstStyle/>
+          <a:p>
+            <a:pPr algn="ctr"/>
+            <a:r>
+              <a:rPr lang="fr-FR" b="1" dirty="0">
+                <a:solidFill>
+                  <a:schemeClr val="accent6"/>
+                </a:solidFill>
+              </a:rPr>
+              <a:t>2</a:t>
+            </a:r>
+          </a:p>
+        </p:txBody>
+      </p:sp>
+      <p:sp>
+        <p:nvSpPr>
+          <p:cNvPr id="49" name="Ellipse 48">
+            <a:extLst>
+              <a:ext uri="{FF2B5EF4-FFF2-40B4-BE49-F238E27FC236}">
+                <a16:creationId xmlns:a16="http://schemas.microsoft.com/office/drawing/2014/main" id="{C5C6490D-837E-ADC6-617C-E4860D1D4F99}"/>
+              </a:ext>
+            </a:extLst>
+          </p:cNvPr>
+          <p:cNvSpPr/>
+          <p:nvPr/>
+        </p:nvSpPr>
+        <p:spPr>
+          <a:xfrm>
+            <a:off x="7967826" y="5901685"/>
+            <a:ext cx="327089" cy="327089"/>
+          </a:xfrm>
+          <a:prstGeom prst="ellipse">
+            <a:avLst/>
+          </a:prstGeom>
+          <a:noFill/>
+          <a:ln w="28575">
+            <a:solidFill>
+              <a:schemeClr val="accent1"/>
+            </a:solidFill>
+          </a:ln>
+        </p:spPr>
+        <p:style>
+          <a:lnRef idx="2">
+            <a:schemeClr val="accent1">
+              <a:shade val="50000"/>
+            </a:schemeClr>
+          </a:lnRef>
+          <a:fillRef idx="1">
+            <a:schemeClr val="accent1"/>
+          </a:fillRef>
+          <a:effectRef idx="0">
+            <a:schemeClr val="accent1"/>
+          </a:effectRef>
+          <a:fontRef idx="minor">
+            <a:schemeClr val="lt1"/>
+          </a:fontRef>
+        </p:style>
+        <p:txBody>
+          <a:bodyPr rtlCol="0" anchor="ctr"/>
+          <a:lstStyle/>
+          <a:p>
+            <a:pPr algn="ctr"/>
+            <a:r>
+              <a:rPr lang="fr-FR" b="1" dirty="0">
+                <a:solidFill>
+                  <a:schemeClr val="accent1"/>
+                </a:solidFill>
+              </a:rPr>
+              <a:t>3</a:t>
+            </a:r>
+          </a:p>
+        </p:txBody>
+      </p:sp>
+      <p:sp>
+        <p:nvSpPr>
+          <p:cNvPr id="50" name="Ellipse 49">
+            <a:extLst>
+              <a:ext uri="{FF2B5EF4-FFF2-40B4-BE49-F238E27FC236}">
+                <a16:creationId xmlns:a16="http://schemas.microsoft.com/office/drawing/2014/main" id="{C4D8E486-0CAC-4A9E-439A-CF2C596A6444}"/>
+              </a:ext>
+            </a:extLst>
+          </p:cNvPr>
+          <p:cNvSpPr/>
+          <p:nvPr/>
+        </p:nvSpPr>
+        <p:spPr>
+          <a:xfrm>
+            <a:off x="7263772" y="3265455"/>
+            <a:ext cx="327089" cy="327089"/>
+          </a:xfrm>
+          <a:prstGeom prst="ellipse">
+            <a:avLst/>
+          </a:prstGeom>
+          <a:noFill/>
+          <a:ln w="28575">
+            <a:solidFill>
+              <a:schemeClr val="accent6"/>
+            </a:solidFill>
+          </a:ln>
+        </p:spPr>
+        <p:style>
+          <a:lnRef idx="2">
+            <a:schemeClr val="accent1">
+              <a:shade val="50000"/>
+            </a:schemeClr>
+          </a:lnRef>
+          <a:fillRef idx="1">
+            <a:schemeClr val="accent1"/>
+          </a:fillRef>
+          <a:effectRef idx="0">
+            <a:schemeClr val="accent1"/>
+          </a:effectRef>
+          <a:fontRef idx="minor">
+            <a:schemeClr val="lt1"/>
+          </a:fontRef>
+        </p:style>
+        <p:txBody>
+          <a:bodyPr lIns="0" tIns="0" rIns="0" bIns="0" rtlCol="0" anchor="ctr"/>
+          <a:lstStyle/>
+          <a:p>
+            <a:pPr algn="ctr"/>
+            <a:r>
+              <a:rPr lang="fr-FR" b="1" dirty="0">
+                <a:solidFill>
+                  <a:schemeClr val="accent6"/>
+                </a:solidFill>
+              </a:rPr>
+              <a:t>2’</a:t>
+            </a:r>
+          </a:p>
+        </p:txBody>
+      </p:sp>
+      <p:sp>
+        <p:nvSpPr>
+          <p:cNvPr id="51" name="Ellipse 50">
+            <a:extLst>
+              <a:ext uri="{FF2B5EF4-FFF2-40B4-BE49-F238E27FC236}">
+                <a16:creationId xmlns:a16="http://schemas.microsoft.com/office/drawing/2014/main" id="{D2669AF0-AD93-F7A8-4C25-B93903F43D65}"/>
+              </a:ext>
+            </a:extLst>
+          </p:cNvPr>
+          <p:cNvSpPr/>
+          <p:nvPr/>
+        </p:nvSpPr>
+        <p:spPr>
+          <a:xfrm>
+            <a:off x="10656962" y="820852"/>
+            <a:ext cx="327089" cy="327089"/>
+          </a:xfrm>
+          <a:prstGeom prst="ellipse">
+            <a:avLst/>
+          </a:prstGeom>
+          <a:noFill/>
+          <a:ln w="28575">
+            <a:solidFill>
+              <a:schemeClr val="accent2"/>
+            </a:solidFill>
+          </a:ln>
+        </p:spPr>
+        <p:style>
+          <a:lnRef idx="2">
+            <a:schemeClr val="accent1">
+              <a:shade val="50000"/>
+            </a:schemeClr>
+          </a:lnRef>
+          <a:fillRef idx="1">
+            <a:schemeClr val="accent1"/>
+          </a:fillRef>
+          <a:effectRef idx="0">
+            <a:schemeClr val="accent1"/>
+          </a:effectRef>
+          <a:fontRef idx="minor">
+            <a:schemeClr val="lt1"/>
+          </a:fontRef>
+        </p:style>
+        <p:txBody>
+          <a:bodyPr rtlCol="0" anchor="ctr"/>
+          <a:lstStyle/>
+          <a:p>
+            <a:pPr algn="ctr"/>
+            <a:r>
+              <a:rPr lang="fr-FR" b="1" dirty="0">
+                <a:solidFill>
+                  <a:schemeClr val="accent2"/>
+                </a:solidFill>
+              </a:rPr>
+              <a:t>4</a:t>
+            </a:r>
+          </a:p>
+        </p:txBody>
+      </p:sp>
+      <p:sp>
+        <p:nvSpPr>
+          <p:cNvPr id="53" name="Ellipse 52">
+            <a:extLst>
+              <a:ext uri="{FF2B5EF4-FFF2-40B4-BE49-F238E27FC236}">
+                <a16:creationId xmlns:a16="http://schemas.microsoft.com/office/drawing/2014/main" id="{DD752D55-5D91-F93F-8CBA-251F3C1E8AB5}"/>
+              </a:ext>
+            </a:extLst>
+          </p:cNvPr>
+          <p:cNvSpPr/>
+          <p:nvPr/>
+        </p:nvSpPr>
+        <p:spPr>
+          <a:xfrm>
+            <a:off x="8827250" y="3099287"/>
+            <a:ext cx="327089" cy="327089"/>
+          </a:xfrm>
+          <a:prstGeom prst="ellipse">
+            <a:avLst/>
+          </a:prstGeom>
+          <a:noFill/>
+          <a:ln w="28575">
+            <a:solidFill>
+              <a:schemeClr val="accent2"/>
+            </a:solidFill>
+          </a:ln>
+        </p:spPr>
+        <p:style>
+          <a:lnRef idx="2">
+            <a:schemeClr val="accent1">
+              <a:shade val="50000"/>
+            </a:schemeClr>
+          </a:lnRef>
+          <a:fillRef idx="1">
+            <a:schemeClr val="accent1"/>
+          </a:fillRef>
+          <a:effectRef idx="0">
+            <a:schemeClr val="accent1"/>
+          </a:effectRef>
+          <a:fontRef idx="minor">
+            <a:schemeClr val="lt1"/>
+          </a:fontRef>
+        </p:style>
+        <p:txBody>
+          <a:bodyPr rtlCol="0" anchor="ctr"/>
+          <a:lstStyle/>
+          <a:p>
+            <a:pPr algn="ctr"/>
+            <a:r>
+              <a:rPr lang="fr-FR" b="1" dirty="0">
+                <a:solidFill>
+                  <a:schemeClr val="accent2"/>
+                </a:solidFill>
+              </a:rPr>
+              <a:t>6</a:t>
+            </a:r>
+          </a:p>
+        </p:txBody>
+      </p:sp>
+      <p:sp>
+        <p:nvSpPr>
+          <p:cNvPr id="55" name="Ellipse 54">
+            <a:extLst>
+              <a:ext uri="{FF2B5EF4-FFF2-40B4-BE49-F238E27FC236}">
+                <a16:creationId xmlns:a16="http://schemas.microsoft.com/office/drawing/2014/main" id="{477A6BD2-C127-71C8-ED3C-A147B7113930}"/>
+              </a:ext>
+            </a:extLst>
+          </p:cNvPr>
+          <p:cNvSpPr/>
+          <p:nvPr/>
+        </p:nvSpPr>
+        <p:spPr>
+          <a:xfrm>
+            <a:off x="10670181" y="1986678"/>
+            <a:ext cx="327089" cy="327089"/>
+          </a:xfrm>
+          <a:prstGeom prst="ellipse">
+            <a:avLst/>
+          </a:prstGeom>
+          <a:noFill/>
+          <a:ln w="28575">
+            <a:solidFill>
+              <a:srgbClr val="FF0000"/>
+            </a:solidFill>
+          </a:ln>
+        </p:spPr>
+        <p:style>
+          <a:lnRef idx="2">
+            <a:schemeClr val="accent1">
+              <a:shade val="50000"/>
+            </a:schemeClr>
+          </a:lnRef>
+          <a:fillRef idx="1">
+            <a:schemeClr val="accent1"/>
+          </a:fillRef>
+          <a:effectRef idx="0">
+            <a:schemeClr val="accent1"/>
+          </a:effectRef>
+          <a:fontRef idx="minor">
+            <a:schemeClr val="lt1"/>
+          </a:fontRef>
+        </p:style>
+        <p:txBody>
+          <a:bodyPr rtlCol="0" anchor="ctr"/>
+          <a:lstStyle/>
+          <a:p>
+            <a:pPr algn="ctr"/>
+            <a:r>
+              <a:rPr lang="fr-FR" b="1" dirty="0">
+                <a:solidFill>
+                  <a:srgbClr val="FF0000"/>
+                </a:solidFill>
+              </a:rPr>
+              <a:t>5</a:t>
+            </a:r>
+          </a:p>
+        </p:txBody>
+      </p:sp>
+      <p:cxnSp>
+        <p:nvCxnSpPr>
+          <p:cNvPr id="56" name="Connecteur droit 55">
+            <a:extLst>
+              <a:ext uri="{FF2B5EF4-FFF2-40B4-BE49-F238E27FC236}">
+                <a16:creationId xmlns:a16="http://schemas.microsoft.com/office/drawing/2014/main" id="{2660A588-F35F-5D10-AD8B-EE6643E7642E}"/>
+              </a:ext>
+            </a:extLst>
+          </p:cNvPr>
+          <p:cNvCxnSpPr>
+            <a:cxnSpLocks/>
+          </p:cNvCxnSpPr>
+          <p:nvPr/>
+        </p:nvCxnSpPr>
+        <p:spPr>
+          <a:xfrm>
+            <a:off x="10984321" y="2728194"/>
+            <a:ext cx="662243" cy="675947"/>
+          </a:xfrm>
+          <a:prstGeom prst="line">
+            <a:avLst/>
+          </a:prstGeom>
+          <a:noFill/>
+          <a:ln w="12700">
+            <a:solidFill>
+              <a:schemeClr val="tx1">
+                <a:lumMod val="50000"/>
+                <a:lumOff val="50000"/>
+              </a:schemeClr>
+            </a:solidFill>
+            <a:tailEnd type="stealth" w="med" len="lg"/>
+          </a:ln>
+        </p:spPr>
+        <p:style>
+          <a:lnRef idx="2">
+            <a:schemeClr val="accent1">
+              <a:shade val="50000"/>
+            </a:schemeClr>
+          </a:lnRef>
+          <a:fillRef idx="1">
+            <a:schemeClr val="accent1"/>
+          </a:fillRef>
+          <a:effectRef idx="0">
+            <a:schemeClr val="accent1"/>
+          </a:effectRef>
+          <a:fontRef idx="minor">
+            <a:schemeClr val="lt1"/>
+          </a:fontRef>
+        </p:style>
+      </p:cxnSp>
+      <mc:AlternateContent xmlns:mc="http://schemas.openxmlformats.org/markup-compatibility/2006">
+        <mc:Choice xmlns:a14="http://schemas.microsoft.com/office/drawing/2010/main" Requires="a14">
+          <p:sp>
+            <p:nvSpPr>
+              <p:cNvPr id="57" name="ZoneTexte 56">
+                <a:extLst>
+                  <a:ext uri="{FF2B5EF4-FFF2-40B4-BE49-F238E27FC236}">
+                    <a16:creationId xmlns:a16="http://schemas.microsoft.com/office/drawing/2014/main" id="{9BC4A70A-87F1-3AD2-A464-1F915B106CC9}"/>
+                  </a:ext>
+                </a:extLst>
+              </p:cNvPr>
+              <p:cNvSpPr txBox="1"/>
+              <p:nvPr/>
+            </p:nvSpPr>
+            <p:spPr>
+              <a:xfrm>
+                <a:off x="5743673" y="2248705"/>
+                <a:ext cx="393762" cy="370614"/>
+              </a:xfrm>
+              <a:prstGeom prst="rect">
+                <a:avLst/>
+              </a:prstGeom>
+              <a:noFill/>
+            </p:spPr>
+            <p:txBody>
+              <a:bodyPr wrap="none" lIns="0" tIns="0" rIns="0" bIns="0" rtlCol="0">
+                <a:spAutoFit/>
+              </a:bodyPr>
+              <a:lstStyle/>
+              <a:p>
+                <a14:m>
+                  <m:oMathPara xmlns:m="http://schemas.openxmlformats.org/officeDocument/2006/math">
+                    <m:oMathParaPr>
+                      <m:jc m:val="centerGroup"/>
+                    </m:oMathParaPr>
+                    <m:oMath xmlns:m="http://schemas.openxmlformats.org/officeDocument/2006/math">
+                      <m:acc>
+                        <m:accPr>
+                          <m:chr m:val="⃗"/>
+                          <m:ctrlPr>
+                            <a:rPr lang="fr-FR" sz="2000" b="1" i="1" smtClean="0">
+                              <a:latin typeface="Cambria Math" panose="02040503050406030204" pitchFamily="18" charset="0"/>
+                            </a:rPr>
+                          </m:ctrlPr>
+                        </m:accPr>
+                        <m:e>
+                          <m:sSub>
+                            <m:sSubPr>
+                              <m:ctrlPr>
+                                <a:rPr lang="fr-FR" sz="2000" b="1" i="1">
+                                  <a:latin typeface="Cambria Math" panose="02040503050406030204" pitchFamily="18" charset="0"/>
+                                </a:rPr>
+                              </m:ctrlPr>
+                            </m:sSubPr>
+                            <m:e>
+                              <m:r>
+                                <a:rPr lang="fr-FR" sz="2000" b="1" i="1">
+                                  <a:latin typeface="Cambria Math" panose="02040503050406030204" pitchFamily="18" charset="0"/>
+                                </a:rPr>
+                                <m:t>𝒙</m:t>
+                              </m:r>
+                            </m:e>
+                            <m:sub>
+                              <m:r>
+                                <a:rPr lang="fr-FR" sz="2000" b="1" i="1">
+                                  <a:latin typeface="Cambria Math" panose="02040503050406030204" pitchFamily="18" charset="0"/>
+                                </a:rPr>
+                                <m:t>𝟏</m:t>
+                              </m:r>
+                            </m:sub>
+                          </m:sSub>
+                          <m:r>
+                            <a:rPr lang="fr-FR" sz="2000" b="1" i="1" smtClean="0">
+                              <a:latin typeface="Cambria Math" panose="02040503050406030204" pitchFamily="18" charset="0"/>
+                            </a:rPr>
+                            <m:t>′</m:t>
+                          </m:r>
+                        </m:e>
+                      </m:acc>
+                    </m:oMath>
+                  </m:oMathPara>
+                </a14:m>
+                <a:endParaRPr lang="fr-FR" sz="2000" b="1" dirty="0"/>
+              </a:p>
+            </p:txBody>
+          </p:sp>
+        </mc:Choice>
+        <mc:Fallback>
+          <p:sp>
+            <p:nvSpPr>
+              <p:cNvPr id="57" name="ZoneTexte 56">
+                <a:extLst>
+                  <a:ext uri="{FF2B5EF4-FFF2-40B4-BE49-F238E27FC236}">
+                    <a16:creationId xmlns:a16="http://schemas.microsoft.com/office/drawing/2014/main" id="{9BC4A70A-87F1-3AD2-A464-1F915B106CC9}"/>
+                  </a:ext>
+                </a:extLst>
+              </p:cNvPr>
+              <p:cNvSpPr txBox="1">
+                <a:spLocks noRot="1" noChangeAspect="1" noMove="1" noResize="1" noEditPoints="1" noAdjustHandles="1" noChangeArrowheads="1" noChangeShapeType="1" noTextEdit="1"/>
+              </p:cNvSpPr>
+              <p:nvPr/>
+            </p:nvSpPr>
+            <p:spPr>
+              <a:xfrm>
+                <a:off x="5743673" y="2248705"/>
+                <a:ext cx="393762" cy="370614"/>
+              </a:xfrm>
+              <a:prstGeom prst="rect">
+                <a:avLst/>
+              </a:prstGeom>
+              <a:blipFill>
+                <a:blip r:embed="rId12"/>
+                <a:stretch>
+                  <a:fillRect l="-9231" r="-20000" b="-14754"/>
+                </a:stretch>
+              </a:blipFill>
+            </p:spPr>
+            <p:txBody>
+              <a:bodyPr/>
+              <a:lstStyle/>
+              <a:p>
+                <a:r>
+                  <a:rPr lang="fr-FR">
+                    <a:noFill/>
+                  </a:rPr>
+                  <a:t> </a:t>
+                </a:r>
+              </a:p>
+            </p:txBody>
+          </p:sp>
+        </mc:Fallback>
+      </mc:AlternateContent>
+      <p:cxnSp>
+        <p:nvCxnSpPr>
+          <p:cNvPr id="62" name="Connecteur droit 61">
+            <a:extLst>
+              <a:ext uri="{FF2B5EF4-FFF2-40B4-BE49-F238E27FC236}">
+                <a16:creationId xmlns:a16="http://schemas.microsoft.com/office/drawing/2014/main" id="{73453A86-1FD8-154D-3CBC-29249151A41A}"/>
+              </a:ext>
+            </a:extLst>
+          </p:cNvPr>
+          <p:cNvCxnSpPr>
+            <a:cxnSpLocks/>
+          </p:cNvCxnSpPr>
+          <p:nvPr/>
+        </p:nvCxnSpPr>
+        <p:spPr>
+          <a:xfrm flipH="1">
+            <a:off x="7534369" y="5186571"/>
+            <a:ext cx="1040005" cy="1120870"/>
+          </a:xfrm>
+          <a:prstGeom prst="line">
+            <a:avLst/>
+          </a:prstGeom>
+          <a:noFill/>
+          <a:ln w="12700">
+            <a:solidFill>
+              <a:schemeClr val="accent6"/>
+            </a:solidFill>
+            <a:tailEnd type="stealth" w="med" len="lg"/>
+          </a:ln>
+        </p:spPr>
+        <p:style>
+          <a:lnRef idx="2">
+            <a:schemeClr val="accent1">
+              <a:shade val="50000"/>
+            </a:schemeClr>
+          </a:lnRef>
+          <a:fillRef idx="1">
+            <a:schemeClr val="accent1"/>
+          </a:fillRef>
+          <a:effectRef idx="0">
+            <a:schemeClr val="accent1"/>
+          </a:effectRef>
+          <a:fontRef idx="minor">
+            <a:schemeClr val="lt1"/>
+          </a:fontRef>
+        </p:style>
+      </p:cxnSp>
+      <p:sp>
+        <p:nvSpPr>
+          <p:cNvPr id="15" name="Ellipse 14">
+            <a:extLst>
+              <a:ext uri="{FF2B5EF4-FFF2-40B4-BE49-F238E27FC236}">
+                <a16:creationId xmlns:a16="http://schemas.microsoft.com/office/drawing/2014/main" id="{3631DD04-9E46-4CD3-91F9-A8C325FB9799}"/>
+              </a:ext>
+            </a:extLst>
+          </p:cNvPr>
+          <p:cNvSpPr/>
+          <p:nvPr/>
+        </p:nvSpPr>
+        <p:spPr>
+          <a:xfrm>
+            <a:off x="8275842" y="5207399"/>
+            <a:ext cx="288000" cy="288000"/>
+          </a:xfrm>
+          <a:prstGeom prst="ellipse">
+            <a:avLst/>
+          </a:prstGeom>
+          <a:solidFill>
+            <a:schemeClr val="bg1"/>
+          </a:solidFill>
+          <a:ln w="28575">
+            <a:solidFill>
+              <a:schemeClr val="tx1"/>
+            </a:solidFill>
+          </a:ln>
+        </p:spPr>
+        <p:style>
+          <a:lnRef idx="2">
+            <a:schemeClr val="accent1">
+              <a:shade val="50000"/>
+            </a:schemeClr>
+          </a:lnRef>
+          <a:fillRef idx="1">
+            <a:schemeClr val="accent1"/>
+          </a:fillRef>
+          <a:effectRef idx="0">
+            <a:schemeClr val="accent1"/>
+          </a:effectRef>
+          <a:fontRef idx="minor">
+            <a:schemeClr val="lt1"/>
+          </a:fontRef>
+        </p:style>
+        <p:txBody>
+          <a:bodyPr rtlCol="0" anchor="ctr"/>
+          <a:lstStyle/>
+          <a:p>
+            <a:pPr algn="ctr"/>
+            <a:endParaRPr lang="fr-FR"/>
+          </a:p>
+        </p:txBody>
+      </p:sp>
+      <mc:AlternateContent xmlns:mc="http://schemas.openxmlformats.org/markup-compatibility/2006">
+        <mc:Choice xmlns:a14="http://schemas.microsoft.com/office/drawing/2010/main" Requires="a14">
+          <p:sp>
+            <p:nvSpPr>
+              <p:cNvPr id="64" name="ZoneTexte 63">
+                <a:extLst>
+                  <a:ext uri="{FF2B5EF4-FFF2-40B4-BE49-F238E27FC236}">
+                    <a16:creationId xmlns:a16="http://schemas.microsoft.com/office/drawing/2014/main" id="{CCF3ED3C-A968-2C5D-2AC0-3E2C2D2A65CE}"/>
+                  </a:ext>
+                </a:extLst>
+              </p:cNvPr>
+              <p:cNvSpPr txBox="1"/>
+              <p:nvPr/>
+            </p:nvSpPr>
+            <p:spPr>
+              <a:xfrm>
+                <a:off x="7206330" y="6299902"/>
+                <a:ext cx="328039" cy="307777"/>
+              </a:xfrm>
+              <a:prstGeom prst="rect">
+                <a:avLst/>
+              </a:prstGeom>
+              <a:noFill/>
+            </p:spPr>
+            <p:txBody>
+              <a:bodyPr wrap="none" lIns="0" tIns="0" rIns="0" bIns="0" rtlCol="0">
+                <a:spAutoFit/>
+              </a:bodyPr>
+              <a:lstStyle/>
+              <a:p>
+                <a14:m>
+                  <m:oMathPara xmlns:m="http://schemas.openxmlformats.org/officeDocument/2006/math">
+                    <m:oMathParaPr>
+                      <m:jc m:val="centerGroup"/>
+                    </m:oMathParaPr>
+                    <m:oMath xmlns:m="http://schemas.openxmlformats.org/officeDocument/2006/math">
+                      <m:acc>
+                        <m:accPr>
+                          <m:chr m:val="⃗"/>
+                          <m:ctrlPr>
+                            <a:rPr lang="fr-FR" sz="2000" b="1" i="1" smtClean="0">
+                              <a:latin typeface="Cambria Math" panose="02040503050406030204" pitchFamily="18" charset="0"/>
+                            </a:rPr>
+                          </m:ctrlPr>
+                        </m:accPr>
+                        <m:e>
+                          <m:sSub>
+                            <m:sSubPr>
+                              <m:ctrlPr>
+                                <a:rPr lang="fr-FR" sz="2000" b="1" i="1">
+                                  <a:latin typeface="Cambria Math" panose="02040503050406030204" pitchFamily="18" charset="0"/>
+                                </a:rPr>
+                              </m:ctrlPr>
+                            </m:sSubPr>
+                            <m:e>
+                              <m:r>
+                                <a:rPr lang="fr-FR" sz="2000" b="1" i="1">
+                                  <a:latin typeface="Cambria Math" panose="02040503050406030204" pitchFamily="18" charset="0"/>
+                                </a:rPr>
+                                <m:t>𝒙</m:t>
+                              </m:r>
+                            </m:e>
+                            <m:sub>
+                              <m:r>
+                                <a:rPr lang="fr-FR" sz="2000" b="1" i="1" smtClean="0">
+                                  <a:latin typeface="Cambria Math" panose="02040503050406030204" pitchFamily="18" charset="0"/>
+                                </a:rPr>
+                                <m:t>𝟐</m:t>
+                              </m:r>
+                            </m:sub>
+                          </m:sSub>
+                        </m:e>
+                      </m:acc>
+                    </m:oMath>
+                  </m:oMathPara>
+                </a14:m>
+                <a:endParaRPr lang="fr-FR" sz="2000" b="1" dirty="0"/>
+              </a:p>
+            </p:txBody>
+          </p:sp>
+        </mc:Choice>
+        <mc:Fallback>
+          <p:sp>
+            <p:nvSpPr>
+              <p:cNvPr id="64" name="ZoneTexte 63">
+                <a:extLst>
+                  <a:ext uri="{FF2B5EF4-FFF2-40B4-BE49-F238E27FC236}">
+                    <a16:creationId xmlns:a16="http://schemas.microsoft.com/office/drawing/2014/main" id="{CCF3ED3C-A968-2C5D-2AC0-3E2C2D2A65CE}"/>
+                  </a:ext>
+                </a:extLst>
+              </p:cNvPr>
+              <p:cNvSpPr txBox="1">
+                <a:spLocks noRot="1" noChangeAspect="1" noMove="1" noResize="1" noEditPoints="1" noAdjustHandles="1" noChangeArrowheads="1" noChangeShapeType="1" noTextEdit="1"/>
+              </p:cNvSpPr>
+              <p:nvPr/>
+            </p:nvSpPr>
+            <p:spPr>
+              <a:xfrm>
+                <a:off x="7206330" y="6299902"/>
+                <a:ext cx="328039" cy="307777"/>
+              </a:xfrm>
+              <a:prstGeom prst="rect">
+                <a:avLst/>
+              </a:prstGeom>
+              <a:blipFill>
+                <a:blip r:embed="rId13"/>
+                <a:stretch>
+                  <a:fillRect l="-11111" r="-9259" b="-15686"/>
+                </a:stretch>
+              </a:blipFill>
+            </p:spPr>
+            <p:txBody>
+              <a:bodyPr/>
+              <a:lstStyle/>
+              <a:p>
+                <a:r>
+                  <a:rPr lang="fr-FR">
+                    <a:noFill/>
+                  </a:rPr>
+                  <a:t> </a:t>
+                </a:r>
+              </a:p>
+            </p:txBody>
+          </p:sp>
+        </mc:Fallback>
+      </mc:AlternateContent>
+      <p:cxnSp>
+        <p:nvCxnSpPr>
+          <p:cNvPr id="65" name="Connecteur droit 64">
+            <a:extLst>
+              <a:ext uri="{FF2B5EF4-FFF2-40B4-BE49-F238E27FC236}">
+                <a16:creationId xmlns:a16="http://schemas.microsoft.com/office/drawing/2014/main" id="{CE7BDEB3-F5AE-E68D-92DA-7A562565F477}"/>
+              </a:ext>
+            </a:extLst>
+          </p:cNvPr>
+          <p:cNvCxnSpPr>
+            <a:cxnSpLocks/>
+          </p:cNvCxnSpPr>
+          <p:nvPr/>
+        </p:nvCxnSpPr>
+        <p:spPr>
+          <a:xfrm flipH="1">
+            <a:off x="8419842" y="1276376"/>
+            <a:ext cx="834327" cy="0"/>
+          </a:xfrm>
+          <a:prstGeom prst="line">
+            <a:avLst/>
+          </a:prstGeom>
+          <a:noFill/>
+          <a:ln w="12700">
+            <a:solidFill>
+              <a:schemeClr val="tx1"/>
+            </a:solidFill>
+            <a:prstDash val="lgDashDot"/>
+          </a:ln>
+        </p:spPr>
+        <p:style>
+          <a:lnRef idx="2">
+            <a:schemeClr val="accent1">
+              <a:shade val="50000"/>
+            </a:schemeClr>
+          </a:lnRef>
+          <a:fillRef idx="1">
+            <a:schemeClr val="accent1"/>
+          </a:fillRef>
+          <a:effectRef idx="0">
+            <a:schemeClr val="accent1"/>
+          </a:effectRef>
+          <a:fontRef idx="minor">
+            <a:schemeClr val="lt1"/>
+          </a:fontRef>
+        </p:style>
+      </p:cxnSp>
+      <p:cxnSp>
+        <p:nvCxnSpPr>
+          <p:cNvPr id="67" name="Connecteur droit 66">
+            <a:extLst>
+              <a:ext uri="{FF2B5EF4-FFF2-40B4-BE49-F238E27FC236}">
+                <a16:creationId xmlns:a16="http://schemas.microsoft.com/office/drawing/2014/main" id="{E84DF0E5-8E9E-15D0-923F-054C88118726}"/>
+              </a:ext>
+            </a:extLst>
+          </p:cNvPr>
+          <p:cNvCxnSpPr>
+            <a:cxnSpLocks/>
+          </p:cNvCxnSpPr>
+          <p:nvPr/>
+        </p:nvCxnSpPr>
+        <p:spPr>
+          <a:xfrm rot="5400000" flipH="1">
+            <a:off x="8428241" y="1363727"/>
+            <a:ext cx="834327" cy="0"/>
+          </a:xfrm>
+          <a:prstGeom prst="line">
+            <a:avLst/>
+          </a:prstGeom>
+          <a:noFill/>
+          <a:ln w="12700">
+            <a:solidFill>
+              <a:schemeClr val="tx1"/>
+            </a:solidFill>
+            <a:prstDash val="lgDashDot"/>
+          </a:ln>
+        </p:spPr>
+        <p:style>
+          <a:lnRef idx="2">
+            <a:schemeClr val="accent1">
+              <a:shade val="50000"/>
+            </a:schemeClr>
+          </a:lnRef>
+          <a:fillRef idx="1">
+            <a:schemeClr val="accent1"/>
+          </a:fillRef>
+          <a:effectRef idx="0">
+            <a:schemeClr val="accent1"/>
+          </a:effectRef>
+          <a:fontRef idx="minor">
+            <a:schemeClr val="lt1"/>
+          </a:fontRef>
+        </p:style>
+      </p:cxnSp>
+      <mc:AlternateContent xmlns:mc="http://schemas.openxmlformats.org/markup-compatibility/2006">
+        <mc:Choice xmlns:a14="http://schemas.microsoft.com/office/drawing/2010/main" Requires="a14">
+          <p:sp>
+            <p:nvSpPr>
+              <p:cNvPr id="68" name="ZoneTexte 67">
+                <a:extLst>
+                  <a:ext uri="{FF2B5EF4-FFF2-40B4-BE49-F238E27FC236}">
+                    <a16:creationId xmlns:a16="http://schemas.microsoft.com/office/drawing/2014/main" id="{2EC58E37-B705-0286-BE7D-CA5E7F901460}"/>
+                  </a:ext>
+                </a:extLst>
+              </p:cNvPr>
+              <p:cNvSpPr txBox="1"/>
+              <p:nvPr/>
+            </p:nvSpPr>
+            <p:spPr>
+              <a:xfrm>
+                <a:off x="8584990" y="990899"/>
+                <a:ext cx="221214" cy="276999"/>
+              </a:xfrm>
+              <a:prstGeom prst="rect">
+                <a:avLst/>
+              </a:prstGeom>
+              <a:noFill/>
+            </p:spPr>
+            <p:txBody>
+              <a:bodyPr wrap="none" lIns="0" tIns="0" rIns="0" bIns="0" rtlCol="0">
+                <a:spAutoFit/>
+              </a:bodyPr>
+              <a:lstStyle/>
+              <a:p>
+                <a14:m>
+                  <m:oMathPara xmlns:m="http://schemas.openxmlformats.org/officeDocument/2006/math">
+                    <m:oMathParaPr>
+                      <m:jc m:val="centerGroup"/>
+                    </m:oMathParaPr>
+                    <m:oMath xmlns:m="http://schemas.openxmlformats.org/officeDocument/2006/math">
+                      <m:r>
+                        <a:rPr lang="fr-FR" b="1" i="1" smtClean="0">
+                          <a:latin typeface="Cambria Math" panose="02040503050406030204" pitchFamily="18" charset="0"/>
+                        </a:rPr>
+                        <m:t>𝑶</m:t>
+                      </m:r>
+                    </m:oMath>
+                  </m:oMathPara>
+                </a14:m>
+                <a:endParaRPr lang="fr-FR" b="1" dirty="0"/>
+              </a:p>
+            </p:txBody>
+          </p:sp>
+        </mc:Choice>
+        <mc:Fallback>
+          <p:sp>
+            <p:nvSpPr>
+              <p:cNvPr id="68" name="ZoneTexte 67">
+                <a:extLst>
+                  <a:ext uri="{FF2B5EF4-FFF2-40B4-BE49-F238E27FC236}">
+                    <a16:creationId xmlns:a16="http://schemas.microsoft.com/office/drawing/2014/main" id="{2EC58E37-B705-0286-BE7D-CA5E7F901460}"/>
+                  </a:ext>
+                </a:extLst>
+              </p:cNvPr>
+              <p:cNvSpPr txBox="1">
+                <a:spLocks noRot="1" noChangeAspect="1" noMove="1" noResize="1" noEditPoints="1" noAdjustHandles="1" noChangeArrowheads="1" noChangeShapeType="1" noTextEdit="1"/>
+              </p:cNvSpPr>
+              <p:nvPr/>
+            </p:nvSpPr>
+            <p:spPr>
+              <a:xfrm>
+                <a:off x="8584990" y="990899"/>
+                <a:ext cx="221214" cy="276999"/>
+              </a:xfrm>
+              <a:prstGeom prst="rect">
+                <a:avLst/>
+              </a:prstGeom>
+              <a:blipFill>
+                <a:blip r:embed="rId14"/>
+                <a:stretch>
+                  <a:fillRect l="-24324" r="-24324" b="-6667"/>
+                </a:stretch>
+              </a:blipFill>
+            </p:spPr>
+            <p:txBody>
+              <a:bodyPr/>
+              <a:lstStyle/>
+              <a:p>
+                <a:r>
+                  <a:rPr lang="fr-FR">
+                    <a:noFill/>
+                  </a:rPr>
+                  <a:t> </a:t>
+                </a:r>
+              </a:p>
+            </p:txBody>
+          </p:sp>
+        </mc:Fallback>
+      </mc:AlternateContent>
+      <p:cxnSp>
+        <p:nvCxnSpPr>
+          <p:cNvPr id="69" name="Connecteur droit 68">
+            <a:extLst>
+              <a:ext uri="{FF2B5EF4-FFF2-40B4-BE49-F238E27FC236}">
+                <a16:creationId xmlns:a16="http://schemas.microsoft.com/office/drawing/2014/main" id="{C642436C-7517-10C5-25B8-FCBAF91FE6DD}"/>
+              </a:ext>
+            </a:extLst>
+          </p:cNvPr>
+          <p:cNvCxnSpPr>
+            <a:cxnSpLocks/>
+          </p:cNvCxnSpPr>
+          <p:nvPr/>
+        </p:nvCxnSpPr>
+        <p:spPr>
+          <a:xfrm>
+            <a:off x="8858264" y="1282244"/>
+            <a:ext cx="395905" cy="0"/>
+          </a:xfrm>
+          <a:prstGeom prst="line">
+            <a:avLst/>
+          </a:prstGeom>
+          <a:noFill/>
+          <a:ln w="12700">
+            <a:solidFill>
+              <a:schemeClr val="tx1"/>
+            </a:solidFill>
+            <a:tailEnd type="stealth" w="med" len="lg"/>
+          </a:ln>
+        </p:spPr>
+        <p:style>
+          <a:lnRef idx="2">
+            <a:schemeClr val="accent1">
+              <a:shade val="50000"/>
+            </a:schemeClr>
+          </a:lnRef>
+          <a:fillRef idx="1">
+            <a:schemeClr val="accent1"/>
+          </a:fillRef>
+          <a:effectRef idx="0">
+            <a:schemeClr val="accent1"/>
+          </a:effectRef>
+          <a:fontRef idx="minor">
+            <a:schemeClr val="lt1"/>
+          </a:fontRef>
+        </p:style>
+      </p:cxnSp>
+      <mc:AlternateContent xmlns:mc="http://schemas.openxmlformats.org/markup-compatibility/2006">
+        <mc:Choice xmlns:a14="http://schemas.microsoft.com/office/drawing/2010/main" Requires="a14">
+          <p:sp>
+            <p:nvSpPr>
+              <p:cNvPr id="73" name="ZoneTexte 72">
+                <a:extLst>
+                  <a:ext uri="{FF2B5EF4-FFF2-40B4-BE49-F238E27FC236}">
+                    <a16:creationId xmlns:a16="http://schemas.microsoft.com/office/drawing/2014/main" id="{CC41A343-759D-A57F-18EF-16A03EADDF5B}"/>
+                  </a:ext>
+                </a:extLst>
+              </p:cNvPr>
+              <p:cNvSpPr txBox="1"/>
+              <p:nvPr/>
+            </p:nvSpPr>
+            <p:spPr>
+              <a:xfrm>
+                <a:off x="9059288" y="906997"/>
+                <a:ext cx="328039" cy="307777"/>
+              </a:xfrm>
+              <a:prstGeom prst="rect">
+                <a:avLst/>
+              </a:prstGeom>
+              <a:noFill/>
+            </p:spPr>
+            <p:txBody>
+              <a:bodyPr wrap="none" lIns="0" tIns="0" rIns="0" bIns="0" rtlCol="0">
+                <a:spAutoFit/>
+              </a:bodyPr>
+              <a:lstStyle/>
+              <a:p>
+                <a14:m>
+                  <m:oMathPara xmlns:m="http://schemas.openxmlformats.org/officeDocument/2006/math">
+                    <m:oMathParaPr>
+                      <m:jc m:val="centerGroup"/>
+                    </m:oMathParaPr>
+                    <m:oMath xmlns:m="http://schemas.openxmlformats.org/officeDocument/2006/math">
+                      <m:acc>
+                        <m:accPr>
+                          <m:chr m:val="⃗"/>
+                          <m:ctrlPr>
+                            <a:rPr lang="fr-FR" sz="2000" b="1" i="1" smtClean="0">
+                              <a:latin typeface="Cambria Math" panose="02040503050406030204" pitchFamily="18" charset="0"/>
+                            </a:rPr>
+                          </m:ctrlPr>
+                        </m:accPr>
+                        <m:e>
+                          <m:sSub>
+                            <m:sSubPr>
+                              <m:ctrlPr>
+                                <a:rPr lang="fr-FR" sz="2000" b="1" i="1">
+                                  <a:latin typeface="Cambria Math" panose="02040503050406030204" pitchFamily="18" charset="0"/>
+                                </a:rPr>
+                              </m:ctrlPr>
+                            </m:sSubPr>
+                            <m:e>
+                              <m:r>
+                                <a:rPr lang="fr-FR" sz="2000" b="1" i="1">
+                                  <a:latin typeface="Cambria Math" panose="02040503050406030204" pitchFamily="18" charset="0"/>
+                                </a:rPr>
+                                <m:t>𝒙</m:t>
+                              </m:r>
+                            </m:e>
+                            <m:sub>
+                              <m:r>
+                                <a:rPr lang="fr-FR" sz="2000" b="1" i="1" smtClean="0">
+                                  <a:latin typeface="Cambria Math" panose="02040503050406030204" pitchFamily="18" charset="0"/>
+                                </a:rPr>
+                                <m:t>𝟎</m:t>
+                              </m:r>
+                            </m:sub>
+                          </m:sSub>
+                        </m:e>
+                      </m:acc>
+                    </m:oMath>
+                  </m:oMathPara>
+                </a14:m>
+                <a:endParaRPr lang="fr-FR" sz="2000" b="1" dirty="0"/>
+              </a:p>
+            </p:txBody>
+          </p:sp>
+        </mc:Choice>
+        <mc:Fallback>
+          <p:sp>
+            <p:nvSpPr>
+              <p:cNvPr id="73" name="ZoneTexte 72">
+                <a:extLst>
+                  <a:ext uri="{FF2B5EF4-FFF2-40B4-BE49-F238E27FC236}">
+                    <a16:creationId xmlns:a16="http://schemas.microsoft.com/office/drawing/2014/main" id="{CC41A343-759D-A57F-18EF-16A03EADDF5B}"/>
+                  </a:ext>
+                </a:extLst>
+              </p:cNvPr>
+              <p:cNvSpPr txBox="1">
+                <a:spLocks noRot="1" noChangeAspect="1" noMove="1" noResize="1" noEditPoints="1" noAdjustHandles="1" noChangeArrowheads="1" noChangeShapeType="1" noTextEdit="1"/>
+              </p:cNvSpPr>
+              <p:nvPr/>
+            </p:nvSpPr>
+            <p:spPr>
+              <a:xfrm>
+                <a:off x="9059288" y="906997"/>
+                <a:ext cx="328039" cy="307777"/>
+              </a:xfrm>
+              <a:prstGeom prst="rect">
+                <a:avLst/>
+              </a:prstGeom>
+              <a:blipFill>
+                <a:blip r:embed="rId15"/>
+                <a:stretch>
+                  <a:fillRect l="-11111" r="-9259" b="-18000"/>
+                </a:stretch>
+              </a:blipFill>
+            </p:spPr>
+            <p:txBody>
+              <a:bodyPr/>
+              <a:lstStyle/>
+              <a:p>
+                <a:r>
+                  <a:rPr lang="fr-FR">
+                    <a:noFill/>
+                  </a:rPr>
+                  <a:t> </a:t>
+                </a:r>
+              </a:p>
+            </p:txBody>
+          </p:sp>
+        </mc:Fallback>
+      </mc:AlternateContent>
+      <p:cxnSp>
+        <p:nvCxnSpPr>
+          <p:cNvPr id="74" name="Connecteur droit 73">
+            <a:extLst>
+              <a:ext uri="{FF2B5EF4-FFF2-40B4-BE49-F238E27FC236}">
+                <a16:creationId xmlns:a16="http://schemas.microsoft.com/office/drawing/2014/main" id="{AB0C8D95-FECF-623A-E2C2-234EA208D48F}"/>
+              </a:ext>
+            </a:extLst>
+          </p:cNvPr>
+          <p:cNvCxnSpPr>
+            <a:cxnSpLocks/>
+          </p:cNvCxnSpPr>
+          <p:nvPr/>
+        </p:nvCxnSpPr>
+        <p:spPr>
+          <a:xfrm flipV="1">
+            <a:off x="8845404" y="195720"/>
+            <a:ext cx="0" cy="1096768"/>
+          </a:xfrm>
+          <a:prstGeom prst="line">
+            <a:avLst/>
+          </a:prstGeom>
+          <a:noFill/>
+          <a:ln w="12700">
+            <a:solidFill>
+              <a:schemeClr val="tx1"/>
+            </a:solidFill>
+            <a:tailEnd type="stealth" w="med" len="lg"/>
+          </a:ln>
+        </p:spPr>
+        <p:style>
+          <a:lnRef idx="2">
+            <a:schemeClr val="accent1">
+              <a:shade val="50000"/>
+            </a:schemeClr>
+          </a:lnRef>
+          <a:fillRef idx="1">
+            <a:schemeClr val="accent1"/>
+          </a:fillRef>
+          <a:effectRef idx="0">
+            <a:schemeClr val="accent1"/>
+          </a:effectRef>
+          <a:fontRef idx="minor">
+            <a:schemeClr val="lt1"/>
+          </a:fontRef>
+        </p:style>
+      </p:cxnSp>
+      <mc:AlternateContent xmlns:mc="http://schemas.openxmlformats.org/markup-compatibility/2006">
+        <mc:Choice xmlns:a14="http://schemas.microsoft.com/office/drawing/2010/main" Requires="a14">
+          <p:sp>
+            <p:nvSpPr>
+              <p:cNvPr id="78" name="ZoneTexte 77">
+                <a:extLst>
+                  <a:ext uri="{FF2B5EF4-FFF2-40B4-BE49-F238E27FC236}">
+                    <a16:creationId xmlns:a16="http://schemas.microsoft.com/office/drawing/2014/main" id="{3518478D-6BED-6B60-BE56-E84DBF14B270}"/>
+                  </a:ext>
+                </a:extLst>
+              </p:cNvPr>
+              <p:cNvSpPr txBox="1"/>
+              <p:nvPr/>
+            </p:nvSpPr>
+            <p:spPr>
+              <a:xfrm>
+                <a:off x="8371861" y="257275"/>
+                <a:ext cx="334451" cy="307777"/>
+              </a:xfrm>
+              <a:prstGeom prst="rect">
+                <a:avLst/>
+              </a:prstGeom>
+              <a:noFill/>
+            </p:spPr>
+            <p:txBody>
+              <a:bodyPr wrap="none" lIns="0" tIns="0" rIns="0" bIns="0" rtlCol="0">
+                <a:spAutoFit/>
+              </a:bodyPr>
+              <a:lstStyle/>
+              <a:p>
+                <a14:m>
+                  <m:oMathPara xmlns:m="http://schemas.openxmlformats.org/officeDocument/2006/math">
+                    <m:oMathParaPr>
+                      <m:jc m:val="centerGroup"/>
+                    </m:oMathParaPr>
+                    <m:oMath xmlns:m="http://schemas.openxmlformats.org/officeDocument/2006/math">
+                      <m:acc>
+                        <m:accPr>
+                          <m:chr m:val="⃗"/>
+                          <m:ctrlPr>
+                            <a:rPr lang="fr-FR" sz="2000" b="1" i="1" smtClean="0">
+                              <a:latin typeface="Cambria Math" panose="02040503050406030204" pitchFamily="18" charset="0"/>
+                            </a:rPr>
+                          </m:ctrlPr>
+                        </m:accPr>
+                        <m:e>
+                          <m:sSub>
+                            <m:sSubPr>
+                              <m:ctrlPr>
+                                <a:rPr lang="fr-FR" sz="2000" b="1" i="1">
+                                  <a:latin typeface="Cambria Math" panose="02040503050406030204" pitchFamily="18" charset="0"/>
+                                </a:rPr>
+                              </m:ctrlPr>
+                            </m:sSubPr>
+                            <m:e>
+                              <m:r>
+                                <a:rPr lang="fr-FR" sz="2000" b="1" i="1" smtClean="0">
+                                  <a:latin typeface="Cambria Math" panose="02040503050406030204" pitchFamily="18" charset="0"/>
+                                </a:rPr>
+                                <m:t>𝒚</m:t>
+                              </m:r>
+                            </m:e>
+                            <m:sub>
+                              <m:r>
+                                <a:rPr lang="fr-FR" sz="2000" b="1" i="1" smtClean="0">
+                                  <a:latin typeface="Cambria Math" panose="02040503050406030204" pitchFamily="18" charset="0"/>
+                                </a:rPr>
+                                <m:t>𝟎</m:t>
+                              </m:r>
+                            </m:sub>
+                          </m:sSub>
+                        </m:e>
+                      </m:acc>
+                    </m:oMath>
+                  </m:oMathPara>
+                </a14:m>
+                <a:endParaRPr lang="fr-FR" sz="2000" b="1" dirty="0"/>
+              </a:p>
+            </p:txBody>
+          </p:sp>
+        </mc:Choice>
+        <mc:Fallback>
+          <p:sp>
+            <p:nvSpPr>
+              <p:cNvPr id="78" name="ZoneTexte 77">
+                <a:extLst>
+                  <a:ext uri="{FF2B5EF4-FFF2-40B4-BE49-F238E27FC236}">
+                    <a16:creationId xmlns:a16="http://schemas.microsoft.com/office/drawing/2014/main" id="{3518478D-6BED-6B60-BE56-E84DBF14B270}"/>
+                  </a:ext>
+                </a:extLst>
+              </p:cNvPr>
+              <p:cNvSpPr txBox="1">
+                <a:spLocks noRot="1" noChangeAspect="1" noMove="1" noResize="1" noEditPoints="1" noAdjustHandles="1" noChangeArrowheads="1" noChangeShapeType="1" noTextEdit="1"/>
+              </p:cNvSpPr>
+              <p:nvPr/>
+            </p:nvSpPr>
+            <p:spPr>
+              <a:xfrm>
+                <a:off x="8371861" y="257275"/>
+                <a:ext cx="334451" cy="307777"/>
+              </a:xfrm>
+              <a:prstGeom prst="rect">
+                <a:avLst/>
+              </a:prstGeom>
+              <a:blipFill>
+                <a:blip r:embed="rId16"/>
+                <a:stretch>
+                  <a:fillRect l="-18182" r="-9091" b="-25490"/>
+                </a:stretch>
+              </a:blipFill>
+            </p:spPr>
+            <p:txBody>
+              <a:bodyPr/>
+              <a:lstStyle/>
+              <a:p>
+                <a:r>
+                  <a:rPr lang="fr-FR">
+                    <a:noFill/>
+                  </a:rPr>
+                  <a:t> </a:t>
+                </a:r>
+              </a:p>
+            </p:txBody>
+          </p:sp>
+        </mc:Fallback>
+      </mc:AlternateContent>
+      <mc:AlternateContent xmlns:mc="http://schemas.openxmlformats.org/markup-compatibility/2006">
+        <mc:Choice xmlns:a14="http://schemas.microsoft.com/office/drawing/2010/main" Requires="a14">
+          <p:sp>
+            <p:nvSpPr>
+              <p:cNvPr id="82" name="ZoneTexte 81">
+                <a:extLst>
+                  <a:ext uri="{FF2B5EF4-FFF2-40B4-BE49-F238E27FC236}">
+                    <a16:creationId xmlns:a16="http://schemas.microsoft.com/office/drawing/2014/main" id="{A9A53A68-ABB0-B95D-9408-105273BB9E5A}"/>
+                  </a:ext>
+                </a:extLst>
+              </p:cNvPr>
+              <p:cNvSpPr txBox="1"/>
+              <p:nvPr/>
+            </p:nvSpPr>
+            <p:spPr>
+              <a:xfrm>
+                <a:off x="8816725" y="5969224"/>
+                <a:ext cx="393762" cy="370614"/>
+              </a:xfrm>
+              <a:prstGeom prst="rect">
+                <a:avLst/>
+              </a:prstGeom>
+              <a:noFill/>
+            </p:spPr>
+            <p:txBody>
+              <a:bodyPr wrap="none" lIns="0" tIns="0" rIns="0" bIns="0" rtlCol="0">
+                <a:spAutoFit/>
+              </a:bodyPr>
+              <a:lstStyle/>
+              <a:p>
+                <a14:m>
+                  <m:oMathPara xmlns:m="http://schemas.openxmlformats.org/officeDocument/2006/math">
+                    <m:oMathParaPr>
+                      <m:jc m:val="centerGroup"/>
+                    </m:oMathParaPr>
+                    <m:oMath xmlns:m="http://schemas.openxmlformats.org/officeDocument/2006/math">
+                      <m:acc>
+                        <m:accPr>
+                          <m:chr m:val="⃗"/>
+                          <m:ctrlPr>
+                            <a:rPr lang="fr-FR" sz="2000" b="1" i="1" smtClean="0">
+                              <a:latin typeface="Cambria Math" panose="02040503050406030204" pitchFamily="18" charset="0"/>
+                            </a:rPr>
+                          </m:ctrlPr>
+                        </m:accPr>
+                        <m:e>
+                          <m:sSub>
+                            <m:sSubPr>
+                              <m:ctrlPr>
+                                <a:rPr lang="fr-FR" sz="2000" b="1" i="1">
+                                  <a:latin typeface="Cambria Math" panose="02040503050406030204" pitchFamily="18" charset="0"/>
+                                </a:rPr>
+                              </m:ctrlPr>
+                            </m:sSubPr>
+                            <m:e>
+                              <m:r>
+                                <a:rPr lang="fr-FR" sz="2000" b="1" i="1">
+                                  <a:latin typeface="Cambria Math" panose="02040503050406030204" pitchFamily="18" charset="0"/>
+                                </a:rPr>
+                                <m:t>𝒙</m:t>
+                              </m:r>
+                            </m:e>
+                            <m:sub>
+                              <m:r>
+                                <a:rPr lang="fr-FR" sz="2000" b="1" i="1" smtClean="0">
+                                  <a:latin typeface="Cambria Math" panose="02040503050406030204" pitchFamily="18" charset="0"/>
+                                </a:rPr>
+                                <m:t>𝟐</m:t>
+                              </m:r>
+                            </m:sub>
+                          </m:sSub>
+                          <m:r>
+                            <a:rPr lang="fr-FR" sz="2000" b="1" i="1" smtClean="0">
+                              <a:latin typeface="Cambria Math" panose="02040503050406030204" pitchFamily="18" charset="0"/>
+                            </a:rPr>
+                            <m:t>′</m:t>
+                          </m:r>
+                        </m:e>
+                      </m:acc>
+                    </m:oMath>
+                  </m:oMathPara>
+                </a14:m>
+                <a:endParaRPr lang="fr-FR" sz="2000" b="1" dirty="0"/>
+              </a:p>
+            </p:txBody>
+          </p:sp>
+        </mc:Choice>
+        <mc:Fallback>
+          <p:sp>
+            <p:nvSpPr>
+              <p:cNvPr id="82" name="ZoneTexte 81">
+                <a:extLst>
+                  <a:ext uri="{FF2B5EF4-FFF2-40B4-BE49-F238E27FC236}">
+                    <a16:creationId xmlns:a16="http://schemas.microsoft.com/office/drawing/2014/main" id="{A9A53A68-ABB0-B95D-9408-105273BB9E5A}"/>
+                  </a:ext>
+                </a:extLst>
+              </p:cNvPr>
+              <p:cNvSpPr txBox="1">
+                <a:spLocks noRot="1" noChangeAspect="1" noMove="1" noResize="1" noEditPoints="1" noAdjustHandles="1" noChangeArrowheads="1" noChangeShapeType="1" noTextEdit="1"/>
+              </p:cNvSpPr>
+              <p:nvPr/>
+            </p:nvSpPr>
+            <p:spPr>
+              <a:xfrm>
+                <a:off x="8816725" y="5969224"/>
+                <a:ext cx="393762" cy="370614"/>
+              </a:xfrm>
+              <a:prstGeom prst="rect">
+                <a:avLst/>
+              </a:prstGeom>
+              <a:blipFill>
+                <a:blip r:embed="rId17"/>
+                <a:stretch>
+                  <a:fillRect l="-9231" r="-20000" b="-14754"/>
+                </a:stretch>
+              </a:blipFill>
+            </p:spPr>
+            <p:txBody>
+              <a:bodyPr/>
+              <a:lstStyle/>
+              <a:p>
+                <a:r>
+                  <a:rPr lang="fr-FR">
+                    <a:noFill/>
+                  </a:rPr>
+                  <a:t> </a:t>
+                </a:r>
+              </a:p>
+            </p:txBody>
+          </p:sp>
+        </mc:Fallback>
+      </mc:AlternateContent>
+      <p:cxnSp>
+        <p:nvCxnSpPr>
+          <p:cNvPr id="86" name="Connecteur droit 85">
+            <a:extLst>
+              <a:ext uri="{FF2B5EF4-FFF2-40B4-BE49-F238E27FC236}">
+                <a16:creationId xmlns:a16="http://schemas.microsoft.com/office/drawing/2014/main" id="{03E91692-EF07-EF28-8353-3CEE6E064CFD}"/>
+              </a:ext>
+            </a:extLst>
+          </p:cNvPr>
+          <p:cNvCxnSpPr>
+            <a:cxnSpLocks/>
+          </p:cNvCxnSpPr>
+          <p:nvPr/>
+        </p:nvCxnSpPr>
+        <p:spPr>
+          <a:xfrm flipV="1">
+            <a:off x="8329306" y="5780314"/>
+            <a:ext cx="1819615" cy="0"/>
+          </a:xfrm>
+          <a:prstGeom prst="line">
+            <a:avLst/>
+          </a:prstGeom>
+          <a:noFill/>
+          <a:ln w="12700">
+            <a:solidFill>
+              <a:srgbClr val="0070C0"/>
+            </a:solidFill>
+            <a:tailEnd type="stealth" w="med" len="lg"/>
+          </a:ln>
+        </p:spPr>
+        <p:style>
+          <a:lnRef idx="2">
+            <a:schemeClr val="accent1">
+              <a:shade val="50000"/>
+            </a:schemeClr>
+          </a:lnRef>
+          <a:fillRef idx="1">
+            <a:schemeClr val="accent1"/>
+          </a:fillRef>
+          <a:effectRef idx="0">
+            <a:schemeClr val="accent1"/>
+          </a:effectRef>
+          <a:fontRef idx="minor">
+            <a:schemeClr val="lt1"/>
+          </a:fontRef>
+        </p:style>
+      </p:cxnSp>
+      <mc:AlternateContent xmlns:mc="http://schemas.openxmlformats.org/markup-compatibility/2006">
+        <mc:Choice xmlns:a14="http://schemas.microsoft.com/office/drawing/2010/main" Requires="a14">
+          <p:sp>
+            <p:nvSpPr>
+              <p:cNvPr id="89" name="ZoneTexte 88">
+                <a:extLst>
+                  <a:ext uri="{FF2B5EF4-FFF2-40B4-BE49-F238E27FC236}">
+                    <a16:creationId xmlns:a16="http://schemas.microsoft.com/office/drawing/2014/main" id="{D6DE2FEA-A62F-FD5B-34DF-2462ED0C144C}"/>
+                  </a:ext>
+                </a:extLst>
+              </p:cNvPr>
+              <p:cNvSpPr txBox="1"/>
+              <p:nvPr/>
+            </p:nvSpPr>
+            <p:spPr>
+              <a:xfrm>
+                <a:off x="9835077" y="5457635"/>
+                <a:ext cx="328039" cy="307777"/>
+              </a:xfrm>
+              <a:prstGeom prst="rect">
+                <a:avLst/>
+              </a:prstGeom>
+              <a:noFill/>
+            </p:spPr>
+            <p:txBody>
+              <a:bodyPr wrap="none" lIns="0" tIns="0" rIns="0" bIns="0" rtlCol="0">
+                <a:spAutoFit/>
+              </a:bodyPr>
+              <a:lstStyle/>
+              <a:p>
+                <a14:m>
+                  <m:oMathPara xmlns:m="http://schemas.openxmlformats.org/officeDocument/2006/math">
+                    <m:oMathParaPr>
+                      <m:jc m:val="centerGroup"/>
+                    </m:oMathParaPr>
+                    <m:oMath xmlns:m="http://schemas.openxmlformats.org/officeDocument/2006/math">
+                      <m:acc>
+                        <m:accPr>
+                          <m:chr m:val="⃗"/>
+                          <m:ctrlPr>
+                            <a:rPr lang="fr-FR" sz="2000" b="1" i="1" smtClean="0">
+                              <a:latin typeface="Cambria Math" panose="02040503050406030204" pitchFamily="18" charset="0"/>
+                            </a:rPr>
+                          </m:ctrlPr>
+                        </m:accPr>
+                        <m:e>
+                          <m:sSub>
+                            <m:sSubPr>
+                              <m:ctrlPr>
+                                <a:rPr lang="fr-FR" sz="2000" b="1" i="1">
+                                  <a:latin typeface="Cambria Math" panose="02040503050406030204" pitchFamily="18" charset="0"/>
+                                </a:rPr>
+                              </m:ctrlPr>
+                            </m:sSubPr>
+                            <m:e>
+                              <m:r>
+                                <a:rPr lang="fr-FR" sz="2000" b="1" i="1">
+                                  <a:latin typeface="Cambria Math" panose="02040503050406030204" pitchFamily="18" charset="0"/>
+                                </a:rPr>
+                                <m:t>𝒙</m:t>
+                              </m:r>
+                            </m:e>
+                            <m:sub>
+                              <m:r>
+                                <a:rPr lang="fr-FR" sz="2000" b="1" i="1" smtClean="0">
+                                  <a:latin typeface="Cambria Math" panose="02040503050406030204" pitchFamily="18" charset="0"/>
+                                </a:rPr>
+                                <m:t>𝟑</m:t>
+                              </m:r>
+                            </m:sub>
+                          </m:sSub>
+                        </m:e>
+                      </m:acc>
+                    </m:oMath>
+                  </m:oMathPara>
+                </a14:m>
+                <a:endParaRPr lang="fr-FR" sz="2000" b="1" dirty="0"/>
+              </a:p>
+            </p:txBody>
+          </p:sp>
+        </mc:Choice>
+        <mc:Fallback>
+          <p:sp>
+            <p:nvSpPr>
+              <p:cNvPr id="89" name="ZoneTexte 88">
+                <a:extLst>
+                  <a:ext uri="{FF2B5EF4-FFF2-40B4-BE49-F238E27FC236}">
+                    <a16:creationId xmlns:a16="http://schemas.microsoft.com/office/drawing/2014/main" id="{D6DE2FEA-A62F-FD5B-34DF-2462ED0C144C}"/>
+                  </a:ext>
+                </a:extLst>
+              </p:cNvPr>
+              <p:cNvSpPr txBox="1">
+                <a:spLocks noRot="1" noChangeAspect="1" noMove="1" noResize="1" noEditPoints="1" noAdjustHandles="1" noChangeArrowheads="1" noChangeShapeType="1" noTextEdit="1"/>
+              </p:cNvSpPr>
+              <p:nvPr/>
+            </p:nvSpPr>
+            <p:spPr>
+              <a:xfrm>
+                <a:off x="9835077" y="5457635"/>
+                <a:ext cx="328039" cy="307777"/>
+              </a:xfrm>
+              <a:prstGeom prst="rect">
+                <a:avLst/>
+              </a:prstGeom>
+              <a:blipFill>
+                <a:blip r:embed="rId18"/>
+                <a:stretch>
+                  <a:fillRect l="-11111" r="-9259" b="-15686"/>
+                </a:stretch>
+              </a:blipFill>
+            </p:spPr>
+            <p:txBody>
+              <a:bodyPr/>
+              <a:lstStyle/>
+              <a:p>
+                <a:r>
+                  <a:rPr lang="fr-FR">
+                    <a:noFill/>
+                  </a:rPr>
+                  <a:t> </a:t>
+                </a:r>
+              </a:p>
+            </p:txBody>
+          </p:sp>
+        </mc:Fallback>
+      </mc:AlternateContent>
+    </p:spTree>
+    <p:extLst>
+      <p:ext uri="{BB962C8B-B14F-4D97-AF65-F5344CB8AC3E}">
+        <p14:creationId xmlns:p14="http://schemas.microsoft.com/office/powerpoint/2010/main" val="2627089986"/>
+      </p:ext>
+    </p:extLst>
+  </p:cSld>
+  <p:clrMapOvr>
+    <a:masterClrMapping/>
+  </p:clrMapOvr>
+</p:sld>
+</file>
+
+<file path=ppt/slides/slide5.xml><?xml version="1.0" encoding="utf-8"?>
+<p:sld xmlns:a="http://schemas.openxmlformats.org/drawingml/2006/main" xmlns:r="http://schemas.openxmlformats.org/officeDocument/2006/relationships" xmlns:p="http://schemas.openxmlformats.org/presentationml/2006/main">
+  <p:cSld>
+    <p:spTree>
+      <p:nvGrpSpPr>
+        <p:cNvPr id="1" name=""/>
+        <p:cNvGrpSpPr/>
+        <p:nvPr/>
+      </p:nvGrpSpPr>
+      <p:grpSpPr>
+        <a:xfrm>
+          <a:off x="0" y="0"/>
+          <a:ext cx="0" cy="0"/>
+          <a:chOff x="0" y="0"/>
+          <a:chExt cx="0" cy="0"/>
+        </a:xfrm>
+      </p:grpSpPr>
+      <p:cxnSp>
+        <p:nvCxnSpPr>
+          <p:cNvPr id="4" name="Connecteur droit 3">
+            <a:extLst>
+              <a:ext uri="{FF2B5EF4-FFF2-40B4-BE49-F238E27FC236}">
+                <a16:creationId xmlns:a16="http://schemas.microsoft.com/office/drawing/2014/main" id="{88B94D50-5165-4C03-D8D3-76937359677C}"/>
+              </a:ext>
+            </a:extLst>
+          </p:cNvPr>
+          <p:cNvCxnSpPr>
+            <a:cxnSpLocks/>
+          </p:cNvCxnSpPr>
+          <p:nvPr/>
+        </p:nvCxnSpPr>
+        <p:spPr>
+          <a:xfrm>
+            <a:off x="10984321" y="2728194"/>
+            <a:ext cx="662243" cy="675947"/>
+          </a:xfrm>
+          <a:prstGeom prst="line">
+            <a:avLst/>
+          </a:prstGeom>
+          <a:noFill/>
+          <a:ln w="12700">
+            <a:solidFill>
+              <a:schemeClr val="tx1">
+                <a:lumMod val="50000"/>
+                <a:lumOff val="50000"/>
+              </a:schemeClr>
+            </a:solidFill>
+            <a:tailEnd type="stealth" w="med" len="lg"/>
+          </a:ln>
+        </p:spPr>
+        <p:style>
+          <a:lnRef idx="2">
+            <a:schemeClr val="accent1">
+              <a:shade val="50000"/>
+            </a:schemeClr>
+          </a:lnRef>
+          <a:fillRef idx="1">
+            <a:schemeClr val="accent1"/>
+          </a:fillRef>
+          <a:effectRef idx="0">
+            <a:schemeClr val="accent1"/>
+          </a:effectRef>
+          <a:fontRef idx="minor">
+            <a:schemeClr val="lt1"/>
+          </a:fontRef>
+        </p:style>
+      </p:cxnSp>
+      <p:grpSp>
+        <p:nvGrpSpPr>
+          <p:cNvPr id="52" name="Groupe 51">
+            <a:extLst>
+              <a:ext uri="{FF2B5EF4-FFF2-40B4-BE49-F238E27FC236}">
+                <a16:creationId xmlns:a16="http://schemas.microsoft.com/office/drawing/2014/main" id="{EA398844-CB08-F8F8-721B-DD3ACC9F6277}"/>
+              </a:ext>
+            </a:extLst>
+          </p:cNvPr>
+          <p:cNvGrpSpPr/>
+          <p:nvPr/>
+        </p:nvGrpSpPr>
+        <p:grpSpPr>
+          <a:xfrm>
+            <a:off x="5634076" y="156572"/>
+            <a:ext cx="3004178" cy="2997564"/>
+            <a:chOff x="5634076" y="156572"/>
+            <a:chExt cx="3004178" cy="2997564"/>
+          </a:xfrm>
+        </p:grpSpPr>
+        <p:sp>
+          <p:nvSpPr>
+            <p:cNvPr id="22" name="Arc 21">
+              <a:extLst>
+                <a:ext uri="{FF2B5EF4-FFF2-40B4-BE49-F238E27FC236}">
+                  <a16:creationId xmlns:a16="http://schemas.microsoft.com/office/drawing/2014/main" id="{2DC9DFE2-6756-14EF-3A7D-390E4C0FAB7F}"/>
+                </a:ext>
+              </a:extLst>
+            </p:cNvPr>
+            <p:cNvSpPr/>
+            <p:nvPr/>
+          </p:nvSpPr>
+          <p:spPr>
+            <a:xfrm>
+              <a:off x="5634076" y="814136"/>
+              <a:ext cx="2340000" cy="2340000"/>
+            </a:xfrm>
+            <a:prstGeom prst="arc">
+              <a:avLst>
+                <a:gd name="adj1" fmla="val 20736182"/>
+                <a:gd name="adj2" fmla="val 0"/>
+              </a:avLst>
+            </a:prstGeom>
+            <a:ln>
+              <a:solidFill>
+                <a:schemeClr val="tx1">
+                  <a:lumMod val="50000"/>
+                  <a:lumOff val="50000"/>
+                </a:schemeClr>
+              </a:solidFill>
+              <a:headEnd type="stealth" w="med" len="lg"/>
+              <a:tailEnd type="none" w="med" len="lg"/>
+            </a:ln>
+          </p:spPr>
+          <p:style>
+            <a:lnRef idx="1">
+              <a:schemeClr val="accent1"/>
+            </a:lnRef>
+            <a:fillRef idx="0">
+              <a:schemeClr val="accent1"/>
+            </a:fillRef>
+            <a:effectRef idx="0">
+              <a:schemeClr val="accent1"/>
+            </a:effectRef>
+            <a:fontRef idx="minor">
+              <a:schemeClr val="tx1"/>
+            </a:fontRef>
+          </p:style>
+          <p:txBody>
+            <a:bodyPr rtlCol="0" anchor="ctr"/>
+            <a:lstStyle/>
+            <a:p>
+              <a:pPr algn="ctr"/>
+              <a:endParaRPr lang="fr-FR"/>
+            </a:p>
+          </p:txBody>
+        </p:sp>
+        <p:grpSp>
+          <p:nvGrpSpPr>
+            <p:cNvPr id="37" name="Groupe 36">
+              <a:extLst>
+                <a:ext uri="{FF2B5EF4-FFF2-40B4-BE49-F238E27FC236}">
+                  <a16:creationId xmlns:a16="http://schemas.microsoft.com/office/drawing/2014/main" id="{3463703F-1113-C9BB-3EC6-6ADAE0CB9219}"/>
+                </a:ext>
+              </a:extLst>
+            </p:cNvPr>
+            <p:cNvGrpSpPr/>
+            <p:nvPr/>
+          </p:nvGrpSpPr>
+          <p:grpSpPr>
+            <a:xfrm>
+              <a:off x="6230404" y="156572"/>
+              <a:ext cx="2407850" cy="1982298"/>
+              <a:chOff x="6230404" y="156572"/>
+              <a:chExt cx="2407850" cy="1982298"/>
+            </a:xfrm>
+          </p:grpSpPr>
+          <mc:AlternateContent xmlns:mc="http://schemas.openxmlformats.org/markup-compatibility/2006">
+            <mc:Choice xmlns:a14="http://schemas.microsoft.com/office/drawing/2010/main" Requires="a14">
+              <p:sp>
+                <p:nvSpPr>
+                  <p:cNvPr id="8" name="ZoneTexte 7">
+                    <a:extLst>
+                      <a:ext uri="{FF2B5EF4-FFF2-40B4-BE49-F238E27FC236}">
+                        <a16:creationId xmlns:a16="http://schemas.microsoft.com/office/drawing/2014/main" id="{008264B2-4365-C994-B3C2-10C0CAA9A42E}"/>
+                      </a:ext>
+                    </a:extLst>
+                  </p:cNvPr>
+                  <p:cNvSpPr txBox="1"/>
+                  <p:nvPr/>
+                </p:nvSpPr>
+                <p:spPr>
+                  <a:xfrm>
+                    <a:off x="8327143" y="1831093"/>
+                    <a:ext cx="311111" cy="307777"/>
+                  </a:xfrm>
+                  <a:prstGeom prst="rect">
+                    <a:avLst/>
+                  </a:prstGeom>
+                  <a:noFill/>
+                </p:spPr>
+                <p:txBody>
+                  <a:bodyPr wrap="square" lIns="0" tIns="0" rIns="0" bIns="0" rtlCol="0">
+                    <a:spAutoFit/>
+                  </a:bodyPr>
+                  <a:lstStyle/>
+                  <a:p>
+                    <a14:m>
+                      <m:oMathPara xmlns:m="http://schemas.openxmlformats.org/officeDocument/2006/math">
+                        <m:oMathParaPr>
+                          <m:jc m:val="centerGroup"/>
+                        </m:oMathParaPr>
+                        <m:oMath xmlns:m="http://schemas.openxmlformats.org/officeDocument/2006/math">
+                          <m:acc>
+                            <m:accPr>
+                              <m:chr m:val="⃗"/>
+                              <m:ctrlPr>
+                                <a:rPr lang="fr-FR" sz="2000" i="1" smtClean="0">
+                                  <a:latin typeface="Cambria Math" panose="02040503050406030204" pitchFamily="18" charset="0"/>
+                                </a:rPr>
+                              </m:ctrlPr>
+                            </m:accPr>
+                            <m:e>
+                              <m:sSub>
+                                <m:sSubPr>
+                                  <m:ctrlPr>
+                                    <a:rPr lang="fr-FR" sz="2000" i="1">
+                                      <a:latin typeface="Cambria Math" panose="02040503050406030204" pitchFamily="18" charset="0"/>
+                                    </a:rPr>
+                                  </m:ctrlPr>
+                                </m:sSubPr>
+                                <m:e>
+                                  <m:r>
+                                    <a:rPr lang="fr-FR" sz="2000" b="0" i="1">
+                                      <a:latin typeface="Cambria Math" panose="02040503050406030204" pitchFamily="18" charset="0"/>
+                                    </a:rPr>
+                                    <m:t>𝑥</m:t>
+                                  </m:r>
+                                </m:e>
+                                <m:sub>
+                                  <m:r>
+                                    <a:rPr lang="fr-FR" sz="2000" b="0" i="1" smtClean="0">
+                                      <a:latin typeface="Cambria Math" panose="02040503050406030204" pitchFamily="18" charset="0"/>
+                                    </a:rPr>
+                                    <m:t>0</m:t>
+                                  </m:r>
+                                </m:sub>
+                              </m:sSub>
+                            </m:e>
+                          </m:acc>
+                        </m:oMath>
+                      </m:oMathPara>
+                    </a14:m>
+                    <a:endParaRPr lang="fr-FR" sz="2000" dirty="0"/>
+                  </a:p>
+                </p:txBody>
+              </p:sp>
+            </mc:Choice>
+            <mc:Fallback>
+              <p:sp>
+                <p:nvSpPr>
+                  <p:cNvPr id="8" name="ZoneTexte 7">
+                    <a:extLst>
+                      <a:ext uri="{FF2B5EF4-FFF2-40B4-BE49-F238E27FC236}">
+                        <a16:creationId xmlns:a16="http://schemas.microsoft.com/office/drawing/2014/main" id="{008264B2-4365-C994-B3C2-10C0CAA9A42E}"/>
+                      </a:ext>
+                    </a:extLst>
+                  </p:cNvPr>
+                  <p:cNvSpPr txBox="1">
+                    <a:spLocks noRot="1" noChangeAspect="1" noMove="1" noResize="1" noEditPoints="1" noAdjustHandles="1" noChangeArrowheads="1" noChangeShapeType="1" noTextEdit="1"/>
+                  </p:cNvSpPr>
+                  <p:nvPr/>
+                </p:nvSpPr>
+                <p:spPr>
+                  <a:xfrm>
+                    <a:off x="8327143" y="1831093"/>
+                    <a:ext cx="311111" cy="307777"/>
+                  </a:xfrm>
+                  <a:prstGeom prst="rect">
+                    <a:avLst/>
+                  </a:prstGeom>
+                  <a:blipFill>
+                    <a:blip r:embed="rId2"/>
+                    <a:stretch>
+                      <a:fillRect l="-9804" r="-9804" b="-15686"/>
+                    </a:stretch>
+                  </a:blipFill>
+                </p:spPr>
+                <p:txBody>
+                  <a:bodyPr/>
+                  <a:lstStyle/>
+                  <a:p>
+                    <a:r>
+                      <a:rPr lang="fr-FR">
+                        <a:noFill/>
+                      </a:rPr>
+                      <a:t> </a:t>
+                    </a:r>
+                  </a:p>
+                </p:txBody>
+              </p:sp>
+            </mc:Fallback>
+          </mc:AlternateContent>
+          <mc:AlternateContent xmlns:mc="http://schemas.openxmlformats.org/markup-compatibility/2006">
+            <mc:Choice xmlns:a14="http://schemas.microsoft.com/office/drawing/2010/main" Requires="a14">
+              <p:sp>
+                <p:nvSpPr>
+                  <p:cNvPr id="10" name="ZoneTexte 9">
+                    <a:extLst>
+                      <a:ext uri="{FF2B5EF4-FFF2-40B4-BE49-F238E27FC236}">
+                        <a16:creationId xmlns:a16="http://schemas.microsoft.com/office/drawing/2014/main" id="{0D7145A1-F168-1F6C-130C-C276B0C28734}"/>
+                      </a:ext>
+                    </a:extLst>
+                  </p:cNvPr>
+                  <p:cNvSpPr txBox="1"/>
+                  <p:nvPr/>
+                </p:nvSpPr>
+                <p:spPr>
+                  <a:xfrm>
+                    <a:off x="6647143" y="156572"/>
+                    <a:ext cx="313867" cy="307777"/>
+                  </a:xfrm>
+                  <a:prstGeom prst="rect">
+                    <a:avLst/>
+                  </a:prstGeom>
+                  <a:noFill/>
+                </p:spPr>
+                <p:txBody>
+                  <a:bodyPr wrap="none" lIns="0" tIns="0" rIns="0" bIns="0" rtlCol="0">
+                    <a:spAutoFit/>
+                  </a:bodyPr>
+                  <a:lstStyle/>
+                  <a:p>
+                    <a14:m>
+                      <m:oMathPara xmlns:m="http://schemas.openxmlformats.org/officeDocument/2006/math">
+                        <m:oMathParaPr>
+                          <m:jc m:val="centerGroup"/>
+                        </m:oMathParaPr>
+                        <m:oMath xmlns:m="http://schemas.openxmlformats.org/officeDocument/2006/math">
+                          <m:acc>
+                            <m:accPr>
+                              <m:chr m:val="⃗"/>
+                              <m:ctrlPr>
+                                <a:rPr lang="fr-FR" sz="2000" i="1" smtClean="0">
+                                  <a:latin typeface="Cambria Math" panose="02040503050406030204" pitchFamily="18" charset="0"/>
+                                </a:rPr>
+                              </m:ctrlPr>
+                            </m:accPr>
+                            <m:e>
+                              <m:sSub>
+                                <m:sSubPr>
+                                  <m:ctrlPr>
+                                    <a:rPr lang="fr-FR" sz="2000" i="1">
+                                      <a:latin typeface="Cambria Math" panose="02040503050406030204" pitchFamily="18" charset="0"/>
+                                    </a:rPr>
+                                  </m:ctrlPr>
+                                </m:sSubPr>
+                                <m:e>
+                                  <m:r>
+                                    <a:rPr lang="fr-FR" sz="2000" b="0" i="1" smtClean="0">
+                                      <a:latin typeface="Cambria Math" panose="02040503050406030204" pitchFamily="18" charset="0"/>
+                                    </a:rPr>
+                                    <m:t>𝑦</m:t>
+                                  </m:r>
+                                </m:e>
+                                <m:sub>
+                                  <m:r>
+                                    <a:rPr lang="fr-FR" sz="2000" b="0" i="1" smtClean="0">
+                                      <a:latin typeface="Cambria Math" panose="02040503050406030204" pitchFamily="18" charset="0"/>
+                                    </a:rPr>
+                                    <m:t>0</m:t>
+                                  </m:r>
+                                </m:sub>
+                              </m:sSub>
+                            </m:e>
+                          </m:acc>
+                        </m:oMath>
+                      </m:oMathPara>
+                    </a14:m>
+                    <a:endParaRPr lang="fr-FR" sz="2000" dirty="0"/>
+                  </a:p>
+                </p:txBody>
+              </p:sp>
+            </mc:Choice>
+            <mc:Fallback>
+              <p:sp>
+                <p:nvSpPr>
+                  <p:cNvPr id="10" name="ZoneTexte 9">
+                    <a:extLst>
+                      <a:ext uri="{FF2B5EF4-FFF2-40B4-BE49-F238E27FC236}">
+                        <a16:creationId xmlns:a16="http://schemas.microsoft.com/office/drawing/2014/main" id="{0D7145A1-F168-1F6C-130C-C276B0C28734}"/>
+                      </a:ext>
+                    </a:extLst>
+                  </p:cNvPr>
+                  <p:cNvSpPr txBox="1">
+                    <a:spLocks noRot="1" noChangeAspect="1" noMove="1" noResize="1" noEditPoints="1" noAdjustHandles="1" noChangeArrowheads="1" noChangeShapeType="1" noTextEdit="1"/>
+                  </p:cNvSpPr>
+                  <p:nvPr/>
+                </p:nvSpPr>
+                <p:spPr>
+                  <a:xfrm>
+                    <a:off x="6647143" y="156572"/>
+                    <a:ext cx="313867" cy="307777"/>
+                  </a:xfrm>
+                  <a:prstGeom prst="rect">
+                    <a:avLst/>
+                  </a:prstGeom>
+                  <a:blipFill>
+                    <a:blip r:embed="rId3"/>
+                    <a:stretch>
+                      <a:fillRect l="-19231" r="-9615" b="-26000"/>
+                    </a:stretch>
+                  </a:blipFill>
+                </p:spPr>
+                <p:txBody>
+                  <a:bodyPr/>
+                  <a:lstStyle/>
+                  <a:p>
+                    <a:r>
+                      <a:rPr lang="fr-FR">
+                        <a:noFill/>
+                      </a:rPr>
+                      <a:t> </a:t>
+                    </a:r>
+                  </a:p>
+                </p:txBody>
+              </p:sp>
+            </mc:Fallback>
+          </mc:AlternateContent>
+          <p:grpSp>
+            <p:nvGrpSpPr>
+              <p:cNvPr id="14" name="Groupe 13">
+                <a:extLst>
+                  <a:ext uri="{FF2B5EF4-FFF2-40B4-BE49-F238E27FC236}">
+                    <a16:creationId xmlns:a16="http://schemas.microsoft.com/office/drawing/2014/main" id="{45680FDF-588F-DF36-BD1F-49D9A3C2235A}"/>
+                  </a:ext>
+                </a:extLst>
+              </p:cNvPr>
+              <p:cNvGrpSpPr/>
+              <p:nvPr/>
+            </p:nvGrpSpPr>
+            <p:grpSpPr>
+              <a:xfrm>
+                <a:off x="6814368" y="544982"/>
+                <a:ext cx="1440000" cy="1440000"/>
+                <a:chOff x="6814368" y="544982"/>
+                <a:chExt cx="1440000" cy="1440000"/>
+              </a:xfrm>
+            </p:grpSpPr>
+            <p:cxnSp>
+              <p:nvCxnSpPr>
+                <p:cNvPr id="12" name="Connecteur droit 11">
+                  <a:extLst>
+                    <a:ext uri="{FF2B5EF4-FFF2-40B4-BE49-F238E27FC236}">
+                      <a16:creationId xmlns:a16="http://schemas.microsoft.com/office/drawing/2014/main" id="{FABFF185-9B66-7E14-2493-B8235417723F}"/>
+                    </a:ext>
+                  </a:extLst>
+                </p:cNvPr>
+                <p:cNvCxnSpPr>
+                  <a:cxnSpLocks/>
+                </p:cNvCxnSpPr>
+                <p:nvPr/>
+              </p:nvCxnSpPr>
+              <p:spPr>
+                <a:xfrm rot="5400000" flipV="1">
+                  <a:off x="7534368" y="1264982"/>
+                  <a:ext cx="0" cy="1440000"/>
+                </a:xfrm>
+                <a:prstGeom prst="line">
+                  <a:avLst/>
+                </a:prstGeom>
+                <a:noFill/>
+                <a:ln w="12700">
+                  <a:solidFill>
+                    <a:schemeClr val="tx1"/>
+                  </a:solidFill>
+                  <a:tailEnd type="stealth" w="med" len="lg"/>
+                </a:ln>
+              </p:spPr>
+              <p:style>
+                <a:lnRef idx="2">
+                  <a:schemeClr val="accent1">
+                    <a:shade val="50000"/>
+                  </a:schemeClr>
+                </a:lnRef>
+                <a:fillRef idx="1">
+                  <a:schemeClr val="accent1"/>
+                </a:fillRef>
+                <a:effectRef idx="0">
+                  <a:schemeClr val="accent1"/>
+                </a:effectRef>
+                <a:fontRef idx="minor">
+                  <a:schemeClr val="lt1"/>
+                </a:fontRef>
+              </p:style>
+            </p:cxnSp>
+            <p:cxnSp>
+              <p:nvCxnSpPr>
+                <p:cNvPr id="13" name="Connecteur droit 12">
+                  <a:extLst>
+                    <a:ext uri="{FF2B5EF4-FFF2-40B4-BE49-F238E27FC236}">
+                      <a16:creationId xmlns:a16="http://schemas.microsoft.com/office/drawing/2014/main" id="{5316E2E8-448F-EF22-4BC1-8E15617F4985}"/>
+                    </a:ext>
+                  </a:extLst>
+                </p:cNvPr>
+                <p:cNvCxnSpPr>
+                  <a:cxnSpLocks/>
+                </p:cNvCxnSpPr>
+                <p:nvPr/>
+              </p:nvCxnSpPr>
+              <p:spPr>
+                <a:xfrm flipV="1">
+                  <a:off x="6817636" y="544982"/>
+                  <a:ext cx="0" cy="1440000"/>
+                </a:xfrm>
+                <a:prstGeom prst="line">
+                  <a:avLst/>
+                </a:prstGeom>
+                <a:noFill/>
+                <a:ln w="12700">
+                  <a:solidFill>
+                    <a:schemeClr val="tx1"/>
+                  </a:solidFill>
+                  <a:tailEnd type="stealth" w="med" len="lg"/>
+                </a:ln>
+              </p:spPr>
+              <p:style>
+                <a:lnRef idx="2">
+                  <a:schemeClr val="accent1">
+                    <a:shade val="50000"/>
+                  </a:schemeClr>
+                </a:lnRef>
+                <a:fillRef idx="1">
+                  <a:schemeClr val="accent1"/>
+                </a:fillRef>
+                <a:effectRef idx="0">
+                  <a:schemeClr val="accent1"/>
+                </a:effectRef>
+                <a:fontRef idx="minor">
+                  <a:schemeClr val="lt1"/>
+                </a:fontRef>
+              </p:style>
+            </p:cxnSp>
+          </p:grpSp>
+          <p:grpSp>
+            <p:nvGrpSpPr>
+              <p:cNvPr id="15" name="Groupe 14">
+                <a:extLst>
+                  <a:ext uri="{FF2B5EF4-FFF2-40B4-BE49-F238E27FC236}">
+                    <a16:creationId xmlns:a16="http://schemas.microsoft.com/office/drawing/2014/main" id="{4ACE3233-76B0-932F-884A-105F18E5694B}"/>
+                  </a:ext>
+                </a:extLst>
+              </p:cNvPr>
+              <p:cNvGrpSpPr/>
+              <p:nvPr/>
+            </p:nvGrpSpPr>
+            <p:grpSpPr>
+              <a:xfrm rot="20700000">
+                <a:off x="6604818" y="383165"/>
+                <a:ext cx="1440000" cy="1440000"/>
+                <a:chOff x="6814368" y="544982"/>
+                <a:chExt cx="1440000" cy="1440000"/>
+              </a:xfrm>
+            </p:grpSpPr>
+            <p:cxnSp>
+              <p:nvCxnSpPr>
+                <p:cNvPr id="16" name="Connecteur droit 15">
+                  <a:extLst>
+                    <a:ext uri="{FF2B5EF4-FFF2-40B4-BE49-F238E27FC236}">
+                      <a16:creationId xmlns:a16="http://schemas.microsoft.com/office/drawing/2014/main" id="{E0C249E1-CAFD-30E9-CC86-7D2F01E712D2}"/>
+                    </a:ext>
+                  </a:extLst>
+                </p:cNvPr>
+                <p:cNvCxnSpPr>
+                  <a:cxnSpLocks/>
+                </p:cNvCxnSpPr>
+                <p:nvPr/>
+              </p:nvCxnSpPr>
+              <p:spPr>
+                <a:xfrm rot="5400000" flipV="1">
+                  <a:off x="7534368" y="1264982"/>
+                  <a:ext cx="0" cy="1440000"/>
+                </a:xfrm>
+                <a:prstGeom prst="line">
+                  <a:avLst/>
+                </a:prstGeom>
+                <a:noFill/>
+                <a:ln w="12700">
+                  <a:solidFill>
+                    <a:schemeClr val="tx1">
+                      <a:lumMod val="50000"/>
+                      <a:lumOff val="50000"/>
+                    </a:schemeClr>
+                  </a:solidFill>
+                  <a:tailEnd type="stealth" w="med" len="lg"/>
+                </a:ln>
+              </p:spPr>
+              <p:style>
+                <a:lnRef idx="2">
+                  <a:schemeClr val="accent1">
+                    <a:shade val="50000"/>
+                  </a:schemeClr>
+                </a:lnRef>
+                <a:fillRef idx="1">
+                  <a:schemeClr val="accent1"/>
+                </a:fillRef>
+                <a:effectRef idx="0">
+                  <a:schemeClr val="accent1"/>
+                </a:effectRef>
+                <a:fontRef idx="minor">
+                  <a:schemeClr val="lt1"/>
+                </a:fontRef>
+              </p:style>
+            </p:cxnSp>
+            <p:cxnSp>
+              <p:nvCxnSpPr>
+                <p:cNvPr id="17" name="Connecteur droit 16">
+                  <a:extLst>
+                    <a:ext uri="{FF2B5EF4-FFF2-40B4-BE49-F238E27FC236}">
+                      <a16:creationId xmlns:a16="http://schemas.microsoft.com/office/drawing/2014/main" id="{3DF280C2-62D0-6459-8834-33B3C7B2AB2E}"/>
+                    </a:ext>
+                  </a:extLst>
+                </p:cNvPr>
+                <p:cNvCxnSpPr>
+                  <a:cxnSpLocks/>
+                </p:cNvCxnSpPr>
+                <p:nvPr/>
+              </p:nvCxnSpPr>
+              <p:spPr>
+                <a:xfrm flipV="1">
+                  <a:off x="6817636" y="544982"/>
+                  <a:ext cx="0" cy="1440000"/>
+                </a:xfrm>
+                <a:prstGeom prst="line">
+                  <a:avLst/>
+                </a:prstGeom>
+                <a:noFill/>
+                <a:ln w="12700">
+                  <a:solidFill>
+                    <a:schemeClr val="tx1">
+                      <a:lumMod val="50000"/>
+                      <a:lumOff val="50000"/>
+                    </a:schemeClr>
+                  </a:solidFill>
+                  <a:tailEnd type="stealth" w="med" len="lg"/>
+                </a:ln>
+              </p:spPr>
+              <p:style>
+                <a:lnRef idx="2">
+                  <a:schemeClr val="accent1">
+                    <a:shade val="50000"/>
+                  </a:schemeClr>
+                </a:lnRef>
+                <a:fillRef idx="1">
+                  <a:schemeClr val="accent1"/>
+                </a:fillRef>
+                <a:effectRef idx="0">
+                  <a:schemeClr val="accent1"/>
+                </a:effectRef>
+                <a:fontRef idx="minor">
+                  <a:schemeClr val="lt1"/>
+                </a:fontRef>
+              </p:style>
+            </p:cxnSp>
+          </p:grpSp>
+          <p:sp>
+            <p:nvSpPr>
+              <p:cNvPr id="18" name="Ellipse 17">
+                <a:extLst>
+                  <a:ext uri="{FF2B5EF4-FFF2-40B4-BE49-F238E27FC236}">
+                    <a16:creationId xmlns:a16="http://schemas.microsoft.com/office/drawing/2014/main" id="{4197A901-48F3-09A4-5CE4-38B77FCBFA84}"/>
+                  </a:ext>
+                </a:extLst>
+              </p:cNvPr>
+              <p:cNvSpPr/>
+              <p:nvPr/>
+            </p:nvSpPr>
+            <p:spPr>
+              <a:xfrm>
+                <a:off x="6733011" y="1910575"/>
+                <a:ext cx="180000" cy="180000"/>
+              </a:xfrm>
+              <a:prstGeom prst="ellipse">
+                <a:avLst/>
+              </a:prstGeom>
+              <a:solidFill>
+                <a:schemeClr val="bg1"/>
+              </a:solidFill>
+              <a:ln>
+                <a:solidFill>
+                  <a:schemeClr val="tx1"/>
+                </a:solidFill>
+              </a:ln>
+            </p:spPr>
+            <p:style>
+              <a:lnRef idx="2">
+                <a:schemeClr val="accent1">
+                  <a:shade val="50000"/>
+                </a:schemeClr>
+              </a:lnRef>
+              <a:fillRef idx="1">
+                <a:schemeClr val="accent1"/>
+              </a:fillRef>
+              <a:effectRef idx="0">
+                <a:schemeClr val="accent1"/>
+              </a:effectRef>
+              <a:fontRef idx="minor">
+                <a:schemeClr val="lt1"/>
+              </a:fontRef>
+            </p:style>
+            <p:txBody>
+              <a:bodyPr rtlCol="0" anchor="ctr"/>
+              <a:lstStyle/>
+              <a:p>
+                <a:pPr algn="ctr"/>
+                <a:endParaRPr lang="fr-FR"/>
+              </a:p>
+            </p:txBody>
+          </p:sp>
+          <p:sp>
+            <p:nvSpPr>
+              <p:cNvPr id="19" name="Ellipse 18">
+                <a:extLst>
+                  <a:ext uri="{FF2B5EF4-FFF2-40B4-BE49-F238E27FC236}">
+                    <a16:creationId xmlns:a16="http://schemas.microsoft.com/office/drawing/2014/main" id="{CF1293FF-DD8A-8D07-4533-8FA446B98EA7}"/>
+                  </a:ext>
+                </a:extLst>
+              </p:cNvPr>
+              <p:cNvSpPr/>
+              <p:nvPr/>
+            </p:nvSpPr>
+            <p:spPr>
+              <a:xfrm>
+                <a:off x="6787011" y="1964575"/>
+                <a:ext cx="72000" cy="72000"/>
+              </a:xfrm>
+              <a:prstGeom prst="ellipse">
+                <a:avLst/>
+              </a:prstGeom>
+              <a:solidFill>
+                <a:schemeClr val="tx1"/>
+              </a:solidFill>
+              <a:ln>
+                <a:solidFill>
+                  <a:schemeClr val="tx1"/>
+                </a:solidFill>
+              </a:ln>
+            </p:spPr>
+            <p:style>
+              <a:lnRef idx="2">
+                <a:schemeClr val="accent1">
+                  <a:shade val="50000"/>
+                </a:schemeClr>
+              </a:lnRef>
+              <a:fillRef idx="1">
+                <a:schemeClr val="accent1"/>
+              </a:fillRef>
+              <a:effectRef idx="0">
+                <a:schemeClr val="accent1"/>
+              </a:effectRef>
+              <a:fontRef idx="minor">
+                <a:schemeClr val="lt1"/>
+              </a:fontRef>
+            </p:style>
+            <p:txBody>
+              <a:bodyPr rtlCol="0" anchor="ctr"/>
+              <a:lstStyle/>
+              <a:p>
+                <a:pPr algn="ctr"/>
+                <a:endParaRPr lang="fr-FR"/>
+              </a:p>
+            </p:txBody>
+          </p:sp>
+          <mc:AlternateContent xmlns:mc="http://schemas.openxmlformats.org/markup-compatibility/2006">
+            <mc:Choice xmlns:a14="http://schemas.microsoft.com/office/drawing/2010/main" Requires="a14">
+              <p:sp>
+                <p:nvSpPr>
+                  <p:cNvPr id="20" name="ZoneTexte 19">
+                    <a:extLst>
+                      <a:ext uri="{FF2B5EF4-FFF2-40B4-BE49-F238E27FC236}">
+                        <a16:creationId xmlns:a16="http://schemas.microsoft.com/office/drawing/2014/main" id="{7D50FCA6-94D9-AF80-CBEF-822E83196563}"/>
+                      </a:ext>
+                    </a:extLst>
+                  </p:cNvPr>
+                  <p:cNvSpPr txBox="1"/>
+                  <p:nvPr/>
+                </p:nvSpPr>
+                <p:spPr>
+                  <a:xfrm>
+                    <a:off x="8327143" y="1288669"/>
+                    <a:ext cx="305148" cy="307777"/>
+                  </a:xfrm>
+                  <a:prstGeom prst="rect">
+                    <a:avLst/>
+                  </a:prstGeom>
+                  <a:noFill/>
+                </p:spPr>
+                <p:txBody>
+                  <a:bodyPr wrap="none" lIns="0" tIns="0" rIns="0" bIns="0" rtlCol="0">
+                    <a:spAutoFit/>
+                  </a:bodyPr>
+                  <a:lstStyle/>
+                  <a:p>
+                    <a14:m>
+                      <m:oMathPara xmlns:m="http://schemas.openxmlformats.org/officeDocument/2006/math">
+                        <m:oMathParaPr>
+                          <m:jc m:val="centerGroup"/>
+                        </m:oMathParaPr>
+                        <m:oMath xmlns:m="http://schemas.openxmlformats.org/officeDocument/2006/math">
+                          <m:acc>
+                            <m:accPr>
+                              <m:chr m:val="⃗"/>
+                              <m:ctrlPr>
+                                <a:rPr lang="fr-FR" sz="2000" i="1" smtClean="0">
+                                  <a:latin typeface="Cambria Math" panose="02040503050406030204" pitchFamily="18" charset="0"/>
+                                </a:rPr>
+                              </m:ctrlPr>
+                            </m:accPr>
+                            <m:e>
+                              <m:sSub>
+                                <m:sSubPr>
+                                  <m:ctrlPr>
+                                    <a:rPr lang="fr-FR" sz="2000" i="1">
+                                      <a:latin typeface="Cambria Math" panose="02040503050406030204" pitchFamily="18" charset="0"/>
+                                    </a:rPr>
+                                  </m:ctrlPr>
+                                </m:sSubPr>
+                                <m:e>
+                                  <m:r>
+                                    <a:rPr lang="fr-FR" sz="2000" b="0" i="1">
+                                      <a:latin typeface="Cambria Math" panose="02040503050406030204" pitchFamily="18" charset="0"/>
+                                    </a:rPr>
+                                    <m:t>𝑥</m:t>
+                                  </m:r>
+                                </m:e>
+                                <m:sub>
+                                  <m:r>
+                                    <a:rPr lang="fr-FR" sz="2000" b="0" i="1" smtClean="0">
+                                      <a:latin typeface="Cambria Math" panose="02040503050406030204" pitchFamily="18" charset="0"/>
+                                    </a:rPr>
+                                    <m:t>1</m:t>
+                                  </m:r>
+                                </m:sub>
+                              </m:sSub>
+                            </m:e>
+                          </m:acc>
+                        </m:oMath>
+                      </m:oMathPara>
+                    </a14:m>
+                    <a:endParaRPr lang="fr-FR" sz="2000" dirty="0"/>
+                  </a:p>
+                </p:txBody>
+              </p:sp>
+            </mc:Choice>
+            <mc:Fallback>
+              <p:sp>
+                <p:nvSpPr>
+                  <p:cNvPr id="20" name="ZoneTexte 19">
+                    <a:extLst>
+                      <a:ext uri="{FF2B5EF4-FFF2-40B4-BE49-F238E27FC236}">
+                        <a16:creationId xmlns:a16="http://schemas.microsoft.com/office/drawing/2014/main" id="{7D50FCA6-94D9-AF80-CBEF-822E83196563}"/>
+                      </a:ext>
+                    </a:extLst>
+                  </p:cNvPr>
+                  <p:cNvSpPr txBox="1">
+                    <a:spLocks noRot="1" noChangeAspect="1" noMove="1" noResize="1" noEditPoints="1" noAdjustHandles="1" noChangeArrowheads="1" noChangeShapeType="1" noTextEdit="1"/>
+                  </p:cNvSpPr>
+                  <p:nvPr/>
+                </p:nvSpPr>
+                <p:spPr>
+                  <a:xfrm>
+                    <a:off x="8327143" y="1288669"/>
+                    <a:ext cx="305148" cy="307777"/>
+                  </a:xfrm>
+                  <a:prstGeom prst="rect">
+                    <a:avLst/>
+                  </a:prstGeom>
+                  <a:blipFill>
+                    <a:blip r:embed="rId4"/>
+                    <a:stretch>
+                      <a:fillRect l="-10000" r="-8000" b="-13725"/>
+                    </a:stretch>
+                  </a:blipFill>
+                </p:spPr>
+                <p:txBody>
+                  <a:bodyPr/>
+                  <a:lstStyle/>
+                  <a:p>
+                    <a:r>
+                      <a:rPr lang="fr-FR">
+                        <a:noFill/>
+                      </a:rPr>
+                      <a:t> </a:t>
+                    </a:r>
+                  </a:p>
+                </p:txBody>
+              </p:sp>
+            </mc:Fallback>
+          </mc:AlternateContent>
+          <mc:AlternateContent xmlns:mc="http://schemas.openxmlformats.org/markup-compatibility/2006">
+            <mc:Choice xmlns:a14="http://schemas.microsoft.com/office/drawing/2010/main" Requires="a14">
+              <p:sp>
+                <p:nvSpPr>
+                  <p:cNvPr id="21" name="ZoneTexte 20">
+                    <a:extLst>
+                      <a:ext uri="{FF2B5EF4-FFF2-40B4-BE49-F238E27FC236}">
+                        <a16:creationId xmlns:a16="http://schemas.microsoft.com/office/drawing/2014/main" id="{FE783CEF-49AF-C245-FA07-97EDBA27A881}"/>
+                      </a:ext>
+                    </a:extLst>
+                  </p:cNvPr>
+                  <p:cNvSpPr txBox="1"/>
+                  <p:nvPr/>
+                </p:nvSpPr>
+                <p:spPr>
+                  <a:xfrm>
+                    <a:off x="6230404" y="157077"/>
+                    <a:ext cx="307905" cy="307777"/>
+                  </a:xfrm>
+                  <a:prstGeom prst="rect">
+                    <a:avLst/>
+                  </a:prstGeom>
+                  <a:noFill/>
+                </p:spPr>
+                <p:txBody>
+                  <a:bodyPr wrap="none" lIns="0" tIns="0" rIns="0" bIns="0" rtlCol="0">
+                    <a:spAutoFit/>
+                  </a:bodyPr>
+                  <a:lstStyle/>
+                  <a:p>
+                    <a14:m>
+                      <m:oMathPara xmlns:m="http://schemas.openxmlformats.org/officeDocument/2006/math">
+                        <m:oMathParaPr>
+                          <m:jc m:val="centerGroup"/>
+                        </m:oMathParaPr>
+                        <m:oMath xmlns:m="http://schemas.openxmlformats.org/officeDocument/2006/math">
+                          <m:acc>
+                            <m:accPr>
+                              <m:chr m:val="⃗"/>
+                              <m:ctrlPr>
+                                <a:rPr lang="fr-FR" sz="2000" i="1" smtClean="0">
+                                  <a:latin typeface="Cambria Math" panose="02040503050406030204" pitchFamily="18" charset="0"/>
+                                </a:rPr>
+                              </m:ctrlPr>
+                            </m:accPr>
+                            <m:e>
+                              <m:sSub>
+                                <m:sSubPr>
+                                  <m:ctrlPr>
+                                    <a:rPr lang="fr-FR" sz="2000" i="1">
+                                      <a:latin typeface="Cambria Math" panose="02040503050406030204" pitchFamily="18" charset="0"/>
+                                    </a:rPr>
+                                  </m:ctrlPr>
+                                </m:sSubPr>
+                                <m:e>
+                                  <m:r>
+                                    <a:rPr lang="fr-FR" sz="2000" b="0" i="1" smtClean="0">
+                                      <a:latin typeface="Cambria Math" panose="02040503050406030204" pitchFamily="18" charset="0"/>
+                                    </a:rPr>
+                                    <m:t>𝑦</m:t>
+                                  </m:r>
+                                </m:e>
+                                <m:sub>
+                                  <m:r>
+                                    <a:rPr lang="fr-FR" sz="2000" b="0" i="1" smtClean="0">
+                                      <a:latin typeface="Cambria Math" panose="02040503050406030204" pitchFamily="18" charset="0"/>
+                                    </a:rPr>
+                                    <m:t>1</m:t>
+                                  </m:r>
+                                </m:sub>
+                              </m:sSub>
+                            </m:e>
+                          </m:acc>
+                        </m:oMath>
+                      </m:oMathPara>
+                    </a14:m>
+                    <a:endParaRPr lang="fr-FR" sz="2000" dirty="0"/>
+                  </a:p>
+                </p:txBody>
+              </p:sp>
+            </mc:Choice>
+            <mc:Fallback>
+              <p:sp>
+                <p:nvSpPr>
+                  <p:cNvPr id="21" name="ZoneTexte 20">
+                    <a:extLst>
+                      <a:ext uri="{FF2B5EF4-FFF2-40B4-BE49-F238E27FC236}">
+                        <a16:creationId xmlns:a16="http://schemas.microsoft.com/office/drawing/2014/main" id="{FE783CEF-49AF-C245-FA07-97EDBA27A881}"/>
+                      </a:ext>
+                    </a:extLst>
+                  </p:cNvPr>
+                  <p:cNvSpPr txBox="1">
+                    <a:spLocks noRot="1" noChangeAspect="1" noMove="1" noResize="1" noEditPoints="1" noAdjustHandles="1" noChangeArrowheads="1" noChangeShapeType="1" noTextEdit="1"/>
+                  </p:cNvSpPr>
+                  <p:nvPr/>
+                </p:nvSpPr>
+                <p:spPr>
+                  <a:xfrm>
+                    <a:off x="6230404" y="157077"/>
+                    <a:ext cx="307905" cy="307777"/>
+                  </a:xfrm>
+                  <a:prstGeom prst="rect">
+                    <a:avLst/>
+                  </a:prstGeom>
+                  <a:blipFill>
+                    <a:blip r:embed="rId5"/>
+                    <a:stretch>
+                      <a:fillRect l="-19608" r="-7843" b="-26000"/>
+                    </a:stretch>
+                  </a:blipFill>
+                </p:spPr>
+                <p:txBody>
+                  <a:bodyPr/>
+                  <a:lstStyle/>
+                  <a:p>
+                    <a:r>
+                      <a:rPr lang="fr-FR">
+                        <a:noFill/>
+                      </a:rPr>
+                      <a:t> </a:t>
+                    </a:r>
+                  </a:p>
+                </p:txBody>
+              </p:sp>
+            </mc:Fallback>
+          </mc:AlternateContent>
+          <mc:AlternateContent xmlns:mc="http://schemas.openxmlformats.org/markup-compatibility/2006">
+            <mc:Choice xmlns:a14="http://schemas.microsoft.com/office/drawing/2010/main" Requires="a14">
+              <p:sp>
+                <p:nvSpPr>
+                  <p:cNvPr id="23" name="ZoneTexte 22">
+                    <a:extLst>
+                      <a:ext uri="{FF2B5EF4-FFF2-40B4-BE49-F238E27FC236}">
+                        <a16:creationId xmlns:a16="http://schemas.microsoft.com/office/drawing/2014/main" id="{111235AD-EC9E-7ECD-9C67-B4B275506CAD}"/>
+                      </a:ext>
+                    </a:extLst>
+                  </p:cNvPr>
+                  <p:cNvSpPr txBox="1"/>
+                  <p:nvPr/>
+                </p:nvSpPr>
+                <p:spPr>
+                  <a:xfrm>
+                    <a:off x="7630940" y="1304504"/>
+                    <a:ext cx="311111" cy="307777"/>
+                  </a:xfrm>
+                  <a:prstGeom prst="rect">
+                    <a:avLst/>
+                  </a:prstGeom>
+                  <a:noFill/>
+                </p:spPr>
+                <p:txBody>
+                  <a:bodyPr wrap="square" lIns="0" tIns="0" rIns="0" bIns="0" rtlCol="0">
+                    <a:spAutoFit/>
+                  </a:bodyPr>
+                  <a:lstStyle/>
+                  <a:p>
+                    <a14:m>
+                      <m:oMathPara xmlns:m="http://schemas.openxmlformats.org/officeDocument/2006/math">
+                        <m:oMathParaPr>
+                          <m:jc m:val="centerGroup"/>
+                        </m:oMathParaPr>
+                        <m:oMath xmlns:m="http://schemas.openxmlformats.org/officeDocument/2006/math">
+                          <m:r>
+                            <a:rPr lang="fr-FR" sz="2000" i="1" smtClean="0">
+                              <a:latin typeface="Cambria Math" panose="02040503050406030204" pitchFamily="18" charset="0"/>
+                            </a:rPr>
+                            <m:t>𝜃</m:t>
+                          </m:r>
+                        </m:oMath>
+                      </m:oMathPara>
+                    </a14:m>
+                    <a:endParaRPr lang="fr-FR" sz="2000" dirty="0"/>
+                  </a:p>
+                </p:txBody>
+              </p:sp>
+            </mc:Choice>
+            <mc:Fallback>
+              <p:sp>
+                <p:nvSpPr>
+                  <p:cNvPr id="23" name="ZoneTexte 22">
+                    <a:extLst>
+                      <a:ext uri="{FF2B5EF4-FFF2-40B4-BE49-F238E27FC236}">
+                        <a16:creationId xmlns:a16="http://schemas.microsoft.com/office/drawing/2014/main" id="{111235AD-EC9E-7ECD-9C67-B4B275506CAD}"/>
+                      </a:ext>
+                    </a:extLst>
+                  </p:cNvPr>
+                  <p:cNvSpPr txBox="1">
+                    <a:spLocks noRot="1" noChangeAspect="1" noMove="1" noResize="1" noEditPoints="1" noAdjustHandles="1" noChangeArrowheads="1" noChangeShapeType="1" noTextEdit="1"/>
+                  </p:cNvSpPr>
+                  <p:nvPr/>
+                </p:nvSpPr>
+                <p:spPr>
+                  <a:xfrm>
+                    <a:off x="7630940" y="1304504"/>
+                    <a:ext cx="311111" cy="307777"/>
+                  </a:xfrm>
+                  <a:prstGeom prst="rect">
+                    <a:avLst/>
+                  </a:prstGeom>
+                  <a:blipFill>
+                    <a:blip r:embed="rId6"/>
+                    <a:stretch>
+                      <a:fillRect l="-3922" r="-1961" b="-8000"/>
+                    </a:stretch>
+                  </a:blipFill>
+                </p:spPr>
+                <p:txBody>
+                  <a:bodyPr/>
+                  <a:lstStyle/>
+                  <a:p>
+                    <a:r>
+                      <a:rPr lang="fr-FR">
+                        <a:noFill/>
+                      </a:rPr>
+                      <a:t> </a:t>
+                    </a:r>
+                  </a:p>
+                </p:txBody>
+              </p:sp>
+            </mc:Fallback>
+          </mc:AlternateContent>
+        </p:grpSp>
+      </p:grpSp>
+      <p:grpSp>
+        <p:nvGrpSpPr>
+          <p:cNvPr id="38" name="Groupe 37">
+            <a:extLst>
+              <a:ext uri="{FF2B5EF4-FFF2-40B4-BE49-F238E27FC236}">
+                <a16:creationId xmlns:a16="http://schemas.microsoft.com/office/drawing/2014/main" id="{96A7374A-26D1-C882-F7A0-FB0F561BDDFF}"/>
+              </a:ext>
+            </a:extLst>
+          </p:cNvPr>
+          <p:cNvGrpSpPr/>
+          <p:nvPr/>
+        </p:nvGrpSpPr>
+        <p:grpSpPr>
+          <a:xfrm>
+            <a:off x="6234332" y="2325806"/>
+            <a:ext cx="2407850" cy="1982298"/>
+            <a:chOff x="6230404" y="156572"/>
+            <a:chExt cx="2407850" cy="1982298"/>
+          </a:xfrm>
+        </p:grpSpPr>
+        <mc:AlternateContent xmlns:mc="http://schemas.openxmlformats.org/markup-compatibility/2006">
+          <mc:Choice xmlns:a14="http://schemas.microsoft.com/office/drawing/2010/main" Requires="a14">
+            <p:sp>
+              <p:nvSpPr>
+                <p:cNvPr id="39" name="ZoneTexte 38">
+                  <a:extLst>
+                    <a:ext uri="{FF2B5EF4-FFF2-40B4-BE49-F238E27FC236}">
+                      <a16:creationId xmlns:a16="http://schemas.microsoft.com/office/drawing/2014/main" id="{443A028D-E922-FA80-A9D4-B2BADDFC68E0}"/>
+                    </a:ext>
+                  </a:extLst>
+                </p:cNvPr>
+                <p:cNvSpPr txBox="1"/>
+                <p:nvPr/>
+              </p:nvSpPr>
+              <p:spPr>
+                <a:xfrm>
+                  <a:off x="8327143" y="1831093"/>
+                  <a:ext cx="311111" cy="307777"/>
+                </a:xfrm>
+                <a:prstGeom prst="rect">
+                  <a:avLst/>
+                </a:prstGeom>
+                <a:noFill/>
+              </p:spPr>
+              <p:txBody>
+                <a:bodyPr wrap="square" lIns="0" tIns="0" rIns="0" bIns="0" rtlCol="0">
+                  <a:spAutoFit/>
+                </a:bodyPr>
+                <a:lstStyle/>
+                <a:p>
+                  <a14:m>
+                    <m:oMathPara xmlns:m="http://schemas.openxmlformats.org/officeDocument/2006/math">
+                      <m:oMathParaPr>
+                        <m:jc m:val="centerGroup"/>
+                      </m:oMathParaPr>
+                      <m:oMath xmlns:m="http://schemas.openxmlformats.org/officeDocument/2006/math">
+                        <m:acc>
+                          <m:accPr>
+                            <m:chr m:val="⃗"/>
+                            <m:ctrlPr>
+                              <a:rPr lang="fr-FR" sz="2000" i="1" smtClean="0">
+                                <a:latin typeface="Cambria Math" panose="02040503050406030204" pitchFamily="18" charset="0"/>
+                              </a:rPr>
+                            </m:ctrlPr>
+                          </m:accPr>
+                          <m:e>
+                            <m:sSub>
+                              <m:sSubPr>
+                                <m:ctrlPr>
+                                  <a:rPr lang="fr-FR" sz="2000" i="1">
+                                    <a:latin typeface="Cambria Math" panose="02040503050406030204" pitchFamily="18" charset="0"/>
+                                  </a:rPr>
+                                </m:ctrlPr>
+                              </m:sSubPr>
+                              <m:e>
+                                <m:r>
+                                  <a:rPr lang="fr-FR" sz="2000" b="0" i="1">
+                                    <a:latin typeface="Cambria Math" panose="02040503050406030204" pitchFamily="18" charset="0"/>
+                                  </a:rPr>
+                                  <m:t>𝑥</m:t>
+                                </m:r>
+                              </m:e>
+                              <m:sub>
+                                <m:r>
+                                  <a:rPr lang="fr-FR" sz="2000" b="0" i="1" smtClean="0">
+                                    <a:latin typeface="Cambria Math" panose="02040503050406030204" pitchFamily="18" charset="0"/>
+                                  </a:rPr>
+                                  <m:t>0</m:t>
+                                </m:r>
+                              </m:sub>
+                            </m:sSub>
+                          </m:e>
+                        </m:acc>
+                      </m:oMath>
+                    </m:oMathPara>
+                  </a14:m>
+                  <a:endParaRPr lang="fr-FR" sz="2000" dirty="0"/>
+                </a:p>
+              </p:txBody>
+            </p:sp>
+          </mc:Choice>
+          <mc:Fallback>
+            <p:sp>
+              <p:nvSpPr>
+                <p:cNvPr id="39" name="ZoneTexte 38">
+                  <a:extLst>
+                    <a:ext uri="{FF2B5EF4-FFF2-40B4-BE49-F238E27FC236}">
+                      <a16:creationId xmlns:a16="http://schemas.microsoft.com/office/drawing/2014/main" id="{443A028D-E922-FA80-A9D4-B2BADDFC68E0}"/>
+                    </a:ext>
+                  </a:extLst>
+                </p:cNvPr>
+                <p:cNvSpPr txBox="1">
+                  <a:spLocks noRot="1" noChangeAspect="1" noMove="1" noResize="1" noEditPoints="1" noAdjustHandles="1" noChangeArrowheads="1" noChangeShapeType="1" noTextEdit="1"/>
+                </p:cNvSpPr>
+                <p:nvPr/>
+              </p:nvSpPr>
+              <p:spPr>
+                <a:xfrm>
+                  <a:off x="8327143" y="1831093"/>
+                  <a:ext cx="311111" cy="307777"/>
+                </a:xfrm>
+                <a:prstGeom prst="rect">
+                  <a:avLst/>
+                </a:prstGeom>
+                <a:blipFill>
+                  <a:blip r:embed="rId7"/>
+                  <a:stretch>
+                    <a:fillRect l="-11765" r="-7843" b="-15686"/>
+                  </a:stretch>
+                </a:blipFill>
+              </p:spPr>
+              <p:txBody>
+                <a:bodyPr/>
+                <a:lstStyle/>
+                <a:p>
+                  <a:r>
+                    <a:rPr lang="fr-FR">
+                      <a:noFill/>
+                    </a:rPr>
+                    <a:t> </a:t>
+                  </a:r>
+                </a:p>
+              </p:txBody>
+            </p:sp>
+          </mc:Fallback>
+        </mc:AlternateContent>
+        <mc:AlternateContent xmlns:mc="http://schemas.openxmlformats.org/markup-compatibility/2006">
+          <mc:Choice xmlns:a14="http://schemas.microsoft.com/office/drawing/2010/main" Requires="a14">
+            <p:sp>
+              <p:nvSpPr>
+                <p:cNvPr id="40" name="ZoneTexte 39">
+                  <a:extLst>
+                    <a:ext uri="{FF2B5EF4-FFF2-40B4-BE49-F238E27FC236}">
+                      <a16:creationId xmlns:a16="http://schemas.microsoft.com/office/drawing/2014/main" id="{77D0CFEF-59E5-F5D6-F604-952DE9517BEE}"/>
+                    </a:ext>
+                  </a:extLst>
+                </p:cNvPr>
+                <p:cNvSpPr txBox="1"/>
+                <p:nvPr/>
+              </p:nvSpPr>
+              <p:spPr>
+                <a:xfrm>
+                  <a:off x="6647143" y="156572"/>
+                  <a:ext cx="313867" cy="307777"/>
+                </a:xfrm>
+                <a:prstGeom prst="rect">
+                  <a:avLst/>
+                </a:prstGeom>
+                <a:noFill/>
+              </p:spPr>
+              <p:txBody>
+                <a:bodyPr wrap="none" lIns="0" tIns="0" rIns="0" bIns="0" rtlCol="0">
+                  <a:spAutoFit/>
+                </a:bodyPr>
+                <a:lstStyle/>
+                <a:p>
+                  <a14:m>
+                    <m:oMathPara xmlns:m="http://schemas.openxmlformats.org/officeDocument/2006/math">
+                      <m:oMathParaPr>
+                        <m:jc m:val="centerGroup"/>
+                      </m:oMathParaPr>
+                      <m:oMath xmlns:m="http://schemas.openxmlformats.org/officeDocument/2006/math">
+                        <m:acc>
+                          <m:accPr>
+                            <m:chr m:val="⃗"/>
+                            <m:ctrlPr>
+                              <a:rPr lang="fr-FR" sz="2000" i="1" smtClean="0">
+                                <a:latin typeface="Cambria Math" panose="02040503050406030204" pitchFamily="18" charset="0"/>
+                              </a:rPr>
+                            </m:ctrlPr>
+                          </m:accPr>
+                          <m:e>
+                            <m:sSub>
+                              <m:sSubPr>
+                                <m:ctrlPr>
+                                  <a:rPr lang="fr-FR" sz="2000" i="1">
+                                    <a:latin typeface="Cambria Math" panose="02040503050406030204" pitchFamily="18" charset="0"/>
+                                  </a:rPr>
+                                </m:ctrlPr>
+                              </m:sSubPr>
+                              <m:e>
+                                <m:r>
+                                  <a:rPr lang="fr-FR" sz="2000" b="0" i="1" smtClean="0">
+                                    <a:latin typeface="Cambria Math" panose="02040503050406030204" pitchFamily="18" charset="0"/>
+                                  </a:rPr>
+                                  <m:t>𝑦</m:t>
+                                </m:r>
+                              </m:e>
+                              <m:sub>
+                                <m:r>
+                                  <a:rPr lang="fr-FR" sz="2000" b="0" i="1" smtClean="0">
+                                    <a:latin typeface="Cambria Math" panose="02040503050406030204" pitchFamily="18" charset="0"/>
+                                  </a:rPr>
+                                  <m:t>0</m:t>
+                                </m:r>
+                              </m:sub>
+                            </m:sSub>
+                          </m:e>
+                        </m:acc>
+                      </m:oMath>
+                    </m:oMathPara>
+                  </a14:m>
+                  <a:endParaRPr lang="fr-FR" sz="2000" dirty="0"/>
+                </a:p>
+              </p:txBody>
+            </p:sp>
+          </mc:Choice>
+          <mc:Fallback>
+            <p:sp>
+              <p:nvSpPr>
+                <p:cNvPr id="40" name="ZoneTexte 39">
+                  <a:extLst>
+                    <a:ext uri="{FF2B5EF4-FFF2-40B4-BE49-F238E27FC236}">
+                      <a16:creationId xmlns:a16="http://schemas.microsoft.com/office/drawing/2014/main" id="{77D0CFEF-59E5-F5D6-F604-952DE9517BEE}"/>
+                    </a:ext>
+                  </a:extLst>
+                </p:cNvPr>
+                <p:cNvSpPr txBox="1">
+                  <a:spLocks noRot="1" noChangeAspect="1" noMove="1" noResize="1" noEditPoints="1" noAdjustHandles="1" noChangeArrowheads="1" noChangeShapeType="1" noTextEdit="1"/>
+                </p:cNvSpPr>
+                <p:nvPr/>
+              </p:nvSpPr>
+              <p:spPr>
+                <a:xfrm>
+                  <a:off x="6647143" y="156572"/>
+                  <a:ext cx="313867" cy="307777"/>
+                </a:xfrm>
+                <a:prstGeom prst="rect">
+                  <a:avLst/>
+                </a:prstGeom>
+                <a:blipFill>
+                  <a:blip r:embed="rId8"/>
+                  <a:stretch>
+                    <a:fillRect l="-19231" r="-9615" b="-26000"/>
+                  </a:stretch>
+                </a:blipFill>
+              </p:spPr>
+              <p:txBody>
+                <a:bodyPr/>
+                <a:lstStyle/>
+                <a:p>
+                  <a:r>
+                    <a:rPr lang="fr-FR">
+                      <a:noFill/>
+                    </a:rPr>
+                    <a:t> </a:t>
+                  </a:r>
+                </a:p>
+              </p:txBody>
+            </p:sp>
+          </mc:Fallback>
+        </mc:AlternateContent>
+        <p:grpSp>
+          <p:nvGrpSpPr>
+            <p:cNvPr id="41" name="Groupe 40">
+              <a:extLst>
+                <a:ext uri="{FF2B5EF4-FFF2-40B4-BE49-F238E27FC236}">
+                  <a16:creationId xmlns:a16="http://schemas.microsoft.com/office/drawing/2014/main" id="{3EBA5BFB-C42D-4DD9-C41F-809E6EC8CC46}"/>
+                </a:ext>
+              </a:extLst>
+            </p:cNvPr>
+            <p:cNvGrpSpPr/>
+            <p:nvPr/>
+          </p:nvGrpSpPr>
+          <p:grpSpPr>
+            <a:xfrm>
+              <a:off x="6814368" y="544982"/>
+              <a:ext cx="1440000" cy="1440000"/>
+              <a:chOff x="6814368" y="544982"/>
+              <a:chExt cx="1440000" cy="1440000"/>
+            </a:xfrm>
+          </p:grpSpPr>
+          <p:cxnSp>
+            <p:nvCxnSpPr>
+              <p:cNvPr id="50" name="Connecteur droit 49">
+                <a:extLst>
+                  <a:ext uri="{FF2B5EF4-FFF2-40B4-BE49-F238E27FC236}">
+                    <a16:creationId xmlns:a16="http://schemas.microsoft.com/office/drawing/2014/main" id="{99935A2E-32B6-1DBD-69D7-FC7C9C59F640}"/>
+                  </a:ext>
+                </a:extLst>
+              </p:cNvPr>
+              <p:cNvCxnSpPr>
+                <a:cxnSpLocks/>
+              </p:cNvCxnSpPr>
+              <p:nvPr/>
+            </p:nvCxnSpPr>
+            <p:spPr>
+              <a:xfrm rot="5400000" flipV="1">
+                <a:off x="7534368" y="1264982"/>
+                <a:ext cx="0" cy="1440000"/>
+              </a:xfrm>
+              <a:prstGeom prst="line">
+                <a:avLst/>
+              </a:prstGeom>
+              <a:noFill/>
+              <a:ln w="12700">
+                <a:solidFill>
+                  <a:schemeClr val="tx1">
+                    <a:lumMod val="50000"/>
+                    <a:lumOff val="50000"/>
+                  </a:schemeClr>
+                </a:solidFill>
+                <a:tailEnd type="stealth" w="med" len="lg"/>
+              </a:ln>
+            </p:spPr>
+            <p:style>
+              <a:lnRef idx="2">
+                <a:schemeClr val="accent1">
+                  <a:shade val="50000"/>
+                </a:schemeClr>
+              </a:lnRef>
+              <a:fillRef idx="1">
+                <a:schemeClr val="accent1"/>
+              </a:fillRef>
+              <a:effectRef idx="0">
+                <a:schemeClr val="accent1"/>
+              </a:effectRef>
+              <a:fontRef idx="minor">
+                <a:schemeClr val="lt1"/>
+              </a:fontRef>
+            </p:style>
+          </p:cxnSp>
+          <p:cxnSp>
+            <p:nvCxnSpPr>
+              <p:cNvPr id="51" name="Connecteur droit 50">
+                <a:extLst>
+                  <a:ext uri="{FF2B5EF4-FFF2-40B4-BE49-F238E27FC236}">
+                    <a16:creationId xmlns:a16="http://schemas.microsoft.com/office/drawing/2014/main" id="{DCCD8894-49D8-3389-8C81-5151D0BFCDF7}"/>
+                  </a:ext>
+                </a:extLst>
+              </p:cNvPr>
+              <p:cNvCxnSpPr>
+                <a:cxnSpLocks/>
+              </p:cNvCxnSpPr>
+              <p:nvPr/>
+            </p:nvCxnSpPr>
+            <p:spPr>
+              <a:xfrm flipV="1">
+                <a:off x="6817636" y="544982"/>
+                <a:ext cx="0" cy="1440000"/>
+              </a:xfrm>
+              <a:prstGeom prst="line">
+                <a:avLst/>
+              </a:prstGeom>
+              <a:noFill/>
+              <a:ln w="12700">
+                <a:solidFill>
+                  <a:schemeClr val="tx1">
+                    <a:lumMod val="50000"/>
+                    <a:lumOff val="50000"/>
+                  </a:schemeClr>
+                </a:solidFill>
+                <a:tailEnd type="stealth" w="med" len="lg"/>
+              </a:ln>
+            </p:spPr>
+            <p:style>
+              <a:lnRef idx="2">
+                <a:schemeClr val="accent1">
+                  <a:shade val="50000"/>
+                </a:schemeClr>
+              </a:lnRef>
+              <a:fillRef idx="1">
+                <a:schemeClr val="accent1"/>
+              </a:fillRef>
+              <a:effectRef idx="0">
+                <a:schemeClr val="accent1"/>
+              </a:effectRef>
+              <a:fontRef idx="minor">
+                <a:schemeClr val="lt1"/>
+              </a:fontRef>
+            </p:style>
+          </p:cxnSp>
+        </p:grpSp>
+        <p:grpSp>
+          <p:nvGrpSpPr>
+            <p:cNvPr id="42" name="Groupe 41">
+              <a:extLst>
+                <a:ext uri="{FF2B5EF4-FFF2-40B4-BE49-F238E27FC236}">
+                  <a16:creationId xmlns:a16="http://schemas.microsoft.com/office/drawing/2014/main" id="{3AC3E7D2-DB19-4B48-61CC-1569C3960A4B}"/>
+                </a:ext>
+              </a:extLst>
+            </p:cNvPr>
+            <p:cNvGrpSpPr/>
+            <p:nvPr/>
+          </p:nvGrpSpPr>
+          <p:grpSpPr>
+            <a:xfrm rot="20700000">
+              <a:off x="6604818" y="383165"/>
+              <a:ext cx="1440000" cy="1440000"/>
+              <a:chOff x="6814368" y="544982"/>
+              <a:chExt cx="1440000" cy="1440000"/>
+            </a:xfrm>
+          </p:grpSpPr>
+          <p:cxnSp>
+            <p:nvCxnSpPr>
+              <p:cNvPr id="48" name="Connecteur droit 47">
+                <a:extLst>
+                  <a:ext uri="{FF2B5EF4-FFF2-40B4-BE49-F238E27FC236}">
+                    <a16:creationId xmlns:a16="http://schemas.microsoft.com/office/drawing/2014/main" id="{04987494-8A49-5E94-9A6B-D13238AFA437}"/>
+                  </a:ext>
+                </a:extLst>
+              </p:cNvPr>
+              <p:cNvCxnSpPr>
+                <a:cxnSpLocks/>
+              </p:cNvCxnSpPr>
+              <p:nvPr/>
+            </p:nvCxnSpPr>
+            <p:spPr>
+              <a:xfrm rot="5400000" flipV="1">
+                <a:off x="7534368" y="1264982"/>
+                <a:ext cx="0" cy="1440000"/>
+              </a:xfrm>
+              <a:prstGeom prst="line">
+                <a:avLst/>
+              </a:prstGeom>
+              <a:noFill/>
+              <a:ln w="12700">
+                <a:solidFill>
+                  <a:schemeClr val="accent6"/>
+                </a:solidFill>
+                <a:tailEnd type="stealth" w="med" len="lg"/>
+              </a:ln>
+            </p:spPr>
+            <p:style>
+              <a:lnRef idx="2">
+                <a:schemeClr val="accent1">
+                  <a:shade val="50000"/>
+                </a:schemeClr>
+              </a:lnRef>
+              <a:fillRef idx="1">
+                <a:schemeClr val="accent1"/>
+              </a:fillRef>
+              <a:effectRef idx="0">
+                <a:schemeClr val="accent1"/>
+              </a:effectRef>
+              <a:fontRef idx="minor">
+                <a:schemeClr val="lt1"/>
+              </a:fontRef>
+            </p:style>
+          </p:cxnSp>
+          <p:cxnSp>
+            <p:nvCxnSpPr>
+              <p:cNvPr id="49" name="Connecteur droit 48">
+                <a:extLst>
+                  <a:ext uri="{FF2B5EF4-FFF2-40B4-BE49-F238E27FC236}">
+                    <a16:creationId xmlns:a16="http://schemas.microsoft.com/office/drawing/2014/main" id="{A7A3DEB0-7883-A5D1-5849-E7BEACB9FCED}"/>
+                  </a:ext>
+                </a:extLst>
+              </p:cNvPr>
+              <p:cNvCxnSpPr>
+                <a:cxnSpLocks/>
+              </p:cNvCxnSpPr>
+              <p:nvPr/>
+            </p:nvCxnSpPr>
+            <p:spPr>
+              <a:xfrm flipV="1">
+                <a:off x="6817636" y="544982"/>
+                <a:ext cx="0" cy="1440000"/>
+              </a:xfrm>
+              <a:prstGeom prst="line">
+                <a:avLst/>
+              </a:prstGeom>
+              <a:noFill/>
+              <a:ln w="12700">
+                <a:solidFill>
+                  <a:schemeClr val="accent6"/>
+                </a:solidFill>
+                <a:tailEnd type="stealth" w="med" len="lg"/>
+              </a:ln>
+            </p:spPr>
+            <p:style>
+              <a:lnRef idx="2">
+                <a:schemeClr val="accent1">
+                  <a:shade val="50000"/>
+                </a:schemeClr>
+              </a:lnRef>
+              <a:fillRef idx="1">
+                <a:schemeClr val="accent1"/>
+              </a:fillRef>
+              <a:effectRef idx="0">
+                <a:schemeClr val="accent1"/>
+              </a:effectRef>
+              <a:fontRef idx="minor">
+                <a:schemeClr val="lt1"/>
+              </a:fontRef>
+            </p:style>
+          </p:cxnSp>
+        </p:grpSp>
+        <p:sp>
+          <p:nvSpPr>
+            <p:cNvPr id="43" name="Ellipse 42">
+              <a:extLst>
+                <a:ext uri="{FF2B5EF4-FFF2-40B4-BE49-F238E27FC236}">
+                  <a16:creationId xmlns:a16="http://schemas.microsoft.com/office/drawing/2014/main" id="{E7EB9670-950C-6EBF-0C3F-9F8E967CAF63}"/>
+                </a:ext>
+              </a:extLst>
+            </p:cNvPr>
+            <p:cNvSpPr/>
+            <p:nvPr/>
+          </p:nvSpPr>
+          <p:spPr>
+            <a:xfrm>
+              <a:off x="6733011" y="1910575"/>
+              <a:ext cx="180000" cy="180000"/>
+            </a:xfrm>
+            <a:prstGeom prst="ellipse">
+              <a:avLst/>
+            </a:prstGeom>
+            <a:solidFill>
+              <a:schemeClr val="bg1"/>
+            </a:solidFill>
+            <a:ln>
+              <a:solidFill>
+                <a:schemeClr val="tx1"/>
+              </a:solidFill>
+            </a:ln>
+          </p:spPr>
+          <p:style>
+            <a:lnRef idx="2">
+              <a:schemeClr val="accent1">
+                <a:shade val="50000"/>
+              </a:schemeClr>
+            </a:lnRef>
+            <a:fillRef idx="1">
+              <a:schemeClr val="accent1"/>
+            </a:fillRef>
+            <a:effectRef idx="0">
+              <a:schemeClr val="accent1"/>
+            </a:effectRef>
+            <a:fontRef idx="minor">
+              <a:schemeClr val="lt1"/>
+            </a:fontRef>
+          </p:style>
+          <p:txBody>
+            <a:bodyPr rtlCol="0" anchor="ctr"/>
+            <a:lstStyle/>
+            <a:p>
+              <a:pPr algn="ctr"/>
+              <a:endParaRPr lang="fr-FR"/>
+            </a:p>
+          </p:txBody>
+        </p:sp>
+        <p:sp>
+          <p:nvSpPr>
+            <p:cNvPr id="44" name="Ellipse 43">
+              <a:extLst>
+                <a:ext uri="{FF2B5EF4-FFF2-40B4-BE49-F238E27FC236}">
+                  <a16:creationId xmlns:a16="http://schemas.microsoft.com/office/drawing/2014/main" id="{E2F306BF-5B91-6CA5-FA7F-8D3CF2C31A1F}"/>
+                </a:ext>
+              </a:extLst>
+            </p:cNvPr>
+            <p:cNvSpPr/>
+            <p:nvPr/>
+          </p:nvSpPr>
+          <p:spPr>
+            <a:xfrm>
+              <a:off x="6787011" y="1964575"/>
+              <a:ext cx="72000" cy="72000"/>
+            </a:xfrm>
+            <a:prstGeom prst="ellipse">
+              <a:avLst/>
+            </a:prstGeom>
+            <a:solidFill>
+              <a:schemeClr val="tx1"/>
+            </a:solidFill>
+            <a:ln>
+              <a:solidFill>
+                <a:schemeClr val="tx1"/>
+              </a:solidFill>
+            </a:ln>
+          </p:spPr>
+          <p:style>
+            <a:lnRef idx="2">
+              <a:schemeClr val="accent1">
+                <a:shade val="50000"/>
+              </a:schemeClr>
+            </a:lnRef>
+            <a:fillRef idx="1">
+              <a:schemeClr val="accent1"/>
+            </a:fillRef>
+            <a:effectRef idx="0">
+              <a:schemeClr val="accent1"/>
+            </a:effectRef>
+            <a:fontRef idx="minor">
+              <a:schemeClr val="lt1"/>
+            </a:fontRef>
+          </p:style>
+          <p:txBody>
+            <a:bodyPr rtlCol="0" anchor="ctr"/>
+            <a:lstStyle/>
+            <a:p>
+              <a:pPr algn="ctr"/>
+              <a:endParaRPr lang="fr-FR"/>
+            </a:p>
+          </p:txBody>
+        </p:sp>
+        <mc:AlternateContent xmlns:mc="http://schemas.openxmlformats.org/markup-compatibility/2006">
+          <mc:Choice xmlns:a14="http://schemas.microsoft.com/office/drawing/2010/main" Requires="a14">
+            <p:sp>
+              <p:nvSpPr>
+                <p:cNvPr id="45" name="ZoneTexte 44">
+                  <a:extLst>
+                    <a:ext uri="{FF2B5EF4-FFF2-40B4-BE49-F238E27FC236}">
+                      <a16:creationId xmlns:a16="http://schemas.microsoft.com/office/drawing/2014/main" id="{54DB347F-5E84-B814-318B-8FAD2A84BD45}"/>
+                    </a:ext>
+                  </a:extLst>
+                </p:cNvPr>
+                <p:cNvSpPr txBox="1"/>
+                <p:nvPr/>
+              </p:nvSpPr>
+              <p:spPr>
+                <a:xfrm>
+                  <a:off x="8327143" y="1288669"/>
+                  <a:ext cx="305148" cy="307777"/>
+                </a:xfrm>
+                <a:prstGeom prst="rect">
+                  <a:avLst/>
+                </a:prstGeom>
+                <a:noFill/>
+              </p:spPr>
+              <p:txBody>
+                <a:bodyPr wrap="none" lIns="0" tIns="0" rIns="0" bIns="0" rtlCol="0">
+                  <a:spAutoFit/>
+                </a:bodyPr>
+                <a:lstStyle/>
+                <a:p>
+                  <a14:m>
+                    <m:oMathPara xmlns:m="http://schemas.openxmlformats.org/officeDocument/2006/math">
+                      <m:oMathParaPr>
+                        <m:jc m:val="centerGroup"/>
+                      </m:oMathParaPr>
+                      <m:oMath xmlns:m="http://schemas.openxmlformats.org/officeDocument/2006/math">
+                        <m:acc>
+                          <m:accPr>
+                            <m:chr m:val="⃗"/>
+                            <m:ctrlPr>
+                              <a:rPr lang="fr-FR" sz="2000" i="1" smtClean="0">
+                                <a:latin typeface="Cambria Math" panose="02040503050406030204" pitchFamily="18" charset="0"/>
+                              </a:rPr>
+                            </m:ctrlPr>
+                          </m:accPr>
+                          <m:e>
+                            <m:sSub>
+                              <m:sSubPr>
+                                <m:ctrlPr>
+                                  <a:rPr lang="fr-FR" sz="2000" i="1">
+                                    <a:latin typeface="Cambria Math" panose="02040503050406030204" pitchFamily="18" charset="0"/>
+                                  </a:rPr>
+                                </m:ctrlPr>
+                              </m:sSubPr>
+                              <m:e>
+                                <m:r>
+                                  <a:rPr lang="fr-FR" sz="2000" b="0" i="1">
+                                    <a:latin typeface="Cambria Math" panose="02040503050406030204" pitchFamily="18" charset="0"/>
+                                  </a:rPr>
+                                  <m:t>𝑥</m:t>
+                                </m:r>
+                              </m:e>
+                              <m:sub>
+                                <m:r>
+                                  <a:rPr lang="fr-FR" sz="2000" b="0" i="1" smtClean="0">
+                                    <a:latin typeface="Cambria Math" panose="02040503050406030204" pitchFamily="18" charset="0"/>
+                                  </a:rPr>
+                                  <m:t>1</m:t>
+                                </m:r>
+                              </m:sub>
+                            </m:sSub>
+                          </m:e>
+                        </m:acc>
+                      </m:oMath>
+                    </m:oMathPara>
+                  </a14:m>
+                  <a:endParaRPr lang="fr-FR" sz="2000" dirty="0"/>
+                </a:p>
+              </p:txBody>
+            </p:sp>
+          </mc:Choice>
+          <mc:Fallback>
+            <p:sp>
+              <p:nvSpPr>
+                <p:cNvPr id="45" name="ZoneTexte 44">
+                  <a:extLst>
+                    <a:ext uri="{FF2B5EF4-FFF2-40B4-BE49-F238E27FC236}">
+                      <a16:creationId xmlns:a16="http://schemas.microsoft.com/office/drawing/2014/main" id="{54DB347F-5E84-B814-318B-8FAD2A84BD45}"/>
+                    </a:ext>
+                  </a:extLst>
+                </p:cNvPr>
+                <p:cNvSpPr txBox="1">
+                  <a:spLocks noRot="1" noChangeAspect="1" noMove="1" noResize="1" noEditPoints="1" noAdjustHandles="1" noChangeArrowheads="1" noChangeShapeType="1" noTextEdit="1"/>
+                </p:cNvSpPr>
+                <p:nvPr/>
+              </p:nvSpPr>
+              <p:spPr>
+                <a:xfrm>
+                  <a:off x="8327143" y="1288669"/>
+                  <a:ext cx="305148" cy="307777"/>
+                </a:xfrm>
+                <a:prstGeom prst="rect">
+                  <a:avLst/>
+                </a:prstGeom>
+                <a:blipFill>
+                  <a:blip r:embed="rId9"/>
+                  <a:stretch>
+                    <a:fillRect l="-12000" r="-8000" b="-13725"/>
+                  </a:stretch>
+                </a:blipFill>
+              </p:spPr>
+              <p:txBody>
+                <a:bodyPr/>
+                <a:lstStyle/>
+                <a:p>
+                  <a:r>
+                    <a:rPr lang="fr-FR">
+                      <a:noFill/>
+                    </a:rPr>
+                    <a:t> </a:t>
+                  </a:r>
+                </a:p>
+              </p:txBody>
+            </p:sp>
+          </mc:Fallback>
+        </mc:AlternateContent>
+        <mc:AlternateContent xmlns:mc="http://schemas.openxmlformats.org/markup-compatibility/2006">
+          <mc:Choice xmlns:a14="http://schemas.microsoft.com/office/drawing/2010/main" Requires="a14">
+            <p:sp>
+              <p:nvSpPr>
+                <p:cNvPr id="46" name="ZoneTexte 45">
+                  <a:extLst>
+                    <a:ext uri="{FF2B5EF4-FFF2-40B4-BE49-F238E27FC236}">
+                      <a16:creationId xmlns:a16="http://schemas.microsoft.com/office/drawing/2014/main" id="{729DF63B-EB16-783F-2ED5-C18DD11D6B9F}"/>
+                    </a:ext>
+                  </a:extLst>
+                </p:cNvPr>
+                <p:cNvSpPr txBox="1"/>
+                <p:nvPr/>
+              </p:nvSpPr>
+              <p:spPr>
+                <a:xfrm>
+                  <a:off x="6230404" y="157077"/>
+                  <a:ext cx="307905" cy="307777"/>
+                </a:xfrm>
+                <a:prstGeom prst="rect">
+                  <a:avLst/>
+                </a:prstGeom>
+                <a:noFill/>
+              </p:spPr>
+              <p:txBody>
+                <a:bodyPr wrap="none" lIns="0" tIns="0" rIns="0" bIns="0" rtlCol="0">
+                  <a:spAutoFit/>
+                </a:bodyPr>
+                <a:lstStyle/>
+                <a:p>
+                  <a14:m>
+                    <m:oMathPara xmlns:m="http://schemas.openxmlformats.org/officeDocument/2006/math">
+                      <m:oMathParaPr>
+                        <m:jc m:val="centerGroup"/>
+                      </m:oMathParaPr>
+                      <m:oMath xmlns:m="http://schemas.openxmlformats.org/officeDocument/2006/math">
+                        <m:acc>
+                          <m:accPr>
+                            <m:chr m:val="⃗"/>
+                            <m:ctrlPr>
+                              <a:rPr lang="fr-FR" sz="2000" i="1" smtClean="0">
+                                <a:latin typeface="Cambria Math" panose="02040503050406030204" pitchFamily="18" charset="0"/>
+                              </a:rPr>
+                            </m:ctrlPr>
+                          </m:accPr>
+                          <m:e>
+                            <m:sSub>
+                              <m:sSubPr>
+                                <m:ctrlPr>
+                                  <a:rPr lang="fr-FR" sz="2000" i="1">
+                                    <a:latin typeface="Cambria Math" panose="02040503050406030204" pitchFamily="18" charset="0"/>
+                                  </a:rPr>
+                                </m:ctrlPr>
+                              </m:sSubPr>
+                              <m:e>
+                                <m:r>
+                                  <a:rPr lang="fr-FR" sz="2000" b="0" i="1" smtClean="0">
+                                    <a:latin typeface="Cambria Math" panose="02040503050406030204" pitchFamily="18" charset="0"/>
+                                  </a:rPr>
+                                  <m:t>𝑦</m:t>
+                                </m:r>
+                              </m:e>
+                              <m:sub>
+                                <m:r>
+                                  <a:rPr lang="fr-FR" sz="2000" b="0" i="1" smtClean="0">
+                                    <a:latin typeface="Cambria Math" panose="02040503050406030204" pitchFamily="18" charset="0"/>
+                                  </a:rPr>
+                                  <m:t>1</m:t>
+                                </m:r>
+                              </m:sub>
+                            </m:sSub>
+                          </m:e>
+                        </m:acc>
+                      </m:oMath>
+                    </m:oMathPara>
+                  </a14:m>
+                  <a:endParaRPr lang="fr-FR" sz="2000" dirty="0"/>
+                </a:p>
+              </p:txBody>
+            </p:sp>
+          </mc:Choice>
+          <mc:Fallback>
+            <p:sp>
+              <p:nvSpPr>
+                <p:cNvPr id="46" name="ZoneTexte 45">
+                  <a:extLst>
+                    <a:ext uri="{FF2B5EF4-FFF2-40B4-BE49-F238E27FC236}">
+                      <a16:creationId xmlns:a16="http://schemas.microsoft.com/office/drawing/2014/main" id="{729DF63B-EB16-783F-2ED5-C18DD11D6B9F}"/>
+                    </a:ext>
+                  </a:extLst>
+                </p:cNvPr>
+                <p:cNvSpPr txBox="1">
+                  <a:spLocks noRot="1" noChangeAspect="1" noMove="1" noResize="1" noEditPoints="1" noAdjustHandles="1" noChangeArrowheads="1" noChangeShapeType="1" noTextEdit="1"/>
+                </p:cNvSpPr>
+                <p:nvPr/>
+              </p:nvSpPr>
+              <p:spPr>
+                <a:xfrm>
+                  <a:off x="6230404" y="157077"/>
+                  <a:ext cx="307905" cy="307777"/>
+                </a:xfrm>
+                <a:prstGeom prst="rect">
+                  <a:avLst/>
+                </a:prstGeom>
+                <a:blipFill>
+                  <a:blip r:embed="rId10"/>
+                  <a:stretch>
+                    <a:fillRect l="-20000" r="-10000" b="-26000"/>
+                  </a:stretch>
+                </a:blipFill>
+              </p:spPr>
+              <p:txBody>
+                <a:bodyPr/>
+                <a:lstStyle/>
+                <a:p>
+                  <a:r>
+                    <a:rPr lang="fr-FR">
+                      <a:noFill/>
+                    </a:rPr>
+                    <a:t> </a:t>
+                  </a:r>
+                </a:p>
+              </p:txBody>
+            </p:sp>
+          </mc:Fallback>
+        </mc:AlternateContent>
+        <mc:AlternateContent xmlns:mc="http://schemas.openxmlformats.org/markup-compatibility/2006">
+          <mc:Choice xmlns:a14="http://schemas.microsoft.com/office/drawing/2010/main" Requires="a14">
+            <p:sp>
+              <p:nvSpPr>
+                <p:cNvPr id="47" name="ZoneTexte 46">
+                  <a:extLst>
+                    <a:ext uri="{FF2B5EF4-FFF2-40B4-BE49-F238E27FC236}">
+                      <a16:creationId xmlns:a16="http://schemas.microsoft.com/office/drawing/2014/main" id="{7ED84821-0774-6481-67DE-FFC9AED5601E}"/>
+                    </a:ext>
+                  </a:extLst>
+                </p:cNvPr>
+                <p:cNvSpPr txBox="1"/>
+                <p:nvPr/>
+              </p:nvSpPr>
+              <p:spPr>
+                <a:xfrm>
+                  <a:off x="7630940" y="1304504"/>
+                  <a:ext cx="311111" cy="307777"/>
+                </a:xfrm>
+                <a:prstGeom prst="rect">
+                  <a:avLst/>
+                </a:prstGeom>
+                <a:noFill/>
+              </p:spPr>
+              <p:txBody>
+                <a:bodyPr wrap="square" lIns="0" tIns="0" rIns="0" bIns="0" rtlCol="0">
+                  <a:spAutoFit/>
+                </a:bodyPr>
+                <a:lstStyle/>
+                <a:p>
+                  <a14:m>
+                    <m:oMathPara xmlns:m="http://schemas.openxmlformats.org/officeDocument/2006/math">
+                      <m:oMathParaPr>
+                        <m:jc m:val="centerGroup"/>
+                      </m:oMathParaPr>
+                      <m:oMath xmlns:m="http://schemas.openxmlformats.org/officeDocument/2006/math">
+                        <m:r>
+                          <a:rPr lang="fr-FR" sz="2000" i="1" smtClean="0">
+                            <a:latin typeface="Cambria Math" panose="02040503050406030204" pitchFamily="18" charset="0"/>
+                          </a:rPr>
+                          <m:t>𝜑</m:t>
+                        </m:r>
+                      </m:oMath>
+                    </m:oMathPara>
+                  </a14:m>
+                  <a:endParaRPr lang="fr-FR" sz="2000" dirty="0"/>
+                </a:p>
+              </p:txBody>
+            </p:sp>
+          </mc:Choice>
+          <mc:Fallback>
+            <p:sp>
+              <p:nvSpPr>
+                <p:cNvPr id="47" name="ZoneTexte 46">
+                  <a:extLst>
+                    <a:ext uri="{FF2B5EF4-FFF2-40B4-BE49-F238E27FC236}">
+                      <a16:creationId xmlns:a16="http://schemas.microsoft.com/office/drawing/2014/main" id="{7ED84821-0774-6481-67DE-FFC9AED5601E}"/>
+                    </a:ext>
+                  </a:extLst>
+                </p:cNvPr>
+                <p:cNvSpPr txBox="1">
+                  <a:spLocks noRot="1" noChangeAspect="1" noMove="1" noResize="1" noEditPoints="1" noAdjustHandles="1" noChangeArrowheads="1" noChangeShapeType="1" noTextEdit="1"/>
+                </p:cNvSpPr>
+                <p:nvPr/>
+              </p:nvSpPr>
+              <p:spPr>
+                <a:xfrm>
+                  <a:off x="7630940" y="1304504"/>
+                  <a:ext cx="311111" cy="307777"/>
+                </a:xfrm>
+                <a:prstGeom prst="rect">
+                  <a:avLst/>
+                </a:prstGeom>
+                <a:blipFill>
+                  <a:blip r:embed="rId11"/>
+                  <a:stretch>
+                    <a:fillRect l="-7843" r="-5882" b="-26000"/>
+                  </a:stretch>
+                </a:blipFill>
+              </p:spPr>
+              <p:txBody>
+                <a:bodyPr/>
+                <a:lstStyle/>
+                <a:p>
+                  <a:r>
+                    <a:rPr lang="fr-FR">
+                      <a:noFill/>
+                    </a:rPr>
+                    <a:t> </a:t>
+                  </a:r>
+                </a:p>
+              </p:txBody>
+            </p:sp>
+          </mc:Fallback>
+        </mc:AlternateContent>
+      </p:grpSp>
+      <p:sp>
+        <p:nvSpPr>
+          <p:cNvPr id="54" name="Arc 53">
+            <a:extLst>
+              <a:ext uri="{FF2B5EF4-FFF2-40B4-BE49-F238E27FC236}">
+                <a16:creationId xmlns:a16="http://schemas.microsoft.com/office/drawing/2014/main" id="{8D4F2DEC-9735-75E1-08CC-4A301A78A310}"/>
+              </a:ext>
+            </a:extLst>
+          </p:cNvPr>
+          <p:cNvSpPr/>
+          <p:nvPr/>
+        </p:nvSpPr>
+        <p:spPr>
+          <a:xfrm>
+            <a:off x="5652734" y="2968508"/>
+            <a:ext cx="2340000" cy="2340000"/>
+          </a:xfrm>
+          <a:prstGeom prst="arc">
+            <a:avLst>
+              <a:gd name="adj1" fmla="val 20736182"/>
+              <a:gd name="adj2" fmla="val 0"/>
+            </a:avLst>
+          </a:prstGeom>
+          <a:ln>
+            <a:solidFill>
+              <a:schemeClr val="tx1">
+                <a:lumMod val="50000"/>
+                <a:lumOff val="50000"/>
+              </a:schemeClr>
+            </a:solidFill>
+            <a:headEnd type="stealth" w="med" len="lg"/>
+            <a:tailEnd type="none" w="med" len="lg"/>
+          </a:ln>
+        </p:spPr>
+        <p:style>
+          <a:lnRef idx="1">
+            <a:schemeClr val="accent1"/>
+          </a:lnRef>
+          <a:fillRef idx="0">
+            <a:schemeClr val="accent1"/>
+          </a:fillRef>
+          <a:effectRef idx="0">
+            <a:schemeClr val="accent1"/>
+          </a:effectRef>
+          <a:fontRef idx="minor">
+            <a:schemeClr val="tx1"/>
+          </a:fontRef>
+        </p:style>
+        <p:txBody>
+          <a:bodyPr rtlCol="0" anchor="ctr"/>
+          <a:lstStyle/>
+          <a:p>
+            <a:pPr algn="ctr"/>
+            <a:endParaRPr lang="fr-FR"/>
+          </a:p>
+        </p:txBody>
+      </p:sp>
+    </p:spTree>
+    <p:extLst>
+      <p:ext uri="{BB962C8B-B14F-4D97-AF65-F5344CB8AC3E}">
+        <p14:creationId xmlns:p14="http://schemas.microsoft.com/office/powerpoint/2010/main" val="1913712010"/>
       </p:ext>
     </p:extLst>
   </p:cSld>

--- a/TP_Geometrie_RobotDelta2D/Figures.pptx
+++ b/TP_Geometrie_RobotDelta2D/Figures.pptx
@@ -274,7 +274,7 @@
           <a:p>
             <a:fld id="{E89B7495-721A-440C-B815-4617627ED71C}" type="datetimeFigureOut">
               <a:rPr lang="fr-FR" smtClean="0"/>
-              <a:t>11/06/2022</a:t>
+              <a:t>12/06/2022</a:t>
             </a:fld>
             <a:endParaRPr lang="fr-FR"/>
           </a:p>
@@ -472,7 +472,7 @@
           <a:p>
             <a:fld id="{E89B7495-721A-440C-B815-4617627ED71C}" type="datetimeFigureOut">
               <a:rPr lang="fr-FR" smtClean="0"/>
-              <a:t>11/06/2022</a:t>
+              <a:t>12/06/2022</a:t>
             </a:fld>
             <a:endParaRPr lang="fr-FR"/>
           </a:p>
@@ -680,7 +680,7 @@
           <a:p>
             <a:fld id="{E89B7495-721A-440C-B815-4617627ED71C}" type="datetimeFigureOut">
               <a:rPr lang="fr-FR" smtClean="0"/>
-              <a:t>11/06/2022</a:t>
+              <a:t>12/06/2022</a:t>
             </a:fld>
             <a:endParaRPr lang="fr-FR"/>
           </a:p>
@@ -878,7 +878,7 @@
           <a:p>
             <a:fld id="{E89B7495-721A-440C-B815-4617627ED71C}" type="datetimeFigureOut">
               <a:rPr lang="fr-FR" smtClean="0"/>
-              <a:t>11/06/2022</a:t>
+              <a:t>12/06/2022</a:t>
             </a:fld>
             <a:endParaRPr lang="fr-FR"/>
           </a:p>
@@ -1183,7 +1183,7 @@
           <a:p>
             <a:fld id="{E89B7495-721A-440C-B815-4617627ED71C}" type="datetimeFigureOut">
               <a:rPr lang="fr-FR" smtClean="0"/>
-              <a:t>11/06/2022</a:t>
+              <a:t>12/06/2022</a:t>
             </a:fld>
             <a:endParaRPr lang="fr-FR"/>
           </a:p>
@@ -1448,7 +1448,7 @@
           <a:p>
             <a:fld id="{E89B7495-721A-440C-B815-4617627ED71C}" type="datetimeFigureOut">
               <a:rPr lang="fr-FR" smtClean="0"/>
-              <a:t>11/06/2022</a:t>
+              <a:t>12/06/2022</a:t>
             </a:fld>
             <a:endParaRPr lang="fr-FR"/>
           </a:p>
@@ -1860,7 +1860,7 @@
           <a:p>
             <a:fld id="{E89B7495-721A-440C-B815-4617627ED71C}" type="datetimeFigureOut">
               <a:rPr lang="fr-FR" smtClean="0"/>
-              <a:t>11/06/2022</a:t>
+              <a:t>12/06/2022</a:t>
             </a:fld>
             <a:endParaRPr lang="fr-FR"/>
           </a:p>
@@ -2001,7 +2001,7 @@
           <a:p>
             <a:fld id="{E89B7495-721A-440C-B815-4617627ED71C}" type="datetimeFigureOut">
               <a:rPr lang="fr-FR" smtClean="0"/>
-              <a:t>11/06/2022</a:t>
+              <a:t>12/06/2022</a:t>
             </a:fld>
             <a:endParaRPr lang="fr-FR"/>
           </a:p>
@@ -2114,7 +2114,7 @@
           <a:p>
             <a:fld id="{E89B7495-721A-440C-B815-4617627ED71C}" type="datetimeFigureOut">
               <a:rPr lang="fr-FR" smtClean="0"/>
-              <a:t>11/06/2022</a:t>
+              <a:t>12/06/2022</a:t>
             </a:fld>
             <a:endParaRPr lang="fr-FR"/>
           </a:p>
@@ -2425,7 +2425,7 @@
           <a:p>
             <a:fld id="{E89B7495-721A-440C-B815-4617627ED71C}" type="datetimeFigureOut">
               <a:rPr lang="fr-FR" smtClean="0"/>
-              <a:t>11/06/2022</a:t>
+              <a:t>12/06/2022</a:t>
             </a:fld>
             <a:endParaRPr lang="fr-FR"/>
           </a:p>
@@ -2713,7 +2713,7 @@
           <a:p>
             <a:fld id="{E89B7495-721A-440C-B815-4617627ED71C}" type="datetimeFigureOut">
               <a:rPr lang="fr-FR" smtClean="0"/>
-              <a:t>11/06/2022</a:t>
+              <a:t>12/06/2022</a:t>
             </a:fld>
             <a:endParaRPr lang="fr-FR"/>
           </a:p>
@@ -2954,7 +2954,7 @@
           <a:p>
             <a:fld id="{E89B7495-721A-440C-B815-4617627ED71C}" type="datetimeFigureOut">
               <a:rPr lang="fr-FR" smtClean="0"/>
-              <a:t>11/06/2022</a:t>
+              <a:t>12/06/2022</a:t>
             </a:fld>
             <a:endParaRPr lang="fr-FR"/>
           </a:p>
@@ -5015,8 +5015,8 @@
           </a:fontRef>
         </p:style>
       </p:cxnSp>
-      <mc:AlternateContent xmlns:mc="http://schemas.openxmlformats.org/markup-compatibility/2006">
-        <mc:Choice xmlns:a14="http://schemas.microsoft.com/office/drawing/2010/main" Requires="a14">
+      <mc:AlternateContent xmlns:mc="http://schemas.openxmlformats.org/markup-compatibility/2006" xmlns:a14="http://schemas.microsoft.com/office/drawing/2010/main">
+        <mc:Choice Requires="a14">
           <p:sp>
             <p:nvSpPr>
               <p:cNvPr id="2" name="ZoneTexte 1">
@@ -5045,6 +5045,7 @@
               </a:bodyPr>
               <a:lstStyle/>
               <a:p>
+                <a:pPr/>
                 <a14:m>
                   <m:oMathPara xmlns:m="http://schemas.openxmlformats.org/officeDocument/2006/math">
                     <m:oMathParaPr>
@@ -5065,7 +5066,7 @@
             </p:txBody>
           </p:sp>
         </mc:Choice>
-        <mc:Fallback>
+        <mc:Fallback xmlns="">
           <p:sp>
             <p:nvSpPr>
               <p:cNvPr id="2" name="ZoneTexte 1">
@@ -5110,8 +5111,8 @@
           </p:sp>
         </mc:Fallback>
       </mc:AlternateContent>
-      <mc:AlternateContent xmlns:mc="http://schemas.openxmlformats.org/markup-compatibility/2006">
-        <mc:Choice xmlns:a14="http://schemas.microsoft.com/office/drawing/2010/main" Requires="a14">
+      <mc:AlternateContent xmlns:mc="http://schemas.openxmlformats.org/markup-compatibility/2006" xmlns:a14="http://schemas.microsoft.com/office/drawing/2010/main">
+        <mc:Choice Requires="a14">
           <p:sp>
             <p:nvSpPr>
               <p:cNvPr id="27" name="ZoneTexte 26">
@@ -5140,6 +5141,7 @@
               </a:bodyPr>
               <a:lstStyle/>
               <a:p>
+                <a:pPr/>
                 <a14:m>
                   <m:oMathPara xmlns:m="http://schemas.openxmlformats.org/officeDocument/2006/math">
                     <m:oMathParaPr>
@@ -5160,7 +5162,7 @@
             </p:txBody>
           </p:sp>
         </mc:Choice>
-        <mc:Fallback>
+        <mc:Fallback xmlns="">
           <p:sp>
             <p:nvSpPr>
               <p:cNvPr id="27" name="ZoneTexte 26">
@@ -5205,8 +5207,8 @@
           </p:sp>
         </mc:Fallback>
       </mc:AlternateContent>
-      <mc:AlternateContent xmlns:mc="http://schemas.openxmlformats.org/markup-compatibility/2006">
-        <mc:Choice xmlns:a14="http://schemas.microsoft.com/office/drawing/2010/main" Requires="a14">
+      <mc:AlternateContent xmlns:mc="http://schemas.openxmlformats.org/markup-compatibility/2006" xmlns:a14="http://schemas.microsoft.com/office/drawing/2010/main">
+        <mc:Choice Requires="a14">
           <p:sp>
             <p:nvSpPr>
               <p:cNvPr id="29" name="ZoneTexte 28">
@@ -5235,6 +5237,7 @@
               </a:bodyPr>
               <a:lstStyle/>
               <a:p>
+                <a:pPr/>
                 <a14:m>
                   <m:oMathPara xmlns:m="http://schemas.openxmlformats.org/officeDocument/2006/math">
                     <m:oMathParaPr>
@@ -5255,7 +5258,7 @@
             </p:txBody>
           </p:sp>
         </mc:Choice>
-        <mc:Fallback>
+        <mc:Fallback xmlns="">
           <p:sp>
             <p:nvSpPr>
               <p:cNvPr id="29" name="ZoneTexte 28">
@@ -5300,8 +5303,8 @@
           </p:sp>
         </mc:Fallback>
       </mc:AlternateContent>
-      <mc:AlternateContent xmlns:mc="http://schemas.openxmlformats.org/markup-compatibility/2006">
-        <mc:Choice xmlns:a14="http://schemas.microsoft.com/office/drawing/2010/main" Requires="a14">
+      <mc:AlternateContent xmlns:mc="http://schemas.openxmlformats.org/markup-compatibility/2006" xmlns:a14="http://schemas.microsoft.com/office/drawing/2010/main">
+        <mc:Choice Requires="a14">
           <p:sp>
             <p:nvSpPr>
               <p:cNvPr id="30" name="ZoneTexte 29">
@@ -5330,6 +5333,7 @@
               </a:bodyPr>
               <a:lstStyle/>
               <a:p>
+                <a:pPr/>
                 <a14:m>
                   <m:oMathPara xmlns:m="http://schemas.openxmlformats.org/officeDocument/2006/math">
                     <m:oMathParaPr>
@@ -5350,7 +5354,7 @@
             </p:txBody>
           </p:sp>
         </mc:Choice>
-        <mc:Fallback>
+        <mc:Fallback xmlns="">
           <p:sp>
             <p:nvSpPr>
               <p:cNvPr id="30" name="ZoneTexte 29">
@@ -5395,8 +5399,8 @@
           </p:sp>
         </mc:Fallback>
       </mc:AlternateContent>
-      <mc:AlternateContent xmlns:mc="http://schemas.openxmlformats.org/markup-compatibility/2006">
-        <mc:Choice xmlns:a14="http://schemas.microsoft.com/office/drawing/2010/main" Requires="a14">
+      <mc:AlternateContent xmlns:mc="http://schemas.openxmlformats.org/markup-compatibility/2006" xmlns:a14="http://schemas.microsoft.com/office/drawing/2010/main">
+        <mc:Choice Requires="a14">
           <p:sp>
             <p:nvSpPr>
               <p:cNvPr id="32" name="ZoneTexte 31">
@@ -5425,6 +5429,7 @@
               </a:bodyPr>
               <a:lstStyle/>
               <a:p>
+                <a:pPr/>
                 <a14:m>
                   <m:oMathPara xmlns:m="http://schemas.openxmlformats.org/officeDocument/2006/math">
                     <m:oMathParaPr>
@@ -5445,7 +5450,7 @@
             </p:txBody>
           </p:sp>
         </mc:Choice>
-        <mc:Fallback>
+        <mc:Fallback xmlns="">
           <p:sp>
             <p:nvSpPr>
               <p:cNvPr id="32" name="ZoneTexte 31">
@@ -5490,8 +5495,8 @@
           </p:sp>
         </mc:Fallback>
       </mc:AlternateContent>
-      <mc:AlternateContent xmlns:mc="http://schemas.openxmlformats.org/markup-compatibility/2006">
-        <mc:Choice xmlns:a14="http://schemas.microsoft.com/office/drawing/2010/main" Requires="a14">
+      <mc:AlternateContent xmlns:mc="http://schemas.openxmlformats.org/markup-compatibility/2006" xmlns:a14="http://schemas.microsoft.com/office/drawing/2010/main">
+        <mc:Choice Requires="a14">
           <p:sp>
             <p:nvSpPr>
               <p:cNvPr id="33" name="ZoneTexte 32">
@@ -5520,6 +5525,7 @@
               </a:bodyPr>
               <a:lstStyle/>
               <a:p>
+                <a:pPr/>
                 <a14:m>
                   <m:oMathPara xmlns:m="http://schemas.openxmlformats.org/officeDocument/2006/math">
                     <m:oMathParaPr>
@@ -5540,7 +5546,7 @@
             </p:txBody>
           </p:sp>
         </mc:Choice>
-        <mc:Fallback>
+        <mc:Fallback xmlns="">
           <p:sp>
             <p:nvSpPr>
               <p:cNvPr id="33" name="ZoneTexte 32">
@@ -5585,8 +5591,8 @@
           </p:sp>
         </mc:Fallback>
       </mc:AlternateContent>
-      <mc:AlternateContent xmlns:mc="http://schemas.openxmlformats.org/markup-compatibility/2006">
-        <mc:Choice xmlns:a14="http://schemas.microsoft.com/office/drawing/2010/main" Requires="a14">
+      <mc:AlternateContent xmlns:mc="http://schemas.openxmlformats.org/markup-compatibility/2006" xmlns:a14="http://schemas.microsoft.com/office/drawing/2010/main">
+        <mc:Choice Requires="a14">
           <p:sp>
             <p:nvSpPr>
               <p:cNvPr id="34" name="ZoneTexte 33">
@@ -5615,6 +5621,7 @@
               </a:bodyPr>
               <a:lstStyle/>
               <a:p>
+                <a:pPr/>
                 <a14:m>
                   <m:oMathPara xmlns:m="http://schemas.openxmlformats.org/officeDocument/2006/math">
                     <m:oMathParaPr>
@@ -5635,7 +5642,7 @@
             </p:txBody>
           </p:sp>
         </mc:Choice>
-        <mc:Fallback>
+        <mc:Fallback xmlns="">
           <p:sp>
             <p:nvSpPr>
               <p:cNvPr id="34" name="ZoneTexte 33">
@@ -5680,8 +5687,8 @@
           </p:sp>
         </mc:Fallback>
       </mc:AlternateContent>
-      <mc:AlternateContent xmlns:mc="http://schemas.openxmlformats.org/markup-compatibility/2006">
-        <mc:Choice xmlns:a14="http://schemas.microsoft.com/office/drawing/2010/main" Requires="a14">
+      <mc:AlternateContent xmlns:mc="http://schemas.openxmlformats.org/markup-compatibility/2006" xmlns:a14="http://schemas.microsoft.com/office/drawing/2010/main">
+        <mc:Choice Requires="a14">
           <p:sp>
             <p:nvSpPr>
               <p:cNvPr id="35" name="ZoneTexte 34">
@@ -5710,6 +5717,7 @@
               </a:bodyPr>
               <a:lstStyle/>
               <a:p>
+                <a:pPr/>
                 <a14:m>
                   <m:oMathPara xmlns:m="http://schemas.openxmlformats.org/officeDocument/2006/math">
                     <m:oMathParaPr>
@@ -5730,7 +5738,7 @@
             </p:txBody>
           </p:sp>
         </mc:Choice>
-        <mc:Fallback>
+        <mc:Fallback xmlns="">
           <p:sp>
             <p:nvSpPr>
               <p:cNvPr id="35" name="ZoneTexte 34">
@@ -5775,8 +5783,8 @@
           </p:sp>
         </mc:Fallback>
       </mc:AlternateContent>
-      <mc:AlternateContent xmlns:mc="http://schemas.openxmlformats.org/markup-compatibility/2006">
-        <mc:Choice xmlns:a14="http://schemas.microsoft.com/office/drawing/2010/main" Requires="a14">
+      <mc:AlternateContent xmlns:mc="http://schemas.openxmlformats.org/markup-compatibility/2006" xmlns:a14="http://schemas.microsoft.com/office/drawing/2010/main">
+        <mc:Choice Requires="a14">
           <p:sp>
             <p:nvSpPr>
               <p:cNvPr id="37" name="ZoneTexte 36">
@@ -5805,6 +5813,7 @@
               </a:bodyPr>
               <a:lstStyle/>
               <a:p>
+                <a:pPr/>
                 <a14:m>
                   <m:oMathPara xmlns:m="http://schemas.openxmlformats.org/officeDocument/2006/math">
                     <m:oMathParaPr>
@@ -5825,7 +5834,7 @@
             </p:txBody>
           </p:sp>
         </mc:Choice>
-        <mc:Fallback>
+        <mc:Fallback xmlns="">
           <p:sp>
             <p:nvSpPr>
               <p:cNvPr id="37" name="ZoneTexte 36">
@@ -5870,8 +5879,8 @@
           </p:sp>
         </mc:Fallback>
       </mc:AlternateContent>
-      <mc:AlternateContent xmlns:mc="http://schemas.openxmlformats.org/markup-compatibility/2006">
-        <mc:Choice xmlns:a14="http://schemas.microsoft.com/office/drawing/2010/main" Requires="a14">
+      <mc:AlternateContent xmlns:mc="http://schemas.openxmlformats.org/markup-compatibility/2006" xmlns:a14="http://schemas.microsoft.com/office/drawing/2010/main">
+        <mc:Choice Requires="a14">
           <p:sp>
             <p:nvSpPr>
               <p:cNvPr id="38" name="ZoneTexte 37">
@@ -5900,6 +5909,7 @@
               </a:bodyPr>
               <a:lstStyle/>
               <a:p>
+                <a:pPr/>
                 <a14:m>
                   <m:oMathPara xmlns:m="http://schemas.openxmlformats.org/officeDocument/2006/math">
                     <m:oMathParaPr>
@@ -5920,7 +5930,7 @@
             </p:txBody>
           </p:sp>
         </mc:Choice>
-        <mc:Fallback>
+        <mc:Fallback xmlns="">
           <p:sp>
             <p:nvSpPr>
               <p:cNvPr id="38" name="ZoneTexte 37">
@@ -7344,8 +7354,8 @@
           </a:fontRef>
         </p:style>
       </p:cxnSp>
-      <mc:AlternateContent xmlns:mc="http://schemas.openxmlformats.org/markup-compatibility/2006">
-        <mc:Choice xmlns:a14="http://schemas.microsoft.com/office/drawing/2010/main" Requires="a14">
+      <mc:AlternateContent xmlns:mc="http://schemas.openxmlformats.org/markup-compatibility/2006" xmlns:a14="http://schemas.microsoft.com/office/drawing/2010/main">
+        <mc:Choice Requires="a14">
           <p:sp>
             <p:nvSpPr>
               <p:cNvPr id="27" name="ZoneTexte 26">
@@ -7374,6 +7384,7 @@
               </a:bodyPr>
               <a:lstStyle/>
               <a:p>
+                <a:pPr/>
                 <a14:m>
                   <m:oMathPara xmlns:m="http://schemas.openxmlformats.org/officeDocument/2006/math">
                     <m:oMathParaPr>
@@ -7394,7 +7405,7 @@
             </p:txBody>
           </p:sp>
         </mc:Choice>
-        <mc:Fallback>
+        <mc:Fallback xmlns="">
           <p:sp>
             <p:nvSpPr>
               <p:cNvPr id="27" name="ZoneTexte 26">
@@ -7439,8 +7450,8 @@
           </p:sp>
         </mc:Fallback>
       </mc:AlternateContent>
-      <mc:AlternateContent xmlns:mc="http://schemas.openxmlformats.org/markup-compatibility/2006">
-        <mc:Choice xmlns:a14="http://schemas.microsoft.com/office/drawing/2010/main" Requires="a14">
+      <mc:AlternateContent xmlns:mc="http://schemas.openxmlformats.org/markup-compatibility/2006" xmlns:a14="http://schemas.microsoft.com/office/drawing/2010/main">
+        <mc:Choice Requires="a14">
           <p:sp>
             <p:nvSpPr>
               <p:cNvPr id="29" name="ZoneTexte 28">
@@ -7469,6 +7480,7 @@
               </a:bodyPr>
               <a:lstStyle/>
               <a:p>
+                <a:pPr/>
                 <a14:m>
                   <m:oMathPara xmlns:m="http://schemas.openxmlformats.org/officeDocument/2006/math">
                     <m:oMathParaPr>
@@ -7489,7 +7501,7 @@
             </p:txBody>
           </p:sp>
         </mc:Choice>
-        <mc:Fallback>
+        <mc:Fallback xmlns="">
           <p:sp>
             <p:nvSpPr>
               <p:cNvPr id="29" name="ZoneTexte 28">
@@ -7534,8 +7546,8 @@
           </p:sp>
         </mc:Fallback>
       </mc:AlternateContent>
-      <mc:AlternateContent xmlns:mc="http://schemas.openxmlformats.org/markup-compatibility/2006">
-        <mc:Choice xmlns:a14="http://schemas.microsoft.com/office/drawing/2010/main" Requires="a14">
+      <mc:AlternateContent xmlns:mc="http://schemas.openxmlformats.org/markup-compatibility/2006" xmlns:a14="http://schemas.microsoft.com/office/drawing/2010/main">
+        <mc:Choice Requires="a14">
           <p:sp>
             <p:nvSpPr>
               <p:cNvPr id="30" name="ZoneTexte 29">
@@ -7564,6 +7576,7 @@
               </a:bodyPr>
               <a:lstStyle/>
               <a:p>
+                <a:pPr/>
                 <a14:m>
                   <m:oMathPara xmlns:m="http://schemas.openxmlformats.org/officeDocument/2006/math">
                     <m:oMathParaPr>
@@ -7584,7 +7597,7 @@
             </p:txBody>
           </p:sp>
         </mc:Choice>
-        <mc:Fallback>
+        <mc:Fallback xmlns="">
           <p:sp>
             <p:nvSpPr>
               <p:cNvPr id="30" name="ZoneTexte 29">
@@ -7629,8 +7642,8 @@
           </p:sp>
         </mc:Fallback>
       </mc:AlternateContent>
-      <mc:AlternateContent xmlns:mc="http://schemas.openxmlformats.org/markup-compatibility/2006">
-        <mc:Choice xmlns:a14="http://schemas.microsoft.com/office/drawing/2010/main" Requires="a14">
+      <mc:AlternateContent xmlns:mc="http://schemas.openxmlformats.org/markup-compatibility/2006" xmlns:a14="http://schemas.microsoft.com/office/drawing/2010/main">
+        <mc:Choice Requires="a14">
           <p:sp>
             <p:nvSpPr>
               <p:cNvPr id="32" name="ZoneTexte 31">
@@ -7659,6 +7672,7 @@
               </a:bodyPr>
               <a:lstStyle/>
               <a:p>
+                <a:pPr/>
                 <a14:m>
                   <m:oMathPara xmlns:m="http://schemas.openxmlformats.org/officeDocument/2006/math">
                     <m:oMathParaPr>
@@ -7679,7 +7693,7 @@
             </p:txBody>
           </p:sp>
         </mc:Choice>
-        <mc:Fallback>
+        <mc:Fallback xmlns="">
           <p:sp>
             <p:nvSpPr>
               <p:cNvPr id="32" name="ZoneTexte 31">
@@ -7724,8 +7738,8 @@
           </p:sp>
         </mc:Fallback>
       </mc:AlternateContent>
-      <mc:AlternateContent xmlns:mc="http://schemas.openxmlformats.org/markup-compatibility/2006">
-        <mc:Choice xmlns:a14="http://schemas.microsoft.com/office/drawing/2010/main" Requires="a14">
+      <mc:AlternateContent xmlns:mc="http://schemas.openxmlformats.org/markup-compatibility/2006" xmlns:a14="http://schemas.microsoft.com/office/drawing/2010/main">
+        <mc:Choice Requires="a14">
           <p:sp>
             <p:nvSpPr>
               <p:cNvPr id="33" name="ZoneTexte 32">
@@ -7754,6 +7768,7 @@
               </a:bodyPr>
               <a:lstStyle/>
               <a:p>
+                <a:pPr/>
                 <a14:m>
                   <m:oMathPara xmlns:m="http://schemas.openxmlformats.org/officeDocument/2006/math">
                     <m:oMathParaPr>
@@ -7774,7 +7789,7 @@
             </p:txBody>
           </p:sp>
         </mc:Choice>
-        <mc:Fallback>
+        <mc:Fallback xmlns="">
           <p:sp>
             <p:nvSpPr>
               <p:cNvPr id="33" name="ZoneTexte 32">
@@ -7819,8 +7834,8 @@
           </p:sp>
         </mc:Fallback>
       </mc:AlternateContent>
-      <mc:AlternateContent xmlns:mc="http://schemas.openxmlformats.org/markup-compatibility/2006">
-        <mc:Choice xmlns:a14="http://schemas.microsoft.com/office/drawing/2010/main" Requires="a14">
+      <mc:AlternateContent xmlns:mc="http://schemas.openxmlformats.org/markup-compatibility/2006" xmlns:a14="http://schemas.microsoft.com/office/drawing/2010/main">
+        <mc:Choice Requires="a14">
           <p:sp>
             <p:nvSpPr>
               <p:cNvPr id="34" name="ZoneTexte 33">
@@ -7849,6 +7864,7 @@
               </a:bodyPr>
               <a:lstStyle/>
               <a:p>
+                <a:pPr/>
                 <a14:m>
                   <m:oMathPara xmlns:m="http://schemas.openxmlformats.org/officeDocument/2006/math">
                     <m:oMathParaPr>
@@ -7869,7 +7885,7 @@
             </p:txBody>
           </p:sp>
         </mc:Choice>
-        <mc:Fallback>
+        <mc:Fallback xmlns="">
           <p:sp>
             <p:nvSpPr>
               <p:cNvPr id="34" name="ZoneTexte 33">
@@ -7914,8 +7930,8 @@
           </p:sp>
         </mc:Fallback>
       </mc:AlternateContent>
-      <mc:AlternateContent xmlns:mc="http://schemas.openxmlformats.org/markup-compatibility/2006">
-        <mc:Choice xmlns:a14="http://schemas.microsoft.com/office/drawing/2010/main" Requires="a14">
+      <mc:AlternateContent xmlns:mc="http://schemas.openxmlformats.org/markup-compatibility/2006" xmlns:a14="http://schemas.microsoft.com/office/drawing/2010/main">
+        <mc:Choice Requires="a14">
           <p:sp>
             <p:nvSpPr>
               <p:cNvPr id="35" name="ZoneTexte 34">
@@ -7944,6 +7960,7 @@
               </a:bodyPr>
               <a:lstStyle/>
               <a:p>
+                <a:pPr/>
                 <a14:m>
                   <m:oMathPara xmlns:m="http://schemas.openxmlformats.org/officeDocument/2006/math">
                     <m:oMathParaPr>
@@ -7964,7 +7981,7 @@
             </p:txBody>
           </p:sp>
         </mc:Choice>
-        <mc:Fallback>
+        <mc:Fallback xmlns="">
           <p:sp>
             <p:nvSpPr>
               <p:cNvPr id="35" name="ZoneTexte 34">
@@ -8009,8 +8026,8 @@
           </p:sp>
         </mc:Fallback>
       </mc:AlternateContent>
-      <mc:AlternateContent xmlns:mc="http://schemas.openxmlformats.org/markup-compatibility/2006">
-        <mc:Choice xmlns:a14="http://schemas.microsoft.com/office/drawing/2010/main" Requires="a14">
+      <mc:AlternateContent xmlns:mc="http://schemas.openxmlformats.org/markup-compatibility/2006" xmlns:a14="http://schemas.microsoft.com/office/drawing/2010/main">
+        <mc:Choice Requires="a14">
           <p:sp>
             <p:nvSpPr>
               <p:cNvPr id="37" name="ZoneTexte 36">
@@ -8039,6 +8056,7 @@
               </a:bodyPr>
               <a:lstStyle/>
               <a:p>
+                <a:pPr/>
                 <a14:m>
                   <m:oMathPara xmlns:m="http://schemas.openxmlformats.org/officeDocument/2006/math">
                     <m:oMathParaPr>
@@ -8059,7 +8077,7 @@
             </p:txBody>
           </p:sp>
         </mc:Choice>
-        <mc:Fallback>
+        <mc:Fallback xmlns="">
           <p:sp>
             <p:nvSpPr>
               <p:cNvPr id="37" name="ZoneTexte 36">
@@ -8104,8 +8122,8 @@
           </p:sp>
         </mc:Fallback>
       </mc:AlternateContent>
-      <mc:AlternateContent xmlns:mc="http://schemas.openxmlformats.org/markup-compatibility/2006">
-        <mc:Choice xmlns:a14="http://schemas.microsoft.com/office/drawing/2010/main" Requires="a14">
+      <mc:AlternateContent xmlns:mc="http://schemas.openxmlformats.org/markup-compatibility/2006" xmlns:a14="http://schemas.microsoft.com/office/drawing/2010/main">
+        <mc:Choice Requires="a14">
           <p:sp>
             <p:nvSpPr>
               <p:cNvPr id="38" name="ZoneTexte 37">
@@ -8134,6 +8152,7 @@
               </a:bodyPr>
               <a:lstStyle/>
               <a:p>
+                <a:pPr/>
                 <a14:m>
                   <m:oMathPara xmlns:m="http://schemas.openxmlformats.org/officeDocument/2006/math">
                     <m:oMathParaPr>
@@ -8154,7 +8173,7 @@
             </p:txBody>
           </p:sp>
         </mc:Choice>
-        <mc:Fallback>
+        <mc:Fallback xmlns="">
           <p:sp>
             <p:nvSpPr>
               <p:cNvPr id="38" name="ZoneTexte 37">
@@ -8246,8 +8265,8 @@
           </a:fontRef>
         </p:style>
       </p:cxnSp>
-      <mc:AlternateContent xmlns:mc="http://schemas.openxmlformats.org/markup-compatibility/2006">
-        <mc:Choice xmlns:a14="http://schemas.microsoft.com/office/drawing/2010/main" Requires="a14">
+      <mc:AlternateContent xmlns:mc="http://schemas.openxmlformats.org/markup-compatibility/2006" xmlns:a14="http://schemas.microsoft.com/office/drawing/2010/main">
+        <mc:Choice Requires="a14">
           <p:sp>
             <p:nvSpPr>
               <p:cNvPr id="41" name="ZoneTexte 40">
@@ -8276,6 +8295,7 @@
               </a:bodyPr>
               <a:lstStyle/>
               <a:p>
+                <a:pPr/>
                 <a14:m>
                   <m:oMathPara xmlns:m="http://schemas.openxmlformats.org/officeDocument/2006/math">
                     <m:oMathParaPr>
@@ -8296,7 +8316,7 @@
             </p:txBody>
           </p:sp>
         </mc:Choice>
-        <mc:Fallback>
+        <mc:Fallback xmlns="">
           <p:sp>
             <p:nvSpPr>
               <p:cNvPr id="41" name="ZoneTexte 40">
@@ -8934,8 +8954,8 @@
           </a:fontRef>
         </p:style>
       </p:cxnSp>
-      <mc:AlternateContent xmlns:mc="http://schemas.openxmlformats.org/markup-compatibility/2006">
-        <mc:Choice xmlns:a14="http://schemas.microsoft.com/office/drawing/2010/main" Requires="a14">
+      <mc:AlternateContent xmlns:mc="http://schemas.openxmlformats.org/markup-compatibility/2006" xmlns:a14="http://schemas.microsoft.com/office/drawing/2010/main">
+        <mc:Choice Requires="a14">
           <p:sp>
             <p:nvSpPr>
               <p:cNvPr id="57" name="ZoneTexte 56">
@@ -8964,6 +8984,7 @@
               </a:bodyPr>
               <a:lstStyle/>
               <a:p>
+                <a:pPr/>
                 <a14:m>
                   <m:oMathPara xmlns:m="http://schemas.openxmlformats.org/officeDocument/2006/math">
                     <m:oMathParaPr>
@@ -9021,7 +9042,7 @@
             </p:txBody>
           </p:sp>
         </mc:Choice>
-        <mc:Fallback>
+        <mc:Fallback xmlns="">
           <p:sp>
             <p:nvSpPr>
               <p:cNvPr id="57" name="ZoneTexte 56">
@@ -9167,8 +9188,8 @@
           </a:p>
         </p:txBody>
       </p:sp>
-      <mc:AlternateContent xmlns:mc="http://schemas.openxmlformats.org/markup-compatibility/2006">
-        <mc:Choice xmlns:a14="http://schemas.microsoft.com/office/drawing/2010/main" Requires="a14">
+      <mc:AlternateContent xmlns:mc="http://schemas.openxmlformats.org/markup-compatibility/2006" xmlns:a14="http://schemas.microsoft.com/office/drawing/2010/main">
+        <mc:Choice Requires="a14">
           <p:sp>
             <p:nvSpPr>
               <p:cNvPr id="64" name="ZoneTexte 63">
@@ -9197,6 +9218,7 @@
               </a:bodyPr>
               <a:lstStyle/>
               <a:p>
+                <a:pPr/>
                 <a14:m>
                   <m:oMathPara xmlns:m="http://schemas.openxmlformats.org/officeDocument/2006/math">
                     <m:oMathParaPr>
@@ -9248,7 +9270,7 @@
             </p:txBody>
           </p:sp>
         </mc:Choice>
-        <mc:Fallback>
+        <mc:Fallback xmlns="">
           <p:sp>
             <p:nvSpPr>
               <p:cNvPr id="64" name="ZoneTexte 63">
@@ -9387,8 +9409,8 @@
           </a:fontRef>
         </p:style>
       </p:cxnSp>
-      <mc:AlternateContent xmlns:mc="http://schemas.openxmlformats.org/markup-compatibility/2006">
-        <mc:Choice xmlns:a14="http://schemas.microsoft.com/office/drawing/2010/main" Requires="a14">
+      <mc:AlternateContent xmlns:mc="http://schemas.openxmlformats.org/markup-compatibility/2006" xmlns:a14="http://schemas.microsoft.com/office/drawing/2010/main">
+        <mc:Choice Requires="a14">
           <p:sp>
             <p:nvSpPr>
               <p:cNvPr id="68" name="ZoneTexte 67">
@@ -9417,6 +9439,7 @@
               </a:bodyPr>
               <a:lstStyle/>
               <a:p>
+                <a:pPr/>
                 <a14:m>
                   <m:oMathPara xmlns:m="http://schemas.openxmlformats.org/officeDocument/2006/math">
                     <m:oMathParaPr>
@@ -9437,7 +9460,7 @@
             </p:txBody>
           </p:sp>
         </mc:Choice>
-        <mc:Fallback>
+        <mc:Fallback xmlns="">
           <p:sp>
             <p:nvSpPr>
               <p:cNvPr id="68" name="ZoneTexte 67">
@@ -9529,8 +9552,8 @@
           </a:fontRef>
         </p:style>
       </p:cxnSp>
-      <mc:AlternateContent xmlns:mc="http://schemas.openxmlformats.org/markup-compatibility/2006">
-        <mc:Choice xmlns:a14="http://schemas.microsoft.com/office/drawing/2010/main" Requires="a14">
+      <mc:AlternateContent xmlns:mc="http://schemas.openxmlformats.org/markup-compatibility/2006" xmlns:a14="http://schemas.microsoft.com/office/drawing/2010/main">
+        <mc:Choice Requires="a14">
           <p:sp>
             <p:nvSpPr>
               <p:cNvPr id="73" name="ZoneTexte 72">
@@ -9559,6 +9582,7 @@
               </a:bodyPr>
               <a:lstStyle/>
               <a:p>
+                <a:pPr/>
                 <a14:m>
                   <m:oMathPara xmlns:m="http://schemas.openxmlformats.org/officeDocument/2006/math">
                     <m:oMathParaPr>
@@ -9610,7 +9634,7 @@
             </p:txBody>
           </p:sp>
         </mc:Choice>
-        <mc:Fallback>
+        <mc:Fallback xmlns="">
           <p:sp>
             <p:nvSpPr>
               <p:cNvPr id="73" name="ZoneTexte 72">
@@ -9702,8 +9726,8 @@
           </a:fontRef>
         </p:style>
       </p:cxnSp>
-      <mc:AlternateContent xmlns:mc="http://schemas.openxmlformats.org/markup-compatibility/2006">
-        <mc:Choice xmlns:a14="http://schemas.microsoft.com/office/drawing/2010/main" Requires="a14">
+      <mc:AlternateContent xmlns:mc="http://schemas.openxmlformats.org/markup-compatibility/2006" xmlns:a14="http://schemas.microsoft.com/office/drawing/2010/main">
+        <mc:Choice Requires="a14">
           <p:sp>
             <p:nvSpPr>
               <p:cNvPr id="78" name="ZoneTexte 77">
@@ -9732,6 +9756,7 @@
               </a:bodyPr>
               <a:lstStyle/>
               <a:p>
+                <a:pPr/>
                 <a14:m>
                   <m:oMathPara xmlns:m="http://schemas.openxmlformats.org/officeDocument/2006/math">
                     <m:oMathParaPr>
@@ -9783,7 +9808,7 @@
             </p:txBody>
           </p:sp>
         </mc:Choice>
-        <mc:Fallback>
+        <mc:Fallback xmlns="">
           <p:sp>
             <p:nvSpPr>
               <p:cNvPr id="78" name="ZoneTexte 77">
@@ -9828,8 +9853,8 @@
           </p:sp>
         </mc:Fallback>
       </mc:AlternateContent>
-      <mc:AlternateContent xmlns:mc="http://schemas.openxmlformats.org/markup-compatibility/2006">
-        <mc:Choice xmlns:a14="http://schemas.microsoft.com/office/drawing/2010/main" Requires="a14">
+      <mc:AlternateContent xmlns:mc="http://schemas.openxmlformats.org/markup-compatibility/2006" xmlns:a14="http://schemas.microsoft.com/office/drawing/2010/main">
+        <mc:Choice Requires="a14">
           <p:sp>
             <p:nvSpPr>
               <p:cNvPr id="82" name="ZoneTexte 81">
@@ -9858,6 +9883,7 @@
               </a:bodyPr>
               <a:lstStyle/>
               <a:p>
+                <a:pPr/>
                 <a14:m>
                   <m:oMathPara xmlns:m="http://schemas.openxmlformats.org/officeDocument/2006/math">
                     <m:oMathParaPr>
@@ -9915,7 +9941,7 @@
             </p:txBody>
           </p:sp>
         </mc:Choice>
-        <mc:Fallback>
+        <mc:Fallback xmlns="">
           <p:sp>
             <p:nvSpPr>
               <p:cNvPr id="82" name="ZoneTexte 81">
@@ -10007,8 +10033,8 @@
           </a:fontRef>
         </p:style>
       </p:cxnSp>
-      <mc:AlternateContent xmlns:mc="http://schemas.openxmlformats.org/markup-compatibility/2006">
-        <mc:Choice xmlns:a14="http://schemas.microsoft.com/office/drawing/2010/main" Requires="a14">
+      <mc:AlternateContent xmlns:mc="http://schemas.openxmlformats.org/markup-compatibility/2006" xmlns:a14="http://schemas.microsoft.com/office/drawing/2010/main">
+        <mc:Choice Requires="a14">
           <p:sp>
             <p:nvSpPr>
               <p:cNvPr id="89" name="ZoneTexte 88">
@@ -10037,6 +10063,7 @@
               </a:bodyPr>
               <a:lstStyle/>
               <a:p>
+                <a:pPr/>
                 <a14:m>
                   <m:oMathPara xmlns:m="http://schemas.openxmlformats.org/officeDocument/2006/math">
                     <m:oMathParaPr>
@@ -10088,7 +10115,7 @@
             </p:txBody>
           </p:sp>
         </mc:Choice>
-        <mc:Fallback>
+        <mc:Fallback xmlns="">
           <p:sp>
             <p:nvSpPr>
               <p:cNvPr id="89" name="ZoneTexte 88">
@@ -10163,56 +10190,6 @@
           <a:chExt cx="0" cy="0"/>
         </a:xfrm>
       </p:grpSpPr>
-      <p:cxnSp>
-        <p:nvCxnSpPr>
-          <p:cNvPr id="4" name="Connecteur droit 3">
-            <a:extLst>
-              <a:ext uri="{FF2B5EF4-FFF2-40B4-BE49-F238E27FC236}">
-                <a16:creationId xmlns:a16="http://schemas.microsoft.com/office/drawing/2014/main" id="{88B94D50-5165-4C03-D8D3-76937359677C}"/>
-              </a:ext>
-            </a:extLst>
-          </p:cNvPr>
-          <p:cNvCxnSpPr>
-            <a:cxnSpLocks/>
-          </p:cNvCxnSpPr>
-          <p:nvPr/>
-        </p:nvCxnSpPr>
-        <p:spPr>
-          <a:xfrm>
-            <a:off x="10984321" y="2728194"/>
-            <a:ext cx="662243" cy="675947"/>
-          </a:xfrm>
-          <a:prstGeom prst="line">
-            <a:avLst/>
-          </a:prstGeom>
-          <a:noFill/>
-          <a:ln w="12700">
-            <a:solidFill>
-              <a:schemeClr val="tx1">
-                <a:lumMod val="50000"/>
-                <a:lumOff val="50000"/>
-              </a:schemeClr>
-            </a:solidFill>
-            <a:tailEnd type="stealth" w="med" len="lg"/>
-          </a:ln>
-        </p:spPr>
-        <p:style>
-          <a:lnRef idx="2">
-            <a:schemeClr val="accent1">
-              <a:shade val="50000"/>
-            </a:schemeClr>
-          </a:lnRef>
-          <a:fillRef idx="1">
-            <a:schemeClr val="accent1"/>
-          </a:fillRef>
-          <a:effectRef idx="0">
-            <a:schemeClr val="accent1"/>
-          </a:effectRef>
-          <a:fontRef idx="minor">
-            <a:schemeClr val="lt1"/>
-          </a:fontRef>
-        </p:style>
-      </p:cxnSp>
       <p:grpSp>
         <p:nvGrpSpPr>
           <p:cNvPr id="52" name="Groupe 51">
@@ -10310,8 +10287,8 @@
               <a:chExt cx="2407850" cy="1982298"/>
             </a:xfrm>
           </p:grpSpPr>
-          <mc:AlternateContent xmlns:mc="http://schemas.openxmlformats.org/markup-compatibility/2006">
-            <mc:Choice xmlns:a14="http://schemas.microsoft.com/office/drawing/2010/main" Requires="a14">
+          <mc:AlternateContent xmlns:mc="http://schemas.openxmlformats.org/markup-compatibility/2006" xmlns:a14="http://schemas.microsoft.com/office/drawing/2010/main">
+            <mc:Choice Requires="a14">
               <p:sp>
                 <p:nvSpPr>
                   <p:cNvPr id="8" name="ZoneTexte 7">
@@ -10340,6 +10317,7 @@
                   </a:bodyPr>
                   <a:lstStyle/>
                   <a:p>
+                    <a:pPr/>
                     <a14:m>
                       <m:oMathPara xmlns:m="http://schemas.openxmlformats.org/officeDocument/2006/math">
                         <m:oMathParaPr>
@@ -10391,7 +10369,7 @@
                 </p:txBody>
               </p:sp>
             </mc:Choice>
-            <mc:Fallback>
+            <mc:Fallback xmlns="">
               <p:sp>
                 <p:nvSpPr>
                   <p:cNvPr id="8" name="ZoneTexte 7">
@@ -10436,8 +10414,8 @@
               </p:sp>
             </mc:Fallback>
           </mc:AlternateContent>
-          <mc:AlternateContent xmlns:mc="http://schemas.openxmlformats.org/markup-compatibility/2006">
-            <mc:Choice xmlns:a14="http://schemas.microsoft.com/office/drawing/2010/main" Requires="a14">
+          <mc:AlternateContent xmlns:mc="http://schemas.openxmlformats.org/markup-compatibility/2006" xmlns:a14="http://schemas.microsoft.com/office/drawing/2010/main">
+            <mc:Choice Requires="a14">
               <p:sp>
                 <p:nvSpPr>
                   <p:cNvPr id="10" name="ZoneTexte 9">
@@ -10466,6 +10444,7 @@
                   </a:bodyPr>
                   <a:lstStyle/>
                   <a:p>
+                    <a:pPr/>
                     <a14:m>
                       <m:oMathPara xmlns:m="http://schemas.openxmlformats.org/officeDocument/2006/math">
                         <m:oMathParaPr>
@@ -10517,7 +10496,7 @@
                 </p:txBody>
               </p:sp>
             </mc:Choice>
-            <mc:Fallback>
+            <mc:Fallback xmlns="">
               <p:sp>
                 <p:nvSpPr>
                   <p:cNvPr id="10" name="ZoneTexte 9">
@@ -10906,8 +10885,8 @@
               </a:p>
             </p:txBody>
           </p:sp>
-          <mc:AlternateContent xmlns:mc="http://schemas.openxmlformats.org/markup-compatibility/2006">
-            <mc:Choice xmlns:a14="http://schemas.microsoft.com/office/drawing/2010/main" Requires="a14">
+          <mc:AlternateContent xmlns:mc="http://schemas.openxmlformats.org/markup-compatibility/2006" xmlns:a14="http://schemas.microsoft.com/office/drawing/2010/main">
+            <mc:Choice Requires="a14">
               <p:sp>
                 <p:nvSpPr>
                   <p:cNvPr id="20" name="ZoneTexte 19">
@@ -10936,6 +10915,7 @@
                   </a:bodyPr>
                   <a:lstStyle/>
                   <a:p>
+                    <a:pPr/>
                     <a14:m>
                       <m:oMathPara xmlns:m="http://schemas.openxmlformats.org/officeDocument/2006/math">
                         <m:oMathParaPr>
@@ -10987,7 +10967,7 @@
                 </p:txBody>
               </p:sp>
             </mc:Choice>
-            <mc:Fallback>
+            <mc:Fallback xmlns="">
               <p:sp>
                 <p:nvSpPr>
                   <p:cNvPr id="20" name="ZoneTexte 19">
@@ -11032,8 +11012,8 @@
               </p:sp>
             </mc:Fallback>
           </mc:AlternateContent>
-          <mc:AlternateContent xmlns:mc="http://schemas.openxmlformats.org/markup-compatibility/2006">
-            <mc:Choice xmlns:a14="http://schemas.microsoft.com/office/drawing/2010/main" Requires="a14">
+          <mc:AlternateContent xmlns:mc="http://schemas.openxmlformats.org/markup-compatibility/2006" xmlns:a14="http://schemas.microsoft.com/office/drawing/2010/main">
+            <mc:Choice Requires="a14">
               <p:sp>
                 <p:nvSpPr>
                   <p:cNvPr id="21" name="ZoneTexte 20">
@@ -11062,6 +11042,7 @@
                   </a:bodyPr>
                   <a:lstStyle/>
                   <a:p>
+                    <a:pPr/>
                     <a14:m>
                       <m:oMathPara xmlns:m="http://schemas.openxmlformats.org/officeDocument/2006/math">
                         <m:oMathParaPr>
@@ -11113,7 +11094,7 @@
                 </p:txBody>
               </p:sp>
             </mc:Choice>
-            <mc:Fallback>
+            <mc:Fallback xmlns="">
               <p:sp>
                 <p:nvSpPr>
                   <p:cNvPr id="21" name="ZoneTexte 20">
@@ -11158,8 +11139,8 @@
               </p:sp>
             </mc:Fallback>
           </mc:AlternateContent>
-          <mc:AlternateContent xmlns:mc="http://schemas.openxmlformats.org/markup-compatibility/2006">
-            <mc:Choice xmlns:a14="http://schemas.microsoft.com/office/drawing/2010/main" Requires="a14">
+          <mc:AlternateContent xmlns:mc="http://schemas.openxmlformats.org/markup-compatibility/2006" xmlns:a14="http://schemas.microsoft.com/office/drawing/2010/main">
+            <mc:Choice Requires="a14">
               <p:sp>
                 <p:nvSpPr>
                   <p:cNvPr id="23" name="ZoneTexte 22">
@@ -11188,6 +11169,7 @@
                   </a:bodyPr>
                   <a:lstStyle/>
                   <a:p>
+                    <a:pPr/>
                     <a14:m>
                       <m:oMathPara xmlns:m="http://schemas.openxmlformats.org/officeDocument/2006/math">
                         <m:oMathParaPr>
@@ -11208,7 +11190,7 @@
                 </p:txBody>
               </p:sp>
             </mc:Choice>
-            <mc:Fallback>
+            <mc:Fallback xmlns="">
               <p:sp>
                 <p:nvSpPr>
                   <p:cNvPr id="23" name="ZoneTexte 22">
@@ -11275,8 +11257,8 @@
             <a:chExt cx="2407850" cy="1982298"/>
           </a:xfrm>
         </p:grpSpPr>
-        <mc:AlternateContent xmlns:mc="http://schemas.openxmlformats.org/markup-compatibility/2006">
-          <mc:Choice xmlns:a14="http://schemas.microsoft.com/office/drawing/2010/main" Requires="a14">
+        <mc:AlternateContent xmlns:mc="http://schemas.openxmlformats.org/markup-compatibility/2006" xmlns:a14="http://schemas.microsoft.com/office/drawing/2010/main">
+          <mc:Choice Requires="a14">
             <p:sp>
               <p:nvSpPr>
                 <p:cNvPr id="39" name="ZoneTexte 38">
@@ -11305,6 +11287,7 @@
                 </a:bodyPr>
                 <a:lstStyle/>
                 <a:p>
+                  <a:pPr/>
                   <a14:m>
                     <m:oMathPara xmlns:m="http://schemas.openxmlformats.org/officeDocument/2006/math">
                       <m:oMathParaPr>
@@ -11342,7 +11325,7 @@
                                   <a:rPr lang="fr-FR" sz="2000" b="0" i="1" smtClean="0">
                                     <a:latin typeface="Cambria Math" panose="02040503050406030204" pitchFamily="18" charset="0"/>
                                   </a:rPr>
-                                  <m:t>0</m:t>
+                                  <m:t>1</m:t>
                                 </m:r>
                               </m:sub>
                             </m:sSub>
@@ -11356,7 +11339,7 @@
               </p:txBody>
             </p:sp>
           </mc:Choice>
-          <mc:Fallback>
+          <mc:Fallback xmlns="">
             <p:sp>
               <p:nvSpPr>
                 <p:cNvPr id="39" name="ZoneTexte 38">
@@ -11382,7 +11365,7 @@
                 <a:blipFill>
                   <a:blip r:embed="rId7"/>
                   <a:stretch>
-                    <a:fillRect l="-11765" r="-7843" b="-15686"/>
+                    <a:fillRect l="-11765" r="-5882" b="-13725"/>
                   </a:stretch>
                 </a:blipFill>
               </p:spPr>
@@ -11401,8 +11384,8 @@
             </p:sp>
           </mc:Fallback>
         </mc:AlternateContent>
-        <mc:AlternateContent xmlns:mc="http://schemas.openxmlformats.org/markup-compatibility/2006">
-          <mc:Choice xmlns:a14="http://schemas.microsoft.com/office/drawing/2010/main" Requires="a14">
+        <mc:AlternateContent xmlns:mc="http://schemas.openxmlformats.org/markup-compatibility/2006" xmlns:a14="http://schemas.microsoft.com/office/drawing/2010/main">
+          <mc:Choice Requires="a14">
             <p:sp>
               <p:nvSpPr>
                 <p:cNvPr id="40" name="ZoneTexte 39">
@@ -11418,7 +11401,7 @@
               <p:spPr>
                 <a:xfrm>
                   <a:off x="6647143" y="156572"/>
-                  <a:ext cx="313867" cy="307777"/>
+                  <a:ext cx="307905" cy="307777"/>
                 </a:xfrm>
                 <a:prstGeom prst="rect">
                   <a:avLst/>
@@ -11431,6 +11414,7 @@
                 </a:bodyPr>
                 <a:lstStyle/>
                 <a:p>
+                  <a:pPr/>
                   <a14:m>
                     <m:oMathPara xmlns:m="http://schemas.openxmlformats.org/officeDocument/2006/math">
                       <m:oMathParaPr>
@@ -11468,7 +11452,7 @@
                                   <a:rPr lang="fr-FR" sz="2000" b="0" i="1" smtClean="0">
                                     <a:latin typeface="Cambria Math" panose="02040503050406030204" pitchFamily="18" charset="0"/>
                                   </a:rPr>
-                                  <m:t>0</m:t>
+                                  <m:t>1</m:t>
                                 </m:r>
                               </m:sub>
                             </m:sSub>
@@ -11482,7 +11466,7 @@
               </p:txBody>
             </p:sp>
           </mc:Choice>
-          <mc:Fallback>
+          <mc:Fallback xmlns="">
             <p:sp>
               <p:nvSpPr>
                 <p:cNvPr id="40" name="ZoneTexte 39">
@@ -11500,7 +11484,7 @@
               <p:spPr>
                 <a:xfrm>
                   <a:off x="6647143" y="156572"/>
-                  <a:ext cx="313867" cy="307777"/>
+                  <a:ext cx="307905" cy="307777"/>
                 </a:xfrm>
                 <a:prstGeom prst="rect">
                   <a:avLst/>
@@ -11508,7 +11492,7 @@
                 <a:blipFill>
                   <a:blip r:embed="rId8"/>
                   <a:stretch>
-                    <a:fillRect l="-19231" r="-9615" b="-26000"/>
+                    <a:fillRect l="-19608" r="-7843" b="-26000"/>
                   </a:stretch>
                 </a:blipFill>
               </p:spPr>
@@ -11871,8 +11855,8 @@
             </a:p>
           </p:txBody>
         </p:sp>
-        <mc:AlternateContent xmlns:mc="http://schemas.openxmlformats.org/markup-compatibility/2006">
-          <mc:Choice xmlns:a14="http://schemas.microsoft.com/office/drawing/2010/main" Requires="a14">
+        <mc:AlternateContent xmlns:mc="http://schemas.openxmlformats.org/markup-compatibility/2006" xmlns:a14="http://schemas.microsoft.com/office/drawing/2010/main">
+          <mc:Choice Requires="a14">
             <p:sp>
               <p:nvSpPr>
                 <p:cNvPr id="45" name="ZoneTexte 44">
@@ -11888,7 +11872,7 @@
               <p:spPr>
                 <a:xfrm>
                   <a:off x="8327143" y="1288669"/>
-                  <a:ext cx="305148" cy="307777"/>
+                  <a:ext cx="311111" cy="307777"/>
                 </a:xfrm>
                 <a:prstGeom prst="rect">
                   <a:avLst/>
@@ -11901,6 +11885,7 @@
                 </a:bodyPr>
                 <a:lstStyle/>
                 <a:p>
+                  <a:pPr/>
                   <a14:m>
                     <m:oMathPara xmlns:m="http://schemas.openxmlformats.org/officeDocument/2006/math">
                       <m:oMathParaPr>
@@ -11938,7 +11923,7 @@
                                   <a:rPr lang="fr-FR" sz="2000" b="0" i="1" smtClean="0">
                                     <a:latin typeface="Cambria Math" panose="02040503050406030204" pitchFamily="18" charset="0"/>
                                   </a:rPr>
-                                  <m:t>1</m:t>
+                                  <m:t>2</m:t>
                                 </m:r>
                               </m:sub>
                             </m:sSub>
@@ -11952,7 +11937,7 @@
               </p:txBody>
             </p:sp>
           </mc:Choice>
-          <mc:Fallback>
+          <mc:Fallback xmlns="">
             <p:sp>
               <p:nvSpPr>
                 <p:cNvPr id="45" name="ZoneTexte 44">
@@ -11970,7 +11955,7 @@
               <p:spPr>
                 <a:xfrm>
                   <a:off x="8327143" y="1288669"/>
-                  <a:ext cx="305148" cy="307777"/>
+                  <a:ext cx="311111" cy="307777"/>
                 </a:xfrm>
                 <a:prstGeom prst="rect">
                   <a:avLst/>
@@ -11978,7 +11963,7 @@
                 <a:blipFill>
                   <a:blip r:embed="rId9"/>
                   <a:stretch>
-                    <a:fillRect l="-12000" r="-8000" b="-13725"/>
+                    <a:fillRect l="-11765" r="-7843" b="-15686"/>
                   </a:stretch>
                 </a:blipFill>
               </p:spPr>
@@ -11997,8 +11982,8 @@
             </p:sp>
           </mc:Fallback>
         </mc:AlternateContent>
-        <mc:AlternateContent xmlns:mc="http://schemas.openxmlformats.org/markup-compatibility/2006">
-          <mc:Choice xmlns:a14="http://schemas.microsoft.com/office/drawing/2010/main" Requires="a14">
+        <mc:AlternateContent xmlns:mc="http://schemas.openxmlformats.org/markup-compatibility/2006" xmlns:a14="http://schemas.microsoft.com/office/drawing/2010/main">
+          <mc:Choice Requires="a14">
             <p:sp>
               <p:nvSpPr>
                 <p:cNvPr id="46" name="ZoneTexte 45">
@@ -12014,7 +11999,7 @@
               <p:spPr>
                 <a:xfrm>
                   <a:off x="6230404" y="157077"/>
-                  <a:ext cx="307905" cy="307777"/>
+                  <a:ext cx="313867" cy="307777"/>
                 </a:xfrm>
                 <a:prstGeom prst="rect">
                   <a:avLst/>
@@ -12027,6 +12012,7 @@
                 </a:bodyPr>
                 <a:lstStyle/>
                 <a:p>
+                  <a:pPr/>
                   <a14:m>
                     <m:oMathPara xmlns:m="http://schemas.openxmlformats.org/officeDocument/2006/math">
                       <m:oMathParaPr>
@@ -12064,7 +12050,7 @@
                                   <a:rPr lang="fr-FR" sz="2000" b="0" i="1" smtClean="0">
                                     <a:latin typeface="Cambria Math" panose="02040503050406030204" pitchFamily="18" charset="0"/>
                                   </a:rPr>
-                                  <m:t>1</m:t>
+                                  <m:t>2</m:t>
                                 </m:r>
                               </m:sub>
                             </m:sSub>
@@ -12078,7 +12064,7 @@
               </p:txBody>
             </p:sp>
           </mc:Choice>
-          <mc:Fallback>
+          <mc:Fallback xmlns="">
             <p:sp>
               <p:nvSpPr>
                 <p:cNvPr id="46" name="ZoneTexte 45">
@@ -12096,7 +12082,7 @@
               <p:spPr>
                 <a:xfrm>
                   <a:off x="6230404" y="157077"/>
-                  <a:ext cx="307905" cy="307777"/>
+                  <a:ext cx="313867" cy="307777"/>
                 </a:xfrm>
                 <a:prstGeom prst="rect">
                   <a:avLst/>
@@ -12104,7 +12090,7 @@
                 <a:blipFill>
                   <a:blip r:embed="rId10"/>
                   <a:stretch>
-                    <a:fillRect l="-20000" r="-10000" b="-26000"/>
+                    <a:fillRect l="-19608" r="-9804" b="-26000"/>
                   </a:stretch>
                 </a:blipFill>
               </p:spPr>
@@ -12123,8 +12109,8 @@
             </p:sp>
           </mc:Fallback>
         </mc:AlternateContent>
-        <mc:AlternateContent xmlns:mc="http://schemas.openxmlformats.org/markup-compatibility/2006">
-          <mc:Choice xmlns:a14="http://schemas.microsoft.com/office/drawing/2010/main" Requires="a14">
+        <mc:AlternateContent xmlns:mc="http://schemas.openxmlformats.org/markup-compatibility/2006" xmlns:a14="http://schemas.microsoft.com/office/drawing/2010/main">
+          <mc:Choice Requires="a14">
             <p:sp>
               <p:nvSpPr>
                 <p:cNvPr id="47" name="ZoneTexte 46">
@@ -12153,6 +12139,7 @@
                 </a:bodyPr>
                 <a:lstStyle/>
                 <a:p>
+                  <a:pPr/>
                   <a14:m>
                     <m:oMathPara xmlns:m="http://schemas.openxmlformats.org/officeDocument/2006/math">
                       <m:oMathParaPr>
@@ -12173,7 +12160,7 @@
               </p:txBody>
             </p:sp>
           </mc:Choice>
-          <mc:Fallback>
+          <mc:Fallback xmlns="">
             <p:sp>
               <p:nvSpPr>
                 <p:cNvPr id="47" name="ZoneTexte 46">
@@ -12234,6 +12221,1026 @@
         <p:spPr>
           <a:xfrm>
             <a:off x="5652734" y="2968508"/>
+            <a:ext cx="2340000" cy="2340000"/>
+          </a:xfrm>
+          <a:prstGeom prst="arc">
+            <a:avLst>
+              <a:gd name="adj1" fmla="val 20736182"/>
+              <a:gd name="adj2" fmla="val 0"/>
+            </a:avLst>
+          </a:prstGeom>
+          <a:ln>
+            <a:solidFill>
+              <a:schemeClr val="tx1">
+                <a:lumMod val="50000"/>
+                <a:lumOff val="50000"/>
+              </a:schemeClr>
+            </a:solidFill>
+            <a:headEnd type="stealth" w="med" len="lg"/>
+            <a:tailEnd type="none" w="med" len="lg"/>
+          </a:ln>
+        </p:spPr>
+        <p:style>
+          <a:lnRef idx="1">
+            <a:schemeClr val="accent1"/>
+          </a:lnRef>
+          <a:fillRef idx="0">
+            <a:schemeClr val="accent1"/>
+          </a:fillRef>
+          <a:effectRef idx="0">
+            <a:schemeClr val="accent1"/>
+          </a:effectRef>
+          <a:fontRef idx="minor">
+            <a:schemeClr val="tx1"/>
+          </a:fontRef>
+        </p:style>
+        <p:txBody>
+          <a:bodyPr rtlCol="0" anchor="ctr"/>
+          <a:lstStyle/>
+          <a:p>
+            <a:pPr algn="ctr"/>
+            <a:endParaRPr lang="fr-FR"/>
+          </a:p>
+        </p:txBody>
+      </p:sp>
+      <p:grpSp>
+        <p:nvGrpSpPr>
+          <p:cNvPr id="34" name="Groupe 33">
+            <a:extLst>
+              <a:ext uri="{FF2B5EF4-FFF2-40B4-BE49-F238E27FC236}">
+                <a16:creationId xmlns:a16="http://schemas.microsoft.com/office/drawing/2014/main" id="{03436DC2-E20A-7292-A70E-115BA5377CE2}"/>
+              </a:ext>
+            </a:extLst>
+          </p:cNvPr>
+          <p:cNvGrpSpPr/>
+          <p:nvPr/>
+        </p:nvGrpSpPr>
+        <p:grpSpPr>
+          <a:xfrm>
+            <a:off x="6224441" y="4719131"/>
+            <a:ext cx="2407850" cy="1982298"/>
+            <a:chOff x="6230404" y="156572"/>
+            <a:chExt cx="2407850" cy="1982298"/>
+          </a:xfrm>
+        </p:grpSpPr>
+        <mc:AlternateContent xmlns:mc="http://schemas.openxmlformats.org/markup-compatibility/2006" xmlns:a14="http://schemas.microsoft.com/office/drawing/2010/main">
+          <mc:Choice Requires="a14">
+            <p:sp>
+              <p:nvSpPr>
+                <p:cNvPr id="35" name="ZoneTexte 34">
+                  <a:extLst>
+                    <a:ext uri="{FF2B5EF4-FFF2-40B4-BE49-F238E27FC236}">
+                      <a16:creationId xmlns:a16="http://schemas.microsoft.com/office/drawing/2014/main" id="{057ACB57-FDE9-116B-B0B3-6628D803E5FA}"/>
+                    </a:ext>
+                  </a:extLst>
+                </p:cNvPr>
+                <p:cNvSpPr txBox="1"/>
+                <p:nvPr/>
+              </p:nvSpPr>
+              <p:spPr>
+                <a:xfrm>
+                  <a:off x="8327143" y="1831093"/>
+                  <a:ext cx="311111" cy="307777"/>
+                </a:xfrm>
+                <a:prstGeom prst="rect">
+                  <a:avLst/>
+                </a:prstGeom>
+                <a:noFill/>
+              </p:spPr>
+              <p:txBody>
+                <a:bodyPr wrap="square" lIns="0" tIns="0" rIns="0" bIns="0" rtlCol="0">
+                  <a:spAutoFit/>
+                </a:bodyPr>
+                <a:lstStyle/>
+                <a:p>
+                  <a:pPr/>
+                  <a14:m>
+                    <m:oMathPara xmlns:m="http://schemas.openxmlformats.org/officeDocument/2006/math">
+                      <m:oMathParaPr>
+                        <m:jc m:val="centerGroup"/>
+                      </m:oMathParaPr>
+                      <m:oMath xmlns:m="http://schemas.openxmlformats.org/officeDocument/2006/math">
+                        <m:acc>
+                          <m:accPr>
+                            <m:chr m:val="⃗"/>
+                            <m:ctrlPr>
+                              <a:rPr lang="fr-FR" sz="2000" i="1" smtClean="0">
+                                <a:latin typeface="Cambria Math" panose="02040503050406030204" pitchFamily="18" charset="0"/>
+                              </a:rPr>
+                            </m:ctrlPr>
+                          </m:accPr>
+                          <m:e>
+                            <m:sSub>
+                              <m:sSubPr>
+                                <m:ctrlPr>
+                                  <a:rPr lang="fr-FR" sz="2000" i="1">
+                                    <a:latin typeface="Cambria Math" panose="02040503050406030204" pitchFamily="18" charset="0"/>
+                                  </a:rPr>
+                                </m:ctrlPr>
+                              </m:sSubPr>
+                              <m:e>
+                                <m:r>
+                                  <a:rPr lang="fr-FR" sz="2000" b="0" i="1">
+                                    <a:latin typeface="Cambria Math" panose="02040503050406030204" pitchFamily="18" charset="0"/>
+                                  </a:rPr>
+                                  <m:t>𝑥</m:t>
+                                </m:r>
+                              </m:e>
+                              <m:sub>
+                                <m:r>
+                                  <a:rPr lang="fr-FR" sz="2000" b="0" i="1" smtClean="0">
+                                    <a:latin typeface="Cambria Math" panose="02040503050406030204" pitchFamily="18" charset="0"/>
+                                  </a:rPr>
+                                  <m:t>0</m:t>
+                                </m:r>
+                              </m:sub>
+                            </m:sSub>
+                          </m:e>
+                        </m:acc>
+                      </m:oMath>
+                    </m:oMathPara>
+                  </a14:m>
+                  <a:endParaRPr lang="fr-FR" sz="2000" dirty="0"/>
+                </a:p>
+              </p:txBody>
+            </p:sp>
+          </mc:Choice>
+          <mc:Fallback xmlns="">
+            <p:sp>
+              <p:nvSpPr>
+                <p:cNvPr id="35" name="ZoneTexte 34">
+                  <a:extLst>
+                    <a:ext uri="{FF2B5EF4-FFF2-40B4-BE49-F238E27FC236}">
+                      <a16:creationId xmlns:a16="http://schemas.microsoft.com/office/drawing/2014/main" id="{057ACB57-FDE9-116B-B0B3-6628D803E5FA}"/>
+                    </a:ext>
+                  </a:extLst>
+                </p:cNvPr>
+                <p:cNvSpPr txBox="1">
+                  <a:spLocks noRot="1" noChangeAspect="1" noMove="1" noResize="1" noEditPoints="1" noAdjustHandles="1" noChangeArrowheads="1" noChangeShapeType="1" noTextEdit="1"/>
+                </p:cNvSpPr>
+                <p:nvPr/>
+              </p:nvSpPr>
+              <p:spPr>
+                <a:xfrm>
+                  <a:off x="8327143" y="1831093"/>
+                  <a:ext cx="311111" cy="307777"/>
+                </a:xfrm>
+                <a:prstGeom prst="rect">
+                  <a:avLst/>
+                </a:prstGeom>
+                <a:blipFill>
+                  <a:blip r:embed="rId12"/>
+                  <a:stretch>
+                    <a:fillRect l="-9804" r="-9804" b="-16000"/>
+                  </a:stretch>
+                </a:blipFill>
+              </p:spPr>
+              <p:txBody>
+                <a:bodyPr/>
+                <a:lstStyle/>
+                <a:p>
+                  <a:r>
+                    <a:rPr lang="fr-FR">
+                      <a:noFill/>
+                    </a:rPr>
+                    <a:t> </a:t>
+                  </a:r>
+                </a:p>
+              </p:txBody>
+            </p:sp>
+          </mc:Fallback>
+        </mc:AlternateContent>
+        <mc:AlternateContent xmlns:mc="http://schemas.openxmlformats.org/markup-compatibility/2006" xmlns:a14="http://schemas.microsoft.com/office/drawing/2010/main">
+          <mc:Choice Requires="a14">
+            <p:sp>
+              <p:nvSpPr>
+                <p:cNvPr id="36" name="ZoneTexte 35">
+                  <a:extLst>
+                    <a:ext uri="{FF2B5EF4-FFF2-40B4-BE49-F238E27FC236}">
+                      <a16:creationId xmlns:a16="http://schemas.microsoft.com/office/drawing/2014/main" id="{840429A9-25B8-6470-D60C-53F7557D9093}"/>
+                    </a:ext>
+                  </a:extLst>
+                </p:cNvPr>
+                <p:cNvSpPr txBox="1"/>
+                <p:nvPr/>
+              </p:nvSpPr>
+              <p:spPr>
+                <a:xfrm>
+                  <a:off x="6647143" y="156572"/>
+                  <a:ext cx="313868" cy="307777"/>
+                </a:xfrm>
+                <a:prstGeom prst="rect">
+                  <a:avLst/>
+                </a:prstGeom>
+                <a:noFill/>
+              </p:spPr>
+              <p:txBody>
+                <a:bodyPr wrap="none" lIns="0" tIns="0" rIns="0" bIns="0" rtlCol="0">
+                  <a:spAutoFit/>
+                </a:bodyPr>
+                <a:lstStyle/>
+                <a:p>
+                  <a:pPr/>
+                  <a14:m>
+                    <m:oMathPara xmlns:m="http://schemas.openxmlformats.org/officeDocument/2006/math">
+                      <m:oMathParaPr>
+                        <m:jc m:val="centerGroup"/>
+                      </m:oMathParaPr>
+                      <m:oMath xmlns:m="http://schemas.openxmlformats.org/officeDocument/2006/math">
+                        <m:acc>
+                          <m:accPr>
+                            <m:chr m:val="⃗"/>
+                            <m:ctrlPr>
+                              <a:rPr lang="fr-FR" sz="2000" i="1" smtClean="0">
+                                <a:latin typeface="Cambria Math" panose="02040503050406030204" pitchFamily="18" charset="0"/>
+                              </a:rPr>
+                            </m:ctrlPr>
+                          </m:accPr>
+                          <m:e>
+                            <m:sSub>
+                              <m:sSubPr>
+                                <m:ctrlPr>
+                                  <a:rPr lang="fr-FR" sz="2000" b="0" i="1" smtClean="0">
+                                    <a:latin typeface="Cambria Math" panose="02040503050406030204" pitchFamily="18" charset="0"/>
+                                  </a:rPr>
+                                </m:ctrlPr>
+                              </m:sSubPr>
+                              <m:e>
+                                <m:r>
+                                  <a:rPr lang="fr-FR" sz="2000" i="1" smtClean="0">
+                                    <a:latin typeface="Cambria Math" panose="02040503050406030204" pitchFamily="18" charset="0"/>
+                                  </a:rPr>
+                                  <m:t>𝑦</m:t>
+                                </m:r>
+                              </m:e>
+                              <m:sub>
+                                <m:r>
+                                  <a:rPr lang="fr-FR" sz="2000" b="0" i="1" smtClean="0">
+                                    <a:latin typeface="Cambria Math" panose="02040503050406030204" pitchFamily="18" charset="0"/>
+                                  </a:rPr>
+                                  <m:t>0</m:t>
+                                </m:r>
+                              </m:sub>
+                            </m:sSub>
+                          </m:e>
+                        </m:acc>
+                      </m:oMath>
+                    </m:oMathPara>
+                  </a14:m>
+                  <a:endParaRPr lang="fr-FR" sz="2000" dirty="0"/>
+                </a:p>
+              </p:txBody>
+            </p:sp>
+          </mc:Choice>
+          <mc:Fallback xmlns="">
+            <p:sp>
+              <p:nvSpPr>
+                <p:cNvPr id="36" name="ZoneTexte 35">
+                  <a:extLst>
+                    <a:ext uri="{FF2B5EF4-FFF2-40B4-BE49-F238E27FC236}">
+                      <a16:creationId xmlns:a16="http://schemas.microsoft.com/office/drawing/2014/main" id="{840429A9-25B8-6470-D60C-53F7557D9093}"/>
+                    </a:ext>
+                  </a:extLst>
+                </p:cNvPr>
+                <p:cNvSpPr txBox="1">
+                  <a:spLocks noRot="1" noChangeAspect="1" noMove="1" noResize="1" noEditPoints="1" noAdjustHandles="1" noChangeArrowheads="1" noChangeShapeType="1" noTextEdit="1"/>
+                </p:cNvSpPr>
+                <p:nvPr/>
+              </p:nvSpPr>
+              <p:spPr>
+                <a:xfrm>
+                  <a:off x="6647143" y="156572"/>
+                  <a:ext cx="313868" cy="307777"/>
+                </a:xfrm>
+                <a:prstGeom prst="rect">
+                  <a:avLst/>
+                </a:prstGeom>
+                <a:blipFill>
+                  <a:blip r:embed="rId13"/>
+                  <a:stretch>
+                    <a:fillRect l="-19231" r="-9615" b="-23529"/>
+                  </a:stretch>
+                </a:blipFill>
+              </p:spPr>
+              <p:txBody>
+                <a:bodyPr/>
+                <a:lstStyle/>
+                <a:p>
+                  <a:r>
+                    <a:rPr lang="fr-FR">
+                      <a:noFill/>
+                    </a:rPr>
+                    <a:t> </a:t>
+                  </a:r>
+                </a:p>
+              </p:txBody>
+            </p:sp>
+          </mc:Fallback>
+        </mc:AlternateContent>
+        <p:grpSp>
+          <p:nvGrpSpPr>
+            <p:cNvPr id="53" name="Groupe 52">
+              <a:extLst>
+                <a:ext uri="{FF2B5EF4-FFF2-40B4-BE49-F238E27FC236}">
+                  <a16:creationId xmlns:a16="http://schemas.microsoft.com/office/drawing/2014/main" id="{5F93B973-B012-F23C-9704-AA06006E7836}"/>
+                </a:ext>
+              </a:extLst>
+            </p:cNvPr>
+            <p:cNvGrpSpPr/>
+            <p:nvPr/>
+          </p:nvGrpSpPr>
+          <p:grpSpPr>
+            <a:xfrm>
+              <a:off x="6814368" y="544982"/>
+              <a:ext cx="1440000" cy="1440000"/>
+              <a:chOff x="6814368" y="544982"/>
+              <a:chExt cx="1440000" cy="1440000"/>
+            </a:xfrm>
+          </p:grpSpPr>
+          <p:cxnSp>
+            <p:nvCxnSpPr>
+              <p:cNvPr id="63" name="Connecteur droit 62">
+                <a:extLst>
+                  <a:ext uri="{FF2B5EF4-FFF2-40B4-BE49-F238E27FC236}">
+                    <a16:creationId xmlns:a16="http://schemas.microsoft.com/office/drawing/2014/main" id="{E4C9593E-DAD2-3AD5-F576-24B61D0777FC}"/>
+                  </a:ext>
+                </a:extLst>
+              </p:cNvPr>
+              <p:cNvCxnSpPr>
+                <a:cxnSpLocks/>
+              </p:cNvCxnSpPr>
+              <p:nvPr/>
+            </p:nvCxnSpPr>
+            <p:spPr>
+              <a:xfrm rot="5400000" flipV="1">
+                <a:off x="7534368" y="1264982"/>
+                <a:ext cx="0" cy="1440000"/>
+              </a:xfrm>
+              <a:prstGeom prst="line">
+                <a:avLst/>
+              </a:prstGeom>
+              <a:noFill/>
+              <a:ln w="12700">
+                <a:solidFill>
+                  <a:schemeClr val="tx1"/>
+                </a:solidFill>
+                <a:tailEnd type="stealth" w="med" len="lg"/>
+              </a:ln>
+            </p:spPr>
+            <p:style>
+              <a:lnRef idx="2">
+                <a:schemeClr val="accent1">
+                  <a:shade val="50000"/>
+                </a:schemeClr>
+              </a:lnRef>
+              <a:fillRef idx="1">
+                <a:schemeClr val="accent1"/>
+              </a:fillRef>
+              <a:effectRef idx="0">
+                <a:schemeClr val="accent1"/>
+              </a:effectRef>
+              <a:fontRef idx="minor">
+                <a:schemeClr val="lt1"/>
+              </a:fontRef>
+            </p:style>
+          </p:cxnSp>
+          <p:cxnSp>
+            <p:nvCxnSpPr>
+              <p:cNvPr id="64" name="Connecteur droit 63">
+                <a:extLst>
+                  <a:ext uri="{FF2B5EF4-FFF2-40B4-BE49-F238E27FC236}">
+                    <a16:creationId xmlns:a16="http://schemas.microsoft.com/office/drawing/2014/main" id="{565E1DBF-93F1-0098-2002-79D3561CB02A}"/>
+                  </a:ext>
+                </a:extLst>
+              </p:cNvPr>
+              <p:cNvCxnSpPr>
+                <a:cxnSpLocks/>
+              </p:cNvCxnSpPr>
+              <p:nvPr/>
+            </p:nvCxnSpPr>
+            <p:spPr>
+              <a:xfrm flipV="1">
+                <a:off x="6817636" y="544982"/>
+                <a:ext cx="0" cy="1440000"/>
+              </a:xfrm>
+              <a:prstGeom prst="line">
+                <a:avLst/>
+              </a:prstGeom>
+              <a:noFill/>
+              <a:ln w="12700">
+                <a:solidFill>
+                  <a:schemeClr val="tx1"/>
+                </a:solidFill>
+                <a:tailEnd type="stealth" w="med" len="lg"/>
+              </a:ln>
+            </p:spPr>
+            <p:style>
+              <a:lnRef idx="2">
+                <a:schemeClr val="accent1">
+                  <a:shade val="50000"/>
+                </a:schemeClr>
+              </a:lnRef>
+              <a:fillRef idx="1">
+                <a:schemeClr val="accent1"/>
+              </a:fillRef>
+              <a:effectRef idx="0">
+                <a:schemeClr val="accent1"/>
+              </a:effectRef>
+              <a:fontRef idx="minor">
+                <a:schemeClr val="lt1"/>
+              </a:fontRef>
+            </p:style>
+          </p:cxnSp>
+        </p:grpSp>
+        <p:grpSp>
+          <p:nvGrpSpPr>
+            <p:cNvPr id="55" name="Groupe 54">
+              <a:extLst>
+                <a:ext uri="{FF2B5EF4-FFF2-40B4-BE49-F238E27FC236}">
+                  <a16:creationId xmlns:a16="http://schemas.microsoft.com/office/drawing/2014/main" id="{608A3467-0D97-6923-09AE-2758004AA26D}"/>
+                </a:ext>
+              </a:extLst>
+            </p:cNvPr>
+            <p:cNvGrpSpPr/>
+            <p:nvPr/>
+          </p:nvGrpSpPr>
+          <p:grpSpPr>
+            <a:xfrm rot="20700000">
+              <a:off x="6604818" y="383165"/>
+              <a:ext cx="1440000" cy="1440000"/>
+              <a:chOff x="6814368" y="544982"/>
+              <a:chExt cx="1440000" cy="1440000"/>
+            </a:xfrm>
+          </p:grpSpPr>
+          <p:cxnSp>
+            <p:nvCxnSpPr>
+              <p:cNvPr id="61" name="Connecteur droit 60">
+                <a:extLst>
+                  <a:ext uri="{FF2B5EF4-FFF2-40B4-BE49-F238E27FC236}">
+                    <a16:creationId xmlns:a16="http://schemas.microsoft.com/office/drawing/2014/main" id="{36504D17-AB6A-BBF2-9E0D-51B6FFF512E1}"/>
+                  </a:ext>
+                </a:extLst>
+              </p:cNvPr>
+              <p:cNvCxnSpPr>
+                <a:cxnSpLocks/>
+              </p:cNvCxnSpPr>
+              <p:nvPr/>
+            </p:nvCxnSpPr>
+            <p:spPr>
+              <a:xfrm rot="5400000" flipV="1">
+                <a:off x="7534368" y="1264982"/>
+                <a:ext cx="0" cy="1440000"/>
+              </a:xfrm>
+              <a:prstGeom prst="line">
+                <a:avLst/>
+              </a:prstGeom>
+              <a:noFill/>
+              <a:ln w="12700">
+                <a:solidFill>
+                  <a:schemeClr val="accent6"/>
+                </a:solidFill>
+                <a:tailEnd type="stealth" w="med" len="lg"/>
+              </a:ln>
+            </p:spPr>
+            <p:style>
+              <a:lnRef idx="2">
+                <a:schemeClr val="accent1">
+                  <a:shade val="50000"/>
+                </a:schemeClr>
+              </a:lnRef>
+              <a:fillRef idx="1">
+                <a:schemeClr val="accent1"/>
+              </a:fillRef>
+              <a:effectRef idx="0">
+                <a:schemeClr val="accent1"/>
+              </a:effectRef>
+              <a:fontRef idx="minor">
+                <a:schemeClr val="lt1"/>
+              </a:fontRef>
+            </p:style>
+          </p:cxnSp>
+          <p:cxnSp>
+            <p:nvCxnSpPr>
+              <p:cNvPr id="62" name="Connecteur droit 61">
+                <a:extLst>
+                  <a:ext uri="{FF2B5EF4-FFF2-40B4-BE49-F238E27FC236}">
+                    <a16:creationId xmlns:a16="http://schemas.microsoft.com/office/drawing/2014/main" id="{EE5B6220-A32C-B910-CD21-BD3B37454225}"/>
+                  </a:ext>
+                </a:extLst>
+              </p:cNvPr>
+              <p:cNvCxnSpPr>
+                <a:cxnSpLocks/>
+              </p:cNvCxnSpPr>
+              <p:nvPr/>
+            </p:nvCxnSpPr>
+            <p:spPr>
+              <a:xfrm flipV="1">
+                <a:off x="6817636" y="544982"/>
+                <a:ext cx="0" cy="1440000"/>
+              </a:xfrm>
+              <a:prstGeom prst="line">
+                <a:avLst/>
+              </a:prstGeom>
+              <a:noFill/>
+              <a:ln w="12700">
+                <a:solidFill>
+                  <a:schemeClr val="accent6"/>
+                </a:solidFill>
+                <a:tailEnd type="stealth" w="med" len="lg"/>
+              </a:ln>
+            </p:spPr>
+            <p:style>
+              <a:lnRef idx="2">
+                <a:schemeClr val="accent1">
+                  <a:shade val="50000"/>
+                </a:schemeClr>
+              </a:lnRef>
+              <a:fillRef idx="1">
+                <a:schemeClr val="accent1"/>
+              </a:fillRef>
+              <a:effectRef idx="0">
+                <a:schemeClr val="accent1"/>
+              </a:effectRef>
+              <a:fontRef idx="minor">
+                <a:schemeClr val="lt1"/>
+              </a:fontRef>
+            </p:style>
+          </p:cxnSp>
+        </p:grpSp>
+        <p:sp>
+          <p:nvSpPr>
+            <p:cNvPr id="56" name="Ellipse 55">
+              <a:extLst>
+                <a:ext uri="{FF2B5EF4-FFF2-40B4-BE49-F238E27FC236}">
+                  <a16:creationId xmlns:a16="http://schemas.microsoft.com/office/drawing/2014/main" id="{B8332479-9D06-250A-1DDC-21349BA540C1}"/>
+                </a:ext>
+              </a:extLst>
+            </p:cNvPr>
+            <p:cNvSpPr/>
+            <p:nvPr/>
+          </p:nvSpPr>
+          <p:spPr>
+            <a:xfrm>
+              <a:off x="6733011" y="1910575"/>
+              <a:ext cx="180000" cy="180000"/>
+            </a:xfrm>
+            <a:prstGeom prst="ellipse">
+              <a:avLst/>
+            </a:prstGeom>
+            <a:solidFill>
+              <a:schemeClr val="bg1"/>
+            </a:solidFill>
+            <a:ln>
+              <a:solidFill>
+                <a:schemeClr val="tx1"/>
+              </a:solidFill>
+            </a:ln>
+          </p:spPr>
+          <p:style>
+            <a:lnRef idx="2">
+              <a:schemeClr val="accent1">
+                <a:shade val="50000"/>
+              </a:schemeClr>
+            </a:lnRef>
+            <a:fillRef idx="1">
+              <a:schemeClr val="accent1"/>
+            </a:fillRef>
+            <a:effectRef idx="0">
+              <a:schemeClr val="accent1"/>
+            </a:effectRef>
+            <a:fontRef idx="minor">
+              <a:schemeClr val="lt1"/>
+            </a:fontRef>
+          </p:style>
+          <p:txBody>
+            <a:bodyPr rtlCol="0" anchor="ctr"/>
+            <a:lstStyle/>
+            <a:p>
+              <a:pPr algn="ctr"/>
+              <a:endParaRPr lang="fr-FR"/>
+            </a:p>
+          </p:txBody>
+        </p:sp>
+        <p:sp>
+          <p:nvSpPr>
+            <p:cNvPr id="57" name="Ellipse 56">
+              <a:extLst>
+                <a:ext uri="{FF2B5EF4-FFF2-40B4-BE49-F238E27FC236}">
+                  <a16:creationId xmlns:a16="http://schemas.microsoft.com/office/drawing/2014/main" id="{C4A329E4-A22D-4CF6-4088-8CEF70F41C12}"/>
+                </a:ext>
+              </a:extLst>
+            </p:cNvPr>
+            <p:cNvSpPr/>
+            <p:nvPr/>
+          </p:nvSpPr>
+          <p:spPr>
+            <a:xfrm>
+              <a:off x="6787011" y="1964575"/>
+              <a:ext cx="72000" cy="72000"/>
+            </a:xfrm>
+            <a:prstGeom prst="ellipse">
+              <a:avLst/>
+            </a:prstGeom>
+            <a:solidFill>
+              <a:schemeClr val="tx1"/>
+            </a:solidFill>
+            <a:ln>
+              <a:solidFill>
+                <a:schemeClr val="tx1"/>
+              </a:solidFill>
+            </a:ln>
+          </p:spPr>
+          <p:style>
+            <a:lnRef idx="2">
+              <a:schemeClr val="accent1">
+                <a:shade val="50000"/>
+              </a:schemeClr>
+            </a:lnRef>
+            <a:fillRef idx="1">
+              <a:schemeClr val="accent1"/>
+            </a:fillRef>
+            <a:effectRef idx="0">
+              <a:schemeClr val="accent1"/>
+            </a:effectRef>
+            <a:fontRef idx="minor">
+              <a:schemeClr val="lt1"/>
+            </a:fontRef>
+          </p:style>
+          <p:txBody>
+            <a:bodyPr rtlCol="0" anchor="ctr"/>
+            <a:lstStyle/>
+            <a:p>
+              <a:pPr algn="ctr"/>
+              <a:endParaRPr lang="fr-FR"/>
+            </a:p>
+          </p:txBody>
+        </p:sp>
+        <mc:AlternateContent xmlns:mc="http://schemas.openxmlformats.org/markup-compatibility/2006" xmlns:a14="http://schemas.microsoft.com/office/drawing/2010/main">
+          <mc:Choice Requires="a14">
+            <p:sp>
+              <p:nvSpPr>
+                <p:cNvPr id="58" name="ZoneTexte 57">
+                  <a:extLst>
+                    <a:ext uri="{FF2B5EF4-FFF2-40B4-BE49-F238E27FC236}">
+                      <a16:creationId xmlns:a16="http://schemas.microsoft.com/office/drawing/2014/main" id="{C3D2CEAB-2A8B-7450-911A-31EB4ED7045F}"/>
+                    </a:ext>
+                  </a:extLst>
+                </p:cNvPr>
+                <p:cNvSpPr txBox="1"/>
+                <p:nvPr/>
+              </p:nvSpPr>
+              <p:spPr>
+                <a:xfrm>
+                  <a:off x="8327143" y="1288669"/>
+                  <a:ext cx="311111" cy="307777"/>
+                </a:xfrm>
+                <a:prstGeom prst="rect">
+                  <a:avLst/>
+                </a:prstGeom>
+                <a:noFill/>
+              </p:spPr>
+              <p:txBody>
+                <a:bodyPr wrap="none" lIns="0" tIns="0" rIns="0" bIns="0" rtlCol="0">
+                  <a:spAutoFit/>
+                </a:bodyPr>
+                <a:lstStyle/>
+                <a:p>
+                  <a:pPr/>
+                  <a14:m>
+                    <m:oMathPara xmlns:m="http://schemas.openxmlformats.org/officeDocument/2006/math">
+                      <m:oMathParaPr>
+                        <m:jc m:val="centerGroup"/>
+                      </m:oMathParaPr>
+                      <m:oMath xmlns:m="http://schemas.openxmlformats.org/officeDocument/2006/math">
+                        <m:acc>
+                          <m:accPr>
+                            <m:chr m:val="⃗"/>
+                            <m:ctrlPr>
+                              <a:rPr lang="fr-FR" sz="2000" i="1" smtClean="0">
+                                <a:latin typeface="Cambria Math" panose="02040503050406030204" pitchFamily="18" charset="0"/>
+                              </a:rPr>
+                            </m:ctrlPr>
+                          </m:accPr>
+                          <m:e>
+                            <m:sSub>
+                              <m:sSubPr>
+                                <m:ctrlPr>
+                                  <a:rPr lang="fr-FR" sz="2000" i="1">
+                                    <a:latin typeface="Cambria Math" panose="02040503050406030204" pitchFamily="18" charset="0"/>
+                                  </a:rPr>
+                                </m:ctrlPr>
+                              </m:sSubPr>
+                              <m:e>
+                                <m:r>
+                                  <a:rPr lang="fr-FR" sz="2000" b="0" i="1">
+                                    <a:latin typeface="Cambria Math" panose="02040503050406030204" pitchFamily="18" charset="0"/>
+                                  </a:rPr>
+                                  <m:t>𝑥</m:t>
+                                </m:r>
+                              </m:e>
+                              <m:sub>
+                                <m:r>
+                                  <a:rPr lang="fr-FR" sz="2000" b="0" i="1" smtClean="0">
+                                    <a:latin typeface="Cambria Math" panose="02040503050406030204" pitchFamily="18" charset="0"/>
+                                  </a:rPr>
+                                  <m:t>2</m:t>
+                                </m:r>
+                              </m:sub>
+                            </m:sSub>
+                          </m:e>
+                        </m:acc>
+                      </m:oMath>
+                    </m:oMathPara>
+                  </a14:m>
+                  <a:endParaRPr lang="fr-FR" sz="2000" dirty="0"/>
+                </a:p>
+              </p:txBody>
+            </p:sp>
+          </mc:Choice>
+          <mc:Fallback xmlns="">
+            <p:sp>
+              <p:nvSpPr>
+                <p:cNvPr id="58" name="ZoneTexte 57">
+                  <a:extLst>
+                    <a:ext uri="{FF2B5EF4-FFF2-40B4-BE49-F238E27FC236}">
+                      <a16:creationId xmlns:a16="http://schemas.microsoft.com/office/drawing/2014/main" id="{C3D2CEAB-2A8B-7450-911A-31EB4ED7045F}"/>
+                    </a:ext>
+                  </a:extLst>
+                </p:cNvPr>
+                <p:cNvSpPr txBox="1">
+                  <a:spLocks noRot="1" noChangeAspect="1" noMove="1" noResize="1" noEditPoints="1" noAdjustHandles="1" noChangeArrowheads="1" noChangeShapeType="1" noTextEdit="1"/>
+                </p:cNvSpPr>
+                <p:nvPr/>
+              </p:nvSpPr>
+              <p:spPr>
+                <a:xfrm>
+                  <a:off x="8327143" y="1288669"/>
+                  <a:ext cx="311111" cy="307777"/>
+                </a:xfrm>
+                <a:prstGeom prst="rect">
+                  <a:avLst/>
+                </a:prstGeom>
+                <a:blipFill>
+                  <a:blip r:embed="rId14"/>
+                  <a:stretch>
+                    <a:fillRect l="-9804" r="-9804" b="-16000"/>
+                  </a:stretch>
+                </a:blipFill>
+              </p:spPr>
+              <p:txBody>
+                <a:bodyPr/>
+                <a:lstStyle/>
+                <a:p>
+                  <a:r>
+                    <a:rPr lang="fr-FR">
+                      <a:noFill/>
+                    </a:rPr>
+                    <a:t> </a:t>
+                  </a:r>
+                </a:p>
+              </p:txBody>
+            </p:sp>
+          </mc:Fallback>
+        </mc:AlternateContent>
+        <mc:AlternateContent xmlns:mc="http://schemas.openxmlformats.org/markup-compatibility/2006" xmlns:a14="http://schemas.microsoft.com/office/drawing/2010/main">
+          <mc:Choice Requires="a14">
+            <p:sp>
+              <p:nvSpPr>
+                <p:cNvPr id="59" name="ZoneTexte 58">
+                  <a:extLst>
+                    <a:ext uri="{FF2B5EF4-FFF2-40B4-BE49-F238E27FC236}">
+                      <a16:creationId xmlns:a16="http://schemas.microsoft.com/office/drawing/2014/main" id="{59982D9D-4FFE-A38A-43AC-2A75156AB8FF}"/>
+                    </a:ext>
+                  </a:extLst>
+                </p:cNvPr>
+                <p:cNvSpPr txBox="1"/>
+                <p:nvPr/>
+              </p:nvSpPr>
+              <p:spPr>
+                <a:xfrm>
+                  <a:off x="6230404" y="157077"/>
+                  <a:ext cx="313867" cy="307777"/>
+                </a:xfrm>
+                <a:prstGeom prst="rect">
+                  <a:avLst/>
+                </a:prstGeom>
+                <a:noFill/>
+              </p:spPr>
+              <p:txBody>
+                <a:bodyPr wrap="none" lIns="0" tIns="0" rIns="0" bIns="0" rtlCol="0">
+                  <a:spAutoFit/>
+                </a:bodyPr>
+                <a:lstStyle/>
+                <a:p>
+                  <a:pPr/>
+                  <a14:m>
+                    <m:oMathPara xmlns:m="http://schemas.openxmlformats.org/officeDocument/2006/math">
+                      <m:oMathParaPr>
+                        <m:jc m:val="centerGroup"/>
+                      </m:oMathParaPr>
+                      <m:oMath xmlns:m="http://schemas.openxmlformats.org/officeDocument/2006/math">
+                        <m:acc>
+                          <m:accPr>
+                            <m:chr m:val="⃗"/>
+                            <m:ctrlPr>
+                              <a:rPr lang="fr-FR" sz="2000" i="1" smtClean="0">
+                                <a:latin typeface="Cambria Math" panose="02040503050406030204" pitchFamily="18" charset="0"/>
+                              </a:rPr>
+                            </m:ctrlPr>
+                          </m:accPr>
+                          <m:e>
+                            <m:sSub>
+                              <m:sSubPr>
+                                <m:ctrlPr>
+                                  <a:rPr lang="fr-FR" sz="2000" i="1">
+                                    <a:latin typeface="Cambria Math" panose="02040503050406030204" pitchFamily="18" charset="0"/>
+                                  </a:rPr>
+                                </m:ctrlPr>
+                              </m:sSubPr>
+                              <m:e>
+                                <m:r>
+                                  <a:rPr lang="fr-FR" sz="2000" b="0" i="1" smtClean="0">
+                                    <a:latin typeface="Cambria Math" panose="02040503050406030204" pitchFamily="18" charset="0"/>
+                                  </a:rPr>
+                                  <m:t>𝑦</m:t>
+                                </m:r>
+                              </m:e>
+                              <m:sub>
+                                <m:r>
+                                  <a:rPr lang="fr-FR" sz="2000" b="0" i="1" smtClean="0">
+                                    <a:latin typeface="Cambria Math" panose="02040503050406030204" pitchFamily="18" charset="0"/>
+                                  </a:rPr>
+                                  <m:t>2</m:t>
+                                </m:r>
+                              </m:sub>
+                            </m:sSub>
+                          </m:e>
+                        </m:acc>
+                      </m:oMath>
+                    </m:oMathPara>
+                  </a14:m>
+                  <a:endParaRPr lang="fr-FR" sz="2000" dirty="0"/>
+                </a:p>
+              </p:txBody>
+            </p:sp>
+          </mc:Choice>
+          <mc:Fallback xmlns="">
+            <p:sp>
+              <p:nvSpPr>
+                <p:cNvPr id="59" name="ZoneTexte 58">
+                  <a:extLst>
+                    <a:ext uri="{FF2B5EF4-FFF2-40B4-BE49-F238E27FC236}">
+                      <a16:creationId xmlns:a16="http://schemas.microsoft.com/office/drawing/2014/main" id="{59982D9D-4FFE-A38A-43AC-2A75156AB8FF}"/>
+                    </a:ext>
+                  </a:extLst>
+                </p:cNvPr>
+                <p:cNvSpPr txBox="1">
+                  <a:spLocks noRot="1" noChangeAspect="1" noMove="1" noResize="1" noEditPoints="1" noAdjustHandles="1" noChangeArrowheads="1" noChangeShapeType="1" noTextEdit="1"/>
+                </p:cNvSpPr>
+                <p:nvPr/>
+              </p:nvSpPr>
+              <p:spPr>
+                <a:xfrm>
+                  <a:off x="6230404" y="157077"/>
+                  <a:ext cx="313867" cy="307777"/>
+                </a:xfrm>
+                <a:prstGeom prst="rect">
+                  <a:avLst/>
+                </a:prstGeom>
+                <a:blipFill>
+                  <a:blip r:embed="rId15"/>
+                  <a:stretch>
+                    <a:fillRect l="-19231" r="-9615" b="-23529"/>
+                  </a:stretch>
+                </a:blipFill>
+              </p:spPr>
+              <p:txBody>
+                <a:bodyPr/>
+                <a:lstStyle/>
+                <a:p>
+                  <a:r>
+                    <a:rPr lang="fr-FR">
+                      <a:noFill/>
+                    </a:rPr>
+                    <a:t> </a:t>
+                  </a:r>
+                </a:p>
+              </p:txBody>
+            </p:sp>
+          </mc:Fallback>
+        </mc:AlternateContent>
+        <mc:AlternateContent xmlns:mc="http://schemas.openxmlformats.org/markup-compatibility/2006" xmlns:a14="http://schemas.microsoft.com/office/drawing/2010/main">
+          <mc:Choice Requires="a14">
+            <p:sp>
+              <p:nvSpPr>
+                <p:cNvPr id="60" name="ZoneTexte 59">
+                  <a:extLst>
+                    <a:ext uri="{FF2B5EF4-FFF2-40B4-BE49-F238E27FC236}">
+                      <a16:creationId xmlns:a16="http://schemas.microsoft.com/office/drawing/2014/main" id="{8DC79AF5-8448-C08F-A0D1-088F900C357B}"/>
+                    </a:ext>
+                  </a:extLst>
+                </p:cNvPr>
+                <p:cNvSpPr txBox="1"/>
+                <p:nvPr/>
+              </p:nvSpPr>
+              <p:spPr>
+                <a:xfrm>
+                  <a:off x="7630940" y="1304504"/>
+                  <a:ext cx="311111" cy="307777"/>
+                </a:xfrm>
+                <a:prstGeom prst="rect">
+                  <a:avLst/>
+                </a:prstGeom>
+                <a:noFill/>
+              </p:spPr>
+              <p:txBody>
+                <a:bodyPr wrap="square" lIns="0" tIns="0" rIns="0" bIns="0" rtlCol="0">
+                  <a:spAutoFit/>
+                </a:bodyPr>
+                <a:lstStyle/>
+                <a:p>
+                  <a:pPr/>
+                  <a14:m>
+                    <m:oMathPara xmlns:m="http://schemas.openxmlformats.org/officeDocument/2006/math">
+                      <m:oMathParaPr>
+                        <m:jc m:val="centerGroup"/>
+                      </m:oMathParaPr>
+                      <m:oMath xmlns:m="http://schemas.openxmlformats.org/officeDocument/2006/math">
+                        <m:r>
+                          <a:rPr lang="fr-FR" sz="2000" b="0" i="1" smtClean="0">
+                            <a:latin typeface="Cambria Math" panose="02040503050406030204" pitchFamily="18" charset="0"/>
+                          </a:rPr>
+                          <m:t>𝜓</m:t>
+                        </m:r>
+                      </m:oMath>
+                    </m:oMathPara>
+                  </a14:m>
+                  <a:endParaRPr lang="fr-FR" sz="2000" dirty="0"/>
+                </a:p>
+              </p:txBody>
+            </p:sp>
+          </mc:Choice>
+          <mc:Fallback xmlns="">
+            <p:sp>
+              <p:nvSpPr>
+                <p:cNvPr id="60" name="ZoneTexte 59">
+                  <a:extLst>
+                    <a:ext uri="{FF2B5EF4-FFF2-40B4-BE49-F238E27FC236}">
+                      <a16:creationId xmlns:a16="http://schemas.microsoft.com/office/drawing/2014/main" id="{8DC79AF5-8448-C08F-A0D1-088F900C357B}"/>
+                    </a:ext>
+                  </a:extLst>
+                </p:cNvPr>
+                <p:cNvSpPr txBox="1">
+                  <a:spLocks noRot="1" noChangeAspect="1" noMove="1" noResize="1" noEditPoints="1" noAdjustHandles="1" noChangeArrowheads="1" noChangeShapeType="1" noTextEdit="1"/>
+                </p:cNvSpPr>
+                <p:nvPr/>
+              </p:nvSpPr>
+              <p:spPr>
+                <a:xfrm>
+                  <a:off x="7630940" y="1304504"/>
+                  <a:ext cx="311111" cy="307777"/>
+                </a:xfrm>
+                <a:prstGeom prst="rect">
+                  <a:avLst/>
+                </a:prstGeom>
+                <a:blipFill>
+                  <a:blip r:embed="rId16"/>
+                  <a:stretch>
+                    <a:fillRect l="-19608" r="-15686" b="-33333"/>
+                  </a:stretch>
+                </a:blipFill>
+              </p:spPr>
+              <p:txBody>
+                <a:bodyPr/>
+                <a:lstStyle/>
+                <a:p>
+                  <a:r>
+                    <a:rPr lang="fr-FR">
+                      <a:noFill/>
+                    </a:rPr>
+                    <a:t> </a:t>
+                  </a:r>
+                </a:p>
+              </p:txBody>
+            </p:sp>
+          </mc:Fallback>
+        </mc:AlternateContent>
+      </p:grpSp>
+      <p:sp>
+        <p:nvSpPr>
+          <p:cNvPr id="65" name="Arc 64">
+            <a:extLst>
+              <a:ext uri="{FF2B5EF4-FFF2-40B4-BE49-F238E27FC236}">
+                <a16:creationId xmlns:a16="http://schemas.microsoft.com/office/drawing/2014/main" id="{2AE450D7-3329-F091-4200-EBEE6701B591}"/>
+              </a:ext>
+            </a:extLst>
+          </p:cNvPr>
+          <p:cNvSpPr/>
+          <p:nvPr/>
+        </p:nvSpPr>
+        <p:spPr>
+          <a:xfrm>
+            <a:off x="5655272" y="5354016"/>
             <a:ext cx="2340000" cy="2340000"/>
           </a:xfrm>
           <a:prstGeom prst="arc">
